--- a/Scotiabank/Scotiabank_analysis.pptx
+++ b/Scotiabank/Scotiabank_analysis.pptx
@@ -6,6 +6,8 @@
   </p:sldMasterIdLst>
   <p:sldIdLst>
     <p:sldId id="256" r:id="rId2"/>
+    <p:sldId id="257" r:id="rId3"/>
+    <p:sldId id="258" r:id="rId4"/>
   </p:sldIdLst>
   <p:sldSz cx="12192000" cy="6858000"/>
   <p:notesSz cx="6858000" cy="9144000"/>
@@ -3337,44 +3339,2527 @@
             <p:ph type="ctrTitle"/>
           </p:nvPr>
         </p:nvSpPr>
-        <p:spPr/>
+        <p:spPr>
+          <a:xfrm>
+            <a:off x="1524000" y="3868329"/>
+            <a:ext cx="9144000" cy="1797485"/>
+          </a:xfrm>
+        </p:spPr>
         <p:txBody>
           <a:bodyPr/>
           <a:lstStyle/>
           <a:p>
-            <a:endParaRPr lang="en-US"/>
-          </a:p>
-        </p:txBody>
-      </p:sp>
-      <p:sp>
-        <p:nvSpPr>
-          <p:cNvPr id="3" name="Subtitle 2">
-            <a:extLst>
-              <a:ext uri="{FF2B5EF4-FFF2-40B4-BE49-F238E27FC236}">
-                <a16:creationId xmlns:a16="http://schemas.microsoft.com/office/drawing/2014/main" id="{2218D05C-CC73-E943-9300-51D6553D2B0E}"/>
-              </a:ext>
-            </a:extLst>
-          </p:cNvPr>
-          <p:cNvSpPr>
-            <a:spLocks noGrp="1"/>
-          </p:cNvSpPr>
-          <p:nvPr>
-            <p:ph type="subTitle" idx="1"/>
-          </p:nvPr>
-        </p:nvSpPr>
-        <p:spPr/>
-        <p:txBody>
-          <a:bodyPr/>
-          <a:lstStyle/>
-          <a:p>
-            <a:endParaRPr lang="en-US"/>
-          </a:p>
-        </p:txBody>
-      </p:sp>
+            <a:r>
+              <a:rPr lang="en-US" b="1" dirty="0">
+                <a:latin typeface="+mn-lt"/>
+              </a:rPr>
+              <a:t>Data Analysis</a:t>
+            </a:r>
+          </a:p>
+        </p:txBody>
+      </p:sp>
+      <p:pic>
+        <p:nvPicPr>
+          <p:cNvPr id="19" name="Picture 18">
+            <a:extLst>
+              <a:ext uri="{FF2B5EF4-FFF2-40B4-BE49-F238E27FC236}">
+                <a16:creationId xmlns:a16="http://schemas.microsoft.com/office/drawing/2014/main" id="{25F47EEF-E290-1346-86F0-C5CCC7EA2A0D}"/>
+              </a:ext>
+            </a:extLst>
+          </p:cNvPr>
+          <p:cNvPicPr>
+            <a:picLocks noChangeAspect="1"/>
+          </p:cNvPicPr>
+          <p:nvPr/>
+        </p:nvPicPr>
+        <p:blipFill>
+          <a:blip r:embed="rId2"/>
+          <a:stretch>
+            <a:fillRect/>
+          </a:stretch>
+        </p:blipFill>
+        <p:spPr>
+          <a:xfrm>
+            <a:off x="0" y="0"/>
+            <a:ext cx="12192000" cy="4767072"/>
+          </a:xfrm>
+          <a:prstGeom prst="rect">
+            <a:avLst/>
+          </a:prstGeom>
+        </p:spPr>
+      </p:pic>
     </p:spTree>
     <p:extLst>
       <p:ext uri="{BB962C8B-B14F-4D97-AF65-F5344CB8AC3E}">
         <p14:creationId xmlns:p14="http://schemas.microsoft.com/office/powerpoint/2010/main" val="4056153257"/>
+      </p:ext>
+    </p:extLst>
+  </p:cSld>
+  <p:clrMapOvr>
+    <a:masterClrMapping/>
+  </p:clrMapOvr>
+</p:sld>
+</file>
+
+<file path=ppt/slides/slide2.xml><?xml version="1.0" encoding="utf-8"?>
+<p:sld xmlns:a="http://schemas.openxmlformats.org/drawingml/2006/main" xmlns:r="http://schemas.openxmlformats.org/officeDocument/2006/relationships" xmlns:p="http://schemas.openxmlformats.org/presentationml/2006/main">
+  <p:cSld>
+    <p:spTree>
+      <p:nvGrpSpPr>
+        <p:cNvPr id="1" name=""/>
+        <p:cNvGrpSpPr/>
+        <p:nvPr/>
+      </p:nvGrpSpPr>
+      <p:grpSpPr>
+        <a:xfrm>
+          <a:off x="0" y="0"/>
+          <a:ext cx="0" cy="0"/>
+          <a:chOff x="0" y="0"/>
+          <a:chExt cx="0" cy="0"/>
+        </a:xfrm>
+      </p:grpSpPr>
+      <p:sp>
+        <p:nvSpPr>
+          <p:cNvPr id="4" name="Title 1">
+            <a:extLst>
+              <a:ext uri="{FF2B5EF4-FFF2-40B4-BE49-F238E27FC236}">
+                <a16:creationId xmlns:a16="http://schemas.microsoft.com/office/drawing/2014/main" id="{4655E59E-A2FC-3F49-93C5-5760A5E3A66A}"/>
+              </a:ext>
+            </a:extLst>
+          </p:cNvPr>
+          <p:cNvSpPr txBox="1">
+            <a:spLocks/>
+          </p:cNvSpPr>
+          <p:nvPr/>
+        </p:nvSpPr>
+        <p:spPr>
+          <a:xfrm>
+            <a:off x="537460" y="515462"/>
+            <a:ext cx="5245824" cy="600164"/>
+          </a:xfrm>
+          <a:prstGeom prst="rect">
+            <a:avLst/>
+          </a:prstGeom>
+        </p:spPr>
+        <p:txBody>
+          <a:bodyPr vert="horz" lIns="91440" tIns="45720" rIns="91440" bIns="45720" rtlCol="0" anchor="ctr">
+            <a:normAutofit fontScale="92500" lnSpcReduction="20000"/>
+          </a:bodyPr>
+          <a:lstStyle>
+            <a:lvl1pPr algn="l" defTabSz="914400" rtl="0" eaLnBrk="1" latinLnBrk="0" hangingPunct="1">
+              <a:lnSpc>
+                <a:spcPct val="90000"/>
+              </a:lnSpc>
+              <a:spcBef>
+                <a:spcPct val="0"/>
+              </a:spcBef>
+              <a:buNone/>
+              <a:defRPr sz="4400" kern="1200">
+                <a:solidFill>
+                  <a:schemeClr val="tx1"/>
+                </a:solidFill>
+                <a:latin typeface="+mj-lt"/>
+                <a:ea typeface="+mj-ea"/>
+                <a:cs typeface="+mj-cs"/>
+              </a:defRPr>
+            </a:lvl1pPr>
+          </a:lstStyle>
+          <a:p>
+            <a:r>
+              <a:rPr lang="en-US" b="1" dirty="0">
+                <a:latin typeface="+mn-lt"/>
+              </a:rPr>
+              <a:t>Work Breakdown</a:t>
+            </a:r>
+          </a:p>
+        </p:txBody>
+      </p:sp>
+      <p:pic>
+        <p:nvPicPr>
+          <p:cNvPr id="5" name="Picture Placeholder 8">
+            <a:extLst>
+              <a:ext uri="{FF2B5EF4-FFF2-40B4-BE49-F238E27FC236}">
+                <a16:creationId xmlns:a16="http://schemas.microsoft.com/office/drawing/2014/main" id="{05CA0A6F-304D-E947-9222-5CFA17513CB0}"/>
+              </a:ext>
+            </a:extLst>
+          </p:cNvPr>
+          <p:cNvPicPr>
+            <a:picLocks noChangeAspect="1"/>
+          </p:cNvPicPr>
+          <p:nvPr/>
+        </p:nvPicPr>
+        <p:blipFill>
+          <a:blip r:embed="rId2">
+            <a:extLst>
+              <a:ext uri="{28A0092B-C50C-407E-A947-70E740481C1C}">
+                <a14:useLocalDpi xmlns:a14="http://schemas.microsoft.com/office/drawing/2010/main" val="0"/>
+              </a:ext>
+            </a:extLst>
+          </a:blip>
+          <a:srcRect l="14" r="14"/>
+          <a:stretch>
+            <a:fillRect/>
+          </a:stretch>
+        </p:blipFill>
+        <p:spPr>
+          <a:xfrm>
+            <a:off x="6351224" y="0"/>
+            <a:ext cx="5840776" cy="6858000"/>
+          </a:xfrm>
+          <a:prstGeom prst="rect">
+            <a:avLst/>
+          </a:prstGeom>
+        </p:spPr>
+      </p:pic>
+      <p:sp>
+        <p:nvSpPr>
+          <p:cNvPr id="7" name="Slide Number Placeholder 4">
+            <a:extLst>
+              <a:ext uri="{FF2B5EF4-FFF2-40B4-BE49-F238E27FC236}">
+                <a16:creationId xmlns:a16="http://schemas.microsoft.com/office/drawing/2014/main" id="{326C14E5-072C-A04E-8D35-AF1F96028057}"/>
+              </a:ext>
+            </a:extLst>
+          </p:cNvPr>
+          <p:cNvSpPr txBox="1">
+            <a:spLocks/>
+          </p:cNvSpPr>
+          <p:nvPr/>
+        </p:nvSpPr>
+        <p:spPr>
+          <a:xfrm>
+            <a:off x="11189654" y="6300297"/>
+            <a:ext cx="464888" cy="365125"/>
+          </a:xfrm>
+          <a:prstGeom prst="rect">
+            <a:avLst/>
+          </a:prstGeom>
+        </p:spPr>
+        <p:txBody>
+          <a:bodyPr/>
+          <a:lstStyle>
+            <a:defPPr>
+              <a:defRPr lang="en-US"/>
+            </a:defPPr>
+            <a:lvl1pPr marL="0" algn="l" defTabSz="914400" rtl="0" eaLnBrk="1" latinLnBrk="0" hangingPunct="1">
+              <a:defRPr sz="1800" kern="1200">
+                <a:solidFill>
+                  <a:schemeClr val="tx1"/>
+                </a:solidFill>
+                <a:latin typeface="+mn-lt"/>
+                <a:ea typeface="+mn-ea"/>
+                <a:cs typeface="+mn-cs"/>
+              </a:defRPr>
+            </a:lvl1pPr>
+            <a:lvl2pPr marL="457200" algn="l" defTabSz="914400" rtl="0" eaLnBrk="1" latinLnBrk="0" hangingPunct="1">
+              <a:defRPr sz="1800" kern="1200">
+                <a:solidFill>
+                  <a:schemeClr val="tx1"/>
+                </a:solidFill>
+                <a:latin typeface="+mn-lt"/>
+                <a:ea typeface="+mn-ea"/>
+                <a:cs typeface="+mn-cs"/>
+              </a:defRPr>
+            </a:lvl2pPr>
+            <a:lvl3pPr marL="914400" algn="l" defTabSz="914400" rtl="0" eaLnBrk="1" latinLnBrk="0" hangingPunct="1">
+              <a:defRPr sz="1800" kern="1200">
+                <a:solidFill>
+                  <a:schemeClr val="tx1"/>
+                </a:solidFill>
+                <a:latin typeface="+mn-lt"/>
+                <a:ea typeface="+mn-ea"/>
+                <a:cs typeface="+mn-cs"/>
+              </a:defRPr>
+            </a:lvl3pPr>
+            <a:lvl4pPr marL="1371600" algn="l" defTabSz="914400" rtl="0" eaLnBrk="1" latinLnBrk="0" hangingPunct="1">
+              <a:defRPr sz="1800" kern="1200">
+                <a:solidFill>
+                  <a:schemeClr val="tx1"/>
+                </a:solidFill>
+                <a:latin typeface="+mn-lt"/>
+                <a:ea typeface="+mn-ea"/>
+                <a:cs typeface="+mn-cs"/>
+              </a:defRPr>
+            </a:lvl4pPr>
+            <a:lvl5pPr marL="1828800" algn="l" defTabSz="914400" rtl="0" eaLnBrk="1" latinLnBrk="0" hangingPunct="1">
+              <a:defRPr sz="1800" kern="1200">
+                <a:solidFill>
+                  <a:schemeClr val="tx1"/>
+                </a:solidFill>
+                <a:latin typeface="+mn-lt"/>
+                <a:ea typeface="+mn-ea"/>
+                <a:cs typeface="+mn-cs"/>
+              </a:defRPr>
+            </a:lvl5pPr>
+            <a:lvl6pPr marL="2286000" algn="l" defTabSz="914400" rtl="0" eaLnBrk="1" latinLnBrk="0" hangingPunct="1">
+              <a:defRPr sz="1800" kern="1200">
+                <a:solidFill>
+                  <a:schemeClr val="tx1"/>
+                </a:solidFill>
+                <a:latin typeface="+mn-lt"/>
+                <a:ea typeface="+mn-ea"/>
+                <a:cs typeface="+mn-cs"/>
+              </a:defRPr>
+            </a:lvl6pPr>
+            <a:lvl7pPr marL="2743200" algn="l" defTabSz="914400" rtl="0" eaLnBrk="1" latinLnBrk="0" hangingPunct="1">
+              <a:defRPr sz="1800" kern="1200">
+                <a:solidFill>
+                  <a:schemeClr val="tx1"/>
+                </a:solidFill>
+                <a:latin typeface="+mn-lt"/>
+                <a:ea typeface="+mn-ea"/>
+                <a:cs typeface="+mn-cs"/>
+              </a:defRPr>
+            </a:lvl7pPr>
+            <a:lvl8pPr marL="3200400" algn="l" defTabSz="914400" rtl="0" eaLnBrk="1" latinLnBrk="0" hangingPunct="1">
+              <a:defRPr sz="1800" kern="1200">
+                <a:solidFill>
+                  <a:schemeClr val="tx1"/>
+                </a:solidFill>
+                <a:latin typeface="+mn-lt"/>
+                <a:ea typeface="+mn-ea"/>
+                <a:cs typeface="+mn-cs"/>
+              </a:defRPr>
+            </a:lvl8pPr>
+            <a:lvl9pPr marL="3657600" algn="l" defTabSz="914400" rtl="0" eaLnBrk="1" latinLnBrk="0" hangingPunct="1">
+              <a:defRPr sz="1800" kern="1200">
+                <a:solidFill>
+                  <a:schemeClr val="tx1"/>
+                </a:solidFill>
+                <a:latin typeface="+mn-lt"/>
+                <a:ea typeface="+mn-ea"/>
+                <a:cs typeface="+mn-cs"/>
+              </a:defRPr>
+            </a:lvl9pPr>
+          </a:lstStyle>
+          <a:p>
+            <a:fld id="{4E6DB2D9-BBD8-435B-B34A-9B8472CE273E}" type="slidenum">
+              <a:rPr lang="en-US" smtClean="0"/>
+              <a:pPr/>
+              <a:t>2</a:t>
+            </a:fld>
+            <a:endParaRPr lang="en-US" dirty="0"/>
+          </a:p>
+        </p:txBody>
+      </p:sp>
+      <p:sp>
+        <p:nvSpPr>
+          <p:cNvPr id="8" name="Rectangle 7">
+            <a:extLst>
+              <a:ext uri="{FF2B5EF4-FFF2-40B4-BE49-F238E27FC236}">
+                <a16:creationId xmlns:a16="http://schemas.microsoft.com/office/drawing/2014/main" id="{49BD4093-7255-C64F-BA99-E9BCF500DC12}"/>
+              </a:ext>
+            </a:extLst>
+          </p:cNvPr>
+          <p:cNvSpPr/>
+          <p:nvPr/>
+        </p:nvSpPr>
+        <p:spPr>
+          <a:xfrm>
+            <a:off x="6352800" y="-1"/>
+            <a:ext cx="5839200" cy="6857281"/>
+          </a:xfrm>
+          <a:prstGeom prst="rect">
+            <a:avLst/>
+          </a:prstGeom>
+          <a:solidFill>
+            <a:srgbClr val="EC131B"/>
+          </a:solidFill>
+          <a:ln>
+            <a:noFill/>
+          </a:ln>
+        </p:spPr>
+        <p:style>
+          <a:lnRef idx="2">
+            <a:schemeClr val="accent1">
+              <a:shade val="50000"/>
+            </a:schemeClr>
+          </a:lnRef>
+          <a:fillRef idx="1">
+            <a:schemeClr val="accent1"/>
+          </a:fillRef>
+          <a:effectRef idx="0">
+            <a:schemeClr val="accent1"/>
+          </a:effectRef>
+          <a:fontRef idx="minor">
+            <a:schemeClr val="lt1"/>
+          </a:fontRef>
+        </p:style>
+        <p:txBody>
+          <a:bodyPr rtlCol="0" anchor="ctr"/>
+          <a:lstStyle/>
+          <a:p>
+            <a:pPr algn="ctr"/>
+            <a:endParaRPr lang="en-US"/>
+          </a:p>
+        </p:txBody>
+      </p:sp>
+      <p:sp>
+        <p:nvSpPr>
+          <p:cNvPr id="10" name="TextBox 9">
+            <a:extLst>
+              <a:ext uri="{FF2B5EF4-FFF2-40B4-BE49-F238E27FC236}">
+                <a16:creationId xmlns:a16="http://schemas.microsoft.com/office/drawing/2014/main" id="{52F74CD0-9C91-3B49-8530-138B23D91462}"/>
+              </a:ext>
+            </a:extLst>
+          </p:cNvPr>
+          <p:cNvSpPr txBox="1"/>
+          <p:nvPr/>
+        </p:nvSpPr>
+        <p:spPr>
+          <a:xfrm>
+            <a:off x="537460" y="1309789"/>
+            <a:ext cx="5459481" cy="2486065"/>
+          </a:xfrm>
+          <a:prstGeom prst="rect">
+            <a:avLst/>
+          </a:prstGeom>
+          <a:noFill/>
+        </p:spPr>
+        <p:txBody>
+          <a:bodyPr wrap="square" rtlCol="0">
+            <a:spAutoFit/>
+          </a:bodyPr>
+          <a:lstStyle/>
+          <a:p>
+            <a:pPr marL="285750" indent="-285750">
+              <a:lnSpc>
+                <a:spcPct val="117000"/>
+              </a:lnSpc>
+              <a:spcAft>
+                <a:spcPts val="1200"/>
+              </a:spcAft>
+              <a:buClr>
+                <a:srgbClr val="EC131B"/>
+              </a:buClr>
+              <a:buSzPct val="170000"/>
+              <a:buFont typeface="Arial" panose="020B0604020202020204" pitchFamily="34" charset="0"/>
+              <a:buChar char="•"/>
+            </a:pPr>
+            <a:r>
+              <a:rPr lang="en-US" sz="2000" dirty="0"/>
+              <a:t>Overview</a:t>
+            </a:r>
+          </a:p>
+          <a:p>
+            <a:pPr marL="285750" indent="-285750">
+              <a:lnSpc>
+                <a:spcPct val="117000"/>
+              </a:lnSpc>
+              <a:spcAft>
+                <a:spcPts val="1200"/>
+              </a:spcAft>
+              <a:buClr>
+                <a:srgbClr val="EC131B"/>
+              </a:buClr>
+              <a:buSzPct val="170000"/>
+              <a:buFont typeface="Arial" panose="020B0604020202020204" pitchFamily="34" charset="0"/>
+              <a:buChar char="•"/>
+            </a:pPr>
+            <a:r>
+              <a:rPr lang="en-US" sz="2000" dirty="0"/>
+              <a:t>Approach</a:t>
+            </a:r>
+          </a:p>
+          <a:p>
+            <a:pPr marL="285750" indent="-285750">
+              <a:lnSpc>
+                <a:spcPct val="117000"/>
+              </a:lnSpc>
+              <a:spcAft>
+                <a:spcPts val="1200"/>
+              </a:spcAft>
+              <a:buClr>
+                <a:srgbClr val="EC131B"/>
+              </a:buClr>
+              <a:buSzPct val="170000"/>
+              <a:buFont typeface="Arial" panose="020B0604020202020204" pitchFamily="34" charset="0"/>
+              <a:buChar char="•"/>
+            </a:pPr>
+            <a:r>
+              <a:rPr lang="en-US" sz="2000" dirty="0"/>
+              <a:t>Data Quality Assessment</a:t>
+            </a:r>
+          </a:p>
+          <a:p>
+            <a:pPr marL="285750" indent="-285750">
+              <a:lnSpc>
+                <a:spcPct val="117000"/>
+              </a:lnSpc>
+              <a:spcAft>
+                <a:spcPts val="1200"/>
+              </a:spcAft>
+              <a:buClr>
+                <a:srgbClr val="EC131B"/>
+              </a:buClr>
+              <a:buSzPct val="170000"/>
+              <a:buFont typeface="Arial" panose="020B0604020202020204" pitchFamily="34" charset="0"/>
+              <a:buChar char="•"/>
+            </a:pPr>
+            <a:r>
+              <a:rPr lang="en-US" sz="2000" dirty="0"/>
+              <a:t>Analysis</a:t>
+            </a:r>
+          </a:p>
+          <a:p>
+            <a:pPr marL="285750" indent="-285750">
+              <a:lnSpc>
+                <a:spcPct val="117000"/>
+              </a:lnSpc>
+              <a:spcAft>
+                <a:spcPts val="1200"/>
+              </a:spcAft>
+              <a:buClr>
+                <a:srgbClr val="EC131B"/>
+              </a:buClr>
+              <a:buSzPct val="170000"/>
+              <a:buFont typeface="Arial" panose="020B0604020202020204" pitchFamily="34" charset="0"/>
+              <a:buChar char="•"/>
+            </a:pPr>
+            <a:r>
+              <a:rPr lang="en-US" sz="2000" dirty="0"/>
+              <a:t>Next Steps</a:t>
+            </a:r>
+          </a:p>
+        </p:txBody>
+      </p:sp>
+      <p:sp>
+        <p:nvSpPr>
+          <p:cNvPr id="12" name="Freeform 5">
+            <a:extLst>
+              <a:ext uri="{FF2B5EF4-FFF2-40B4-BE49-F238E27FC236}">
+                <a16:creationId xmlns:a16="http://schemas.microsoft.com/office/drawing/2014/main" id="{3F87F197-DBAE-2445-85A3-B3B05D79A01F}"/>
+              </a:ext>
+            </a:extLst>
+          </p:cNvPr>
+          <p:cNvSpPr>
+            <a:spLocks noChangeAspect="1" noEditPoints="1"/>
+          </p:cNvSpPr>
+          <p:nvPr/>
+        </p:nvSpPr>
+        <p:spPr bwMode="auto">
+          <a:xfrm>
+            <a:off x="7131965" y="1036947"/>
+            <a:ext cx="4270246" cy="4811404"/>
+          </a:xfrm>
+          <a:custGeom>
+            <a:avLst/>
+            <a:gdLst>
+              <a:gd name="T0" fmla="*/ 765 w 2705"/>
+              <a:gd name="T1" fmla="*/ 1714 h 3049"/>
+              <a:gd name="T2" fmla="*/ 816 w 2705"/>
+              <a:gd name="T3" fmla="*/ 1776 h 3049"/>
+              <a:gd name="T4" fmla="*/ 1042 w 2705"/>
+              <a:gd name="T5" fmla="*/ 2346 h 3049"/>
+              <a:gd name="T6" fmla="*/ 1174 w 2705"/>
+              <a:gd name="T7" fmla="*/ 2855 h 3049"/>
+              <a:gd name="T8" fmla="*/ 1562 w 2705"/>
+              <a:gd name="T9" fmla="*/ 2837 h 3049"/>
+              <a:gd name="T10" fmla="*/ 1668 w 2705"/>
+              <a:gd name="T11" fmla="*/ 2647 h 3049"/>
+              <a:gd name="T12" fmla="*/ 1664 w 2705"/>
+              <a:gd name="T13" fmla="*/ 2339 h 3049"/>
+              <a:gd name="T14" fmla="*/ 1933 w 2705"/>
+              <a:gd name="T15" fmla="*/ 1725 h 3049"/>
+              <a:gd name="T16" fmla="*/ 1353 w 2705"/>
+              <a:gd name="T17" fmla="*/ 568 h 3049"/>
+              <a:gd name="T18" fmla="*/ 1265 w 2705"/>
+              <a:gd name="T19" fmla="*/ 2855 h 3049"/>
+              <a:gd name="T20" fmla="*/ 1471 w 2705"/>
+              <a:gd name="T21" fmla="*/ 2855 h 3049"/>
+              <a:gd name="T22" fmla="*/ 1322 w 2705"/>
+              <a:gd name="T23" fmla="*/ 2647 h 3049"/>
+              <a:gd name="T24" fmla="*/ 1486 w 2705"/>
+              <a:gd name="T25" fmla="*/ 2763 h 3049"/>
+              <a:gd name="T26" fmla="*/ 1133 w 2705"/>
+              <a:gd name="T27" fmla="*/ 2543 h 3049"/>
+              <a:gd name="T28" fmla="*/ 1342 w 2705"/>
+              <a:gd name="T29" fmla="*/ 2452 h 3049"/>
+              <a:gd name="T30" fmla="*/ 1573 w 2705"/>
+              <a:gd name="T31" fmla="*/ 2391 h 3049"/>
+              <a:gd name="T32" fmla="*/ 1859 w 2705"/>
+              <a:gd name="T33" fmla="*/ 1670 h 3049"/>
+              <a:gd name="T34" fmla="*/ 1821 w 2705"/>
+              <a:gd name="T35" fmla="*/ 1716 h 3049"/>
+              <a:gd name="T36" fmla="*/ 1132 w 2705"/>
+              <a:gd name="T37" fmla="*/ 2300 h 3049"/>
+              <a:gd name="T38" fmla="*/ 848 w 2705"/>
+              <a:gd name="T39" fmla="*/ 1673 h 3049"/>
+              <a:gd name="T40" fmla="*/ 844 w 2705"/>
+              <a:gd name="T41" fmla="*/ 1667 h 3049"/>
+              <a:gd name="T42" fmla="*/ 1985 w 2705"/>
+              <a:gd name="T43" fmla="*/ 1292 h 3049"/>
+              <a:gd name="T44" fmla="*/ 1398 w 2705"/>
+              <a:gd name="T45" fmla="*/ 414 h 3049"/>
+              <a:gd name="T46" fmla="*/ 1307 w 2705"/>
+              <a:gd name="T47" fmla="*/ 46 h 3049"/>
+              <a:gd name="T48" fmla="*/ 459 w 2705"/>
+              <a:gd name="T49" fmla="*/ 1353 h 3049"/>
+              <a:gd name="T50" fmla="*/ 0 w 2705"/>
+              <a:gd name="T51" fmla="*/ 1353 h 3049"/>
+              <a:gd name="T52" fmla="*/ 459 w 2705"/>
+              <a:gd name="T53" fmla="*/ 1353 h 3049"/>
+              <a:gd name="T54" fmla="*/ 2247 w 2705"/>
+              <a:gd name="T55" fmla="*/ 1353 h 3049"/>
+              <a:gd name="T56" fmla="*/ 2705 w 2705"/>
+              <a:gd name="T57" fmla="*/ 1353 h 3049"/>
+              <a:gd name="T58" fmla="*/ 2049 w 2705"/>
+              <a:gd name="T59" fmla="*/ 721 h 3049"/>
+              <a:gd name="T60" fmla="*/ 2245 w 2705"/>
+              <a:gd name="T61" fmla="*/ 397 h 3049"/>
+              <a:gd name="T62" fmla="*/ 2017 w 2705"/>
+              <a:gd name="T63" fmla="*/ 734 h 3049"/>
+              <a:gd name="T64" fmla="*/ 721 w 2705"/>
+              <a:gd name="T65" fmla="*/ 721 h 3049"/>
+              <a:gd name="T66" fmla="*/ 396 w 2705"/>
+              <a:gd name="T67" fmla="*/ 397 h 3049"/>
+              <a:gd name="T68" fmla="*/ 1716 w 2705"/>
+              <a:gd name="T69" fmla="*/ 536 h 3049"/>
+              <a:gd name="T70" fmla="*/ 1926 w 2705"/>
+              <a:gd name="T71" fmla="*/ 178 h 3049"/>
+              <a:gd name="T72" fmla="*/ 1693 w 2705"/>
+              <a:gd name="T73" fmla="*/ 476 h 3049"/>
+              <a:gd name="T74" fmla="*/ 177 w 2705"/>
+              <a:gd name="T75" fmla="*/ 780 h 3049"/>
+              <a:gd name="T76" fmla="*/ 476 w 2705"/>
+              <a:gd name="T77" fmla="*/ 1012 h 3049"/>
+              <a:gd name="T78" fmla="*/ 513 w 2705"/>
+              <a:gd name="T79" fmla="*/ 929 h 3049"/>
+              <a:gd name="T80" fmla="*/ 2169 w 2705"/>
+              <a:gd name="T81" fmla="*/ 1717 h 3049"/>
+              <a:gd name="T82" fmla="*/ 2547 w 2705"/>
+              <a:gd name="T83" fmla="*/ 1930 h 3049"/>
+              <a:gd name="T84" fmla="*/ 447 w 2705"/>
+              <a:gd name="T85" fmla="*/ 1652 h 3049"/>
+              <a:gd name="T86" fmla="*/ 132 w 2705"/>
+              <a:gd name="T87" fmla="*/ 1867 h 3049"/>
+              <a:gd name="T88" fmla="*/ 506 w 2705"/>
+              <a:gd name="T89" fmla="*/ 1678 h 3049"/>
+              <a:gd name="T90" fmla="*/ 2230 w 2705"/>
+              <a:gd name="T91" fmla="*/ 1062 h 3049"/>
+              <a:gd name="T92" fmla="*/ 2615 w 2705"/>
+              <a:gd name="T93" fmla="*/ 869 h 3049"/>
+              <a:gd name="T94" fmla="*/ 2187 w 2705"/>
+              <a:gd name="T95" fmla="*/ 1033 h 3049"/>
+              <a:gd name="T96" fmla="*/ 1032 w 2705"/>
+              <a:gd name="T97" fmla="*/ 518 h 3049"/>
+              <a:gd name="T98" fmla="*/ 868 w 2705"/>
+              <a:gd name="T99" fmla="*/ 90 h 3049"/>
+            </a:gdLst>
+            <a:ahLst/>
+            <a:cxnLst>
+              <a:cxn ang="0">
+                <a:pos x="T0" y="T1"/>
+              </a:cxn>
+              <a:cxn ang="0">
+                <a:pos x="T2" y="T3"/>
+              </a:cxn>
+              <a:cxn ang="0">
+                <a:pos x="T4" y="T5"/>
+              </a:cxn>
+              <a:cxn ang="0">
+                <a:pos x="T6" y="T7"/>
+              </a:cxn>
+              <a:cxn ang="0">
+                <a:pos x="T8" y="T9"/>
+              </a:cxn>
+              <a:cxn ang="0">
+                <a:pos x="T10" y="T11"/>
+              </a:cxn>
+              <a:cxn ang="0">
+                <a:pos x="T12" y="T13"/>
+              </a:cxn>
+              <a:cxn ang="0">
+                <a:pos x="T14" y="T15"/>
+              </a:cxn>
+              <a:cxn ang="0">
+                <a:pos x="T16" y="T17"/>
+              </a:cxn>
+              <a:cxn ang="0">
+                <a:pos x="T18" y="T19"/>
+              </a:cxn>
+              <a:cxn ang="0">
+                <a:pos x="T20" y="T21"/>
+              </a:cxn>
+              <a:cxn ang="0">
+                <a:pos x="T22" y="T23"/>
+              </a:cxn>
+              <a:cxn ang="0">
+                <a:pos x="T24" y="T25"/>
+              </a:cxn>
+              <a:cxn ang="0">
+                <a:pos x="T26" y="T27"/>
+              </a:cxn>
+              <a:cxn ang="0">
+                <a:pos x="T28" y="T29"/>
+              </a:cxn>
+              <a:cxn ang="0">
+                <a:pos x="T30" y="T31"/>
+              </a:cxn>
+              <a:cxn ang="0">
+                <a:pos x="T32" y="T33"/>
+              </a:cxn>
+              <a:cxn ang="0">
+                <a:pos x="T34" y="T35"/>
+              </a:cxn>
+              <a:cxn ang="0">
+                <a:pos x="T36" y="T37"/>
+              </a:cxn>
+              <a:cxn ang="0">
+                <a:pos x="T38" y="T39"/>
+              </a:cxn>
+              <a:cxn ang="0">
+                <a:pos x="T40" y="T41"/>
+              </a:cxn>
+              <a:cxn ang="0">
+                <a:pos x="T42" y="T43"/>
+              </a:cxn>
+              <a:cxn ang="0">
+                <a:pos x="T44" y="T45"/>
+              </a:cxn>
+              <a:cxn ang="0">
+                <a:pos x="T46" y="T47"/>
+              </a:cxn>
+              <a:cxn ang="0">
+                <a:pos x="T48" y="T49"/>
+              </a:cxn>
+              <a:cxn ang="0">
+                <a:pos x="T50" y="T51"/>
+              </a:cxn>
+              <a:cxn ang="0">
+                <a:pos x="T52" y="T53"/>
+              </a:cxn>
+              <a:cxn ang="0">
+                <a:pos x="T54" y="T55"/>
+              </a:cxn>
+              <a:cxn ang="0">
+                <a:pos x="T56" y="T57"/>
+              </a:cxn>
+              <a:cxn ang="0">
+                <a:pos x="T58" y="T59"/>
+              </a:cxn>
+              <a:cxn ang="0">
+                <a:pos x="T60" y="T61"/>
+              </a:cxn>
+              <a:cxn ang="0">
+                <a:pos x="T62" y="T63"/>
+              </a:cxn>
+              <a:cxn ang="0">
+                <a:pos x="T64" y="T65"/>
+              </a:cxn>
+              <a:cxn ang="0">
+                <a:pos x="T66" y="T67"/>
+              </a:cxn>
+              <a:cxn ang="0">
+                <a:pos x="T68" y="T69"/>
+              </a:cxn>
+              <a:cxn ang="0">
+                <a:pos x="T70" y="T71"/>
+              </a:cxn>
+              <a:cxn ang="0">
+                <a:pos x="T72" y="T73"/>
+              </a:cxn>
+              <a:cxn ang="0">
+                <a:pos x="T74" y="T75"/>
+              </a:cxn>
+              <a:cxn ang="0">
+                <a:pos x="T76" y="T77"/>
+              </a:cxn>
+              <a:cxn ang="0">
+                <a:pos x="T78" y="T79"/>
+              </a:cxn>
+              <a:cxn ang="0">
+                <a:pos x="T80" y="T81"/>
+              </a:cxn>
+              <a:cxn ang="0">
+                <a:pos x="T82" y="T83"/>
+              </a:cxn>
+              <a:cxn ang="0">
+                <a:pos x="T84" y="T85"/>
+              </a:cxn>
+              <a:cxn ang="0">
+                <a:pos x="T86" y="T87"/>
+              </a:cxn>
+              <a:cxn ang="0">
+                <a:pos x="T88" y="T89"/>
+              </a:cxn>
+              <a:cxn ang="0">
+                <a:pos x="T90" y="T91"/>
+              </a:cxn>
+              <a:cxn ang="0">
+                <a:pos x="T92" y="T93"/>
+              </a:cxn>
+              <a:cxn ang="0">
+                <a:pos x="T94" y="T95"/>
+              </a:cxn>
+              <a:cxn ang="0">
+                <a:pos x="T96" y="T97"/>
+              </a:cxn>
+              <a:cxn ang="0">
+                <a:pos x="T98" y="T99"/>
+              </a:cxn>
+            </a:cxnLst>
+            <a:rect l="0" t="0" r="r" b="b"/>
+            <a:pathLst>
+              <a:path w="2705" h="3049">
+                <a:moveTo>
+                  <a:pt x="1353" y="568"/>
+                </a:moveTo>
+                <a:cubicBezTo>
+                  <a:pt x="953" y="568"/>
+                  <a:pt x="629" y="893"/>
+                  <a:pt x="629" y="1292"/>
+                </a:cubicBezTo>
+                <a:cubicBezTo>
+                  <a:pt x="629" y="1444"/>
+                  <a:pt x="676" y="1590"/>
+                  <a:pt x="765" y="1714"/>
+                </a:cubicBezTo>
+                <a:cubicBezTo>
+                  <a:pt x="767" y="1718"/>
+                  <a:pt x="770" y="1722"/>
+                  <a:pt x="773" y="1725"/>
+                </a:cubicBezTo>
+                <a:cubicBezTo>
+                  <a:pt x="777" y="1729"/>
+                  <a:pt x="777" y="1729"/>
+                  <a:pt x="777" y="1729"/>
+                </a:cubicBezTo>
+                <a:cubicBezTo>
+                  <a:pt x="789" y="1745"/>
+                  <a:pt x="802" y="1761"/>
+                  <a:pt x="816" y="1776"/>
+                </a:cubicBezTo>
+                <a:cubicBezTo>
+                  <a:pt x="886" y="1866"/>
+                  <a:pt x="1045" y="2098"/>
+                  <a:pt x="1042" y="2345"/>
+                </a:cubicBezTo>
+                <a:cubicBezTo>
+                  <a:pt x="1042" y="2345"/>
+                  <a:pt x="1042" y="2345"/>
+                  <a:pt x="1042" y="2345"/>
+                </a:cubicBezTo>
+                <a:cubicBezTo>
+                  <a:pt x="1042" y="2346"/>
+                  <a:pt x="1042" y="2346"/>
+                  <a:pt x="1042" y="2346"/>
+                </a:cubicBezTo>
+                <a:cubicBezTo>
+                  <a:pt x="1042" y="2675"/>
+                  <a:pt x="1042" y="2675"/>
+                  <a:pt x="1042" y="2675"/>
+                </a:cubicBezTo>
+                <a:cubicBezTo>
+                  <a:pt x="1042" y="2758"/>
+                  <a:pt x="1098" y="2827"/>
+                  <a:pt x="1174" y="2848"/>
+                </a:cubicBezTo>
+                <a:cubicBezTo>
+                  <a:pt x="1174" y="2855"/>
+                  <a:pt x="1174" y="2855"/>
+                  <a:pt x="1174" y="2855"/>
+                </a:cubicBezTo>
+                <a:cubicBezTo>
+                  <a:pt x="1174" y="2962"/>
+                  <a:pt x="1261" y="3049"/>
+                  <a:pt x="1368" y="3049"/>
+                </a:cubicBezTo>
+                <a:cubicBezTo>
+                  <a:pt x="1475" y="3049"/>
+                  <a:pt x="1562" y="2962"/>
+                  <a:pt x="1562" y="2855"/>
+                </a:cubicBezTo>
+                <a:cubicBezTo>
+                  <a:pt x="1562" y="2837"/>
+                  <a:pt x="1562" y="2837"/>
+                  <a:pt x="1562" y="2837"/>
+                </a:cubicBezTo>
+                <a:cubicBezTo>
+                  <a:pt x="1622" y="2808"/>
+                  <a:pt x="1665" y="2747"/>
+                  <a:pt x="1665" y="2675"/>
+                </a:cubicBezTo>
+                <a:cubicBezTo>
+                  <a:pt x="1665" y="2664"/>
+                  <a:pt x="1665" y="2664"/>
+                  <a:pt x="1665" y="2664"/>
+                </a:cubicBezTo>
+                <a:cubicBezTo>
+                  <a:pt x="1667" y="2659"/>
+                  <a:pt x="1668" y="2653"/>
+                  <a:pt x="1668" y="2647"/>
+                </a:cubicBezTo>
+                <a:cubicBezTo>
+                  <a:pt x="1668" y="2641"/>
+                  <a:pt x="1667" y="2635"/>
+                  <a:pt x="1665" y="2630"/>
+                </a:cubicBezTo>
+                <a:cubicBezTo>
+                  <a:pt x="1665" y="2346"/>
+                  <a:pt x="1665" y="2346"/>
+                  <a:pt x="1665" y="2346"/>
+                </a:cubicBezTo>
+                <a:cubicBezTo>
+                  <a:pt x="1665" y="2343"/>
+                  <a:pt x="1664" y="2341"/>
+                  <a:pt x="1664" y="2339"/>
+                </a:cubicBezTo>
+                <a:cubicBezTo>
+                  <a:pt x="1663" y="2094"/>
+                  <a:pt x="1820" y="1865"/>
+                  <a:pt x="1890" y="1776"/>
+                </a:cubicBezTo>
+                <a:cubicBezTo>
+                  <a:pt x="1903" y="1761"/>
+                  <a:pt x="1916" y="1746"/>
+                  <a:pt x="1929" y="1729"/>
+                </a:cubicBezTo>
+                <a:cubicBezTo>
+                  <a:pt x="1933" y="1725"/>
+                  <a:pt x="1933" y="1725"/>
+                  <a:pt x="1933" y="1725"/>
+                </a:cubicBezTo>
+                <a:cubicBezTo>
+                  <a:pt x="1935" y="1722"/>
+                  <a:pt x="1938" y="1718"/>
+                  <a:pt x="1940" y="1714"/>
+                </a:cubicBezTo>
+                <a:cubicBezTo>
+                  <a:pt x="2029" y="1590"/>
+                  <a:pt x="2077" y="1444"/>
+                  <a:pt x="2077" y="1292"/>
+                </a:cubicBezTo>
+                <a:cubicBezTo>
+                  <a:pt x="2077" y="893"/>
+                  <a:pt x="1752" y="568"/>
+                  <a:pt x="1353" y="568"/>
+                </a:cubicBezTo>
+                <a:close/>
+                <a:moveTo>
+                  <a:pt x="1471" y="2855"/>
+                </a:moveTo>
+                <a:cubicBezTo>
+                  <a:pt x="1471" y="2912"/>
+                  <a:pt x="1425" y="2958"/>
+                  <a:pt x="1368" y="2958"/>
+                </a:cubicBezTo>
+                <a:cubicBezTo>
+                  <a:pt x="1311" y="2958"/>
+                  <a:pt x="1265" y="2912"/>
+                  <a:pt x="1265" y="2855"/>
+                </a:cubicBezTo>
+                <a:cubicBezTo>
+                  <a:pt x="1265" y="2854"/>
+                  <a:pt x="1265" y="2854"/>
+                  <a:pt x="1265" y="2854"/>
+                </a:cubicBezTo>
+                <a:cubicBezTo>
+                  <a:pt x="1471" y="2854"/>
+                  <a:pt x="1471" y="2854"/>
+                  <a:pt x="1471" y="2854"/>
+                </a:cubicBezTo>
+                <a:lnTo>
+                  <a:pt x="1471" y="2855"/>
+                </a:lnTo>
+                <a:close/>
+                <a:moveTo>
+                  <a:pt x="1573" y="2602"/>
+                </a:moveTo>
+                <a:cubicBezTo>
+                  <a:pt x="1368" y="2602"/>
+                  <a:pt x="1368" y="2602"/>
+                  <a:pt x="1368" y="2602"/>
+                </a:cubicBezTo>
+                <a:cubicBezTo>
+                  <a:pt x="1343" y="2602"/>
+                  <a:pt x="1322" y="2622"/>
+                  <a:pt x="1322" y="2647"/>
+                </a:cubicBezTo>
+                <a:cubicBezTo>
+                  <a:pt x="1322" y="2672"/>
+                  <a:pt x="1343" y="2693"/>
+                  <a:pt x="1368" y="2693"/>
+                </a:cubicBezTo>
+                <a:cubicBezTo>
+                  <a:pt x="1572" y="2693"/>
+                  <a:pt x="1572" y="2693"/>
+                  <a:pt x="1572" y="2693"/>
+                </a:cubicBezTo>
+                <a:cubicBezTo>
+                  <a:pt x="1564" y="2732"/>
+                  <a:pt x="1529" y="2763"/>
+                  <a:pt x="1486" y="2763"/>
+                </a:cubicBezTo>
+                <a:cubicBezTo>
+                  <a:pt x="1220" y="2763"/>
+                  <a:pt x="1220" y="2763"/>
+                  <a:pt x="1220" y="2763"/>
+                </a:cubicBezTo>
+                <a:cubicBezTo>
+                  <a:pt x="1172" y="2763"/>
+                  <a:pt x="1133" y="2723"/>
+                  <a:pt x="1133" y="2675"/>
+                </a:cubicBezTo>
+                <a:cubicBezTo>
+                  <a:pt x="1133" y="2543"/>
+                  <a:pt x="1133" y="2543"/>
+                  <a:pt x="1133" y="2543"/>
+                </a:cubicBezTo>
+                <a:cubicBezTo>
+                  <a:pt x="1342" y="2543"/>
+                  <a:pt x="1342" y="2543"/>
+                  <a:pt x="1342" y="2543"/>
+                </a:cubicBezTo>
+                <a:cubicBezTo>
+                  <a:pt x="1367" y="2543"/>
+                  <a:pt x="1387" y="2522"/>
+                  <a:pt x="1387" y="2497"/>
+                </a:cubicBezTo>
+                <a:cubicBezTo>
+                  <a:pt x="1387" y="2472"/>
+                  <a:pt x="1367" y="2452"/>
+                  <a:pt x="1342" y="2452"/>
+                </a:cubicBezTo>
+                <a:cubicBezTo>
+                  <a:pt x="1133" y="2452"/>
+                  <a:pt x="1133" y="2452"/>
+                  <a:pt x="1133" y="2452"/>
+                </a:cubicBezTo>
+                <a:cubicBezTo>
+                  <a:pt x="1133" y="2391"/>
+                  <a:pt x="1133" y="2391"/>
+                  <a:pt x="1133" y="2391"/>
+                </a:cubicBezTo>
+                <a:cubicBezTo>
+                  <a:pt x="1573" y="2391"/>
+                  <a:pt x="1573" y="2391"/>
+                  <a:pt x="1573" y="2391"/>
+                </a:cubicBezTo>
+                <a:lnTo>
+                  <a:pt x="1573" y="2602"/>
+                </a:lnTo>
+                <a:close/>
+                <a:moveTo>
+                  <a:pt x="1861" y="1667"/>
+                </a:moveTo>
+                <a:cubicBezTo>
+                  <a:pt x="1861" y="1668"/>
+                  <a:pt x="1860" y="1669"/>
+                  <a:pt x="1859" y="1670"/>
+                </a:cubicBezTo>
+                <a:cubicBezTo>
+                  <a:pt x="1859" y="1670"/>
+                  <a:pt x="1859" y="1670"/>
+                  <a:pt x="1859" y="1670"/>
+                </a:cubicBezTo>
+                <a:cubicBezTo>
+                  <a:pt x="1859" y="1671"/>
+                  <a:pt x="1858" y="1672"/>
+                  <a:pt x="1857" y="1673"/>
+                </a:cubicBezTo>
+                <a:cubicBezTo>
+                  <a:pt x="1846" y="1688"/>
+                  <a:pt x="1834" y="1702"/>
+                  <a:pt x="1821" y="1716"/>
+                </a:cubicBezTo>
+                <a:cubicBezTo>
+                  <a:pt x="1820" y="1717"/>
+                  <a:pt x="1820" y="1718"/>
+                  <a:pt x="1819" y="1719"/>
+                </a:cubicBezTo>
+                <a:cubicBezTo>
+                  <a:pt x="1731" y="1832"/>
+                  <a:pt x="1587" y="2052"/>
+                  <a:pt x="1574" y="2300"/>
+                </a:cubicBezTo>
+                <a:cubicBezTo>
+                  <a:pt x="1132" y="2300"/>
+                  <a:pt x="1132" y="2300"/>
+                  <a:pt x="1132" y="2300"/>
+                </a:cubicBezTo>
+                <a:cubicBezTo>
+                  <a:pt x="1119" y="2052"/>
+                  <a:pt x="975" y="1832"/>
+                  <a:pt x="886" y="1719"/>
+                </a:cubicBezTo>
+                <a:cubicBezTo>
+                  <a:pt x="886" y="1718"/>
+                  <a:pt x="885" y="1717"/>
+                  <a:pt x="884" y="1716"/>
+                </a:cubicBezTo>
+                <a:cubicBezTo>
+                  <a:pt x="871" y="1702"/>
+                  <a:pt x="859" y="1688"/>
+                  <a:pt x="848" y="1673"/>
+                </a:cubicBezTo>
+                <a:cubicBezTo>
+                  <a:pt x="848" y="1672"/>
+                  <a:pt x="847" y="1671"/>
+                  <a:pt x="846" y="1670"/>
+                </a:cubicBezTo>
+                <a:cubicBezTo>
+                  <a:pt x="846" y="1670"/>
+                  <a:pt x="846" y="1670"/>
+                  <a:pt x="846" y="1670"/>
+                </a:cubicBezTo>
+                <a:cubicBezTo>
+                  <a:pt x="845" y="1669"/>
+                  <a:pt x="845" y="1668"/>
+                  <a:pt x="844" y="1667"/>
+                </a:cubicBezTo>
+                <a:cubicBezTo>
+                  <a:pt x="763" y="1557"/>
+                  <a:pt x="720" y="1428"/>
+                  <a:pt x="720" y="1292"/>
+                </a:cubicBezTo>
+                <a:cubicBezTo>
+                  <a:pt x="720" y="943"/>
+                  <a:pt x="1004" y="659"/>
+                  <a:pt x="1353" y="659"/>
+                </a:cubicBezTo>
+                <a:cubicBezTo>
+                  <a:pt x="1702" y="659"/>
+                  <a:pt x="1985" y="943"/>
+                  <a:pt x="1985" y="1292"/>
+                </a:cubicBezTo>
+                <a:cubicBezTo>
+                  <a:pt x="1985" y="1428"/>
+                  <a:pt x="1943" y="1557"/>
+                  <a:pt x="1861" y="1667"/>
+                </a:cubicBezTo>
+                <a:close/>
+                <a:moveTo>
+                  <a:pt x="1353" y="459"/>
+                </a:moveTo>
+                <a:cubicBezTo>
+                  <a:pt x="1378" y="459"/>
+                  <a:pt x="1398" y="439"/>
+                  <a:pt x="1398" y="414"/>
+                </a:cubicBezTo>
+                <a:cubicBezTo>
+                  <a:pt x="1398" y="46"/>
+                  <a:pt x="1398" y="46"/>
+                  <a:pt x="1398" y="46"/>
+                </a:cubicBezTo>
+                <a:cubicBezTo>
+                  <a:pt x="1398" y="21"/>
+                  <a:pt x="1378" y="0"/>
+                  <a:pt x="1353" y="0"/>
+                </a:cubicBezTo>
+                <a:cubicBezTo>
+                  <a:pt x="1328" y="0"/>
+                  <a:pt x="1307" y="21"/>
+                  <a:pt x="1307" y="46"/>
+                </a:cubicBezTo>
+                <a:cubicBezTo>
+                  <a:pt x="1307" y="414"/>
+                  <a:pt x="1307" y="414"/>
+                  <a:pt x="1307" y="414"/>
+                </a:cubicBezTo>
+                <a:cubicBezTo>
+                  <a:pt x="1307" y="439"/>
+                  <a:pt x="1328" y="459"/>
+                  <a:pt x="1353" y="459"/>
+                </a:cubicBezTo>
+                <a:close/>
+                <a:moveTo>
+                  <a:pt x="459" y="1353"/>
+                </a:moveTo>
+                <a:cubicBezTo>
+                  <a:pt x="459" y="1328"/>
+                  <a:pt x="438" y="1307"/>
+                  <a:pt x="413" y="1307"/>
+                </a:cubicBezTo>
+                <a:cubicBezTo>
+                  <a:pt x="46" y="1307"/>
+                  <a:pt x="46" y="1307"/>
+                  <a:pt x="46" y="1307"/>
+                </a:cubicBezTo>
+                <a:cubicBezTo>
+                  <a:pt x="21" y="1307"/>
+                  <a:pt x="0" y="1328"/>
+                  <a:pt x="0" y="1353"/>
+                </a:cubicBezTo>
+                <a:cubicBezTo>
+                  <a:pt x="0" y="1378"/>
+                  <a:pt x="21" y="1399"/>
+                  <a:pt x="46" y="1399"/>
+                </a:cubicBezTo>
+                <a:cubicBezTo>
+                  <a:pt x="413" y="1399"/>
+                  <a:pt x="413" y="1399"/>
+                  <a:pt x="413" y="1399"/>
+                </a:cubicBezTo>
+                <a:cubicBezTo>
+                  <a:pt x="438" y="1399"/>
+                  <a:pt x="459" y="1378"/>
+                  <a:pt x="459" y="1353"/>
+                </a:cubicBezTo>
+                <a:close/>
+                <a:moveTo>
+                  <a:pt x="2660" y="1307"/>
+                </a:moveTo>
+                <a:cubicBezTo>
+                  <a:pt x="2292" y="1307"/>
+                  <a:pt x="2292" y="1307"/>
+                  <a:pt x="2292" y="1307"/>
+                </a:cubicBezTo>
+                <a:cubicBezTo>
+                  <a:pt x="2267" y="1307"/>
+                  <a:pt x="2247" y="1328"/>
+                  <a:pt x="2247" y="1353"/>
+                </a:cubicBezTo>
+                <a:cubicBezTo>
+                  <a:pt x="2247" y="1378"/>
+                  <a:pt x="2267" y="1399"/>
+                  <a:pt x="2292" y="1399"/>
+                </a:cubicBezTo>
+                <a:cubicBezTo>
+                  <a:pt x="2660" y="1399"/>
+                  <a:pt x="2660" y="1399"/>
+                  <a:pt x="2660" y="1399"/>
+                </a:cubicBezTo>
+                <a:cubicBezTo>
+                  <a:pt x="2685" y="1399"/>
+                  <a:pt x="2705" y="1378"/>
+                  <a:pt x="2705" y="1353"/>
+                </a:cubicBezTo>
+                <a:cubicBezTo>
+                  <a:pt x="2705" y="1328"/>
+                  <a:pt x="2685" y="1307"/>
+                  <a:pt x="2660" y="1307"/>
+                </a:cubicBezTo>
+                <a:close/>
+                <a:moveTo>
+                  <a:pt x="2017" y="734"/>
+                </a:moveTo>
+                <a:cubicBezTo>
+                  <a:pt x="2029" y="734"/>
+                  <a:pt x="2040" y="730"/>
+                  <a:pt x="2049" y="721"/>
+                </a:cubicBezTo>
+                <a:cubicBezTo>
+                  <a:pt x="2309" y="461"/>
+                  <a:pt x="2309" y="461"/>
+                  <a:pt x="2309" y="461"/>
+                </a:cubicBezTo>
+                <a:cubicBezTo>
+                  <a:pt x="2327" y="443"/>
+                  <a:pt x="2327" y="414"/>
+                  <a:pt x="2309" y="397"/>
+                </a:cubicBezTo>
+                <a:cubicBezTo>
+                  <a:pt x="2291" y="379"/>
+                  <a:pt x="2262" y="379"/>
+                  <a:pt x="2245" y="397"/>
+                </a:cubicBezTo>
+                <a:cubicBezTo>
+                  <a:pt x="1985" y="656"/>
+                  <a:pt x="1985" y="656"/>
+                  <a:pt x="1985" y="656"/>
+                </a:cubicBezTo>
+                <a:cubicBezTo>
+                  <a:pt x="1967" y="674"/>
+                  <a:pt x="1967" y="703"/>
+                  <a:pt x="1985" y="721"/>
+                </a:cubicBezTo>
+                <a:cubicBezTo>
+                  <a:pt x="1994" y="730"/>
+                  <a:pt x="2005" y="734"/>
+                  <a:pt x="2017" y="734"/>
+                </a:cubicBezTo>
+                <a:close/>
+                <a:moveTo>
+                  <a:pt x="656" y="721"/>
+                </a:moveTo>
+                <a:cubicBezTo>
+                  <a:pt x="665" y="730"/>
+                  <a:pt x="677" y="734"/>
+                  <a:pt x="688" y="734"/>
+                </a:cubicBezTo>
+                <a:cubicBezTo>
+                  <a:pt x="700" y="734"/>
+                  <a:pt x="712" y="730"/>
+                  <a:pt x="721" y="721"/>
+                </a:cubicBezTo>
+                <a:cubicBezTo>
+                  <a:pt x="738" y="703"/>
+                  <a:pt x="738" y="674"/>
+                  <a:pt x="721" y="656"/>
+                </a:cubicBezTo>
+                <a:cubicBezTo>
+                  <a:pt x="461" y="397"/>
+                  <a:pt x="461" y="397"/>
+                  <a:pt x="461" y="397"/>
+                </a:cubicBezTo>
+                <a:cubicBezTo>
+                  <a:pt x="443" y="379"/>
+                  <a:pt x="414" y="379"/>
+                  <a:pt x="396" y="397"/>
+                </a:cubicBezTo>
+                <a:cubicBezTo>
+                  <a:pt x="379" y="414"/>
+                  <a:pt x="379" y="443"/>
+                  <a:pt x="396" y="461"/>
+                </a:cubicBezTo>
+                <a:lnTo>
+                  <a:pt x="656" y="721"/>
+                </a:lnTo>
+                <a:close/>
+                <a:moveTo>
+                  <a:pt x="1716" y="536"/>
+                </a:moveTo>
+                <a:cubicBezTo>
+                  <a:pt x="1722" y="539"/>
+                  <a:pt x="1729" y="540"/>
+                  <a:pt x="1735" y="540"/>
+                </a:cubicBezTo>
+                <a:cubicBezTo>
+                  <a:pt x="1752" y="540"/>
+                  <a:pt x="1769" y="530"/>
+                  <a:pt x="1777" y="513"/>
+                </a:cubicBezTo>
+                <a:cubicBezTo>
+                  <a:pt x="1926" y="178"/>
+                  <a:pt x="1926" y="178"/>
+                  <a:pt x="1926" y="178"/>
+                </a:cubicBezTo>
+                <a:cubicBezTo>
+                  <a:pt x="1936" y="155"/>
+                  <a:pt x="1926" y="128"/>
+                  <a:pt x="1903" y="118"/>
+                </a:cubicBezTo>
+                <a:cubicBezTo>
+                  <a:pt x="1880" y="107"/>
+                  <a:pt x="1853" y="118"/>
+                  <a:pt x="1843" y="141"/>
+                </a:cubicBezTo>
+                <a:cubicBezTo>
+                  <a:pt x="1693" y="476"/>
+                  <a:pt x="1693" y="476"/>
+                  <a:pt x="1693" y="476"/>
+                </a:cubicBezTo>
+                <a:cubicBezTo>
+                  <a:pt x="1683" y="499"/>
+                  <a:pt x="1693" y="526"/>
+                  <a:pt x="1716" y="536"/>
+                </a:cubicBezTo>
+                <a:close/>
+                <a:moveTo>
+                  <a:pt x="513" y="929"/>
+                </a:moveTo>
+                <a:cubicBezTo>
+                  <a:pt x="177" y="780"/>
+                  <a:pt x="177" y="780"/>
+                  <a:pt x="177" y="780"/>
+                </a:cubicBezTo>
+                <a:cubicBezTo>
+                  <a:pt x="154" y="769"/>
+                  <a:pt x="127" y="780"/>
+                  <a:pt x="117" y="803"/>
+                </a:cubicBezTo>
+                <a:cubicBezTo>
+                  <a:pt x="107" y="826"/>
+                  <a:pt x="117" y="853"/>
+                  <a:pt x="140" y="863"/>
+                </a:cubicBezTo>
+                <a:cubicBezTo>
+                  <a:pt x="476" y="1012"/>
+                  <a:pt x="476" y="1012"/>
+                  <a:pt x="476" y="1012"/>
+                </a:cubicBezTo>
+                <a:cubicBezTo>
+                  <a:pt x="482" y="1015"/>
+                  <a:pt x="488" y="1016"/>
+                  <a:pt x="494" y="1016"/>
+                </a:cubicBezTo>
+                <a:cubicBezTo>
+                  <a:pt x="512" y="1016"/>
+                  <a:pt x="528" y="1006"/>
+                  <a:pt x="536" y="989"/>
+                </a:cubicBezTo>
+                <a:cubicBezTo>
+                  <a:pt x="546" y="966"/>
+                  <a:pt x="536" y="939"/>
+                  <a:pt x="513" y="929"/>
+                </a:cubicBezTo>
+                <a:close/>
+                <a:moveTo>
+                  <a:pt x="2565" y="1843"/>
+                </a:moveTo>
+                <a:cubicBezTo>
+                  <a:pt x="2229" y="1694"/>
+                  <a:pt x="2229" y="1694"/>
+                  <a:pt x="2229" y="1694"/>
+                </a:cubicBezTo>
+                <a:cubicBezTo>
+                  <a:pt x="2206" y="1683"/>
+                  <a:pt x="2179" y="1694"/>
+                  <a:pt x="2169" y="1717"/>
+                </a:cubicBezTo>
+                <a:cubicBezTo>
+                  <a:pt x="2159" y="1740"/>
+                  <a:pt x="2169" y="1767"/>
+                  <a:pt x="2192" y="1777"/>
+                </a:cubicBezTo>
+                <a:cubicBezTo>
+                  <a:pt x="2528" y="1926"/>
+                  <a:pt x="2528" y="1926"/>
+                  <a:pt x="2528" y="1926"/>
+                </a:cubicBezTo>
+                <a:cubicBezTo>
+                  <a:pt x="2534" y="1929"/>
+                  <a:pt x="2540" y="1930"/>
+                  <a:pt x="2547" y="1930"/>
+                </a:cubicBezTo>
+                <a:cubicBezTo>
+                  <a:pt x="2564" y="1930"/>
+                  <a:pt x="2581" y="1920"/>
+                  <a:pt x="2588" y="1903"/>
+                </a:cubicBezTo>
+                <a:cubicBezTo>
+                  <a:pt x="2598" y="1880"/>
+                  <a:pt x="2588" y="1853"/>
+                  <a:pt x="2565" y="1843"/>
+                </a:cubicBezTo>
+                <a:close/>
+                <a:moveTo>
+                  <a:pt x="447" y="1652"/>
+                </a:moveTo>
+                <a:cubicBezTo>
+                  <a:pt x="116" y="1779"/>
+                  <a:pt x="116" y="1779"/>
+                  <a:pt x="116" y="1779"/>
+                </a:cubicBezTo>
+                <a:cubicBezTo>
+                  <a:pt x="93" y="1788"/>
+                  <a:pt x="81" y="1814"/>
+                  <a:pt x="90" y="1837"/>
+                </a:cubicBezTo>
+                <a:cubicBezTo>
+                  <a:pt x="97" y="1856"/>
+                  <a:pt x="114" y="1867"/>
+                  <a:pt x="132" y="1867"/>
+                </a:cubicBezTo>
+                <a:cubicBezTo>
+                  <a:pt x="138" y="1867"/>
+                  <a:pt x="143" y="1866"/>
+                  <a:pt x="149" y="1864"/>
+                </a:cubicBezTo>
+                <a:cubicBezTo>
+                  <a:pt x="480" y="1737"/>
+                  <a:pt x="480" y="1737"/>
+                  <a:pt x="480" y="1737"/>
+                </a:cubicBezTo>
+                <a:cubicBezTo>
+                  <a:pt x="503" y="1728"/>
+                  <a:pt x="515" y="1701"/>
+                  <a:pt x="506" y="1678"/>
+                </a:cubicBezTo>
+                <a:cubicBezTo>
+                  <a:pt x="497" y="1654"/>
+                  <a:pt x="470" y="1643"/>
+                  <a:pt x="447" y="1652"/>
+                </a:cubicBezTo>
+                <a:close/>
+                <a:moveTo>
+                  <a:pt x="2187" y="1033"/>
+                </a:moveTo>
+                <a:cubicBezTo>
+                  <a:pt x="2194" y="1051"/>
+                  <a:pt x="2212" y="1062"/>
+                  <a:pt x="2230" y="1062"/>
+                </a:cubicBezTo>
+                <a:cubicBezTo>
+                  <a:pt x="2235" y="1062"/>
+                  <a:pt x="2241" y="1061"/>
+                  <a:pt x="2246" y="1059"/>
+                </a:cubicBezTo>
+                <a:cubicBezTo>
+                  <a:pt x="2589" y="927"/>
+                  <a:pt x="2589" y="927"/>
+                  <a:pt x="2589" y="927"/>
+                </a:cubicBezTo>
+                <a:cubicBezTo>
+                  <a:pt x="2613" y="918"/>
+                  <a:pt x="2624" y="892"/>
+                  <a:pt x="2615" y="869"/>
+                </a:cubicBezTo>
+                <a:cubicBezTo>
+                  <a:pt x="2606" y="845"/>
+                  <a:pt x="2580" y="833"/>
+                  <a:pt x="2557" y="842"/>
+                </a:cubicBezTo>
+                <a:cubicBezTo>
+                  <a:pt x="2214" y="974"/>
+                  <a:pt x="2214" y="974"/>
+                  <a:pt x="2214" y="974"/>
+                </a:cubicBezTo>
+                <a:cubicBezTo>
+                  <a:pt x="2190" y="983"/>
+                  <a:pt x="2178" y="1009"/>
+                  <a:pt x="2187" y="1033"/>
+                </a:cubicBezTo>
+                <a:close/>
+                <a:moveTo>
+                  <a:pt x="974" y="492"/>
+                </a:moveTo>
+                <a:cubicBezTo>
+                  <a:pt x="980" y="510"/>
+                  <a:pt x="998" y="521"/>
+                  <a:pt x="1016" y="521"/>
+                </a:cubicBezTo>
+                <a:cubicBezTo>
+                  <a:pt x="1022" y="521"/>
+                  <a:pt x="1027" y="520"/>
+                  <a:pt x="1032" y="518"/>
+                </a:cubicBezTo>
+                <a:cubicBezTo>
+                  <a:pt x="1056" y="509"/>
+                  <a:pt x="1068" y="483"/>
+                  <a:pt x="1059" y="459"/>
+                </a:cubicBezTo>
+                <a:cubicBezTo>
+                  <a:pt x="927" y="116"/>
+                  <a:pt x="927" y="116"/>
+                  <a:pt x="927" y="116"/>
+                </a:cubicBezTo>
+                <a:cubicBezTo>
+                  <a:pt x="918" y="93"/>
+                  <a:pt x="892" y="81"/>
+                  <a:pt x="868" y="90"/>
+                </a:cubicBezTo>
+                <a:cubicBezTo>
+                  <a:pt x="845" y="99"/>
+                  <a:pt x="833" y="126"/>
+                  <a:pt x="842" y="149"/>
+                </a:cubicBezTo>
+                <a:lnTo>
+                  <a:pt x="974" y="492"/>
+                </a:lnTo>
+                <a:close/>
+              </a:path>
+            </a:pathLst>
+          </a:custGeom>
+          <a:solidFill>
+            <a:srgbClr val="FFFFFF"/>
+          </a:solidFill>
+          <a:ln>
+            <a:noFill/>
+          </a:ln>
+          <a:extLst>
+            <a:ext uri="{91240B29-F687-4F45-9708-019B960494DF}">
+              <a14:hiddenLine xmlns:a14="http://schemas.microsoft.com/office/drawing/2010/main" w="9525">
+                <a:solidFill>
+                  <a:srgbClr val="000000"/>
+                </a:solidFill>
+                <a:round/>
+                <a:headEnd/>
+                <a:tailEnd/>
+              </a14:hiddenLine>
+            </a:ext>
+          </a:extLst>
+        </p:spPr>
+        <p:txBody>
+          <a:bodyPr vert="horz" wrap="square" lIns="91440" tIns="45720" rIns="91440" bIns="45720" numCol="1" anchor="t" anchorCtr="0" compatLnSpc="1">
+            <a:prstTxWarp prst="textNoShape">
+              <a:avLst/>
+            </a:prstTxWarp>
+          </a:bodyPr>
+          <a:lstStyle/>
+          <a:p>
+            <a:endParaRPr lang="en-US"/>
+          </a:p>
+        </p:txBody>
+      </p:sp>
+    </p:spTree>
+    <p:extLst>
+      <p:ext uri="{BB962C8B-B14F-4D97-AF65-F5344CB8AC3E}">
+        <p14:creationId xmlns:p14="http://schemas.microsoft.com/office/powerpoint/2010/main" val="3074027477"/>
+      </p:ext>
+    </p:extLst>
+  </p:cSld>
+  <p:clrMapOvr>
+    <a:masterClrMapping/>
+  </p:clrMapOvr>
+</p:sld>
+</file>
+
+<file path=ppt/slides/slide3.xml><?xml version="1.0" encoding="utf-8"?>
+<p:sld xmlns:a="http://schemas.openxmlformats.org/drawingml/2006/main" xmlns:r="http://schemas.openxmlformats.org/officeDocument/2006/relationships" xmlns:p="http://schemas.openxmlformats.org/presentationml/2006/main">
+  <p:cSld>
+    <p:spTree>
+      <p:nvGrpSpPr>
+        <p:cNvPr id="1" name=""/>
+        <p:cNvGrpSpPr/>
+        <p:nvPr/>
+      </p:nvGrpSpPr>
+      <p:grpSpPr>
+        <a:xfrm>
+          <a:off x="0" y="0"/>
+          <a:ext cx="0" cy="0"/>
+          <a:chOff x="0" y="0"/>
+          <a:chExt cx="0" cy="0"/>
+        </a:xfrm>
+      </p:grpSpPr>
+      <p:sp>
+        <p:nvSpPr>
+          <p:cNvPr id="4" name="Title 1">
+            <a:extLst>
+              <a:ext uri="{FF2B5EF4-FFF2-40B4-BE49-F238E27FC236}">
+                <a16:creationId xmlns:a16="http://schemas.microsoft.com/office/drawing/2014/main" id="{FAB57834-C37A-E849-BE8C-95F6C23E6B0F}"/>
+              </a:ext>
+            </a:extLst>
+          </p:cNvPr>
+          <p:cNvSpPr>
+            <a:spLocks noGrp="1"/>
+          </p:cNvSpPr>
+          <p:nvPr>
+            <p:ph type="title"/>
+          </p:nvPr>
+        </p:nvSpPr>
+        <p:spPr>
+          <a:xfrm>
+            <a:off x="537460" y="515462"/>
+            <a:ext cx="5245824" cy="600164"/>
+          </a:xfrm>
+        </p:spPr>
+        <p:txBody>
+          <a:bodyPr>
+            <a:normAutofit fontScale="90000"/>
+          </a:bodyPr>
+          <a:lstStyle/>
+          <a:p>
+            <a:r>
+              <a:rPr lang="en-US" b="1" dirty="0"/>
+              <a:t>Overview</a:t>
+            </a:r>
+          </a:p>
+        </p:txBody>
+      </p:sp>
+      <p:pic>
+        <p:nvPicPr>
+          <p:cNvPr id="5" name="Picture Placeholder 9">
+            <a:extLst>
+              <a:ext uri="{FF2B5EF4-FFF2-40B4-BE49-F238E27FC236}">
+                <a16:creationId xmlns:a16="http://schemas.microsoft.com/office/drawing/2014/main" id="{A3A67C04-60A3-9941-95A1-8F612BBAEFB3}"/>
+              </a:ext>
+            </a:extLst>
+          </p:cNvPr>
+          <p:cNvPicPr>
+            <a:picLocks noChangeAspect="1"/>
+          </p:cNvPicPr>
+          <p:nvPr/>
+        </p:nvPicPr>
+        <p:blipFill>
+          <a:blip r:embed="rId2">
+            <a:extLst>
+              <a:ext uri="{28A0092B-C50C-407E-A947-70E740481C1C}">
+                <a14:useLocalDpi xmlns:a14="http://schemas.microsoft.com/office/drawing/2010/main" val="0"/>
+              </a:ext>
+            </a:extLst>
+          </a:blip>
+          <a:srcRect l="14" r="14"/>
+          <a:stretch>
+            <a:fillRect/>
+          </a:stretch>
+        </p:blipFill>
+        <p:spPr>
+          <a:xfrm>
+            <a:off x="6351224" y="0"/>
+            <a:ext cx="5840776" cy="6858000"/>
+          </a:xfrm>
+          <a:prstGeom prst="rect">
+            <a:avLst/>
+          </a:prstGeom>
+        </p:spPr>
+      </p:pic>
+      <p:sp>
+        <p:nvSpPr>
+          <p:cNvPr id="7" name="Slide Number Placeholder 4">
+            <a:extLst>
+              <a:ext uri="{FF2B5EF4-FFF2-40B4-BE49-F238E27FC236}">
+                <a16:creationId xmlns:a16="http://schemas.microsoft.com/office/drawing/2014/main" id="{D19353FB-8D02-DC4D-A8E3-668CEA6B8B8E}"/>
+              </a:ext>
+            </a:extLst>
+          </p:cNvPr>
+          <p:cNvSpPr txBox="1">
+            <a:spLocks/>
+          </p:cNvSpPr>
+          <p:nvPr/>
+        </p:nvSpPr>
+        <p:spPr>
+          <a:xfrm>
+            <a:off x="11189654" y="6300297"/>
+            <a:ext cx="464888" cy="365125"/>
+          </a:xfrm>
+          <a:prstGeom prst="rect">
+            <a:avLst/>
+          </a:prstGeom>
+        </p:spPr>
+        <p:txBody>
+          <a:bodyPr/>
+          <a:lstStyle>
+            <a:defPPr>
+              <a:defRPr lang="en-US"/>
+            </a:defPPr>
+            <a:lvl1pPr marL="0" algn="l" defTabSz="914400" rtl="0" eaLnBrk="1" latinLnBrk="0" hangingPunct="1">
+              <a:defRPr sz="1800" kern="1200">
+                <a:solidFill>
+                  <a:schemeClr val="tx1"/>
+                </a:solidFill>
+                <a:latin typeface="+mn-lt"/>
+                <a:ea typeface="+mn-ea"/>
+                <a:cs typeface="+mn-cs"/>
+              </a:defRPr>
+            </a:lvl1pPr>
+            <a:lvl2pPr marL="457200" algn="l" defTabSz="914400" rtl="0" eaLnBrk="1" latinLnBrk="0" hangingPunct="1">
+              <a:defRPr sz="1800" kern="1200">
+                <a:solidFill>
+                  <a:schemeClr val="tx1"/>
+                </a:solidFill>
+                <a:latin typeface="+mn-lt"/>
+                <a:ea typeface="+mn-ea"/>
+                <a:cs typeface="+mn-cs"/>
+              </a:defRPr>
+            </a:lvl2pPr>
+            <a:lvl3pPr marL="914400" algn="l" defTabSz="914400" rtl="0" eaLnBrk="1" latinLnBrk="0" hangingPunct="1">
+              <a:defRPr sz="1800" kern="1200">
+                <a:solidFill>
+                  <a:schemeClr val="tx1"/>
+                </a:solidFill>
+                <a:latin typeface="+mn-lt"/>
+                <a:ea typeface="+mn-ea"/>
+                <a:cs typeface="+mn-cs"/>
+              </a:defRPr>
+            </a:lvl3pPr>
+            <a:lvl4pPr marL="1371600" algn="l" defTabSz="914400" rtl="0" eaLnBrk="1" latinLnBrk="0" hangingPunct="1">
+              <a:defRPr sz="1800" kern="1200">
+                <a:solidFill>
+                  <a:schemeClr val="tx1"/>
+                </a:solidFill>
+                <a:latin typeface="+mn-lt"/>
+                <a:ea typeface="+mn-ea"/>
+                <a:cs typeface="+mn-cs"/>
+              </a:defRPr>
+            </a:lvl4pPr>
+            <a:lvl5pPr marL="1828800" algn="l" defTabSz="914400" rtl="0" eaLnBrk="1" latinLnBrk="0" hangingPunct="1">
+              <a:defRPr sz="1800" kern="1200">
+                <a:solidFill>
+                  <a:schemeClr val="tx1"/>
+                </a:solidFill>
+                <a:latin typeface="+mn-lt"/>
+                <a:ea typeface="+mn-ea"/>
+                <a:cs typeface="+mn-cs"/>
+              </a:defRPr>
+            </a:lvl5pPr>
+            <a:lvl6pPr marL="2286000" algn="l" defTabSz="914400" rtl="0" eaLnBrk="1" latinLnBrk="0" hangingPunct="1">
+              <a:defRPr sz="1800" kern="1200">
+                <a:solidFill>
+                  <a:schemeClr val="tx1"/>
+                </a:solidFill>
+                <a:latin typeface="+mn-lt"/>
+                <a:ea typeface="+mn-ea"/>
+                <a:cs typeface="+mn-cs"/>
+              </a:defRPr>
+            </a:lvl6pPr>
+            <a:lvl7pPr marL="2743200" algn="l" defTabSz="914400" rtl="0" eaLnBrk="1" latinLnBrk="0" hangingPunct="1">
+              <a:defRPr sz="1800" kern="1200">
+                <a:solidFill>
+                  <a:schemeClr val="tx1"/>
+                </a:solidFill>
+                <a:latin typeface="+mn-lt"/>
+                <a:ea typeface="+mn-ea"/>
+                <a:cs typeface="+mn-cs"/>
+              </a:defRPr>
+            </a:lvl7pPr>
+            <a:lvl8pPr marL="3200400" algn="l" defTabSz="914400" rtl="0" eaLnBrk="1" latinLnBrk="0" hangingPunct="1">
+              <a:defRPr sz="1800" kern="1200">
+                <a:solidFill>
+                  <a:schemeClr val="tx1"/>
+                </a:solidFill>
+                <a:latin typeface="+mn-lt"/>
+                <a:ea typeface="+mn-ea"/>
+                <a:cs typeface="+mn-cs"/>
+              </a:defRPr>
+            </a:lvl8pPr>
+            <a:lvl9pPr marL="3657600" algn="l" defTabSz="914400" rtl="0" eaLnBrk="1" latinLnBrk="0" hangingPunct="1">
+              <a:defRPr sz="1800" kern="1200">
+                <a:solidFill>
+                  <a:schemeClr val="tx1"/>
+                </a:solidFill>
+                <a:latin typeface="+mn-lt"/>
+                <a:ea typeface="+mn-ea"/>
+                <a:cs typeface="+mn-cs"/>
+              </a:defRPr>
+            </a:lvl9pPr>
+          </a:lstStyle>
+          <a:p>
+            <a:fld id="{4E6DB2D9-BBD8-435B-B34A-9B8472CE273E}" type="slidenum">
+              <a:rPr lang="en-US" smtClean="0"/>
+              <a:pPr/>
+              <a:t>3</a:t>
+            </a:fld>
+            <a:endParaRPr lang="en-US" dirty="0"/>
+          </a:p>
+        </p:txBody>
+      </p:sp>
+      <p:sp>
+        <p:nvSpPr>
+          <p:cNvPr id="8" name="Rectangle 7">
+            <a:extLst>
+              <a:ext uri="{FF2B5EF4-FFF2-40B4-BE49-F238E27FC236}">
+                <a16:creationId xmlns:a16="http://schemas.microsoft.com/office/drawing/2014/main" id="{5C62BE14-6451-1B4C-914B-A3DA5574019E}"/>
+              </a:ext>
+            </a:extLst>
+          </p:cNvPr>
+          <p:cNvSpPr/>
+          <p:nvPr/>
+        </p:nvSpPr>
+        <p:spPr>
+          <a:xfrm>
+            <a:off x="6352800" y="-1"/>
+            <a:ext cx="5839200" cy="6857281"/>
+          </a:xfrm>
+          <a:prstGeom prst="rect">
+            <a:avLst/>
+          </a:prstGeom>
+          <a:solidFill>
+            <a:srgbClr val="EC131B">
+              <a:alpha val="75000"/>
+            </a:srgbClr>
+          </a:solidFill>
+          <a:ln>
+            <a:noFill/>
+          </a:ln>
+        </p:spPr>
+        <p:style>
+          <a:lnRef idx="2">
+            <a:schemeClr val="accent1">
+              <a:shade val="50000"/>
+            </a:schemeClr>
+          </a:lnRef>
+          <a:fillRef idx="1">
+            <a:schemeClr val="accent1"/>
+          </a:fillRef>
+          <a:effectRef idx="0">
+            <a:schemeClr val="accent1"/>
+          </a:effectRef>
+          <a:fontRef idx="minor">
+            <a:schemeClr val="lt1"/>
+          </a:fontRef>
+        </p:style>
+        <p:txBody>
+          <a:bodyPr rtlCol="0" anchor="ctr"/>
+          <a:lstStyle/>
+          <a:p>
+            <a:pPr algn="ctr"/>
+            <a:endParaRPr lang="en-US"/>
+          </a:p>
+        </p:txBody>
+      </p:sp>
+      <p:sp>
+        <p:nvSpPr>
+          <p:cNvPr id="9" name="TextBox 8">
+            <a:extLst>
+              <a:ext uri="{FF2B5EF4-FFF2-40B4-BE49-F238E27FC236}">
+                <a16:creationId xmlns:a16="http://schemas.microsoft.com/office/drawing/2014/main" id="{6F1EE0B0-A8C6-A745-A635-0F1E6A85BAF7}"/>
+              </a:ext>
+            </a:extLst>
+          </p:cNvPr>
+          <p:cNvSpPr txBox="1"/>
+          <p:nvPr/>
+        </p:nvSpPr>
+        <p:spPr>
+          <a:xfrm>
+            <a:off x="7553199" y="2206338"/>
+            <a:ext cx="997389" cy="677108"/>
+          </a:xfrm>
+          <a:prstGeom prst="rect">
+            <a:avLst/>
+          </a:prstGeom>
+          <a:noFill/>
+        </p:spPr>
+        <p:txBody>
+          <a:bodyPr wrap="none" rtlCol="0">
+            <a:spAutoFit/>
+          </a:bodyPr>
+          <a:lstStyle/>
+          <a:p>
+            <a:pPr algn="ctr"/>
+            <a:r>
+              <a:rPr lang="en-US" sz="3800" b="1" dirty="0">
+                <a:solidFill>
+                  <a:srgbClr val="FFFFFF"/>
+                </a:solidFill>
+                <a:latin typeface="Arial" panose="020B0706030804020204" pitchFamily="34" charset="0"/>
+                <a:ea typeface="Arial" panose="020B0706030804020204" pitchFamily="34" charset="0"/>
+                <a:cs typeface="Arial" panose="020B0706030804020204" pitchFamily="34" charset="0"/>
+              </a:rPr>
+              <a:t>480</a:t>
+            </a:r>
+          </a:p>
+        </p:txBody>
+      </p:sp>
+      <p:sp>
+        <p:nvSpPr>
+          <p:cNvPr id="10" name="TextBox 9">
+            <a:extLst>
+              <a:ext uri="{FF2B5EF4-FFF2-40B4-BE49-F238E27FC236}">
+                <a16:creationId xmlns:a16="http://schemas.microsoft.com/office/drawing/2014/main" id="{DF7AC108-71E4-B04B-B97D-9E5C00EBCC2A}"/>
+              </a:ext>
+            </a:extLst>
+          </p:cNvPr>
+          <p:cNvSpPr txBox="1"/>
+          <p:nvPr/>
+        </p:nvSpPr>
+        <p:spPr>
+          <a:xfrm>
+            <a:off x="7275625" y="2772177"/>
+            <a:ext cx="1552541" cy="307777"/>
+          </a:xfrm>
+          <a:prstGeom prst="rect">
+            <a:avLst/>
+          </a:prstGeom>
+          <a:noFill/>
+        </p:spPr>
+        <p:txBody>
+          <a:bodyPr wrap="none" rtlCol="0">
+            <a:spAutoFit/>
+          </a:bodyPr>
+          <a:lstStyle/>
+          <a:p>
+            <a:pPr algn="ctr"/>
+            <a:r>
+              <a:rPr lang="en-US" sz="1400" b="1" dirty="0">
+                <a:solidFill>
+                  <a:srgbClr val="FFFFFF"/>
+                </a:solidFill>
+              </a:rPr>
+              <a:t>Unique Customers</a:t>
+            </a:r>
+          </a:p>
+        </p:txBody>
+      </p:sp>
+      <p:sp>
+        <p:nvSpPr>
+          <p:cNvPr id="11" name="TextBox 10">
+            <a:extLst>
+              <a:ext uri="{FF2B5EF4-FFF2-40B4-BE49-F238E27FC236}">
+                <a16:creationId xmlns:a16="http://schemas.microsoft.com/office/drawing/2014/main" id="{5E829217-964B-9C4A-B265-0A753B6274AD}"/>
+              </a:ext>
+            </a:extLst>
+          </p:cNvPr>
+          <p:cNvSpPr txBox="1"/>
+          <p:nvPr/>
+        </p:nvSpPr>
+        <p:spPr>
+          <a:xfrm>
+            <a:off x="10268539" y="2206338"/>
+            <a:ext cx="455574" cy="677108"/>
+          </a:xfrm>
+          <a:prstGeom prst="rect">
+            <a:avLst/>
+          </a:prstGeom>
+          <a:noFill/>
+        </p:spPr>
+        <p:txBody>
+          <a:bodyPr wrap="none" rtlCol="0">
+            <a:spAutoFit/>
+          </a:bodyPr>
+          <a:lstStyle/>
+          <a:p>
+            <a:pPr algn="ctr"/>
+            <a:r>
+              <a:rPr lang="en-US" sz="3800" b="1" dirty="0">
+                <a:solidFill>
+                  <a:srgbClr val="FFFFFF"/>
+                </a:solidFill>
+                <a:latin typeface="Arial" panose="020B0706030804020204" pitchFamily="34" charset="0"/>
+                <a:ea typeface="Arial" panose="020B0706030804020204" pitchFamily="34" charset="0"/>
+                <a:cs typeface="Arial" panose="020B0706030804020204" pitchFamily="34" charset="0"/>
+              </a:rPr>
+              <a:t>2</a:t>
+            </a:r>
+          </a:p>
+        </p:txBody>
+      </p:sp>
+      <p:sp>
+        <p:nvSpPr>
+          <p:cNvPr id="12" name="TextBox 11">
+            <a:extLst>
+              <a:ext uri="{FF2B5EF4-FFF2-40B4-BE49-F238E27FC236}">
+                <a16:creationId xmlns:a16="http://schemas.microsoft.com/office/drawing/2014/main" id="{CB90FB62-ADC6-5F4F-936E-3CF11393F13F}"/>
+              </a:ext>
+            </a:extLst>
+          </p:cNvPr>
+          <p:cNvSpPr txBox="1"/>
+          <p:nvPr/>
+        </p:nvSpPr>
+        <p:spPr>
+          <a:xfrm>
+            <a:off x="9878915" y="2772177"/>
+            <a:ext cx="1234825" cy="307777"/>
+          </a:xfrm>
+          <a:prstGeom prst="rect">
+            <a:avLst/>
+          </a:prstGeom>
+          <a:noFill/>
+        </p:spPr>
+        <p:txBody>
+          <a:bodyPr wrap="none" rtlCol="0">
+            <a:spAutoFit/>
+          </a:bodyPr>
+          <a:lstStyle/>
+          <a:p>
+            <a:pPr algn="ctr"/>
+            <a:r>
+              <a:rPr lang="en-US" sz="1400" b="1" dirty="0">
+                <a:solidFill>
+                  <a:srgbClr val="FFFFFF"/>
+                </a:solidFill>
+              </a:rPr>
+              <a:t>Product Types</a:t>
+            </a:r>
+          </a:p>
+        </p:txBody>
+      </p:sp>
+      <p:sp>
+        <p:nvSpPr>
+          <p:cNvPr id="13" name="TextBox 12">
+            <a:extLst>
+              <a:ext uri="{FF2B5EF4-FFF2-40B4-BE49-F238E27FC236}">
+                <a16:creationId xmlns:a16="http://schemas.microsoft.com/office/drawing/2014/main" id="{586E3083-AF41-F247-A140-40314007E233}"/>
+              </a:ext>
+            </a:extLst>
+          </p:cNvPr>
+          <p:cNvSpPr txBox="1"/>
+          <p:nvPr/>
+        </p:nvSpPr>
+        <p:spPr>
+          <a:xfrm>
+            <a:off x="7796724" y="3762415"/>
+            <a:ext cx="455574" cy="677108"/>
+          </a:xfrm>
+          <a:prstGeom prst="rect">
+            <a:avLst/>
+          </a:prstGeom>
+          <a:noFill/>
+        </p:spPr>
+        <p:txBody>
+          <a:bodyPr wrap="none" rtlCol="0">
+            <a:spAutoFit/>
+          </a:bodyPr>
+          <a:lstStyle/>
+          <a:p>
+            <a:pPr algn="ctr"/>
+            <a:r>
+              <a:rPr lang="en-US" sz="3800" b="1" dirty="0">
+                <a:solidFill>
+                  <a:srgbClr val="FFFFFF"/>
+                </a:solidFill>
+                <a:latin typeface="Arial" panose="020B0706030804020204" pitchFamily="34" charset="0"/>
+                <a:ea typeface="Arial" panose="020B0706030804020204" pitchFamily="34" charset="0"/>
+                <a:cs typeface="Arial" panose="020B0706030804020204" pitchFamily="34" charset="0"/>
+              </a:rPr>
+              <a:t>6</a:t>
+            </a:r>
+          </a:p>
+        </p:txBody>
+      </p:sp>
+      <p:sp>
+        <p:nvSpPr>
+          <p:cNvPr id="14" name="TextBox 13">
+            <a:extLst>
+              <a:ext uri="{FF2B5EF4-FFF2-40B4-BE49-F238E27FC236}">
+                <a16:creationId xmlns:a16="http://schemas.microsoft.com/office/drawing/2014/main" id="{01EAE9E2-9388-424B-BE60-B939633E26C9}"/>
+              </a:ext>
+            </a:extLst>
+          </p:cNvPr>
+          <p:cNvSpPr txBox="1"/>
+          <p:nvPr/>
+        </p:nvSpPr>
+        <p:spPr>
+          <a:xfrm>
+            <a:off x="7661627" y="4328254"/>
+            <a:ext cx="725776" cy="307777"/>
+          </a:xfrm>
+          <a:prstGeom prst="rect">
+            <a:avLst/>
+          </a:prstGeom>
+          <a:noFill/>
+        </p:spPr>
+        <p:txBody>
+          <a:bodyPr wrap="none" rtlCol="0">
+            <a:spAutoFit/>
+          </a:bodyPr>
+          <a:lstStyle/>
+          <a:p>
+            <a:pPr algn="ctr"/>
+            <a:r>
+              <a:rPr lang="en-US" sz="1400" b="1" dirty="0">
+                <a:solidFill>
+                  <a:srgbClr val="FFFFFF"/>
+                </a:solidFill>
+              </a:rPr>
+              <a:t>Sectors</a:t>
+            </a:r>
+          </a:p>
+        </p:txBody>
+      </p:sp>
+      <p:sp>
+        <p:nvSpPr>
+          <p:cNvPr id="15" name="TextBox 14">
+            <a:extLst>
+              <a:ext uri="{FF2B5EF4-FFF2-40B4-BE49-F238E27FC236}">
+                <a16:creationId xmlns:a16="http://schemas.microsoft.com/office/drawing/2014/main" id="{F1BCA919-0FE4-804B-9682-4D378FE4C26E}"/>
+              </a:ext>
+            </a:extLst>
+          </p:cNvPr>
+          <p:cNvSpPr txBox="1"/>
+          <p:nvPr/>
+        </p:nvSpPr>
+        <p:spPr>
+          <a:xfrm>
+            <a:off x="10105702" y="3762415"/>
+            <a:ext cx="726482" cy="677108"/>
+          </a:xfrm>
+          <a:prstGeom prst="rect">
+            <a:avLst/>
+          </a:prstGeom>
+          <a:noFill/>
+        </p:spPr>
+        <p:txBody>
+          <a:bodyPr wrap="none" rtlCol="0">
+            <a:spAutoFit/>
+          </a:bodyPr>
+          <a:lstStyle/>
+          <a:p>
+            <a:pPr algn="ctr"/>
+            <a:r>
+              <a:rPr lang="en-US" sz="3800" b="1" dirty="0">
+                <a:solidFill>
+                  <a:srgbClr val="FFFFFF"/>
+                </a:solidFill>
+                <a:latin typeface="Arial" panose="020B0706030804020204" pitchFamily="34" charset="0"/>
+                <a:ea typeface="Arial" panose="020B0706030804020204" pitchFamily="34" charset="0"/>
+                <a:cs typeface="Arial" panose="020B0706030804020204" pitchFamily="34" charset="0"/>
+              </a:rPr>
+              <a:t>12</a:t>
+            </a:r>
+          </a:p>
+        </p:txBody>
+      </p:sp>
+      <p:sp>
+        <p:nvSpPr>
+          <p:cNvPr id="16" name="TextBox 15">
+            <a:extLst>
+              <a:ext uri="{FF2B5EF4-FFF2-40B4-BE49-F238E27FC236}">
+                <a16:creationId xmlns:a16="http://schemas.microsoft.com/office/drawing/2014/main" id="{7C8005B3-1696-F64B-83B0-227C3229A3FD}"/>
+              </a:ext>
+            </a:extLst>
+          </p:cNvPr>
+          <p:cNvSpPr txBox="1"/>
+          <p:nvPr/>
+        </p:nvSpPr>
+        <p:spPr>
+          <a:xfrm>
+            <a:off x="10085379" y="4328254"/>
+            <a:ext cx="767133" cy="307777"/>
+          </a:xfrm>
+          <a:prstGeom prst="rect">
+            <a:avLst/>
+          </a:prstGeom>
+          <a:noFill/>
+        </p:spPr>
+        <p:txBody>
+          <a:bodyPr wrap="none" rtlCol="0">
+            <a:spAutoFit/>
+          </a:bodyPr>
+          <a:lstStyle/>
+          <a:p>
+            <a:pPr algn="ctr"/>
+            <a:r>
+              <a:rPr lang="en-US" sz="1400" b="1" dirty="0">
+                <a:solidFill>
+                  <a:srgbClr val="FFFFFF"/>
+                </a:solidFill>
+              </a:rPr>
+              <a:t>Regions</a:t>
+            </a:r>
+          </a:p>
+        </p:txBody>
+      </p:sp>
+      <p:cxnSp>
+        <p:nvCxnSpPr>
+          <p:cNvPr id="17" name="Straight Connector 16">
+            <a:extLst>
+              <a:ext uri="{FF2B5EF4-FFF2-40B4-BE49-F238E27FC236}">
+                <a16:creationId xmlns:a16="http://schemas.microsoft.com/office/drawing/2014/main" id="{1B24FAF3-D2BC-DE4B-BA77-26589689B050}"/>
+              </a:ext>
+            </a:extLst>
+          </p:cNvPr>
+          <p:cNvCxnSpPr/>
+          <p:nvPr/>
+        </p:nvCxnSpPr>
+        <p:spPr>
+          <a:xfrm>
+            <a:off x="9212262" y="1860058"/>
+            <a:ext cx="0" cy="3169142"/>
+          </a:xfrm>
+          <a:prstGeom prst="line">
+            <a:avLst/>
+          </a:prstGeom>
+          <a:ln>
+            <a:solidFill>
+              <a:srgbClr val="FFFFFF"/>
+            </a:solidFill>
+            <a:prstDash val="sysDash"/>
+          </a:ln>
+        </p:spPr>
+        <p:style>
+          <a:lnRef idx="1">
+            <a:schemeClr val="accent1"/>
+          </a:lnRef>
+          <a:fillRef idx="0">
+            <a:schemeClr val="accent1"/>
+          </a:fillRef>
+          <a:effectRef idx="0">
+            <a:schemeClr val="accent1"/>
+          </a:effectRef>
+          <a:fontRef idx="minor">
+            <a:schemeClr val="tx1"/>
+          </a:fontRef>
+        </p:style>
+      </p:cxnSp>
+      <p:cxnSp>
+        <p:nvCxnSpPr>
+          <p:cNvPr id="18" name="Straight Connector 17">
+            <a:extLst>
+              <a:ext uri="{FF2B5EF4-FFF2-40B4-BE49-F238E27FC236}">
+                <a16:creationId xmlns:a16="http://schemas.microsoft.com/office/drawing/2014/main" id="{432CFC46-8B38-A14A-8B51-7F5FAC6A360C}"/>
+              </a:ext>
+            </a:extLst>
+          </p:cNvPr>
+          <p:cNvCxnSpPr/>
+          <p:nvPr/>
+        </p:nvCxnSpPr>
+        <p:spPr>
+          <a:xfrm>
+            <a:off x="6781800" y="3429000"/>
+            <a:ext cx="4781550" cy="0"/>
+          </a:xfrm>
+          <a:prstGeom prst="line">
+            <a:avLst/>
+          </a:prstGeom>
+          <a:ln>
+            <a:solidFill>
+              <a:srgbClr val="FFFFFF"/>
+            </a:solidFill>
+            <a:prstDash val="sysDash"/>
+          </a:ln>
+        </p:spPr>
+        <p:style>
+          <a:lnRef idx="1">
+            <a:schemeClr val="accent1"/>
+          </a:lnRef>
+          <a:fillRef idx="0">
+            <a:schemeClr val="accent1"/>
+          </a:fillRef>
+          <a:effectRef idx="0">
+            <a:schemeClr val="accent1"/>
+          </a:effectRef>
+          <a:fontRef idx="minor">
+            <a:schemeClr val="tx1"/>
+          </a:fontRef>
+        </p:style>
+      </p:cxnSp>
+      <p:sp>
+        <p:nvSpPr>
+          <p:cNvPr id="19" name="TextBox 18">
+            <a:extLst>
+              <a:ext uri="{FF2B5EF4-FFF2-40B4-BE49-F238E27FC236}">
+                <a16:creationId xmlns:a16="http://schemas.microsoft.com/office/drawing/2014/main" id="{373DB513-FD4E-8D40-9A7E-62CD243A4584}"/>
+              </a:ext>
+            </a:extLst>
+          </p:cNvPr>
+          <p:cNvSpPr txBox="1"/>
+          <p:nvPr/>
+        </p:nvSpPr>
+        <p:spPr>
+          <a:xfrm>
+            <a:off x="545080" y="1592328"/>
+            <a:ext cx="784702" cy="461665"/>
+          </a:xfrm>
+          <a:prstGeom prst="rect">
+            <a:avLst/>
+          </a:prstGeom>
+          <a:noFill/>
+        </p:spPr>
+        <p:txBody>
+          <a:bodyPr wrap="none" rtlCol="0">
+            <a:spAutoFit/>
+          </a:bodyPr>
+          <a:lstStyle/>
+          <a:p>
+            <a:pPr>
+              <a:spcAft>
+                <a:spcPts val="1200"/>
+              </a:spcAft>
+            </a:pPr>
+            <a:r>
+              <a:rPr lang="en-US" sz="2400" b="1" dirty="0">
+                <a:solidFill>
+                  <a:srgbClr val="EC131B"/>
+                </a:solidFill>
+                <a:ea typeface="Arial" panose="020B0706030804020204" pitchFamily="34" charset="0"/>
+                <a:cs typeface="Arial" panose="020B0706030804020204" pitchFamily="34" charset="0"/>
+              </a:rPr>
+              <a:t>Data</a:t>
+            </a:r>
+          </a:p>
+        </p:txBody>
+      </p:sp>
+      <p:sp>
+        <p:nvSpPr>
+          <p:cNvPr id="20" name="TextBox 19">
+            <a:extLst>
+              <a:ext uri="{FF2B5EF4-FFF2-40B4-BE49-F238E27FC236}">
+                <a16:creationId xmlns:a16="http://schemas.microsoft.com/office/drawing/2014/main" id="{75E817DD-8E63-824B-84CD-B2712FD78D84}"/>
+              </a:ext>
+            </a:extLst>
+          </p:cNvPr>
+          <p:cNvSpPr txBox="1"/>
+          <p:nvPr/>
+        </p:nvSpPr>
+        <p:spPr>
+          <a:xfrm>
+            <a:off x="545080" y="1956051"/>
+            <a:ext cx="4332276" cy="1142364"/>
+          </a:xfrm>
+          <a:prstGeom prst="rect">
+            <a:avLst/>
+          </a:prstGeom>
+          <a:noFill/>
+        </p:spPr>
+        <p:txBody>
+          <a:bodyPr wrap="none" rtlCol="0">
+            <a:spAutoFit/>
+          </a:bodyPr>
+          <a:lstStyle/>
+          <a:p>
+            <a:pPr marL="180975" indent="-180975">
+              <a:lnSpc>
+                <a:spcPct val="110000"/>
+              </a:lnSpc>
+              <a:spcAft>
+                <a:spcPts val="200"/>
+              </a:spcAft>
+              <a:buClr>
+                <a:srgbClr val="EC131B"/>
+              </a:buClr>
+              <a:buSzPct val="120000"/>
+              <a:buFont typeface="Arial" panose="020B0604020202020204" pitchFamily="34" charset="0"/>
+              <a:buChar char="•"/>
+            </a:pPr>
+            <a:r>
+              <a:rPr lang="en-US" sz="2000" dirty="0">
+                <a:ea typeface="Arial" panose="020B0706030804020204" pitchFamily="34" charset="0"/>
+                <a:cs typeface="Arial" panose="020B0706030804020204" pitchFamily="34" charset="0"/>
+              </a:rPr>
+              <a:t>Snapshot of 500 unique loan accounts</a:t>
+            </a:r>
+          </a:p>
+          <a:p>
+            <a:pPr marL="180975" indent="-180975">
+              <a:lnSpc>
+                <a:spcPct val="110000"/>
+              </a:lnSpc>
+              <a:spcAft>
+                <a:spcPts val="200"/>
+              </a:spcAft>
+              <a:buClr>
+                <a:srgbClr val="EC131B"/>
+              </a:buClr>
+              <a:buSzPct val="120000"/>
+              <a:buFont typeface="Arial" panose="020B0604020202020204" pitchFamily="34" charset="0"/>
+              <a:buChar char="•"/>
+            </a:pPr>
+            <a:r>
+              <a:rPr lang="en-US" sz="2000" dirty="0">
+                <a:ea typeface="Arial" panose="020B0706030804020204" pitchFamily="34" charset="0"/>
+                <a:cs typeface="Arial" panose="020B0706030804020204" pitchFamily="34" charset="0"/>
+              </a:rPr>
+              <a:t>Information stored in Excel</a:t>
+            </a:r>
+          </a:p>
+          <a:p>
+            <a:pPr marL="180975" indent="-180975">
+              <a:lnSpc>
+                <a:spcPct val="110000"/>
+              </a:lnSpc>
+              <a:spcAft>
+                <a:spcPts val="200"/>
+              </a:spcAft>
+              <a:buClr>
+                <a:srgbClr val="EC131B"/>
+              </a:buClr>
+              <a:buSzPct val="120000"/>
+              <a:buFont typeface="Arial" panose="020B0604020202020204" pitchFamily="34" charset="0"/>
+              <a:buChar char="•"/>
+            </a:pPr>
+            <a:endParaRPr lang="en-US" sz="2000" dirty="0">
+              <a:ea typeface="Arial" panose="020B0706030804020204" pitchFamily="34" charset="0"/>
+              <a:cs typeface="Arial" panose="020B0706030804020204" pitchFamily="34" charset="0"/>
+            </a:endParaRPr>
+          </a:p>
+        </p:txBody>
+      </p:sp>
+      <p:sp>
+        <p:nvSpPr>
+          <p:cNvPr id="54" name="TextBox 53">
+            <a:extLst>
+              <a:ext uri="{FF2B5EF4-FFF2-40B4-BE49-F238E27FC236}">
+                <a16:creationId xmlns:a16="http://schemas.microsoft.com/office/drawing/2014/main" id="{523B1F57-A6F5-6B4A-9CA2-DA4EADFEDD48}"/>
+              </a:ext>
+            </a:extLst>
+          </p:cNvPr>
+          <p:cNvSpPr txBox="1"/>
+          <p:nvPr/>
+        </p:nvSpPr>
+        <p:spPr>
+          <a:xfrm>
+            <a:off x="589217" y="3154361"/>
+            <a:ext cx="1401666" cy="461665"/>
+          </a:xfrm>
+          <a:prstGeom prst="rect">
+            <a:avLst/>
+          </a:prstGeom>
+          <a:noFill/>
+        </p:spPr>
+        <p:txBody>
+          <a:bodyPr wrap="none" rtlCol="0">
+            <a:spAutoFit/>
+          </a:bodyPr>
+          <a:lstStyle/>
+          <a:p>
+            <a:pPr>
+              <a:spcAft>
+                <a:spcPts val="1200"/>
+              </a:spcAft>
+            </a:pPr>
+            <a:r>
+              <a:rPr lang="en-US" sz="2400" b="1" dirty="0">
+                <a:solidFill>
+                  <a:srgbClr val="EC131B"/>
+                </a:solidFill>
+                <a:ea typeface="Arial" panose="020B0706030804020204" pitchFamily="34" charset="0"/>
+                <a:cs typeface="Arial" panose="020B0706030804020204" pitchFamily="34" charset="0"/>
+              </a:rPr>
+              <a:t>Objective</a:t>
+            </a:r>
+          </a:p>
+        </p:txBody>
+      </p:sp>
+      <p:sp>
+        <p:nvSpPr>
+          <p:cNvPr id="55" name="TextBox 54">
+            <a:extLst>
+              <a:ext uri="{FF2B5EF4-FFF2-40B4-BE49-F238E27FC236}">
+                <a16:creationId xmlns:a16="http://schemas.microsoft.com/office/drawing/2014/main" id="{E352DC95-1DB2-EB44-AF95-8FAC9279ECD4}"/>
+              </a:ext>
+            </a:extLst>
+          </p:cNvPr>
+          <p:cNvSpPr txBox="1"/>
+          <p:nvPr/>
+        </p:nvSpPr>
+        <p:spPr>
+          <a:xfrm>
+            <a:off x="589217" y="3518084"/>
+            <a:ext cx="3053400" cy="1142364"/>
+          </a:xfrm>
+          <a:prstGeom prst="rect">
+            <a:avLst/>
+          </a:prstGeom>
+          <a:noFill/>
+        </p:spPr>
+        <p:txBody>
+          <a:bodyPr wrap="none" rtlCol="0">
+            <a:spAutoFit/>
+          </a:bodyPr>
+          <a:lstStyle/>
+          <a:p>
+            <a:pPr marL="180975" indent="-180975">
+              <a:lnSpc>
+                <a:spcPct val="110000"/>
+              </a:lnSpc>
+              <a:spcAft>
+                <a:spcPts val="200"/>
+              </a:spcAft>
+              <a:buClr>
+                <a:srgbClr val="EC131B"/>
+              </a:buClr>
+              <a:buSzPct val="120000"/>
+              <a:buFont typeface="Arial" panose="020B0604020202020204" pitchFamily="34" charset="0"/>
+              <a:buChar char="•"/>
+            </a:pPr>
+            <a:r>
+              <a:rPr lang="en-US" sz="2000" dirty="0">
+                <a:ea typeface="Arial" panose="020B0706030804020204" pitchFamily="34" charset="0"/>
+                <a:cs typeface="Arial" panose="020B0706030804020204" pitchFamily="34" charset="0"/>
+              </a:rPr>
+              <a:t>Validate data quality</a:t>
+            </a:r>
+          </a:p>
+          <a:p>
+            <a:pPr marL="180975" indent="-180975">
+              <a:lnSpc>
+                <a:spcPct val="110000"/>
+              </a:lnSpc>
+              <a:spcAft>
+                <a:spcPts val="200"/>
+              </a:spcAft>
+              <a:buClr>
+                <a:srgbClr val="EC131B"/>
+              </a:buClr>
+              <a:buSzPct val="120000"/>
+              <a:buFont typeface="Arial" panose="020B0604020202020204" pitchFamily="34" charset="0"/>
+              <a:buChar char="•"/>
+            </a:pPr>
+            <a:r>
+              <a:rPr lang="en-US" sz="2000" dirty="0">
+                <a:ea typeface="Arial" panose="020B0706030804020204" pitchFamily="34" charset="0"/>
+                <a:cs typeface="Arial" panose="020B0706030804020204" pitchFamily="34" charset="0"/>
+              </a:rPr>
+              <a:t>Perform portfolio analysis</a:t>
+            </a:r>
+          </a:p>
+          <a:p>
+            <a:pPr marL="180975" indent="-180975">
+              <a:lnSpc>
+                <a:spcPct val="110000"/>
+              </a:lnSpc>
+              <a:spcAft>
+                <a:spcPts val="200"/>
+              </a:spcAft>
+              <a:buClr>
+                <a:srgbClr val="EC131B"/>
+              </a:buClr>
+              <a:buSzPct val="120000"/>
+              <a:buFont typeface="Arial" panose="020B0604020202020204" pitchFamily="34" charset="0"/>
+              <a:buChar char="•"/>
+            </a:pPr>
+            <a:endParaRPr lang="en-US" sz="2000" dirty="0">
+              <a:ea typeface="Arial" panose="020B0706030804020204" pitchFamily="34" charset="0"/>
+              <a:cs typeface="Arial" panose="020B0706030804020204" pitchFamily="34" charset="0"/>
+            </a:endParaRPr>
+          </a:p>
+        </p:txBody>
+      </p:sp>
+    </p:spTree>
+    <p:extLst>
+      <p:ext uri="{BB962C8B-B14F-4D97-AF65-F5344CB8AC3E}">
+        <p14:creationId xmlns:p14="http://schemas.microsoft.com/office/powerpoint/2010/main" val="1131483952"/>
       </p:ext>
     </p:extLst>
   </p:cSld>

--- a/Scotiabank/Scotiabank_analysis.pptx
+++ b/Scotiabank/Scotiabank_analysis.pptx
@@ -8,6 +8,15 @@
     <p:sldId id="256" r:id="rId2"/>
     <p:sldId id="257" r:id="rId3"/>
     <p:sldId id="258" r:id="rId4"/>
+    <p:sldId id="259" r:id="rId5"/>
+    <p:sldId id="260" r:id="rId6"/>
+    <p:sldId id="261" r:id="rId7"/>
+    <p:sldId id="262" r:id="rId8"/>
+    <p:sldId id="263" r:id="rId9"/>
+    <p:sldId id="264" r:id="rId10"/>
+    <p:sldId id="265" r:id="rId11"/>
+    <p:sldId id="266" r:id="rId12"/>
+    <p:sldId id="267" r:id="rId13"/>
   </p:sldIdLst>
   <p:sldSz cx="12192000" cy="6858000"/>
   <p:notesSz cx="6858000" cy="9144000"/>
@@ -3401,6 +3410,3483 @@
 </p:sld>
 </file>
 
+<file path=ppt/slides/slide10.xml><?xml version="1.0" encoding="utf-8"?>
+<p:sld xmlns:a="http://schemas.openxmlformats.org/drawingml/2006/main" xmlns:r="http://schemas.openxmlformats.org/officeDocument/2006/relationships" xmlns:p="http://schemas.openxmlformats.org/presentationml/2006/main">
+  <p:cSld>
+    <p:spTree>
+      <p:nvGrpSpPr>
+        <p:cNvPr id="1" name=""/>
+        <p:cNvGrpSpPr/>
+        <p:nvPr/>
+      </p:nvGrpSpPr>
+      <p:grpSpPr>
+        <a:xfrm>
+          <a:off x="0" y="0"/>
+          <a:ext cx="0" cy="0"/>
+          <a:chOff x="0" y="0"/>
+          <a:chExt cx="0" cy="0"/>
+        </a:xfrm>
+      </p:grpSpPr>
+      <p:sp>
+        <p:nvSpPr>
+          <p:cNvPr id="4" name="Title 1">
+            <a:extLst>
+              <a:ext uri="{FF2B5EF4-FFF2-40B4-BE49-F238E27FC236}">
+                <a16:creationId xmlns:a16="http://schemas.microsoft.com/office/drawing/2014/main" id="{4655E59E-A2FC-3F49-93C5-5760A5E3A66A}"/>
+              </a:ext>
+            </a:extLst>
+          </p:cNvPr>
+          <p:cNvSpPr txBox="1">
+            <a:spLocks/>
+          </p:cNvSpPr>
+          <p:nvPr/>
+        </p:nvSpPr>
+        <p:spPr>
+          <a:xfrm>
+            <a:off x="537459" y="515462"/>
+            <a:ext cx="6248399" cy="600164"/>
+          </a:xfrm>
+          <a:prstGeom prst="rect">
+            <a:avLst/>
+          </a:prstGeom>
+        </p:spPr>
+        <p:txBody>
+          <a:bodyPr vert="horz" lIns="91440" tIns="45720" rIns="91440" bIns="45720" rtlCol="0" anchor="ctr">
+            <a:noAutofit/>
+          </a:bodyPr>
+          <a:lstStyle>
+            <a:lvl1pPr algn="l" defTabSz="914400" rtl="0" eaLnBrk="1" latinLnBrk="0" hangingPunct="1">
+              <a:lnSpc>
+                <a:spcPct val="90000"/>
+              </a:lnSpc>
+              <a:spcBef>
+                <a:spcPct val="0"/>
+              </a:spcBef>
+              <a:buNone/>
+              <a:defRPr sz="4400" kern="1200">
+                <a:solidFill>
+                  <a:schemeClr val="tx1"/>
+                </a:solidFill>
+                <a:latin typeface="+mj-lt"/>
+                <a:ea typeface="+mj-ea"/>
+                <a:cs typeface="+mj-cs"/>
+              </a:defRPr>
+            </a:lvl1pPr>
+          </a:lstStyle>
+          <a:p>
+            <a:r>
+              <a:rPr lang="en-US" sz="4000" b="1" dirty="0">
+                <a:solidFill>
+                  <a:srgbClr val="EC131B"/>
+                </a:solidFill>
+                <a:latin typeface="+mn-lt"/>
+              </a:rPr>
+              <a:t>Portfolio Analysis - Clients</a:t>
+            </a:r>
+          </a:p>
+        </p:txBody>
+      </p:sp>
+      <p:sp>
+        <p:nvSpPr>
+          <p:cNvPr id="7" name="Slide Number Placeholder 4">
+            <a:extLst>
+              <a:ext uri="{FF2B5EF4-FFF2-40B4-BE49-F238E27FC236}">
+                <a16:creationId xmlns:a16="http://schemas.microsoft.com/office/drawing/2014/main" id="{326C14E5-072C-A04E-8D35-AF1F96028057}"/>
+              </a:ext>
+            </a:extLst>
+          </p:cNvPr>
+          <p:cNvSpPr txBox="1">
+            <a:spLocks/>
+          </p:cNvSpPr>
+          <p:nvPr/>
+        </p:nvSpPr>
+        <p:spPr>
+          <a:xfrm>
+            <a:off x="11189654" y="6300297"/>
+            <a:ext cx="464888" cy="365125"/>
+          </a:xfrm>
+          <a:prstGeom prst="rect">
+            <a:avLst/>
+          </a:prstGeom>
+        </p:spPr>
+        <p:txBody>
+          <a:bodyPr/>
+          <a:lstStyle>
+            <a:defPPr>
+              <a:defRPr lang="en-US"/>
+            </a:defPPr>
+            <a:lvl1pPr marL="0" algn="l" defTabSz="914400" rtl="0" eaLnBrk="1" latinLnBrk="0" hangingPunct="1">
+              <a:defRPr sz="1800" kern="1200">
+                <a:solidFill>
+                  <a:schemeClr val="tx1"/>
+                </a:solidFill>
+                <a:latin typeface="+mn-lt"/>
+                <a:ea typeface="+mn-ea"/>
+                <a:cs typeface="+mn-cs"/>
+              </a:defRPr>
+            </a:lvl1pPr>
+            <a:lvl2pPr marL="457200" algn="l" defTabSz="914400" rtl="0" eaLnBrk="1" latinLnBrk="0" hangingPunct="1">
+              <a:defRPr sz="1800" kern="1200">
+                <a:solidFill>
+                  <a:schemeClr val="tx1"/>
+                </a:solidFill>
+                <a:latin typeface="+mn-lt"/>
+                <a:ea typeface="+mn-ea"/>
+                <a:cs typeface="+mn-cs"/>
+              </a:defRPr>
+            </a:lvl2pPr>
+            <a:lvl3pPr marL="914400" algn="l" defTabSz="914400" rtl="0" eaLnBrk="1" latinLnBrk="0" hangingPunct="1">
+              <a:defRPr sz="1800" kern="1200">
+                <a:solidFill>
+                  <a:schemeClr val="tx1"/>
+                </a:solidFill>
+                <a:latin typeface="+mn-lt"/>
+                <a:ea typeface="+mn-ea"/>
+                <a:cs typeface="+mn-cs"/>
+              </a:defRPr>
+            </a:lvl3pPr>
+            <a:lvl4pPr marL="1371600" algn="l" defTabSz="914400" rtl="0" eaLnBrk="1" latinLnBrk="0" hangingPunct="1">
+              <a:defRPr sz="1800" kern="1200">
+                <a:solidFill>
+                  <a:schemeClr val="tx1"/>
+                </a:solidFill>
+                <a:latin typeface="+mn-lt"/>
+                <a:ea typeface="+mn-ea"/>
+                <a:cs typeface="+mn-cs"/>
+              </a:defRPr>
+            </a:lvl4pPr>
+            <a:lvl5pPr marL="1828800" algn="l" defTabSz="914400" rtl="0" eaLnBrk="1" latinLnBrk="0" hangingPunct="1">
+              <a:defRPr sz="1800" kern="1200">
+                <a:solidFill>
+                  <a:schemeClr val="tx1"/>
+                </a:solidFill>
+                <a:latin typeface="+mn-lt"/>
+                <a:ea typeface="+mn-ea"/>
+                <a:cs typeface="+mn-cs"/>
+              </a:defRPr>
+            </a:lvl5pPr>
+            <a:lvl6pPr marL="2286000" algn="l" defTabSz="914400" rtl="0" eaLnBrk="1" latinLnBrk="0" hangingPunct="1">
+              <a:defRPr sz="1800" kern="1200">
+                <a:solidFill>
+                  <a:schemeClr val="tx1"/>
+                </a:solidFill>
+                <a:latin typeface="+mn-lt"/>
+                <a:ea typeface="+mn-ea"/>
+                <a:cs typeface="+mn-cs"/>
+              </a:defRPr>
+            </a:lvl6pPr>
+            <a:lvl7pPr marL="2743200" algn="l" defTabSz="914400" rtl="0" eaLnBrk="1" latinLnBrk="0" hangingPunct="1">
+              <a:defRPr sz="1800" kern="1200">
+                <a:solidFill>
+                  <a:schemeClr val="tx1"/>
+                </a:solidFill>
+                <a:latin typeface="+mn-lt"/>
+                <a:ea typeface="+mn-ea"/>
+                <a:cs typeface="+mn-cs"/>
+              </a:defRPr>
+            </a:lvl7pPr>
+            <a:lvl8pPr marL="3200400" algn="l" defTabSz="914400" rtl="0" eaLnBrk="1" latinLnBrk="0" hangingPunct="1">
+              <a:defRPr sz="1800" kern="1200">
+                <a:solidFill>
+                  <a:schemeClr val="tx1"/>
+                </a:solidFill>
+                <a:latin typeface="+mn-lt"/>
+                <a:ea typeface="+mn-ea"/>
+                <a:cs typeface="+mn-cs"/>
+              </a:defRPr>
+            </a:lvl8pPr>
+            <a:lvl9pPr marL="3657600" algn="l" defTabSz="914400" rtl="0" eaLnBrk="1" latinLnBrk="0" hangingPunct="1">
+              <a:defRPr sz="1800" kern="1200">
+                <a:solidFill>
+                  <a:schemeClr val="tx1"/>
+                </a:solidFill>
+                <a:latin typeface="+mn-lt"/>
+                <a:ea typeface="+mn-ea"/>
+                <a:cs typeface="+mn-cs"/>
+              </a:defRPr>
+            </a:lvl9pPr>
+          </a:lstStyle>
+          <a:p>
+            <a:fld id="{4E6DB2D9-BBD8-435B-B34A-9B8472CE273E}" type="slidenum">
+              <a:rPr lang="en-US" smtClean="0"/>
+              <a:pPr/>
+              <a:t>10</a:t>
+            </a:fld>
+            <a:endParaRPr lang="en-US" dirty="0"/>
+          </a:p>
+        </p:txBody>
+      </p:sp>
+    </p:spTree>
+    <p:extLst>
+      <p:ext uri="{BB962C8B-B14F-4D97-AF65-F5344CB8AC3E}">
+        <p14:creationId xmlns:p14="http://schemas.microsoft.com/office/powerpoint/2010/main" val="2215842377"/>
+      </p:ext>
+    </p:extLst>
+  </p:cSld>
+  <p:clrMapOvr>
+    <a:masterClrMapping/>
+  </p:clrMapOvr>
+</p:sld>
+</file>
+
+<file path=ppt/slides/slide11.xml><?xml version="1.0" encoding="utf-8"?>
+<p:sld xmlns:a="http://schemas.openxmlformats.org/drawingml/2006/main" xmlns:r="http://schemas.openxmlformats.org/officeDocument/2006/relationships" xmlns:p="http://schemas.openxmlformats.org/presentationml/2006/main">
+  <p:cSld>
+    <p:spTree>
+      <p:nvGrpSpPr>
+        <p:cNvPr id="1" name=""/>
+        <p:cNvGrpSpPr/>
+        <p:nvPr/>
+      </p:nvGrpSpPr>
+      <p:grpSpPr>
+        <a:xfrm>
+          <a:off x="0" y="0"/>
+          <a:ext cx="0" cy="0"/>
+          <a:chOff x="0" y="0"/>
+          <a:chExt cx="0" cy="0"/>
+        </a:xfrm>
+      </p:grpSpPr>
+      <p:sp>
+        <p:nvSpPr>
+          <p:cNvPr id="4" name="Title 1">
+            <a:extLst>
+              <a:ext uri="{FF2B5EF4-FFF2-40B4-BE49-F238E27FC236}">
+                <a16:creationId xmlns:a16="http://schemas.microsoft.com/office/drawing/2014/main" id="{4655E59E-A2FC-3F49-93C5-5760A5E3A66A}"/>
+              </a:ext>
+            </a:extLst>
+          </p:cNvPr>
+          <p:cNvSpPr txBox="1">
+            <a:spLocks/>
+          </p:cNvSpPr>
+          <p:nvPr/>
+        </p:nvSpPr>
+        <p:spPr>
+          <a:xfrm>
+            <a:off x="537459" y="515462"/>
+            <a:ext cx="6248399" cy="600164"/>
+          </a:xfrm>
+          <a:prstGeom prst="rect">
+            <a:avLst/>
+          </a:prstGeom>
+        </p:spPr>
+        <p:txBody>
+          <a:bodyPr vert="horz" lIns="91440" tIns="45720" rIns="91440" bIns="45720" rtlCol="0" anchor="ctr">
+            <a:noAutofit/>
+          </a:bodyPr>
+          <a:lstStyle>
+            <a:lvl1pPr algn="l" defTabSz="914400" rtl="0" eaLnBrk="1" latinLnBrk="0" hangingPunct="1">
+              <a:lnSpc>
+                <a:spcPct val="90000"/>
+              </a:lnSpc>
+              <a:spcBef>
+                <a:spcPct val="0"/>
+              </a:spcBef>
+              <a:buNone/>
+              <a:defRPr sz="4400" kern="1200">
+                <a:solidFill>
+                  <a:schemeClr val="tx1"/>
+                </a:solidFill>
+                <a:latin typeface="+mj-lt"/>
+                <a:ea typeface="+mj-ea"/>
+                <a:cs typeface="+mj-cs"/>
+              </a:defRPr>
+            </a:lvl1pPr>
+          </a:lstStyle>
+          <a:p>
+            <a:r>
+              <a:rPr lang="en-US" sz="4000" b="1" dirty="0">
+                <a:solidFill>
+                  <a:srgbClr val="EC131B"/>
+                </a:solidFill>
+                <a:latin typeface="+mn-lt"/>
+              </a:rPr>
+              <a:t>Portfolio Analysis - Clients</a:t>
+            </a:r>
+          </a:p>
+        </p:txBody>
+      </p:sp>
+      <p:sp>
+        <p:nvSpPr>
+          <p:cNvPr id="7" name="Slide Number Placeholder 4">
+            <a:extLst>
+              <a:ext uri="{FF2B5EF4-FFF2-40B4-BE49-F238E27FC236}">
+                <a16:creationId xmlns:a16="http://schemas.microsoft.com/office/drawing/2014/main" id="{326C14E5-072C-A04E-8D35-AF1F96028057}"/>
+              </a:ext>
+            </a:extLst>
+          </p:cNvPr>
+          <p:cNvSpPr txBox="1">
+            <a:spLocks/>
+          </p:cNvSpPr>
+          <p:nvPr/>
+        </p:nvSpPr>
+        <p:spPr>
+          <a:xfrm>
+            <a:off x="11189654" y="6300297"/>
+            <a:ext cx="464888" cy="365125"/>
+          </a:xfrm>
+          <a:prstGeom prst="rect">
+            <a:avLst/>
+          </a:prstGeom>
+        </p:spPr>
+        <p:txBody>
+          <a:bodyPr/>
+          <a:lstStyle>
+            <a:defPPr>
+              <a:defRPr lang="en-US"/>
+            </a:defPPr>
+            <a:lvl1pPr marL="0" algn="l" defTabSz="914400" rtl="0" eaLnBrk="1" latinLnBrk="0" hangingPunct="1">
+              <a:defRPr sz="1800" kern="1200">
+                <a:solidFill>
+                  <a:schemeClr val="tx1"/>
+                </a:solidFill>
+                <a:latin typeface="+mn-lt"/>
+                <a:ea typeface="+mn-ea"/>
+                <a:cs typeface="+mn-cs"/>
+              </a:defRPr>
+            </a:lvl1pPr>
+            <a:lvl2pPr marL="457200" algn="l" defTabSz="914400" rtl="0" eaLnBrk="1" latinLnBrk="0" hangingPunct="1">
+              <a:defRPr sz="1800" kern="1200">
+                <a:solidFill>
+                  <a:schemeClr val="tx1"/>
+                </a:solidFill>
+                <a:latin typeface="+mn-lt"/>
+                <a:ea typeface="+mn-ea"/>
+                <a:cs typeface="+mn-cs"/>
+              </a:defRPr>
+            </a:lvl2pPr>
+            <a:lvl3pPr marL="914400" algn="l" defTabSz="914400" rtl="0" eaLnBrk="1" latinLnBrk="0" hangingPunct="1">
+              <a:defRPr sz="1800" kern="1200">
+                <a:solidFill>
+                  <a:schemeClr val="tx1"/>
+                </a:solidFill>
+                <a:latin typeface="+mn-lt"/>
+                <a:ea typeface="+mn-ea"/>
+                <a:cs typeface="+mn-cs"/>
+              </a:defRPr>
+            </a:lvl3pPr>
+            <a:lvl4pPr marL="1371600" algn="l" defTabSz="914400" rtl="0" eaLnBrk="1" latinLnBrk="0" hangingPunct="1">
+              <a:defRPr sz="1800" kern="1200">
+                <a:solidFill>
+                  <a:schemeClr val="tx1"/>
+                </a:solidFill>
+                <a:latin typeface="+mn-lt"/>
+                <a:ea typeface="+mn-ea"/>
+                <a:cs typeface="+mn-cs"/>
+              </a:defRPr>
+            </a:lvl4pPr>
+            <a:lvl5pPr marL="1828800" algn="l" defTabSz="914400" rtl="0" eaLnBrk="1" latinLnBrk="0" hangingPunct="1">
+              <a:defRPr sz="1800" kern="1200">
+                <a:solidFill>
+                  <a:schemeClr val="tx1"/>
+                </a:solidFill>
+                <a:latin typeface="+mn-lt"/>
+                <a:ea typeface="+mn-ea"/>
+                <a:cs typeface="+mn-cs"/>
+              </a:defRPr>
+            </a:lvl5pPr>
+            <a:lvl6pPr marL="2286000" algn="l" defTabSz="914400" rtl="0" eaLnBrk="1" latinLnBrk="0" hangingPunct="1">
+              <a:defRPr sz="1800" kern="1200">
+                <a:solidFill>
+                  <a:schemeClr val="tx1"/>
+                </a:solidFill>
+                <a:latin typeface="+mn-lt"/>
+                <a:ea typeface="+mn-ea"/>
+                <a:cs typeface="+mn-cs"/>
+              </a:defRPr>
+            </a:lvl6pPr>
+            <a:lvl7pPr marL="2743200" algn="l" defTabSz="914400" rtl="0" eaLnBrk="1" latinLnBrk="0" hangingPunct="1">
+              <a:defRPr sz="1800" kern="1200">
+                <a:solidFill>
+                  <a:schemeClr val="tx1"/>
+                </a:solidFill>
+                <a:latin typeface="+mn-lt"/>
+                <a:ea typeface="+mn-ea"/>
+                <a:cs typeface="+mn-cs"/>
+              </a:defRPr>
+            </a:lvl7pPr>
+            <a:lvl8pPr marL="3200400" algn="l" defTabSz="914400" rtl="0" eaLnBrk="1" latinLnBrk="0" hangingPunct="1">
+              <a:defRPr sz="1800" kern="1200">
+                <a:solidFill>
+                  <a:schemeClr val="tx1"/>
+                </a:solidFill>
+                <a:latin typeface="+mn-lt"/>
+                <a:ea typeface="+mn-ea"/>
+                <a:cs typeface="+mn-cs"/>
+              </a:defRPr>
+            </a:lvl8pPr>
+            <a:lvl9pPr marL="3657600" algn="l" defTabSz="914400" rtl="0" eaLnBrk="1" latinLnBrk="0" hangingPunct="1">
+              <a:defRPr sz="1800" kern="1200">
+                <a:solidFill>
+                  <a:schemeClr val="tx1"/>
+                </a:solidFill>
+                <a:latin typeface="+mn-lt"/>
+                <a:ea typeface="+mn-ea"/>
+                <a:cs typeface="+mn-cs"/>
+              </a:defRPr>
+            </a:lvl9pPr>
+          </a:lstStyle>
+          <a:p>
+            <a:fld id="{4E6DB2D9-BBD8-435B-B34A-9B8472CE273E}" type="slidenum">
+              <a:rPr lang="en-US" smtClean="0"/>
+              <a:pPr/>
+              <a:t>11</a:t>
+            </a:fld>
+            <a:endParaRPr lang="en-US" dirty="0"/>
+          </a:p>
+        </p:txBody>
+      </p:sp>
+    </p:spTree>
+    <p:extLst>
+      <p:ext uri="{BB962C8B-B14F-4D97-AF65-F5344CB8AC3E}">
+        <p14:creationId xmlns:p14="http://schemas.microsoft.com/office/powerpoint/2010/main" val="3820612581"/>
+      </p:ext>
+    </p:extLst>
+  </p:cSld>
+  <p:clrMapOvr>
+    <a:masterClrMapping/>
+  </p:clrMapOvr>
+</p:sld>
+</file>
+
+<file path=ppt/slides/slide12.xml><?xml version="1.0" encoding="utf-8"?>
+<p:sld xmlns:a="http://schemas.openxmlformats.org/drawingml/2006/main" xmlns:r="http://schemas.openxmlformats.org/officeDocument/2006/relationships" xmlns:p="http://schemas.openxmlformats.org/presentationml/2006/main">
+  <p:cSld>
+    <p:spTree>
+      <p:nvGrpSpPr>
+        <p:cNvPr id="1" name=""/>
+        <p:cNvGrpSpPr/>
+        <p:nvPr/>
+      </p:nvGrpSpPr>
+      <p:grpSpPr>
+        <a:xfrm>
+          <a:off x="0" y="0"/>
+          <a:ext cx="0" cy="0"/>
+          <a:chOff x="0" y="0"/>
+          <a:chExt cx="0" cy="0"/>
+        </a:xfrm>
+      </p:grpSpPr>
+      <p:sp>
+        <p:nvSpPr>
+          <p:cNvPr id="4" name="Title 1">
+            <a:extLst>
+              <a:ext uri="{FF2B5EF4-FFF2-40B4-BE49-F238E27FC236}">
+                <a16:creationId xmlns:a16="http://schemas.microsoft.com/office/drawing/2014/main" id="{4655E59E-A2FC-3F49-93C5-5760A5E3A66A}"/>
+              </a:ext>
+            </a:extLst>
+          </p:cNvPr>
+          <p:cNvSpPr txBox="1">
+            <a:spLocks/>
+          </p:cNvSpPr>
+          <p:nvPr/>
+        </p:nvSpPr>
+        <p:spPr>
+          <a:xfrm>
+            <a:off x="537459" y="515462"/>
+            <a:ext cx="6248399" cy="600164"/>
+          </a:xfrm>
+          <a:prstGeom prst="rect">
+            <a:avLst/>
+          </a:prstGeom>
+        </p:spPr>
+        <p:txBody>
+          <a:bodyPr vert="horz" lIns="91440" tIns="45720" rIns="91440" bIns="45720" rtlCol="0" anchor="ctr">
+            <a:noAutofit/>
+          </a:bodyPr>
+          <a:lstStyle>
+            <a:lvl1pPr algn="l" defTabSz="914400" rtl="0" eaLnBrk="1" latinLnBrk="0" hangingPunct="1">
+              <a:lnSpc>
+                <a:spcPct val="90000"/>
+              </a:lnSpc>
+              <a:spcBef>
+                <a:spcPct val="0"/>
+              </a:spcBef>
+              <a:buNone/>
+              <a:defRPr sz="4400" kern="1200">
+                <a:solidFill>
+                  <a:schemeClr val="tx1"/>
+                </a:solidFill>
+                <a:latin typeface="+mj-lt"/>
+                <a:ea typeface="+mj-ea"/>
+                <a:cs typeface="+mj-cs"/>
+              </a:defRPr>
+            </a:lvl1pPr>
+          </a:lstStyle>
+          <a:p>
+            <a:r>
+              <a:rPr lang="en-US" sz="4000" b="1" dirty="0">
+                <a:solidFill>
+                  <a:srgbClr val="EC131B"/>
+                </a:solidFill>
+                <a:latin typeface="+mn-lt"/>
+              </a:rPr>
+              <a:t>Next Steps</a:t>
+            </a:r>
+          </a:p>
+        </p:txBody>
+      </p:sp>
+      <p:sp>
+        <p:nvSpPr>
+          <p:cNvPr id="7" name="Slide Number Placeholder 4">
+            <a:extLst>
+              <a:ext uri="{FF2B5EF4-FFF2-40B4-BE49-F238E27FC236}">
+                <a16:creationId xmlns:a16="http://schemas.microsoft.com/office/drawing/2014/main" id="{326C14E5-072C-A04E-8D35-AF1F96028057}"/>
+              </a:ext>
+            </a:extLst>
+          </p:cNvPr>
+          <p:cNvSpPr txBox="1">
+            <a:spLocks/>
+          </p:cNvSpPr>
+          <p:nvPr/>
+        </p:nvSpPr>
+        <p:spPr>
+          <a:xfrm>
+            <a:off x="11189654" y="6300297"/>
+            <a:ext cx="464888" cy="365125"/>
+          </a:xfrm>
+          <a:prstGeom prst="rect">
+            <a:avLst/>
+          </a:prstGeom>
+        </p:spPr>
+        <p:txBody>
+          <a:bodyPr/>
+          <a:lstStyle>
+            <a:defPPr>
+              <a:defRPr lang="en-US"/>
+            </a:defPPr>
+            <a:lvl1pPr marL="0" algn="l" defTabSz="914400" rtl="0" eaLnBrk="1" latinLnBrk="0" hangingPunct="1">
+              <a:defRPr sz="1800" kern="1200">
+                <a:solidFill>
+                  <a:schemeClr val="tx1"/>
+                </a:solidFill>
+                <a:latin typeface="+mn-lt"/>
+                <a:ea typeface="+mn-ea"/>
+                <a:cs typeface="+mn-cs"/>
+              </a:defRPr>
+            </a:lvl1pPr>
+            <a:lvl2pPr marL="457200" algn="l" defTabSz="914400" rtl="0" eaLnBrk="1" latinLnBrk="0" hangingPunct="1">
+              <a:defRPr sz="1800" kern="1200">
+                <a:solidFill>
+                  <a:schemeClr val="tx1"/>
+                </a:solidFill>
+                <a:latin typeface="+mn-lt"/>
+                <a:ea typeface="+mn-ea"/>
+                <a:cs typeface="+mn-cs"/>
+              </a:defRPr>
+            </a:lvl2pPr>
+            <a:lvl3pPr marL="914400" algn="l" defTabSz="914400" rtl="0" eaLnBrk="1" latinLnBrk="0" hangingPunct="1">
+              <a:defRPr sz="1800" kern="1200">
+                <a:solidFill>
+                  <a:schemeClr val="tx1"/>
+                </a:solidFill>
+                <a:latin typeface="+mn-lt"/>
+                <a:ea typeface="+mn-ea"/>
+                <a:cs typeface="+mn-cs"/>
+              </a:defRPr>
+            </a:lvl3pPr>
+            <a:lvl4pPr marL="1371600" algn="l" defTabSz="914400" rtl="0" eaLnBrk="1" latinLnBrk="0" hangingPunct="1">
+              <a:defRPr sz="1800" kern="1200">
+                <a:solidFill>
+                  <a:schemeClr val="tx1"/>
+                </a:solidFill>
+                <a:latin typeface="+mn-lt"/>
+                <a:ea typeface="+mn-ea"/>
+                <a:cs typeface="+mn-cs"/>
+              </a:defRPr>
+            </a:lvl4pPr>
+            <a:lvl5pPr marL="1828800" algn="l" defTabSz="914400" rtl="0" eaLnBrk="1" latinLnBrk="0" hangingPunct="1">
+              <a:defRPr sz="1800" kern="1200">
+                <a:solidFill>
+                  <a:schemeClr val="tx1"/>
+                </a:solidFill>
+                <a:latin typeface="+mn-lt"/>
+                <a:ea typeface="+mn-ea"/>
+                <a:cs typeface="+mn-cs"/>
+              </a:defRPr>
+            </a:lvl5pPr>
+            <a:lvl6pPr marL="2286000" algn="l" defTabSz="914400" rtl="0" eaLnBrk="1" latinLnBrk="0" hangingPunct="1">
+              <a:defRPr sz="1800" kern="1200">
+                <a:solidFill>
+                  <a:schemeClr val="tx1"/>
+                </a:solidFill>
+                <a:latin typeface="+mn-lt"/>
+                <a:ea typeface="+mn-ea"/>
+                <a:cs typeface="+mn-cs"/>
+              </a:defRPr>
+            </a:lvl6pPr>
+            <a:lvl7pPr marL="2743200" algn="l" defTabSz="914400" rtl="0" eaLnBrk="1" latinLnBrk="0" hangingPunct="1">
+              <a:defRPr sz="1800" kern="1200">
+                <a:solidFill>
+                  <a:schemeClr val="tx1"/>
+                </a:solidFill>
+                <a:latin typeface="+mn-lt"/>
+                <a:ea typeface="+mn-ea"/>
+                <a:cs typeface="+mn-cs"/>
+              </a:defRPr>
+            </a:lvl7pPr>
+            <a:lvl8pPr marL="3200400" algn="l" defTabSz="914400" rtl="0" eaLnBrk="1" latinLnBrk="0" hangingPunct="1">
+              <a:defRPr sz="1800" kern="1200">
+                <a:solidFill>
+                  <a:schemeClr val="tx1"/>
+                </a:solidFill>
+                <a:latin typeface="+mn-lt"/>
+                <a:ea typeface="+mn-ea"/>
+                <a:cs typeface="+mn-cs"/>
+              </a:defRPr>
+            </a:lvl8pPr>
+            <a:lvl9pPr marL="3657600" algn="l" defTabSz="914400" rtl="0" eaLnBrk="1" latinLnBrk="0" hangingPunct="1">
+              <a:defRPr sz="1800" kern="1200">
+                <a:solidFill>
+                  <a:schemeClr val="tx1"/>
+                </a:solidFill>
+                <a:latin typeface="+mn-lt"/>
+                <a:ea typeface="+mn-ea"/>
+                <a:cs typeface="+mn-cs"/>
+              </a:defRPr>
+            </a:lvl9pPr>
+          </a:lstStyle>
+          <a:p>
+            <a:fld id="{4E6DB2D9-BBD8-435B-B34A-9B8472CE273E}" type="slidenum">
+              <a:rPr lang="en-US" smtClean="0"/>
+              <a:pPr/>
+              <a:t>12</a:t>
+            </a:fld>
+            <a:endParaRPr lang="en-US" dirty="0"/>
+          </a:p>
+        </p:txBody>
+      </p:sp>
+      <p:sp>
+        <p:nvSpPr>
+          <p:cNvPr id="5" name="TextBox 4">
+            <a:extLst>
+              <a:ext uri="{FF2B5EF4-FFF2-40B4-BE49-F238E27FC236}">
+                <a16:creationId xmlns:a16="http://schemas.microsoft.com/office/drawing/2014/main" id="{906D3C59-0908-4644-A515-905054BE2CF4}"/>
+              </a:ext>
+            </a:extLst>
+          </p:cNvPr>
+          <p:cNvSpPr txBox="1"/>
+          <p:nvPr/>
+        </p:nvSpPr>
+        <p:spPr>
+          <a:xfrm>
+            <a:off x="1809100" y="2012814"/>
+            <a:ext cx="4058300" cy="603627"/>
+          </a:xfrm>
+          <a:prstGeom prst="rect">
+            <a:avLst/>
+          </a:prstGeom>
+          <a:noFill/>
+        </p:spPr>
+        <p:txBody>
+          <a:bodyPr wrap="square" rtlCol="0">
+            <a:spAutoFit/>
+          </a:bodyPr>
+          <a:lstStyle/>
+          <a:p>
+            <a:pPr>
+              <a:lnSpc>
+                <a:spcPct val="114000"/>
+              </a:lnSpc>
+            </a:pPr>
+            <a:r>
+              <a:rPr lang="en-US" sz="1500" dirty="0"/>
+              <a:t>Ensure that data elements are analyzed to ensure it is not a systematic issue</a:t>
+            </a:r>
+          </a:p>
+        </p:txBody>
+      </p:sp>
+      <p:sp>
+        <p:nvSpPr>
+          <p:cNvPr id="6" name="TextBox 5">
+            <a:extLst>
+              <a:ext uri="{FF2B5EF4-FFF2-40B4-BE49-F238E27FC236}">
+                <a16:creationId xmlns:a16="http://schemas.microsoft.com/office/drawing/2014/main" id="{A9C2D38A-C097-9B45-B0FE-74A5A4EB4B80}"/>
+              </a:ext>
+            </a:extLst>
+          </p:cNvPr>
+          <p:cNvSpPr txBox="1"/>
+          <p:nvPr/>
+        </p:nvSpPr>
+        <p:spPr>
+          <a:xfrm>
+            <a:off x="1809100" y="3429000"/>
+            <a:ext cx="4058300" cy="603627"/>
+          </a:xfrm>
+          <a:prstGeom prst="rect">
+            <a:avLst/>
+          </a:prstGeom>
+          <a:noFill/>
+        </p:spPr>
+        <p:txBody>
+          <a:bodyPr wrap="square" rtlCol="0">
+            <a:spAutoFit/>
+          </a:bodyPr>
+          <a:lstStyle/>
+          <a:p>
+            <a:pPr>
+              <a:lnSpc>
+                <a:spcPct val="114000"/>
+              </a:lnSpc>
+            </a:pPr>
+            <a:r>
+              <a:rPr lang="en-US" sz="1500" dirty="0"/>
+              <a:t>Look at the different data elements again but incorporate a time element</a:t>
+            </a:r>
+          </a:p>
+        </p:txBody>
+      </p:sp>
+      <p:sp>
+        <p:nvSpPr>
+          <p:cNvPr id="9" name="TextBox 8">
+            <a:extLst>
+              <a:ext uri="{FF2B5EF4-FFF2-40B4-BE49-F238E27FC236}">
+                <a16:creationId xmlns:a16="http://schemas.microsoft.com/office/drawing/2014/main" id="{F124A13A-2325-1E4C-BB49-078BAF153E00}"/>
+              </a:ext>
+            </a:extLst>
+          </p:cNvPr>
+          <p:cNvSpPr txBox="1"/>
+          <p:nvPr/>
+        </p:nvSpPr>
+        <p:spPr>
+          <a:xfrm>
+            <a:off x="1809100" y="1678270"/>
+            <a:ext cx="4058300" cy="361637"/>
+          </a:xfrm>
+          <a:prstGeom prst="rect">
+            <a:avLst/>
+          </a:prstGeom>
+          <a:noFill/>
+        </p:spPr>
+        <p:txBody>
+          <a:bodyPr wrap="square" rtlCol="0">
+            <a:spAutoFit/>
+          </a:bodyPr>
+          <a:lstStyle/>
+          <a:p>
+            <a:r>
+              <a:rPr lang="en-US" sz="1750" b="1" dirty="0">
+                <a:solidFill>
+                  <a:srgbClr val="EC131B"/>
+                </a:solidFill>
+                <a:latin typeface="Arial" panose="020B0706030804020204" pitchFamily="34" charset="0"/>
+              </a:rPr>
+              <a:t>Validate Data Quality Issues</a:t>
+            </a:r>
+          </a:p>
+        </p:txBody>
+      </p:sp>
+      <p:sp>
+        <p:nvSpPr>
+          <p:cNvPr id="10" name="TextBox 9">
+            <a:extLst>
+              <a:ext uri="{FF2B5EF4-FFF2-40B4-BE49-F238E27FC236}">
+                <a16:creationId xmlns:a16="http://schemas.microsoft.com/office/drawing/2014/main" id="{97332E61-BCCB-B749-A60D-9A47A7488F3C}"/>
+              </a:ext>
+            </a:extLst>
+          </p:cNvPr>
+          <p:cNvSpPr txBox="1"/>
+          <p:nvPr/>
+        </p:nvSpPr>
+        <p:spPr>
+          <a:xfrm>
+            <a:off x="1809100" y="3106331"/>
+            <a:ext cx="4058300" cy="361637"/>
+          </a:xfrm>
+          <a:prstGeom prst="rect">
+            <a:avLst/>
+          </a:prstGeom>
+          <a:noFill/>
+        </p:spPr>
+        <p:txBody>
+          <a:bodyPr wrap="square" rtlCol="0">
+            <a:spAutoFit/>
+          </a:bodyPr>
+          <a:lstStyle/>
+          <a:p>
+            <a:r>
+              <a:rPr lang="en-US" sz="1750" b="1" dirty="0">
+                <a:solidFill>
+                  <a:srgbClr val="EC131B"/>
+                </a:solidFill>
+                <a:latin typeface="Arial" panose="020B0706030804020204" pitchFamily="34" charset="0"/>
+              </a:rPr>
+              <a:t>Portfolio analysis</a:t>
+            </a:r>
+          </a:p>
+        </p:txBody>
+      </p:sp>
+      <p:grpSp>
+        <p:nvGrpSpPr>
+          <p:cNvPr id="12" name="Group 11">
+            <a:extLst>
+              <a:ext uri="{FF2B5EF4-FFF2-40B4-BE49-F238E27FC236}">
+                <a16:creationId xmlns:a16="http://schemas.microsoft.com/office/drawing/2014/main" id="{353D0DF2-D7A1-5444-A9C6-73CB8D43F661}"/>
+              </a:ext>
+            </a:extLst>
+          </p:cNvPr>
+          <p:cNvGrpSpPr>
+            <a:grpSpLocks noChangeAspect="1"/>
+          </p:cNvGrpSpPr>
+          <p:nvPr/>
+        </p:nvGrpSpPr>
+        <p:grpSpPr>
+          <a:xfrm>
+            <a:off x="633738" y="1674114"/>
+            <a:ext cx="951848" cy="951848"/>
+            <a:chOff x="633738" y="1674114"/>
+            <a:chExt cx="951848" cy="951848"/>
+          </a:xfrm>
+        </p:grpSpPr>
+        <p:sp>
+          <p:nvSpPr>
+            <p:cNvPr id="13" name="Rectangle 12">
+              <a:extLst>
+                <a:ext uri="{FF2B5EF4-FFF2-40B4-BE49-F238E27FC236}">
+                  <a16:creationId xmlns:a16="http://schemas.microsoft.com/office/drawing/2014/main" id="{8E1BF5F1-8C79-064B-8B07-A6F6378040CB}"/>
+                </a:ext>
+              </a:extLst>
+            </p:cNvPr>
+            <p:cNvSpPr>
+              <a:spLocks noChangeAspect="1"/>
+            </p:cNvSpPr>
+            <p:nvPr/>
+          </p:nvSpPr>
+          <p:spPr>
+            <a:xfrm>
+              <a:off x="633738" y="1674114"/>
+              <a:ext cx="951848" cy="951848"/>
+            </a:xfrm>
+            <a:prstGeom prst="rect">
+              <a:avLst/>
+            </a:prstGeom>
+            <a:solidFill>
+              <a:srgbClr val="EC131B"/>
+            </a:solidFill>
+            <a:ln>
+              <a:noFill/>
+            </a:ln>
+          </p:spPr>
+          <p:style>
+            <a:lnRef idx="2">
+              <a:schemeClr val="accent1">
+                <a:shade val="50000"/>
+              </a:schemeClr>
+            </a:lnRef>
+            <a:fillRef idx="1">
+              <a:schemeClr val="accent1"/>
+            </a:fillRef>
+            <a:effectRef idx="0">
+              <a:schemeClr val="accent1"/>
+            </a:effectRef>
+            <a:fontRef idx="minor">
+              <a:schemeClr val="lt1"/>
+            </a:fontRef>
+          </p:style>
+          <p:txBody>
+            <a:bodyPr rtlCol="0" anchor="ctr"/>
+            <a:lstStyle/>
+            <a:p>
+              <a:pPr algn="ctr"/>
+              <a:endParaRPr lang="en-US"/>
+            </a:p>
+          </p:txBody>
+        </p:sp>
+        <p:sp>
+          <p:nvSpPr>
+            <p:cNvPr id="14" name="Freeform 5">
+              <a:extLst>
+                <a:ext uri="{FF2B5EF4-FFF2-40B4-BE49-F238E27FC236}">
+                  <a16:creationId xmlns:a16="http://schemas.microsoft.com/office/drawing/2014/main" id="{0696626F-2E2A-2445-8DC6-BD8F31057D23}"/>
+                </a:ext>
+              </a:extLst>
+            </p:cNvPr>
+            <p:cNvSpPr>
+              <a:spLocks noChangeAspect="1" noEditPoints="1"/>
+            </p:cNvSpPr>
+            <p:nvPr/>
+          </p:nvSpPr>
+          <p:spPr bwMode="auto">
+            <a:xfrm>
+              <a:off x="839205" y="1858809"/>
+              <a:ext cx="540914" cy="582459"/>
+            </a:xfrm>
+            <a:custGeom>
+              <a:avLst/>
+              <a:gdLst>
+                <a:gd name="T0" fmla="*/ 206 w 336"/>
+                <a:gd name="T1" fmla="*/ 39 h 361"/>
+                <a:gd name="T2" fmla="*/ 200 w 336"/>
+                <a:gd name="T3" fmla="*/ 27 h 361"/>
+                <a:gd name="T4" fmla="*/ 303 w 336"/>
+                <a:gd name="T5" fmla="*/ 109 h 361"/>
+                <a:gd name="T6" fmla="*/ 311 w 336"/>
+                <a:gd name="T7" fmla="*/ 104 h 361"/>
+                <a:gd name="T8" fmla="*/ 296 w 336"/>
+                <a:gd name="T9" fmla="*/ 99 h 361"/>
+                <a:gd name="T10" fmla="*/ 234 w 336"/>
+                <a:gd name="T11" fmla="*/ 48 h 361"/>
+                <a:gd name="T12" fmla="*/ 238 w 336"/>
+                <a:gd name="T13" fmla="*/ 39 h 361"/>
+                <a:gd name="T14" fmla="*/ 222 w 336"/>
+                <a:gd name="T15" fmla="*/ 44 h 361"/>
+                <a:gd name="T16" fmla="*/ 264 w 336"/>
+                <a:gd name="T17" fmla="*/ 65 h 361"/>
+                <a:gd name="T18" fmla="*/ 256 w 336"/>
+                <a:gd name="T19" fmla="*/ 48 h 361"/>
+                <a:gd name="T20" fmla="*/ 311 w 336"/>
+                <a:gd name="T21" fmla="*/ 126 h 361"/>
+                <a:gd name="T22" fmla="*/ 323 w 336"/>
+                <a:gd name="T23" fmla="*/ 140 h 361"/>
+                <a:gd name="T24" fmla="*/ 314 w 336"/>
+                <a:gd name="T25" fmla="*/ 119 h 361"/>
+                <a:gd name="T26" fmla="*/ 288 w 336"/>
+                <a:gd name="T27" fmla="*/ 86 h 361"/>
+                <a:gd name="T28" fmla="*/ 282 w 336"/>
+                <a:gd name="T29" fmla="*/ 68 h 361"/>
+                <a:gd name="T30" fmla="*/ 284 w 336"/>
+                <a:gd name="T31" fmla="*/ 85 h 361"/>
+                <a:gd name="T32" fmla="*/ 329 w 336"/>
+                <a:gd name="T33" fmla="*/ 171 h 361"/>
+                <a:gd name="T34" fmla="*/ 332 w 336"/>
+                <a:gd name="T35" fmla="*/ 152 h 361"/>
+                <a:gd name="T36" fmla="*/ 336 w 336"/>
+                <a:gd name="T37" fmla="*/ 185 h 361"/>
+                <a:gd name="T38" fmla="*/ 326 w 336"/>
+                <a:gd name="T39" fmla="*/ 192 h 361"/>
+                <a:gd name="T40" fmla="*/ 164 w 336"/>
+                <a:gd name="T41" fmla="*/ 34 h 361"/>
+                <a:gd name="T42" fmla="*/ 149 w 336"/>
+                <a:gd name="T43" fmla="*/ 54 h 361"/>
+                <a:gd name="T44" fmla="*/ 186 w 336"/>
+                <a:gd name="T45" fmla="*/ 31 h 361"/>
+                <a:gd name="T46" fmla="*/ 148 w 336"/>
+                <a:gd name="T47" fmla="*/ 2 h 361"/>
+                <a:gd name="T48" fmla="*/ 0 w 336"/>
+                <a:gd name="T49" fmla="*/ 192 h 361"/>
+                <a:gd name="T50" fmla="*/ 336 w 336"/>
+                <a:gd name="T51" fmla="*/ 185 h 361"/>
+                <a:gd name="T52" fmla="*/ 69 w 336"/>
+                <a:gd name="T53" fmla="*/ 231 h 361"/>
+                <a:gd name="T54" fmla="*/ 126 w 336"/>
+                <a:gd name="T55" fmla="*/ 231 h 361"/>
+                <a:gd name="T56" fmla="*/ 104 w 336"/>
+                <a:gd name="T57" fmla="*/ 208 h 361"/>
+                <a:gd name="T58" fmla="*/ 99 w 336"/>
+                <a:gd name="T59" fmla="*/ 154 h 361"/>
+                <a:gd name="T60" fmla="*/ 76 w 336"/>
+                <a:gd name="T61" fmla="*/ 176 h 361"/>
+                <a:gd name="T62" fmla="*/ 115 w 336"/>
+                <a:gd name="T63" fmla="*/ 178 h 361"/>
+                <a:gd name="T64" fmla="*/ 136 w 336"/>
+                <a:gd name="T65" fmla="*/ 208 h 361"/>
+                <a:gd name="T66" fmla="*/ 179 w 336"/>
+                <a:gd name="T67" fmla="*/ 217 h 361"/>
+                <a:gd name="T68" fmla="*/ 188 w 336"/>
+                <a:gd name="T69" fmla="*/ 232 h 361"/>
+                <a:gd name="T70" fmla="*/ 201 w 336"/>
+                <a:gd name="T71" fmla="*/ 213 h 361"/>
+                <a:gd name="T72" fmla="*/ 188 w 336"/>
+                <a:gd name="T73" fmla="*/ 159 h 361"/>
+                <a:gd name="T74" fmla="*/ 179 w 336"/>
+                <a:gd name="T75" fmla="*/ 209 h 361"/>
+                <a:gd name="T76" fmla="*/ 179 w 336"/>
+                <a:gd name="T77" fmla="*/ 209 h 361"/>
+                <a:gd name="T78" fmla="*/ 225 w 336"/>
+                <a:gd name="T79" fmla="*/ 202 h 361"/>
+                <a:gd name="T80" fmla="*/ 259 w 336"/>
+                <a:gd name="T81" fmla="*/ 232 h 361"/>
+                <a:gd name="T82" fmla="*/ 268 w 336"/>
+                <a:gd name="T83" fmla="*/ 199 h 361"/>
+                <a:gd name="T84" fmla="*/ 225 w 336"/>
+                <a:gd name="T85" fmla="*/ 156 h 361"/>
+                <a:gd name="T86" fmla="*/ 216 w 336"/>
+                <a:gd name="T87" fmla="*/ 232 h 361"/>
+              </a:gdLst>
+              <a:ahLst/>
+              <a:cxnLst>
+                <a:cxn ang="0">
+                  <a:pos x="T0" y="T1"/>
+                </a:cxn>
+                <a:cxn ang="0">
+                  <a:pos x="T2" y="T3"/>
+                </a:cxn>
+                <a:cxn ang="0">
+                  <a:pos x="T4" y="T5"/>
+                </a:cxn>
+                <a:cxn ang="0">
+                  <a:pos x="T6" y="T7"/>
+                </a:cxn>
+                <a:cxn ang="0">
+                  <a:pos x="T8" y="T9"/>
+                </a:cxn>
+                <a:cxn ang="0">
+                  <a:pos x="T10" y="T11"/>
+                </a:cxn>
+                <a:cxn ang="0">
+                  <a:pos x="T12" y="T13"/>
+                </a:cxn>
+                <a:cxn ang="0">
+                  <a:pos x="T14" y="T15"/>
+                </a:cxn>
+                <a:cxn ang="0">
+                  <a:pos x="T16" y="T17"/>
+                </a:cxn>
+                <a:cxn ang="0">
+                  <a:pos x="T18" y="T19"/>
+                </a:cxn>
+                <a:cxn ang="0">
+                  <a:pos x="T20" y="T21"/>
+                </a:cxn>
+                <a:cxn ang="0">
+                  <a:pos x="T22" y="T23"/>
+                </a:cxn>
+                <a:cxn ang="0">
+                  <a:pos x="T24" y="T25"/>
+                </a:cxn>
+                <a:cxn ang="0">
+                  <a:pos x="T26" y="T27"/>
+                </a:cxn>
+                <a:cxn ang="0">
+                  <a:pos x="T28" y="T29"/>
+                </a:cxn>
+                <a:cxn ang="0">
+                  <a:pos x="T30" y="T31"/>
+                </a:cxn>
+                <a:cxn ang="0">
+                  <a:pos x="T32" y="T33"/>
+                </a:cxn>
+                <a:cxn ang="0">
+                  <a:pos x="T34" y="T35"/>
+                </a:cxn>
+                <a:cxn ang="0">
+                  <a:pos x="T36" y="T37"/>
+                </a:cxn>
+                <a:cxn ang="0">
+                  <a:pos x="T38" y="T39"/>
+                </a:cxn>
+                <a:cxn ang="0">
+                  <a:pos x="T40" y="T41"/>
+                </a:cxn>
+                <a:cxn ang="0">
+                  <a:pos x="T42" y="T43"/>
+                </a:cxn>
+                <a:cxn ang="0">
+                  <a:pos x="T44" y="T45"/>
+                </a:cxn>
+                <a:cxn ang="0">
+                  <a:pos x="T46" y="T47"/>
+                </a:cxn>
+                <a:cxn ang="0">
+                  <a:pos x="T48" y="T49"/>
+                </a:cxn>
+                <a:cxn ang="0">
+                  <a:pos x="T50" y="T51"/>
+                </a:cxn>
+                <a:cxn ang="0">
+                  <a:pos x="T52" y="T53"/>
+                </a:cxn>
+                <a:cxn ang="0">
+                  <a:pos x="T54" y="T55"/>
+                </a:cxn>
+                <a:cxn ang="0">
+                  <a:pos x="T56" y="T57"/>
+                </a:cxn>
+                <a:cxn ang="0">
+                  <a:pos x="T58" y="T59"/>
+                </a:cxn>
+                <a:cxn ang="0">
+                  <a:pos x="T60" y="T61"/>
+                </a:cxn>
+                <a:cxn ang="0">
+                  <a:pos x="T62" y="T63"/>
+                </a:cxn>
+                <a:cxn ang="0">
+                  <a:pos x="T64" y="T65"/>
+                </a:cxn>
+                <a:cxn ang="0">
+                  <a:pos x="T66" y="T67"/>
+                </a:cxn>
+                <a:cxn ang="0">
+                  <a:pos x="T68" y="T69"/>
+                </a:cxn>
+                <a:cxn ang="0">
+                  <a:pos x="T70" y="T71"/>
+                </a:cxn>
+                <a:cxn ang="0">
+                  <a:pos x="T72" y="T73"/>
+                </a:cxn>
+                <a:cxn ang="0">
+                  <a:pos x="T74" y="T75"/>
+                </a:cxn>
+                <a:cxn ang="0">
+                  <a:pos x="T76" y="T77"/>
+                </a:cxn>
+                <a:cxn ang="0">
+                  <a:pos x="T78" y="T79"/>
+                </a:cxn>
+                <a:cxn ang="0">
+                  <a:pos x="T80" y="T81"/>
+                </a:cxn>
+                <a:cxn ang="0">
+                  <a:pos x="T82" y="T83"/>
+                </a:cxn>
+                <a:cxn ang="0">
+                  <a:pos x="T84" y="T85"/>
+                </a:cxn>
+                <a:cxn ang="0">
+                  <a:pos x="T86" y="T87"/>
+                </a:cxn>
+              </a:cxnLst>
+              <a:rect l="0" t="0" r="r" b="b"/>
+              <a:pathLst>
+                <a:path w="336" h="361">
+                  <a:moveTo>
+                    <a:pt x="198" y="37"/>
+                  </a:moveTo>
+                  <a:cubicBezTo>
+                    <a:pt x="200" y="37"/>
+                    <a:pt x="202" y="38"/>
+                    <a:pt x="204" y="38"/>
+                  </a:cubicBezTo>
+                  <a:cubicBezTo>
+                    <a:pt x="205" y="39"/>
+                    <a:pt x="205" y="39"/>
+                    <a:pt x="206" y="39"/>
+                  </a:cubicBezTo>
+                  <a:cubicBezTo>
+                    <a:pt x="208" y="39"/>
+                    <a:pt x="210" y="37"/>
+                    <a:pt x="211" y="35"/>
+                  </a:cubicBezTo>
+                  <a:cubicBezTo>
+                    <a:pt x="211" y="32"/>
+                    <a:pt x="209" y="29"/>
+                    <a:pt x="207" y="28"/>
+                  </a:cubicBezTo>
+                  <a:cubicBezTo>
+                    <a:pt x="204" y="28"/>
+                    <a:pt x="202" y="27"/>
+                    <a:pt x="200" y="27"/>
+                  </a:cubicBezTo>
+                  <a:cubicBezTo>
+                    <a:pt x="197" y="26"/>
+                    <a:pt x="194" y="28"/>
+                    <a:pt x="194" y="31"/>
+                  </a:cubicBezTo>
+                  <a:cubicBezTo>
+                    <a:pt x="193" y="34"/>
+                    <a:pt x="195" y="37"/>
+                    <a:pt x="198" y="37"/>
+                  </a:cubicBezTo>
+                  <a:close/>
+                  <a:moveTo>
+                    <a:pt x="303" y="109"/>
+                  </a:moveTo>
+                  <a:cubicBezTo>
+                    <a:pt x="304" y="111"/>
+                    <a:pt x="305" y="112"/>
+                    <a:pt x="307" y="112"/>
+                  </a:cubicBezTo>
+                  <a:cubicBezTo>
+                    <a:pt x="308" y="112"/>
+                    <a:pt x="309" y="111"/>
+                    <a:pt x="310" y="111"/>
+                  </a:cubicBezTo>
+                  <a:cubicBezTo>
+                    <a:pt x="312" y="109"/>
+                    <a:pt x="313" y="106"/>
+                    <a:pt x="311" y="104"/>
+                  </a:cubicBezTo>
+                  <a:cubicBezTo>
+                    <a:pt x="309" y="100"/>
+                    <a:pt x="307" y="96"/>
+                    <a:pt x="304" y="93"/>
+                  </a:cubicBezTo>
+                  <a:cubicBezTo>
+                    <a:pt x="302" y="91"/>
+                    <a:pt x="299" y="90"/>
+                    <a:pt x="297" y="92"/>
+                  </a:cubicBezTo>
+                  <a:cubicBezTo>
+                    <a:pt x="294" y="93"/>
+                    <a:pt x="294" y="97"/>
+                    <a:pt x="296" y="99"/>
+                  </a:cubicBezTo>
+                  <a:cubicBezTo>
+                    <a:pt x="298" y="102"/>
+                    <a:pt x="300" y="106"/>
+                    <a:pt x="303" y="109"/>
+                  </a:cubicBezTo>
+                  <a:close/>
+                  <a:moveTo>
+                    <a:pt x="222" y="44"/>
+                  </a:moveTo>
+                  <a:cubicBezTo>
+                    <a:pt x="226" y="45"/>
+                    <a:pt x="230" y="47"/>
+                    <a:pt x="234" y="48"/>
+                  </a:cubicBezTo>
+                  <a:cubicBezTo>
+                    <a:pt x="234" y="49"/>
+                    <a:pt x="235" y="49"/>
+                    <a:pt x="236" y="49"/>
+                  </a:cubicBezTo>
+                  <a:cubicBezTo>
+                    <a:pt x="238" y="49"/>
+                    <a:pt x="240" y="48"/>
+                    <a:pt x="241" y="46"/>
+                  </a:cubicBezTo>
+                  <a:cubicBezTo>
+                    <a:pt x="242" y="43"/>
+                    <a:pt x="241" y="40"/>
+                    <a:pt x="238" y="39"/>
+                  </a:cubicBezTo>
+                  <a:cubicBezTo>
+                    <a:pt x="234" y="37"/>
+                    <a:pt x="230" y="36"/>
+                    <a:pt x="226" y="34"/>
+                  </a:cubicBezTo>
+                  <a:cubicBezTo>
+                    <a:pt x="223" y="33"/>
+                    <a:pt x="220" y="34"/>
+                    <a:pt x="219" y="37"/>
+                  </a:cubicBezTo>
+                  <a:cubicBezTo>
+                    <a:pt x="218" y="40"/>
+                    <a:pt x="220" y="43"/>
+                    <a:pt x="222" y="44"/>
+                  </a:cubicBezTo>
+                  <a:close/>
+                  <a:moveTo>
+                    <a:pt x="250" y="57"/>
+                  </a:moveTo>
+                  <a:cubicBezTo>
+                    <a:pt x="254" y="59"/>
+                    <a:pt x="257" y="62"/>
+                    <a:pt x="261" y="64"/>
+                  </a:cubicBezTo>
+                  <a:cubicBezTo>
+                    <a:pt x="261" y="65"/>
+                    <a:pt x="262" y="65"/>
+                    <a:pt x="264" y="65"/>
+                  </a:cubicBezTo>
+                  <a:cubicBezTo>
+                    <a:pt x="265" y="65"/>
+                    <a:pt x="267" y="64"/>
+                    <a:pt x="268" y="63"/>
+                  </a:cubicBezTo>
+                  <a:cubicBezTo>
+                    <a:pt x="269" y="61"/>
+                    <a:pt x="269" y="57"/>
+                    <a:pt x="267" y="56"/>
+                  </a:cubicBezTo>
+                  <a:cubicBezTo>
+                    <a:pt x="263" y="53"/>
+                    <a:pt x="259" y="51"/>
+                    <a:pt x="256" y="48"/>
+                  </a:cubicBezTo>
+                  <a:cubicBezTo>
+                    <a:pt x="253" y="47"/>
+                    <a:pt x="250" y="48"/>
+                    <a:pt x="248" y="50"/>
+                  </a:cubicBezTo>
+                  <a:cubicBezTo>
+                    <a:pt x="247" y="53"/>
+                    <a:pt x="248" y="56"/>
+                    <a:pt x="250" y="57"/>
+                  </a:cubicBezTo>
+                  <a:close/>
+                  <a:moveTo>
+                    <a:pt x="311" y="126"/>
+                  </a:moveTo>
+                  <a:cubicBezTo>
+                    <a:pt x="313" y="129"/>
+                    <a:pt x="315" y="133"/>
+                    <a:pt x="316" y="137"/>
+                  </a:cubicBezTo>
+                  <a:cubicBezTo>
+                    <a:pt x="317" y="139"/>
+                    <a:pt x="319" y="140"/>
+                    <a:pt x="321" y="140"/>
+                  </a:cubicBezTo>
+                  <a:cubicBezTo>
+                    <a:pt x="322" y="140"/>
+                    <a:pt x="322" y="140"/>
+                    <a:pt x="323" y="140"/>
+                  </a:cubicBezTo>
+                  <a:cubicBezTo>
+                    <a:pt x="326" y="139"/>
+                    <a:pt x="327" y="136"/>
+                    <a:pt x="326" y="133"/>
+                  </a:cubicBezTo>
+                  <a:cubicBezTo>
+                    <a:pt x="324" y="129"/>
+                    <a:pt x="323" y="125"/>
+                    <a:pt x="321" y="121"/>
+                  </a:cubicBezTo>
+                  <a:cubicBezTo>
+                    <a:pt x="320" y="119"/>
+                    <a:pt x="317" y="118"/>
+                    <a:pt x="314" y="119"/>
+                  </a:cubicBezTo>
+                  <a:cubicBezTo>
+                    <a:pt x="311" y="120"/>
+                    <a:pt x="310" y="123"/>
+                    <a:pt x="311" y="126"/>
+                  </a:cubicBezTo>
+                  <a:close/>
+                  <a:moveTo>
+                    <a:pt x="284" y="85"/>
+                  </a:moveTo>
+                  <a:cubicBezTo>
+                    <a:pt x="285" y="86"/>
+                    <a:pt x="286" y="86"/>
+                    <a:pt x="288" y="86"/>
+                  </a:cubicBezTo>
+                  <a:cubicBezTo>
+                    <a:pt x="289" y="86"/>
+                    <a:pt x="290" y="86"/>
+                    <a:pt x="291" y="85"/>
+                  </a:cubicBezTo>
+                  <a:cubicBezTo>
+                    <a:pt x="293" y="83"/>
+                    <a:pt x="293" y="80"/>
+                    <a:pt x="291" y="78"/>
+                  </a:cubicBezTo>
+                  <a:cubicBezTo>
+                    <a:pt x="288" y="74"/>
+                    <a:pt x="285" y="71"/>
+                    <a:pt x="282" y="68"/>
+                  </a:cubicBezTo>
+                  <a:cubicBezTo>
+                    <a:pt x="280" y="66"/>
+                    <a:pt x="277" y="66"/>
+                    <a:pt x="275" y="69"/>
+                  </a:cubicBezTo>
+                  <a:cubicBezTo>
+                    <a:pt x="273" y="71"/>
+                    <a:pt x="273" y="74"/>
+                    <a:pt x="275" y="76"/>
+                  </a:cubicBezTo>
+                  <a:cubicBezTo>
+                    <a:pt x="278" y="79"/>
+                    <a:pt x="281" y="82"/>
+                    <a:pt x="284" y="85"/>
+                  </a:cubicBezTo>
+                  <a:close/>
+                  <a:moveTo>
+                    <a:pt x="322" y="155"/>
+                  </a:moveTo>
+                  <a:cubicBezTo>
+                    <a:pt x="323" y="159"/>
+                    <a:pt x="323" y="163"/>
+                    <a:pt x="324" y="167"/>
+                  </a:cubicBezTo>
+                  <a:cubicBezTo>
+                    <a:pt x="325" y="170"/>
+                    <a:pt x="327" y="171"/>
+                    <a:pt x="329" y="171"/>
+                  </a:cubicBezTo>
+                  <a:cubicBezTo>
+                    <a:pt x="329" y="171"/>
+                    <a:pt x="330" y="171"/>
+                    <a:pt x="330" y="171"/>
+                  </a:cubicBezTo>
+                  <a:cubicBezTo>
+                    <a:pt x="333" y="171"/>
+                    <a:pt x="335" y="168"/>
+                    <a:pt x="334" y="165"/>
+                  </a:cubicBezTo>
+                  <a:cubicBezTo>
+                    <a:pt x="334" y="161"/>
+                    <a:pt x="333" y="157"/>
+                    <a:pt x="332" y="152"/>
+                  </a:cubicBezTo>
+                  <a:cubicBezTo>
+                    <a:pt x="331" y="150"/>
+                    <a:pt x="328" y="148"/>
+                    <a:pt x="325" y="149"/>
+                  </a:cubicBezTo>
+                  <a:cubicBezTo>
+                    <a:pt x="323" y="149"/>
+                    <a:pt x="321" y="152"/>
+                    <a:pt x="322" y="155"/>
+                  </a:cubicBezTo>
+                  <a:close/>
+                  <a:moveTo>
+                    <a:pt x="336" y="185"/>
+                  </a:moveTo>
+                  <a:cubicBezTo>
+                    <a:pt x="336" y="182"/>
+                    <a:pt x="334" y="180"/>
+                    <a:pt x="331" y="180"/>
+                  </a:cubicBezTo>
+                  <a:cubicBezTo>
+                    <a:pt x="328" y="180"/>
+                    <a:pt x="326" y="183"/>
+                    <a:pt x="326" y="186"/>
+                  </a:cubicBezTo>
+                  <a:cubicBezTo>
+                    <a:pt x="326" y="188"/>
+                    <a:pt x="326" y="190"/>
+                    <a:pt x="326" y="192"/>
+                  </a:cubicBezTo>
+                  <a:cubicBezTo>
+                    <a:pt x="326" y="279"/>
+                    <a:pt x="255" y="350"/>
+                    <a:pt x="168" y="350"/>
+                  </a:cubicBezTo>
+                  <a:cubicBezTo>
+                    <a:pt x="81" y="350"/>
+                    <a:pt x="10" y="279"/>
+                    <a:pt x="10" y="192"/>
+                  </a:cubicBezTo>
+                  <a:cubicBezTo>
+                    <a:pt x="10" y="107"/>
+                    <a:pt x="79" y="37"/>
+                    <a:pt x="164" y="34"/>
+                  </a:cubicBezTo>
+                  <a:cubicBezTo>
+                    <a:pt x="147" y="44"/>
+                    <a:pt x="147" y="44"/>
+                    <a:pt x="147" y="44"/>
+                  </a:cubicBezTo>
+                  <a:cubicBezTo>
+                    <a:pt x="144" y="46"/>
+                    <a:pt x="143" y="49"/>
+                    <a:pt x="145" y="51"/>
+                  </a:cubicBezTo>
+                  <a:cubicBezTo>
+                    <a:pt x="146" y="53"/>
+                    <a:pt x="147" y="54"/>
+                    <a:pt x="149" y="54"/>
+                  </a:cubicBezTo>
+                  <a:cubicBezTo>
+                    <a:pt x="150" y="54"/>
+                    <a:pt x="151" y="54"/>
+                    <a:pt x="152" y="53"/>
+                  </a:cubicBezTo>
+                  <a:cubicBezTo>
+                    <a:pt x="184" y="35"/>
+                    <a:pt x="184" y="35"/>
+                    <a:pt x="184" y="35"/>
+                  </a:cubicBezTo>
+                  <a:cubicBezTo>
+                    <a:pt x="185" y="34"/>
+                    <a:pt x="186" y="32"/>
+                    <a:pt x="186" y="31"/>
+                  </a:cubicBezTo>
+                  <a:cubicBezTo>
+                    <a:pt x="186" y="29"/>
+                    <a:pt x="186" y="27"/>
+                    <a:pt x="184" y="26"/>
+                  </a:cubicBezTo>
+                  <a:cubicBezTo>
+                    <a:pt x="156" y="2"/>
+                    <a:pt x="156" y="2"/>
+                    <a:pt x="156" y="2"/>
+                  </a:cubicBezTo>
+                  <a:cubicBezTo>
+                    <a:pt x="153" y="0"/>
+                    <a:pt x="150" y="0"/>
+                    <a:pt x="148" y="2"/>
+                  </a:cubicBezTo>
+                  <a:cubicBezTo>
+                    <a:pt x="146" y="4"/>
+                    <a:pt x="147" y="8"/>
+                    <a:pt x="149" y="10"/>
+                  </a:cubicBezTo>
+                  <a:cubicBezTo>
+                    <a:pt x="166" y="24"/>
+                    <a:pt x="166" y="24"/>
+                    <a:pt x="166" y="24"/>
+                  </a:cubicBezTo>
+                  <a:cubicBezTo>
+                    <a:pt x="74" y="25"/>
+                    <a:pt x="0" y="100"/>
+                    <a:pt x="0" y="192"/>
+                  </a:cubicBezTo>
+                  <a:cubicBezTo>
+                    <a:pt x="0" y="285"/>
+                    <a:pt x="75" y="361"/>
+                    <a:pt x="168" y="361"/>
+                  </a:cubicBezTo>
+                  <a:cubicBezTo>
+                    <a:pt x="261" y="361"/>
+                    <a:pt x="336" y="285"/>
+                    <a:pt x="336" y="192"/>
+                  </a:cubicBezTo>
+                  <a:cubicBezTo>
+                    <a:pt x="336" y="190"/>
+                    <a:pt x="336" y="188"/>
+                    <a:pt x="336" y="185"/>
+                  </a:cubicBezTo>
+                  <a:close/>
+                  <a:moveTo>
+                    <a:pt x="98" y="203"/>
+                  </a:moveTo>
+                  <a:cubicBezTo>
+                    <a:pt x="71" y="227"/>
+                    <a:pt x="71" y="227"/>
+                    <a:pt x="71" y="227"/>
+                  </a:cubicBezTo>
+                  <a:cubicBezTo>
+                    <a:pt x="69" y="228"/>
+                    <a:pt x="69" y="230"/>
+                    <a:pt x="69" y="231"/>
+                  </a:cubicBezTo>
+                  <a:cubicBezTo>
+                    <a:pt x="69" y="234"/>
+                    <a:pt x="71" y="236"/>
+                    <a:pt x="73" y="236"/>
+                  </a:cubicBezTo>
+                  <a:cubicBezTo>
+                    <a:pt x="121" y="236"/>
+                    <a:pt x="121" y="236"/>
+                    <a:pt x="121" y="236"/>
+                  </a:cubicBezTo>
+                  <a:cubicBezTo>
+                    <a:pt x="124" y="236"/>
+                    <a:pt x="126" y="234"/>
+                    <a:pt x="126" y="231"/>
+                  </a:cubicBezTo>
+                  <a:cubicBezTo>
+                    <a:pt x="126" y="229"/>
+                    <a:pt x="124" y="227"/>
+                    <a:pt x="121" y="227"/>
+                  </a:cubicBezTo>
+                  <a:cubicBezTo>
+                    <a:pt x="83" y="227"/>
+                    <a:pt x="83" y="227"/>
+                    <a:pt x="83" y="227"/>
+                  </a:cubicBezTo>
+                  <a:cubicBezTo>
+                    <a:pt x="104" y="208"/>
+                    <a:pt x="104" y="208"/>
+                    <a:pt x="104" y="208"/>
+                  </a:cubicBezTo>
+                  <a:cubicBezTo>
+                    <a:pt x="118" y="196"/>
+                    <a:pt x="124" y="189"/>
+                    <a:pt x="124" y="177"/>
+                  </a:cubicBezTo>
+                  <a:cubicBezTo>
+                    <a:pt x="124" y="177"/>
+                    <a:pt x="124" y="177"/>
+                    <a:pt x="124" y="177"/>
+                  </a:cubicBezTo>
+                  <a:cubicBezTo>
+                    <a:pt x="124" y="164"/>
+                    <a:pt x="114" y="154"/>
+                    <a:pt x="99" y="154"/>
+                  </a:cubicBezTo>
+                  <a:cubicBezTo>
+                    <a:pt x="86" y="154"/>
+                    <a:pt x="79" y="160"/>
+                    <a:pt x="72" y="169"/>
+                  </a:cubicBezTo>
+                  <a:cubicBezTo>
+                    <a:pt x="72" y="170"/>
+                    <a:pt x="71" y="171"/>
+                    <a:pt x="71" y="172"/>
+                  </a:cubicBezTo>
+                  <a:cubicBezTo>
+                    <a:pt x="71" y="174"/>
+                    <a:pt x="73" y="176"/>
+                    <a:pt x="76" y="176"/>
+                  </a:cubicBezTo>
+                  <a:cubicBezTo>
+                    <a:pt x="77" y="176"/>
+                    <a:pt x="78" y="175"/>
+                    <a:pt x="79" y="174"/>
+                  </a:cubicBezTo>
+                  <a:cubicBezTo>
+                    <a:pt x="85" y="167"/>
+                    <a:pt x="90" y="162"/>
+                    <a:pt x="99" y="162"/>
+                  </a:cubicBezTo>
+                  <a:cubicBezTo>
+                    <a:pt x="107" y="162"/>
+                    <a:pt x="115" y="168"/>
+                    <a:pt x="115" y="178"/>
+                  </a:cubicBezTo>
+                  <a:cubicBezTo>
+                    <a:pt x="115" y="186"/>
+                    <a:pt x="111" y="192"/>
+                    <a:pt x="98" y="203"/>
+                  </a:cubicBezTo>
+                  <a:close/>
+                  <a:moveTo>
+                    <a:pt x="178" y="157"/>
+                  </a:moveTo>
+                  <a:cubicBezTo>
+                    <a:pt x="136" y="208"/>
+                    <a:pt x="136" y="208"/>
+                    <a:pt x="136" y="208"/>
+                  </a:cubicBezTo>
+                  <a:cubicBezTo>
+                    <a:pt x="135" y="209"/>
+                    <a:pt x="134" y="211"/>
+                    <a:pt x="134" y="212"/>
+                  </a:cubicBezTo>
+                  <a:cubicBezTo>
+                    <a:pt x="134" y="215"/>
+                    <a:pt x="136" y="217"/>
+                    <a:pt x="139" y="217"/>
+                  </a:cubicBezTo>
+                  <a:cubicBezTo>
+                    <a:pt x="179" y="217"/>
+                    <a:pt x="179" y="217"/>
+                    <a:pt x="179" y="217"/>
+                  </a:cubicBezTo>
+                  <a:cubicBezTo>
+                    <a:pt x="179" y="232"/>
+                    <a:pt x="179" y="232"/>
+                    <a:pt x="179" y="232"/>
+                  </a:cubicBezTo>
+                  <a:cubicBezTo>
+                    <a:pt x="179" y="234"/>
+                    <a:pt x="181" y="236"/>
+                    <a:pt x="183" y="236"/>
+                  </a:cubicBezTo>
+                  <a:cubicBezTo>
+                    <a:pt x="186" y="236"/>
+                    <a:pt x="188" y="234"/>
+                    <a:pt x="188" y="232"/>
+                  </a:cubicBezTo>
+                  <a:cubicBezTo>
+                    <a:pt x="188" y="217"/>
+                    <a:pt x="188" y="217"/>
+                    <a:pt x="188" y="217"/>
+                  </a:cubicBezTo>
+                  <a:cubicBezTo>
+                    <a:pt x="197" y="217"/>
+                    <a:pt x="197" y="217"/>
+                    <a:pt x="197" y="217"/>
+                  </a:cubicBezTo>
+                  <a:cubicBezTo>
+                    <a:pt x="199" y="217"/>
+                    <a:pt x="201" y="215"/>
+                    <a:pt x="201" y="213"/>
+                  </a:cubicBezTo>
+                  <a:cubicBezTo>
+                    <a:pt x="201" y="211"/>
+                    <a:pt x="199" y="209"/>
+                    <a:pt x="197" y="209"/>
+                  </a:cubicBezTo>
+                  <a:cubicBezTo>
+                    <a:pt x="188" y="209"/>
+                    <a:pt x="188" y="209"/>
+                    <a:pt x="188" y="209"/>
+                  </a:cubicBezTo>
+                  <a:cubicBezTo>
+                    <a:pt x="188" y="159"/>
+                    <a:pt x="188" y="159"/>
+                    <a:pt x="188" y="159"/>
+                  </a:cubicBezTo>
+                  <a:cubicBezTo>
+                    <a:pt x="188" y="156"/>
+                    <a:pt x="185" y="154"/>
+                    <a:pt x="183" y="154"/>
+                  </a:cubicBezTo>
+                  <a:cubicBezTo>
+                    <a:pt x="180" y="154"/>
+                    <a:pt x="179" y="155"/>
+                    <a:pt x="178" y="157"/>
+                  </a:cubicBezTo>
+                  <a:close/>
+                  <a:moveTo>
+                    <a:pt x="179" y="209"/>
+                  </a:moveTo>
+                  <a:cubicBezTo>
+                    <a:pt x="145" y="209"/>
+                    <a:pt x="145" y="209"/>
+                    <a:pt x="145" y="209"/>
+                  </a:cubicBezTo>
+                  <a:cubicBezTo>
+                    <a:pt x="179" y="168"/>
+                    <a:pt x="179" y="168"/>
+                    <a:pt x="179" y="168"/>
+                  </a:cubicBezTo>
+                  <a:lnTo>
+                    <a:pt x="179" y="209"/>
+                  </a:lnTo>
+                  <a:close/>
+                  <a:moveTo>
+                    <a:pt x="220" y="236"/>
+                  </a:moveTo>
+                  <a:cubicBezTo>
+                    <a:pt x="223" y="236"/>
+                    <a:pt x="225" y="234"/>
+                    <a:pt x="225" y="232"/>
+                  </a:cubicBezTo>
+                  <a:cubicBezTo>
+                    <a:pt x="225" y="202"/>
+                    <a:pt x="225" y="202"/>
+                    <a:pt x="225" y="202"/>
+                  </a:cubicBezTo>
+                  <a:cubicBezTo>
+                    <a:pt x="225" y="191"/>
+                    <a:pt x="232" y="183"/>
+                    <a:pt x="243" y="183"/>
+                  </a:cubicBezTo>
+                  <a:cubicBezTo>
+                    <a:pt x="253" y="183"/>
+                    <a:pt x="259" y="190"/>
+                    <a:pt x="259" y="201"/>
+                  </a:cubicBezTo>
+                  <a:cubicBezTo>
+                    <a:pt x="259" y="232"/>
+                    <a:pt x="259" y="232"/>
+                    <a:pt x="259" y="232"/>
+                  </a:cubicBezTo>
+                  <a:cubicBezTo>
+                    <a:pt x="259" y="234"/>
+                    <a:pt x="261" y="236"/>
+                    <a:pt x="263" y="236"/>
+                  </a:cubicBezTo>
+                  <a:cubicBezTo>
+                    <a:pt x="266" y="236"/>
+                    <a:pt x="268" y="234"/>
+                    <a:pt x="268" y="232"/>
+                  </a:cubicBezTo>
+                  <a:cubicBezTo>
+                    <a:pt x="268" y="199"/>
+                    <a:pt x="268" y="199"/>
+                    <a:pt x="268" y="199"/>
+                  </a:cubicBezTo>
+                  <a:cubicBezTo>
+                    <a:pt x="268" y="185"/>
+                    <a:pt x="259" y="175"/>
+                    <a:pt x="245" y="175"/>
+                  </a:cubicBezTo>
+                  <a:cubicBezTo>
+                    <a:pt x="235" y="175"/>
+                    <a:pt x="229" y="180"/>
+                    <a:pt x="225" y="187"/>
+                  </a:cubicBezTo>
+                  <a:cubicBezTo>
+                    <a:pt x="225" y="156"/>
+                    <a:pt x="225" y="156"/>
+                    <a:pt x="225" y="156"/>
+                  </a:cubicBezTo>
+                  <a:cubicBezTo>
+                    <a:pt x="225" y="153"/>
+                    <a:pt x="223" y="151"/>
+                    <a:pt x="220" y="151"/>
+                  </a:cubicBezTo>
+                  <a:cubicBezTo>
+                    <a:pt x="218" y="151"/>
+                    <a:pt x="216" y="153"/>
+                    <a:pt x="216" y="156"/>
+                  </a:cubicBezTo>
+                  <a:cubicBezTo>
+                    <a:pt x="216" y="232"/>
+                    <a:pt x="216" y="232"/>
+                    <a:pt x="216" y="232"/>
+                  </a:cubicBezTo>
+                  <a:cubicBezTo>
+                    <a:pt x="216" y="234"/>
+                    <a:pt x="218" y="236"/>
+                    <a:pt x="220" y="236"/>
+                  </a:cubicBezTo>
+                  <a:close/>
+                </a:path>
+              </a:pathLst>
+            </a:custGeom>
+            <a:solidFill>
+              <a:srgbClr val="FFFFFF"/>
+            </a:solidFill>
+            <a:ln>
+              <a:noFill/>
+            </a:ln>
+          </p:spPr>
+          <p:txBody>
+            <a:bodyPr vert="horz" wrap="square" lIns="91440" tIns="45720" rIns="91440" bIns="45720" numCol="1" anchor="t" anchorCtr="0" compatLnSpc="1">
+              <a:prstTxWarp prst="textNoShape">
+                <a:avLst/>
+              </a:prstTxWarp>
+            </a:bodyPr>
+            <a:lstStyle/>
+            <a:p>
+              <a:endParaRPr lang="en-US"/>
+            </a:p>
+          </p:txBody>
+        </p:sp>
+      </p:grpSp>
+      <p:grpSp>
+        <p:nvGrpSpPr>
+          <p:cNvPr id="18" name="Group 17">
+            <a:extLst>
+              <a:ext uri="{FF2B5EF4-FFF2-40B4-BE49-F238E27FC236}">
+                <a16:creationId xmlns:a16="http://schemas.microsoft.com/office/drawing/2014/main" id="{492E8EE2-E172-724F-B2A2-41930328EDAA}"/>
+              </a:ext>
+            </a:extLst>
+          </p:cNvPr>
+          <p:cNvGrpSpPr>
+            <a:grpSpLocks noChangeAspect="1"/>
+          </p:cNvGrpSpPr>
+          <p:nvPr/>
+        </p:nvGrpSpPr>
+        <p:grpSpPr>
+          <a:xfrm>
+            <a:off x="633738" y="3087806"/>
+            <a:ext cx="951848" cy="951848"/>
+            <a:chOff x="633738" y="3087806"/>
+            <a:chExt cx="951848" cy="951848"/>
+          </a:xfrm>
+        </p:grpSpPr>
+        <p:sp>
+          <p:nvSpPr>
+            <p:cNvPr id="19" name="Rectangle 18">
+              <a:extLst>
+                <a:ext uri="{FF2B5EF4-FFF2-40B4-BE49-F238E27FC236}">
+                  <a16:creationId xmlns:a16="http://schemas.microsoft.com/office/drawing/2014/main" id="{7DD05ED1-55FB-2A43-AB70-9FA2F3700535}"/>
+                </a:ext>
+              </a:extLst>
+            </p:cNvPr>
+            <p:cNvSpPr>
+              <a:spLocks noChangeAspect="1"/>
+            </p:cNvSpPr>
+            <p:nvPr/>
+          </p:nvSpPr>
+          <p:spPr>
+            <a:xfrm>
+              <a:off x="633738" y="3087806"/>
+              <a:ext cx="951848" cy="951848"/>
+            </a:xfrm>
+            <a:prstGeom prst="rect">
+              <a:avLst/>
+            </a:prstGeom>
+            <a:solidFill>
+              <a:srgbClr val="EC131B"/>
+            </a:solidFill>
+            <a:ln>
+              <a:noFill/>
+            </a:ln>
+          </p:spPr>
+          <p:style>
+            <a:lnRef idx="2">
+              <a:schemeClr val="accent1">
+                <a:shade val="50000"/>
+              </a:schemeClr>
+            </a:lnRef>
+            <a:fillRef idx="1">
+              <a:schemeClr val="accent1"/>
+            </a:fillRef>
+            <a:effectRef idx="0">
+              <a:schemeClr val="accent1"/>
+            </a:effectRef>
+            <a:fontRef idx="minor">
+              <a:schemeClr val="lt1"/>
+            </a:fontRef>
+          </p:style>
+          <p:txBody>
+            <a:bodyPr rtlCol="0" anchor="ctr"/>
+            <a:lstStyle/>
+            <a:p>
+              <a:pPr algn="ctr"/>
+              <a:endParaRPr lang="en-US"/>
+            </a:p>
+          </p:txBody>
+        </p:sp>
+        <p:sp>
+          <p:nvSpPr>
+            <p:cNvPr id="20" name="Freeform 8">
+              <a:extLst>
+                <a:ext uri="{FF2B5EF4-FFF2-40B4-BE49-F238E27FC236}">
+                  <a16:creationId xmlns:a16="http://schemas.microsoft.com/office/drawing/2014/main" id="{D957EEE7-58F5-614B-A321-23FFBD7204E6}"/>
+                </a:ext>
+              </a:extLst>
+            </p:cNvPr>
+            <p:cNvSpPr>
+              <a:spLocks noChangeAspect="1" noEditPoints="1"/>
+            </p:cNvSpPr>
+            <p:nvPr/>
+          </p:nvSpPr>
+          <p:spPr bwMode="auto">
+            <a:xfrm>
+              <a:off x="820697" y="3275177"/>
+              <a:ext cx="577931" cy="577106"/>
+            </a:xfrm>
+            <a:custGeom>
+              <a:avLst/>
+              <a:gdLst>
+                <a:gd name="T0" fmla="*/ 156 w 361"/>
+                <a:gd name="T1" fmla="*/ 47 h 360"/>
+                <a:gd name="T2" fmla="*/ 185 w 361"/>
+                <a:gd name="T3" fmla="*/ 37 h 360"/>
+                <a:gd name="T4" fmla="*/ 193 w 361"/>
+                <a:gd name="T5" fmla="*/ 95 h 360"/>
+                <a:gd name="T6" fmla="*/ 219 w 361"/>
+                <a:gd name="T7" fmla="*/ 126 h 360"/>
+                <a:gd name="T8" fmla="*/ 196 w 361"/>
+                <a:gd name="T9" fmla="*/ 182 h 360"/>
+                <a:gd name="T10" fmla="*/ 168 w 361"/>
+                <a:gd name="T11" fmla="*/ 186 h 360"/>
+                <a:gd name="T12" fmla="*/ 126 w 361"/>
+                <a:gd name="T13" fmla="*/ 219 h 360"/>
+                <a:gd name="T14" fmla="*/ 96 w 361"/>
+                <a:gd name="T15" fmla="*/ 193 h 360"/>
+                <a:gd name="T16" fmla="*/ 49 w 361"/>
+                <a:gd name="T17" fmla="*/ 196 h 360"/>
+                <a:gd name="T18" fmla="*/ 47 w 361"/>
+                <a:gd name="T19" fmla="*/ 156 h 360"/>
+                <a:gd name="T20" fmla="*/ 11 w 361"/>
+                <a:gd name="T21" fmla="*/ 109 h 360"/>
+                <a:gd name="T22" fmla="*/ 47 w 361"/>
+                <a:gd name="T23" fmla="*/ 65 h 360"/>
+                <a:gd name="T24" fmla="*/ 50 w 361"/>
+                <a:gd name="T25" fmla="*/ 36 h 360"/>
+                <a:gd name="T26" fmla="*/ 103 w 361"/>
+                <a:gd name="T27" fmla="*/ 31 h 360"/>
+                <a:gd name="T28" fmla="*/ 116 w 361"/>
+                <a:gd name="T29" fmla="*/ 161 h 360"/>
+                <a:gd name="T30" fmla="*/ 250 w 361"/>
+                <a:gd name="T31" fmla="*/ 180 h 360"/>
+                <a:gd name="T32" fmla="*/ 293 w 361"/>
+                <a:gd name="T33" fmla="*/ 209 h 360"/>
+                <a:gd name="T34" fmla="*/ 320 w 361"/>
+                <a:gd name="T35" fmla="*/ 199 h 360"/>
+                <a:gd name="T36" fmla="*/ 327 w 361"/>
+                <a:gd name="T37" fmla="*/ 261 h 360"/>
+                <a:gd name="T38" fmla="*/ 346 w 361"/>
+                <a:gd name="T39" fmla="*/ 294 h 360"/>
+                <a:gd name="T40" fmla="*/ 317 w 361"/>
+                <a:gd name="T41" fmla="*/ 299 h 360"/>
+                <a:gd name="T42" fmla="*/ 280 w 361"/>
+                <a:gd name="T43" fmla="*/ 349 h 360"/>
+                <a:gd name="T44" fmla="*/ 237 w 361"/>
+                <a:gd name="T45" fmla="*/ 321 h 360"/>
+                <a:gd name="T46" fmla="*/ 209 w 361"/>
+                <a:gd name="T47" fmla="*/ 330 h 360"/>
+                <a:gd name="T48" fmla="*/ 202 w 361"/>
+                <a:gd name="T49" fmla="*/ 268 h 360"/>
+                <a:gd name="T50" fmla="*/ 186 w 361"/>
+                <a:gd name="T51" fmla="*/ 233 h 360"/>
+                <a:gd name="T52" fmla="*/ 230 w 361"/>
+                <a:gd name="T53" fmla="*/ 212 h 360"/>
+                <a:gd name="T54" fmla="*/ 250 w 361"/>
+                <a:gd name="T55" fmla="*/ 180 h 360"/>
+                <a:gd name="T56" fmla="*/ 240 w 361"/>
+                <a:gd name="T57" fmla="*/ 240 h 360"/>
+                <a:gd name="T58" fmla="*/ 109 w 361"/>
+                <a:gd name="T59" fmla="*/ 0 h 360"/>
+                <a:gd name="T60" fmla="*/ 49 w 361"/>
+                <a:gd name="T61" fmla="*/ 25 h 360"/>
+                <a:gd name="T62" fmla="*/ 29 w 361"/>
+                <a:gd name="T63" fmla="*/ 93 h 360"/>
+                <a:gd name="T64" fmla="*/ 29 w 361"/>
+                <a:gd name="T65" fmla="*/ 140 h 360"/>
+                <a:gd name="T66" fmla="*/ 49 w 361"/>
+                <a:gd name="T67" fmla="*/ 207 h 360"/>
+                <a:gd name="T68" fmla="*/ 109 w 361"/>
+                <a:gd name="T69" fmla="*/ 232 h 360"/>
+                <a:gd name="T70" fmla="*/ 176 w 361"/>
+                <a:gd name="T71" fmla="*/ 205 h 360"/>
+                <a:gd name="T72" fmla="*/ 195 w 361"/>
+                <a:gd name="T73" fmla="*/ 161 h 360"/>
+                <a:gd name="T74" fmla="*/ 221 w 361"/>
+                <a:gd name="T75" fmla="*/ 96 h 360"/>
+                <a:gd name="T76" fmla="*/ 193 w 361"/>
+                <a:gd name="T77" fmla="*/ 29 h 360"/>
+                <a:gd name="T78" fmla="*/ 137 w 361"/>
+                <a:gd name="T79" fmla="*/ 12 h 360"/>
+                <a:gd name="T80" fmla="*/ 151 w 361"/>
+                <a:gd name="T81" fmla="*/ 116 h 360"/>
+                <a:gd name="T82" fmla="*/ 232 w 361"/>
+                <a:gd name="T83" fmla="*/ 173 h 360"/>
+                <a:gd name="T84" fmla="*/ 186 w 361"/>
+                <a:gd name="T85" fmla="*/ 222 h 360"/>
+                <a:gd name="T86" fmla="*/ 199 w 361"/>
+                <a:gd name="T87" fmla="*/ 298 h 360"/>
+                <a:gd name="T88" fmla="*/ 219 w 361"/>
+                <a:gd name="T89" fmla="*/ 340 h 360"/>
+                <a:gd name="T90" fmla="*/ 283 w 361"/>
+                <a:gd name="T91" fmla="*/ 360 h 360"/>
+                <a:gd name="T92" fmla="*/ 342 w 361"/>
+                <a:gd name="T93" fmla="*/ 307 h 360"/>
+                <a:gd name="T94" fmla="*/ 338 w 361"/>
+                <a:gd name="T95" fmla="*/ 260 h 360"/>
+                <a:gd name="T96" fmla="*/ 318 w 361"/>
+                <a:gd name="T97" fmla="*/ 187 h 360"/>
+                <a:gd name="T98" fmla="*/ 250 w 361"/>
+                <a:gd name="T99" fmla="*/ 169 h 360"/>
+                <a:gd name="T100" fmla="*/ 265 w 361"/>
+                <a:gd name="T101" fmla="*/ 241 h 360"/>
+              </a:gdLst>
+              <a:ahLst/>
+              <a:cxnLst>
+                <a:cxn ang="0">
+                  <a:pos x="T0" y="T1"/>
+                </a:cxn>
+                <a:cxn ang="0">
+                  <a:pos x="T2" y="T3"/>
+                </a:cxn>
+                <a:cxn ang="0">
+                  <a:pos x="T4" y="T5"/>
+                </a:cxn>
+                <a:cxn ang="0">
+                  <a:pos x="T6" y="T7"/>
+                </a:cxn>
+                <a:cxn ang="0">
+                  <a:pos x="T8" y="T9"/>
+                </a:cxn>
+                <a:cxn ang="0">
+                  <a:pos x="T10" y="T11"/>
+                </a:cxn>
+                <a:cxn ang="0">
+                  <a:pos x="T12" y="T13"/>
+                </a:cxn>
+                <a:cxn ang="0">
+                  <a:pos x="T14" y="T15"/>
+                </a:cxn>
+                <a:cxn ang="0">
+                  <a:pos x="T16" y="T17"/>
+                </a:cxn>
+                <a:cxn ang="0">
+                  <a:pos x="T18" y="T19"/>
+                </a:cxn>
+                <a:cxn ang="0">
+                  <a:pos x="T20" y="T21"/>
+                </a:cxn>
+                <a:cxn ang="0">
+                  <a:pos x="T22" y="T23"/>
+                </a:cxn>
+                <a:cxn ang="0">
+                  <a:pos x="T24" y="T25"/>
+                </a:cxn>
+                <a:cxn ang="0">
+                  <a:pos x="T26" y="T27"/>
+                </a:cxn>
+                <a:cxn ang="0">
+                  <a:pos x="T28" y="T29"/>
+                </a:cxn>
+                <a:cxn ang="0">
+                  <a:pos x="T30" y="T31"/>
+                </a:cxn>
+                <a:cxn ang="0">
+                  <a:pos x="T32" y="T33"/>
+                </a:cxn>
+                <a:cxn ang="0">
+                  <a:pos x="T34" y="T35"/>
+                </a:cxn>
+                <a:cxn ang="0">
+                  <a:pos x="T36" y="T37"/>
+                </a:cxn>
+                <a:cxn ang="0">
+                  <a:pos x="T38" y="T39"/>
+                </a:cxn>
+                <a:cxn ang="0">
+                  <a:pos x="T40" y="T41"/>
+                </a:cxn>
+                <a:cxn ang="0">
+                  <a:pos x="T42" y="T43"/>
+                </a:cxn>
+                <a:cxn ang="0">
+                  <a:pos x="T44" y="T45"/>
+                </a:cxn>
+                <a:cxn ang="0">
+                  <a:pos x="T46" y="T47"/>
+                </a:cxn>
+                <a:cxn ang="0">
+                  <a:pos x="T48" y="T49"/>
+                </a:cxn>
+                <a:cxn ang="0">
+                  <a:pos x="T50" y="T51"/>
+                </a:cxn>
+                <a:cxn ang="0">
+                  <a:pos x="T52" y="T53"/>
+                </a:cxn>
+                <a:cxn ang="0">
+                  <a:pos x="T54" y="T55"/>
+                </a:cxn>
+                <a:cxn ang="0">
+                  <a:pos x="T56" y="T57"/>
+                </a:cxn>
+                <a:cxn ang="0">
+                  <a:pos x="T58" y="T59"/>
+                </a:cxn>
+                <a:cxn ang="0">
+                  <a:pos x="T60" y="T61"/>
+                </a:cxn>
+                <a:cxn ang="0">
+                  <a:pos x="T62" y="T63"/>
+                </a:cxn>
+                <a:cxn ang="0">
+                  <a:pos x="T64" y="T65"/>
+                </a:cxn>
+                <a:cxn ang="0">
+                  <a:pos x="T66" y="T67"/>
+                </a:cxn>
+                <a:cxn ang="0">
+                  <a:pos x="T68" y="T69"/>
+                </a:cxn>
+                <a:cxn ang="0">
+                  <a:pos x="T70" y="T71"/>
+                </a:cxn>
+                <a:cxn ang="0">
+                  <a:pos x="T72" y="T73"/>
+                </a:cxn>
+                <a:cxn ang="0">
+                  <a:pos x="T74" y="T75"/>
+                </a:cxn>
+                <a:cxn ang="0">
+                  <a:pos x="T76" y="T77"/>
+                </a:cxn>
+                <a:cxn ang="0">
+                  <a:pos x="T78" y="T79"/>
+                </a:cxn>
+                <a:cxn ang="0">
+                  <a:pos x="T80" y="T81"/>
+                </a:cxn>
+                <a:cxn ang="0">
+                  <a:pos x="T82" y="T83"/>
+                </a:cxn>
+                <a:cxn ang="0">
+                  <a:pos x="T84" y="T85"/>
+                </a:cxn>
+                <a:cxn ang="0">
+                  <a:pos x="T86" y="T87"/>
+                </a:cxn>
+                <a:cxn ang="0">
+                  <a:pos x="T88" y="T89"/>
+                </a:cxn>
+                <a:cxn ang="0">
+                  <a:pos x="T90" y="T91"/>
+                </a:cxn>
+                <a:cxn ang="0">
+                  <a:pos x="T92" y="T93"/>
+                </a:cxn>
+                <a:cxn ang="0">
+                  <a:pos x="T94" y="T95"/>
+                </a:cxn>
+                <a:cxn ang="0">
+                  <a:pos x="T96" y="T97"/>
+                </a:cxn>
+                <a:cxn ang="0">
+                  <a:pos x="T98" y="T99"/>
+                </a:cxn>
+                <a:cxn ang="0">
+                  <a:pos x="T100" y="T101"/>
+                </a:cxn>
+              </a:cxnLst>
+              <a:rect l="0" t="0" r="r" b="b"/>
+              <a:pathLst>
+                <a:path w="361" h="360">
+                  <a:moveTo>
+                    <a:pt x="124" y="11"/>
+                  </a:moveTo>
+                  <a:cubicBezTo>
+                    <a:pt x="125" y="11"/>
+                    <a:pt x="126" y="12"/>
+                    <a:pt x="126" y="13"/>
+                  </a:cubicBezTo>
+                  <a:cubicBezTo>
+                    <a:pt x="129" y="31"/>
+                    <a:pt x="129" y="31"/>
+                    <a:pt x="129" y="31"/>
+                  </a:cubicBezTo>
+                  <a:cubicBezTo>
+                    <a:pt x="130" y="35"/>
+                    <a:pt x="133" y="38"/>
+                    <a:pt x="137" y="39"/>
+                  </a:cubicBezTo>
+                  <a:cubicBezTo>
+                    <a:pt x="144" y="41"/>
+                    <a:pt x="150" y="44"/>
+                    <a:pt x="156" y="47"/>
+                  </a:cubicBezTo>
+                  <a:cubicBezTo>
+                    <a:pt x="158" y="48"/>
+                    <a:pt x="160" y="49"/>
+                    <a:pt x="161" y="49"/>
+                  </a:cubicBezTo>
+                  <a:cubicBezTo>
+                    <a:pt x="164" y="49"/>
+                    <a:pt x="166" y="48"/>
+                    <a:pt x="168" y="47"/>
+                  </a:cubicBezTo>
+                  <a:cubicBezTo>
+                    <a:pt x="182" y="36"/>
+                    <a:pt x="182" y="36"/>
+                    <a:pt x="182" y="36"/>
+                  </a:cubicBezTo>
+                  <a:cubicBezTo>
+                    <a:pt x="183" y="36"/>
+                    <a:pt x="183" y="36"/>
+                    <a:pt x="184" y="36"/>
+                  </a:cubicBezTo>
+                  <a:cubicBezTo>
+                    <a:pt x="184" y="36"/>
+                    <a:pt x="185" y="36"/>
+                    <a:pt x="185" y="37"/>
+                  </a:cubicBezTo>
+                  <a:cubicBezTo>
+                    <a:pt x="196" y="47"/>
+                    <a:pt x="196" y="47"/>
+                    <a:pt x="196" y="47"/>
+                  </a:cubicBezTo>
+                  <a:cubicBezTo>
+                    <a:pt x="197" y="48"/>
+                    <a:pt x="197" y="49"/>
+                    <a:pt x="196" y="50"/>
+                  </a:cubicBezTo>
+                  <a:cubicBezTo>
+                    <a:pt x="186" y="65"/>
+                    <a:pt x="186" y="65"/>
+                    <a:pt x="186" y="65"/>
+                  </a:cubicBezTo>
+                  <a:cubicBezTo>
+                    <a:pt x="184" y="68"/>
+                    <a:pt x="183" y="73"/>
+                    <a:pt x="185" y="76"/>
+                  </a:cubicBezTo>
+                  <a:cubicBezTo>
+                    <a:pt x="189" y="82"/>
+                    <a:pt x="192" y="89"/>
+                    <a:pt x="193" y="95"/>
+                  </a:cubicBezTo>
+                  <a:cubicBezTo>
+                    <a:pt x="194" y="99"/>
+                    <a:pt x="198" y="102"/>
+                    <a:pt x="202" y="103"/>
+                  </a:cubicBezTo>
+                  <a:cubicBezTo>
+                    <a:pt x="219" y="106"/>
+                    <a:pt x="219" y="106"/>
+                    <a:pt x="219" y="106"/>
+                  </a:cubicBezTo>
+                  <a:cubicBezTo>
+                    <a:pt x="221" y="106"/>
+                    <a:pt x="221" y="107"/>
+                    <a:pt x="221" y="109"/>
+                  </a:cubicBezTo>
+                  <a:cubicBezTo>
+                    <a:pt x="221" y="124"/>
+                    <a:pt x="221" y="124"/>
+                    <a:pt x="221" y="124"/>
+                  </a:cubicBezTo>
+                  <a:cubicBezTo>
+                    <a:pt x="221" y="125"/>
+                    <a:pt x="221" y="126"/>
+                    <a:pt x="219" y="126"/>
+                  </a:cubicBezTo>
+                  <a:cubicBezTo>
+                    <a:pt x="202" y="129"/>
+                    <a:pt x="202" y="129"/>
+                    <a:pt x="202" y="129"/>
+                  </a:cubicBezTo>
+                  <a:cubicBezTo>
+                    <a:pt x="198" y="130"/>
+                    <a:pt x="194" y="133"/>
+                    <a:pt x="193" y="137"/>
+                  </a:cubicBezTo>
+                  <a:cubicBezTo>
+                    <a:pt x="192" y="144"/>
+                    <a:pt x="189" y="150"/>
+                    <a:pt x="185" y="156"/>
+                  </a:cubicBezTo>
+                  <a:cubicBezTo>
+                    <a:pt x="183" y="160"/>
+                    <a:pt x="184" y="164"/>
+                    <a:pt x="186" y="168"/>
+                  </a:cubicBezTo>
+                  <a:cubicBezTo>
+                    <a:pt x="196" y="182"/>
+                    <a:pt x="196" y="182"/>
+                    <a:pt x="196" y="182"/>
+                  </a:cubicBezTo>
+                  <a:cubicBezTo>
+                    <a:pt x="197" y="183"/>
+                    <a:pt x="197" y="184"/>
+                    <a:pt x="196" y="185"/>
+                  </a:cubicBezTo>
+                  <a:cubicBezTo>
+                    <a:pt x="185" y="196"/>
+                    <a:pt x="185" y="196"/>
+                    <a:pt x="185" y="196"/>
+                  </a:cubicBezTo>
+                  <a:cubicBezTo>
+                    <a:pt x="185" y="196"/>
+                    <a:pt x="184" y="196"/>
+                    <a:pt x="184" y="196"/>
+                  </a:cubicBezTo>
+                  <a:cubicBezTo>
+                    <a:pt x="183" y="196"/>
+                    <a:pt x="183" y="196"/>
+                    <a:pt x="182" y="196"/>
+                  </a:cubicBezTo>
+                  <a:cubicBezTo>
+                    <a:pt x="168" y="186"/>
+                    <a:pt x="168" y="186"/>
+                    <a:pt x="168" y="186"/>
+                  </a:cubicBezTo>
+                  <a:cubicBezTo>
+                    <a:pt x="166" y="185"/>
+                    <a:pt x="164" y="184"/>
+                    <a:pt x="162" y="184"/>
+                  </a:cubicBezTo>
+                  <a:cubicBezTo>
+                    <a:pt x="160" y="184"/>
+                    <a:pt x="158" y="184"/>
+                    <a:pt x="156" y="185"/>
+                  </a:cubicBezTo>
+                  <a:cubicBezTo>
+                    <a:pt x="150" y="189"/>
+                    <a:pt x="144" y="191"/>
+                    <a:pt x="137" y="193"/>
+                  </a:cubicBezTo>
+                  <a:cubicBezTo>
+                    <a:pt x="133" y="194"/>
+                    <a:pt x="130" y="198"/>
+                    <a:pt x="129" y="202"/>
+                  </a:cubicBezTo>
+                  <a:cubicBezTo>
+                    <a:pt x="126" y="219"/>
+                    <a:pt x="126" y="219"/>
+                    <a:pt x="126" y="219"/>
+                  </a:cubicBezTo>
+                  <a:cubicBezTo>
+                    <a:pt x="126" y="220"/>
+                    <a:pt x="125" y="221"/>
+                    <a:pt x="124" y="221"/>
+                  </a:cubicBezTo>
+                  <a:cubicBezTo>
+                    <a:pt x="109" y="221"/>
+                    <a:pt x="109" y="221"/>
+                    <a:pt x="109" y="221"/>
+                  </a:cubicBezTo>
+                  <a:cubicBezTo>
+                    <a:pt x="108" y="221"/>
+                    <a:pt x="107" y="220"/>
+                    <a:pt x="106" y="219"/>
+                  </a:cubicBezTo>
+                  <a:cubicBezTo>
+                    <a:pt x="103" y="202"/>
+                    <a:pt x="103" y="202"/>
+                    <a:pt x="103" y="202"/>
+                  </a:cubicBezTo>
+                  <a:cubicBezTo>
+                    <a:pt x="103" y="198"/>
+                    <a:pt x="100" y="194"/>
+                    <a:pt x="96" y="193"/>
+                  </a:cubicBezTo>
+                  <a:cubicBezTo>
+                    <a:pt x="89" y="191"/>
+                    <a:pt x="82" y="189"/>
+                    <a:pt x="76" y="185"/>
+                  </a:cubicBezTo>
+                  <a:cubicBezTo>
+                    <a:pt x="75" y="184"/>
+                    <a:pt x="73" y="184"/>
+                    <a:pt x="71" y="184"/>
+                  </a:cubicBezTo>
+                  <a:cubicBezTo>
+                    <a:pt x="69" y="184"/>
+                    <a:pt x="67" y="185"/>
+                    <a:pt x="65" y="186"/>
+                  </a:cubicBezTo>
+                  <a:cubicBezTo>
+                    <a:pt x="50" y="196"/>
+                    <a:pt x="50" y="196"/>
+                    <a:pt x="50" y="196"/>
+                  </a:cubicBezTo>
+                  <a:cubicBezTo>
+                    <a:pt x="50" y="196"/>
+                    <a:pt x="49" y="196"/>
+                    <a:pt x="49" y="196"/>
+                  </a:cubicBezTo>
+                  <a:cubicBezTo>
+                    <a:pt x="49" y="196"/>
+                    <a:pt x="48" y="196"/>
+                    <a:pt x="47" y="196"/>
+                  </a:cubicBezTo>
+                  <a:cubicBezTo>
+                    <a:pt x="37" y="185"/>
+                    <a:pt x="37" y="185"/>
+                    <a:pt x="37" y="185"/>
+                  </a:cubicBezTo>
+                  <a:cubicBezTo>
+                    <a:pt x="36" y="184"/>
+                    <a:pt x="36" y="183"/>
+                    <a:pt x="37" y="182"/>
+                  </a:cubicBezTo>
+                  <a:cubicBezTo>
+                    <a:pt x="47" y="168"/>
+                    <a:pt x="47" y="168"/>
+                    <a:pt x="47" y="168"/>
+                  </a:cubicBezTo>
+                  <a:cubicBezTo>
+                    <a:pt x="49" y="164"/>
+                    <a:pt x="49" y="160"/>
+                    <a:pt x="47" y="156"/>
+                  </a:cubicBezTo>
+                  <a:cubicBezTo>
+                    <a:pt x="44" y="150"/>
+                    <a:pt x="41" y="144"/>
+                    <a:pt x="39" y="137"/>
+                  </a:cubicBezTo>
+                  <a:cubicBezTo>
+                    <a:pt x="38" y="133"/>
+                    <a:pt x="35" y="130"/>
+                    <a:pt x="31" y="129"/>
+                  </a:cubicBezTo>
+                  <a:cubicBezTo>
+                    <a:pt x="13" y="126"/>
+                    <a:pt x="13" y="126"/>
+                    <a:pt x="13" y="126"/>
+                  </a:cubicBezTo>
+                  <a:cubicBezTo>
+                    <a:pt x="12" y="126"/>
+                    <a:pt x="11" y="125"/>
+                    <a:pt x="11" y="124"/>
+                  </a:cubicBezTo>
+                  <a:cubicBezTo>
+                    <a:pt x="11" y="109"/>
+                    <a:pt x="11" y="109"/>
+                    <a:pt x="11" y="109"/>
+                  </a:cubicBezTo>
+                  <a:cubicBezTo>
+                    <a:pt x="11" y="108"/>
+                    <a:pt x="12" y="107"/>
+                    <a:pt x="13" y="106"/>
+                  </a:cubicBezTo>
+                  <a:cubicBezTo>
+                    <a:pt x="31" y="103"/>
+                    <a:pt x="31" y="103"/>
+                    <a:pt x="31" y="103"/>
+                  </a:cubicBezTo>
+                  <a:cubicBezTo>
+                    <a:pt x="35" y="103"/>
+                    <a:pt x="38" y="100"/>
+                    <a:pt x="39" y="96"/>
+                  </a:cubicBezTo>
+                  <a:cubicBezTo>
+                    <a:pt x="41" y="89"/>
+                    <a:pt x="44" y="83"/>
+                    <a:pt x="47" y="77"/>
+                  </a:cubicBezTo>
+                  <a:cubicBezTo>
+                    <a:pt x="49" y="73"/>
+                    <a:pt x="49" y="68"/>
+                    <a:pt x="47" y="65"/>
+                  </a:cubicBezTo>
+                  <a:cubicBezTo>
+                    <a:pt x="36" y="51"/>
+                    <a:pt x="36" y="51"/>
+                    <a:pt x="36" y="51"/>
+                  </a:cubicBezTo>
+                  <a:cubicBezTo>
+                    <a:pt x="36" y="49"/>
+                    <a:pt x="36" y="48"/>
+                    <a:pt x="37" y="47"/>
+                  </a:cubicBezTo>
+                  <a:cubicBezTo>
+                    <a:pt x="47" y="37"/>
+                    <a:pt x="47" y="37"/>
+                    <a:pt x="47" y="37"/>
+                  </a:cubicBezTo>
+                  <a:cubicBezTo>
+                    <a:pt x="48" y="36"/>
+                    <a:pt x="49" y="36"/>
+                    <a:pt x="49" y="36"/>
+                  </a:cubicBezTo>
+                  <a:cubicBezTo>
+                    <a:pt x="49" y="36"/>
+                    <a:pt x="50" y="36"/>
+                    <a:pt x="50" y="36"/>
+                  </a:cubicBezTo>
+                  <a:cubicBezTo>
+                    <a:pt x="65" y="47"/>
+                    <a:pt x="65" y="47"/>
+                    <a:pt x="65" y="47"/>
+                  </a:cubicBezTo>
+                  <a:cubicBezTo>
+                    <a:pt x="67" y="48"/>
+                    <a:pt x="69" y="49"/>
+                    <a:pt x="71" y="49"/>
+                  </a:cubicBezTo>
+                  <a:cubicBezTo>
+                    <a:pt x="73" y="49"/>
+                    <a:pt x="75" y="48"/>
+                    <a:pt x="76" y="47"/>
+                  </a:cubicBezTo>
+                  <a:cubicBezTo>
+                    <a:pt x="82" y="44"/>
+                    <a:pt x="89" y="41"/>
+                    <a:pt x="95" y="39"/>
+                  </a:cubicBezTo>
+                  <a:cubicBezTo>
+                    <a:pt x="99" y="38"/>
+                    <a:pt x="102" y="35"/>
+                    <a:pt x="103" y="31"/>
+                  </a:cubicBezTo>
+                  <a:cubicBezTo>
+                    <a:pt x="106" y="13"/>
+                    <a:pt x="106" y="13"/>
+                    <a:pt x="106" y="13"/>
+                  </a:cubicBezTo>
+                  <a:cubicBezTo>
+                    <a:pt x="106" y="12"/>
+                    <a:pt x="107" y="11"/>
+                    <a:pt x="109" y="11"/>
+                  </a:cubicBezTo>
+                  <a:cubicBezTo>
+                    <a:pt x="124" y="11"/>
+                    <a:pt x="124" y="11"/>
+                    <a:pt x="124" y="11"/>
+                  </a:cubicBezTo>
+                  <a:moveTo>
+                    <a:pt x="116" y="161"/>
+                  </a:moveTo>
+                  <a:cubicBezTo>
+                    <a:pt x="116" y="161"/>
+                    <a:pt x="116" y="161"/>
+                    <a:pt x="116" y="161"/>
+                  </a:cubicBezTo>
+                  <a:cubicBezTo>
+                    <a:pt x="141" y="161"/>
+                    <a:pt x="161" y="141"/>
+                    <a:pt x="161" y="116"/>
+                  </a:cubicBezTo>
+                  <a:cubicBezTo>
+                    <a:pt x="161" y="91"/>
+                    <a:pt x="141" y="71"/>
+                    <a:pt x="116" y="71"/>
+                  </a:cubicBezTo>
+                  <a:cubicBezTo>
+                    <a:pt x="91" y="71"/>
+                    <a:pt x="71" y="91"/>
+                    <a:pt x="71" y="116"/>
+                  </a:cubicBezTo>
+                  <a:cubicBezTo>
+                    <a:pt x="71" y="141"/>
+                    <a:pt x="91" y="161"/>
+                    <a:pt x="116" y="161"/>
+                  </a:cubicBezTo>
+                  <a:moveTo>
+                    <a:pt x="250" y="180"/>
+                  </a:moveTo>
+                  <a:cubicBezTo>
+                    <a:pt x="251" y="180"/>
+                    <a:pt x="252" y="180"/>
+                    <a:pt x="252" y="181"/>
+                  </a:cubicBezTo>
+                  <a:cubicBezTo>
+                    <a:pt x="252" y="181"/>
+                    <a:pt x="252" y="181"/>
+                    <a:pt x="252" y="181"/>
+                  </a:cubicBezTo>
+                  <a:cubicBezTo>
+                    <a:pt x="259" y="196"/>
+                    <a:pt x="259" y="196"/>
+                    <a:pt x="259" y="196"/>
+                  </a:cubicBezTo>
+                  <a:cubicBezTo>
+                    <a:pt x="261" y="199"/>
+                    <a:pt x="264" y="202"/>
+                    <a:pt x="268" y="202"/>
+                  </a:cubicBezTo>
+                  <a:cubicBezTo>
+                    <a:pt x="277" y="203"/>
+                    <a:pt x="285" y="205"/>
+                    <a:pt x="293" y="209"/>
+                  </a:cubicBezTo>
+                  <a:cubicBezTo>
+                    <a:pt x="294" y="209"/>
+                    <a:pt x="296" y="210"/>
+                    <a:pt x="298" y="210"/>
+                  </a:cubicBezTo>
+                  <a:cubicBezTo>
+                    <a:pt x="300" y="210"/>
+                    <a:pt x="302" y="209"/>
+                    <a:pt x="304" y="208"/>
+                  </a:cubicBezTo>
+                  <a:cubicBezTo>
+                    <a:pt x="317" y="198"/>
+                    <a:pt x="317" y="198"/>
+                    <a:pt x="317" y="198"/>
+                  </a:cubicBezTo>
+                  <a:cubicBezTo>
+                    <a:pt x="317" y="198"/>
+                    <a:pt x="318" y="198"/>
+                    <a:pt x="318" y="198"/>
+                  </a:cubicBezTo>
+                  <a:cubicBezTo>
+                    <a:pt x="319" y="198"/>
+                    <a:pt x="319" y="198"/>
+                    <a:pt x="320" y="199"/>
+                  </a:cubicBezTo>
+                  <a:cubicBezTo>
+                    <a:pt x="330" y="209"/>
+                    <a:pt x="330" y="209"/>
+                    <a:pt x="330" y="209"/>
+                  </a:cubicBezTo>
+                  <a:cubicBezTo>
+                    <a:pt x="331" y="210"/>
+                    <a:pt x="331" y="211"/>
+                    <a:pt x="331" y="212"/>
+                  </a:cubicBezTo>
+                  <a:cubicBezTo>
+                    <a:pt x="322" y="225"/>
+                    <a:pt x="322" y="225"/>
+                    <a:pt x="322" y="225"/>
+                  </a:cubicBezTo>
+                  <a:cubicBezTo>
+                    <a:pt x="319" y="229"/>
+                    <a:pt x="319" y="233"/>
+                    <a:pt x="321" y="236"/>
+                  </a:cubicBezTo>
+                  <a:cubicBezTo>
+                    <a:pt x="325" y="244"/>
+                    <a:pt x="327" y="252"/>
+                    <a:pt x="327" y="261"/>
+                  </a:cubicBezTo>
+                  <a:cubicBezTo>
+                    <a:pt x="328" y="265"/>
+                    <a:pt x="330" y="268"/>
+                    <a:pt x="333" y="270"/>
+                  </a:cubicBezTo>
+                  <a:cubicBezTo>
+                    <a:pt x="348" y="277"/>
+                    <a:pt x="348" y="277"/>
+                    <a:pt x="348" y="277"/>
+                  </a:cubicBezTo>
+                  <a:cubicBezTo>
+                    <a:pt x="348" y="277"/>
+                    <a:pt x="348" y="277"/>
+                    <a:pt x="348" y="277"/>
+                  </a:cubicBezTo>
+                  <a:cubicBezTo>
+                    <a:pt x="349" y="277"/>
+                    <a:pt x="350" y="279"/>
+                    <a:pt x="349" y="280"/>
+                  </a:cubicBezTo>
+                  <a:cubicBezTo>
+                    <a:pt x="346" y="294"/>
+                    <a:pt x="346" y="294"/>
+                    <a:pt x="346" y="294"/>
+                  </a:cubicBezTo>
+                  <a:cubicBezTo>
+                    <a:pt x="345" y="295"/>
+                    <a:pt x="344" y="296"/>
+                    <a:pt x="343" y="296"/>
+                  </a:cubicBezTo>
+                  <a:cubicBezTo>
+                    <a:pt x="343" y="296"/>
+                    <a:pt x="343" y="296"/>
+                    <a:pt x="343" y="296"/>
+                  </a:cubicBezTo>
+                  <a:cubicBezTo>
+                    <a:pt x="327" y="294"/>
+                    <a:pt x="327" y="294"/>
+                    <a:pt x="327" y="294"/>
+                  </a:cubicBezTo>
+                  <a:cubicBezTo>
+                    <a:pt x="327" y="294"/>
+                    <a:pt x="326" y="294"/>
+                    <a:pt x="326" y="294"/>
+                  </a:cubicBezTo>
+                  <a:cubicBezTo>
+                    <a:pt x="322" y="294"/>
+                    <a:pt x="319" y="296"/>
+                    <a:pt x="317" y="299"/>
+                  </a:cubicBezTo>
+                  <a:cubicBezTo>
+                    <a:pt x="312" y="306"/>
+                    <a:pt x="306" y="312"/>
+                    <a:pt x="299" y="317"/>
+                  </a:cubicBezTo>
+                  <a:cubicBezTo>
+                    <a:pt x="296" y="319"/>
+                    <a:pt x="294" y="323"/>
+                    <a:pt x="294" y="327"/>
+                  </a:cubicBezTo>
+                  <a:cubicBezTo>
+                    <a:pt x="296" y="343"/>
+                    <a:pt x="296" y="343"/>
+                    <a:pt x="296" y="343"/>
+                  </a:cubicBezTo>
+                  <a:cubicBezTo>
+                    <a:pt x="296" y="344"/>
+                    <a:pt x="295" y="345"/>
+                    <a:pt x="294" y="346"/>
+                  </a:cubicBezTo>
+                  <a:cubicBezTo>
+                    <a:pt x="280" y="349"/>
+                    <a:pt x="280" y="349"/>
+                    <a:pt x="280" y="349"/>
+                  </a:cubicBezTo>
+                  <a:cubicBezTo>
+                    <a:pt x="280" y="350"/>
+                    <a:pt x="279" y="350"/>
+                    <a:pt x="279" y="350"/>
+                  </a:cubicBezTo>
+                  <a:cubicBezTo>
+                    <a:pt x="278" y="350"/>
+                    <a:pt x="277" y="349"/>
+                    <a:pt x="277" y="348"/>
+                  </a:cubicBezTo>
+                  <a:cubicBezTo>
+                    <a:pt x="270" y="334"/>
+                    <a:pt x="270" y="334"/>
+                    <a:pt x="270" y="334"/>
+                  </a:cubicBezTo>
+                  <a:cubicBezTo>
+                    <a:pt x="268" y="330"/>
+                    <a:pt x="265" y="328"/>
+                    <a:pt x="261" y="327"/>
+                  </a:cubicBezTo>
+                  <a:cubicBezTo>
+                    <a:pt x="252" y="327"/>
+                    <a:pt x="244" y="325"/>
+                    <a:pt x="237" y="321"/>
+                  </a:cubicBezTo>
+                  <a:cubicBezTo>
+                    <a:pt x="235" y="320"/>
+                    <a:pt x="233" y="320"/>
+                    <a:pt x="232" y="320"/>
+                  </a:cubicBezTo>
+                  <a:cubicBezTo>
+                    <a:pt x="230" y="320"/>
+                    <a:pt x="227" y="320"/>
+                    <a:pt x="226" y="322"/>
+                  </a:cubicBezTo>
+                  <a:cubicBezTo>
+                    <a:pt x="213" y="331"/>
+                    <a:pt x="213" y="331"/>
+                    <a:pt x="213" y="331"/>
+                  </a:cubicBezTo>
+                  <a:cubicBezTo>
+                    <a:pt x="212" y="331"/>
+                    <a:pt x="211" y="331"/>
+                    <a:pt x="211" y="331"/>
+                  </a:cubicBezTo>
+                  <a:cubicBezTo>
+                    <a:pt x="211" y="331"/>
+                    <a:pt x="210" y="331"/>
+                    <a:pt x="209" y="330"/>
+                  </a:cubicBezTo>
+                  <a:cubicBezTo>
+                    <a:pt x="199" y="320"/>
+                    <a:pt x="199" y="320"/>
+                    <a:pt x="199" y="320"/>
+                  </a:cubicBezTo>
+                  <a:cubicBezTo>
+                    <a:pt x="198" y="319"/>
+                    <a:pt x="198" y="318"/>
+                    <a:pt x="198" y="317"/>
+                  </a:cubicBezTo>
+                  <a:cubicBezTo>
+                    <a:pt x="208" y="304"/>
+                    <a:pt x="208" y="304"/>
+                    <a:pt x="208" y="304"/>
+                  </a:cubicBezTo>
+                  <a:cubicBezTo>
+                    <a:pt x="210" y="301"/>
+                    <a:pt x="210" y="296"/>
+                    <a:pt x="209" y="293"/>
+                  </a:cubicBezTo>
+                  <a:cubicBezTo>
+                    <a:pt x="205" y="285"/>
+                    <a:pt x="203" y="277"/>
+                    <a:pt x="202" y="268"/>
+                  </a:cubicBezTo>
+                  <a:cubicBezTo>
+                    <a:pt x="202" y="264"/>
+                    <a:pt x="200" y="261"/>
+                    <a:pt x="196" y="259"/>
+                  </a:cubicBezTo>
+                  <a:cubicBezTo>
+                    <a:pt x="181" y="252"/>
+                    <a:pt x="181" y="252"/>
+                    <a:pt x="181" y="252"/>
+                  </a:cubicBezTo>
+                  <a:cubicBezTo>
+                    <a:pt x="180" y="252"/>
+                    <a:pt x="180" y="251"/>
+                    <a:pt x="180" y="249"/>
+                  </a:cubicBezTo>
+                  <a:cubicBezTo>
+                    <a:pt x="184" y="235"/>
+                    <a:pt x="184" y="235"/>
+                    <a:pt x="184" y="235"/>
+                  </a:cubicBezTo>
+                  <a:cubicBezTo>
+                    <a:pt x="184" y="234"/>
+                    <a:pt x="185" y="233"/>
+                    <a:pt x="186" y="233"/>
+                  </a:cubicBezTo>
+                  <a:cubicBezTo>
+                    <a:pt x="186" y="233"/>
+                    <a:pt x="186" y="233"/>
+                    <a:pt x="186" y="233"/>
+                  </a:cubicBezTo>
+                  <a:cubicBezTo>
+                    <a:pt x="202" y="235"/>
+                    <a:pt x="202" y="235"/>
+                    <a:pt x="202" y="235"/>
+                  </a:cubicBezTo>
+                  <a:cubicBezTo>
+                    <a:pt x="202" y="235"/>
+                    <a:pt x="203" y="235"/>
+                    <a:pt x="203" y="235"/>
+                  </a:cubicBezTo>
+                  <a:cubicBezTo>
+                    <a:pt x="207" y="235"/>
+                    <a:pt x="210" y="233"/>
+                    <a:pt x="212" y="230"/>
+                  </a:cubicBezTo>
+                  <a:cubicBezTo>
+                    <a:pt x="217" y="223"/>
+                    <a:pt x="223" y="217"/>
+                    <a:pt x="230" y="212"/>
+                  </a:cubicBezTo>
+                  <a:cubicBezTo>
+                    <a:pt x="233" y="210"/>
+                    <a:pt x="235" y="206"/>
+                    <a:pt x="235" y="202"/>
+                  </a:cubicBezTo>
+                  <a:cubicBezTo>
+                    <a:pt x="233" y="186"/>
+                    <a:pt x="233" y="186"/>
+                    <a:pt x="233" y="186"/>
+                  </a:cubicBezTo>
+                  <a:cubicBezTo>
+                    <a:pt x="233" y="185"/>
+                    <a:pt x="234" y="184"/>
+                    <a:pt x="235" y="183"/>
+                  </a:cubicBezTo>
+                  <a:cubicBezTo>
+                    <a:pt x="249" y="180"/>
+                    <a:pt x="249" y="180"/>
+                    <a:pt x="249" y="180"/>
+                  </a:cubicBezTo>
+                  <a:cubicBezTo>
+                    <a:pt x="250" y="180"/>
+                    <a:pt x="250" y="180"/>
+                    <a:pt x="250" y="180"/>
+                  </a:cubicBezTo>
+                  <a:moveTo>
+                    <a:pt x="265" y="300"/>
+                  </a:moveTo>
+                  <a:cubicBezTo>
+                    <a:pt x="274" y="300"/>
+                    <a:pt x="283" y="296"/>
+                    <a:pt x="290" y="290"/>
+                  </a:cubicBezTo>
+                  <a:cubicBezTo>
+                    <a:pt x="303" y="276"/>
+                    <a:pt x="303" y="254"/>
+                    <a:pt x="290" y="240"/>
+                  </a:cubicBezTo>
+                  <a:cubicBezTo>
+                    <a:pt x="283" y="233"/>
+                    <a:pt x="274" y="230"/>
+                    <a:pt x="265" y="230"/>
+                  </a:cubicBezTo>
+                  <a:cubicBezTo>
+                    <a:pt x="255" y="230"/>
+                    <a:pt x="247" y="233"/>
+                    <a:pt x="240" y="240"/>
+                  </a:cubicBezTo>
+                  <a:cubicBezTo>
+                    <a:pt x="226" y="254"/>
+                    <a:pt x="226" y="276"/>
+                    <a:pt x="240" y="290"/>
+                  </a:cubicBezTo>
+                  <a:cubicBezTo>
+                    <a:pt x="240" y="290"/>
+                    <a:pt x="240" y="290"/>
+                    <a:pt x="240" y="290"/>
+                  </a:cubicBezTo>
+                  <a:cubicBezTo>
+                    <a:pt x="247" y="296"/>
+                    <a:pt x="255" y="300"/>
+                    <a:pt x="265" y="300"/>
+                  </a:cubicBezTo>
+                  <a:moveTo>
+                    <a:pt x="124" y="0"/>
+                  </a:moveTo>
+                  <a:cubicBezTo>
+                    <a:pt x="109" y="0"/>
+                    <a:pt x="109" y="0"/>
+                    <a:pt x="109" y="0"/>
+                  </a:cubicBezTo>
+                  <a:cubicBezTo>
+                    <a:pt x="102" y="0"/>
+                    <a:pt x="97" y="5"/>
+                    <a:pt x="96" y="12"/>
+                  </a:cubicBezTo>
+                  <a:cubicBezTo>
+                    <a:pt x="93" y="29"/>
+                    <a:pt x="93" y="29"/>
+                    <a:pt x="93" y="29"/>
+                  </a:cubicBezTo>
+                  <a:cubicBezTo>
+                    <a:pt x="85" y="31"/>
+                    <a:pt x="78" y="34"/>
+                    <a:pt x="71" y="38"/>
+                  </a:cubicBezTo>
+                  <a:cubicBezTo>
+                    <a:pt x="57" y="28"/>
+                    <a:pt x="57" y="28"/>
+                    <a:pt x="57" y="28"/>
+                  </a:cubicBezTo>
+                  <a:cubicBezTo>
+                    <a:pt x="54" y="26"/>
+                    <a:pt x="52" y="25"/>
+                    <a:pt x="49" y="25"/>
+                  </a:cubicBezTo>
+                  <a:cubicBezTo>
+                    <a:pt x="46" y="25"/>
+                    <a:pt x="42" y="27"/>
+                    <a:pt x="40" y="29"/>
+                  </a:cubicBezTo>
+                  <a:cubicBezTo>
+                    <a:pt x="29" y="40"/>
+                    <a:pt x="29" y="40"/>
+                    <a:pt x="29" y="40"/>
+                  </a:cubicBezTo>
+                  <a:cubicBezTo>
+                    <a:pt x="25" y="44"/>
+                    <a:pt x="24" y="51"/>
+                    <a:pt x="28" y="57"/>
+                  </a:cubicBezTo>
+                  <a:cubicBezTo>
+                    <a:pt x="38" y="71"/>
+                    <a:pt x="38" y="71"/>
+                    <a:pt x="38" y="71"/>
+                  </a:cubicBezTo>
+                  <a:cubicBezTo>
+                    <a:pt x="34" y="78"/>
+                    <a:pt x="31" y="85"/>
+                    <a:pt x="29" y="93"/>
+                  </a:cubicBezTo>
+                  <a:cubicBezTo>
+                    <a:pt x="11" y="96"/>
+                    <a:pt x="11" y="96"/>
+                    <a:pt x="11" y="96"/>
+                  </a:cubicBezTo>
+                  <a:cubicBezTo>
+                    <a:pt x="5" y="97"/>
+                    <a:pt x="0" y="102"/>
+                    <a:pt x="0" y="109"/>
+                  </a:cubicBezTo>
+                  <a:cubicBezTo>
+                    <a:pt x="0" y="124"/>
+                    <a:pt x="0" y="124"/>
+                    <a:pt x="0" y="124"/>
+                  </a:cubicBezTo>
+                  <a:cubicBezTo>
+                    <a:pt x="0" y="130"/>
+                    <a:pt x="5" y="136"/>
+                    <a:pt x="11" y="137"/>
+                  </a:cubicBezTo>
+                  <a:cubicBezTo>
+                    <a:pt x="29" y="140"/>
+                    <a:pt x="29" y="140"/>
+                    <a:pt x="29" y="140"/>
+                  </a:cubicBezTo>
+                  <a:cubicBezTo>
+                    <a:pt x="31" y="148"/>
+                    <a:pt x="34" y="155"/>
+                    <a:pt x="38" y="162"/>
+                  </a:cubicBezTo>
+                  <a:cubicBezTo>
+                    <a:pt x="28" y="176"/>
+                    <a:pt x="28" y="176"/>
+                    <a:pt x="28" y="176"/>
+                  </a:cubicBezTo>
+                  <a:cubicBezTo>
+                    <a:pt x="24" y="181"/>
+                    <a:pt x="25" y="188"/>
+                    <a:pt x="29" y="193"/>
+                  </a:cubicBezTo>
+                  <a:cubicBezTo>
+                    <a:pt x="40" y="203"/>
+                    <a:pt x="40" y="203"/>
+                    <a:pt x="40" y="203"/>
+                  </a:cubicBezTo>
+                  <a:cubicBezTo>
+                    <a:pt x="42" y="206"/>
+                    <a:pt x="46" y="207"/>
+                    <a:pt x="49" y="207"/>
+                  </a:cubicBezTo>
+                  <a:cubicBezTo>
+                    <a:pt x="52" y="207"/>
+                    <a:pt x="54" y="206"/>
+                    <a:pt x="57" y="205"/>
+                  </a:cubicBezTo>
+                  <a:cubicBezTo>
+                    <a:pt x="71" y="195"/>
+                    <a:pt x="71" y="195"/>
+                    <a:pt x="71" y="195"/>
+                  </a:cubicBezTo>
+                  <a:cubicBezTo>
+                    <a:pt x="78" y="199"/>
+                    <a:pt x="85" y="202"/>
+                    <a:pt x="93" y="204"/>
+                  </a:cubicBezTo>
+                  <a:cubicBezTo>
+                    <a:pt x="96" y="221"/>
+                    <a:pt x="96" y="221"/>
+                    <a:pt x="96" y="221"/>
+                  </a:cubicBezTo>
+                  <a:cubicBezTo>
+                    <a:pt x="97" y="227"/>
+                    <a:pt x="102" y="232"/>
+                    <a:pt x="109" y="232"/>
+                  </a:cubicBezTo>
+                  <a:cubicBezTo>
+                    <a:pt x="124" y="232"/>
+                    <a:pt x="124" y="232"/>
+                    <a:pt x="124" y="232"/>
+                  </a:cubicBezTo>
+                  <a:cubicBezTo>
+                    <a:pt x="130" y="232"/>
+                    <a:pt x="136" y="227"/>
+                    <a:pt x="137" y="221"/>
+                  </a:cubicBezTo>
+                  <a:cubicBezTo>
+                    <a:pt x="140" y="204"/>
+                    <a:pt x="140" y="204"/>
+                    <a:pt x="140" y="204"/>
+                  </a:cubicBezTo>
+                  <a:cubicBezTo>
+                    <a:pt x="148" y="202"/>
+                    <a:pt x="155" y="199"/>
+                    <a:pt x="162" y="195"/>
+                  </a:cubicBezTo>
+                  <a:cubicBezTo>
+                    <a:pt x="176" y="205"/>
+                    <a:pt x="176" y="205"/>
+                    <a:pt x="176" y="205"/>
+                  </a:cubicBezTo>
+                  <a:cubicBezTo>
+                    <a:pt x="178" y="206"/>
+                    <a:pt x="181" y="207"/>
+                    <a:pt x="184" y="207"/>
+                  </a:cubicBezTo>
+                  <a:cubicBezTo>
+                    <a:pt x="187" y="207"/>
+                    <a:pt x="190" y="206"/>
+                    <a:pt x="193" y="203"/>
+                  </a:cubicBezTo>
+                  <a:cubicBezTo>
+                    <a:pt x="203" y="193"/>
+                    <a:pt x="203" y="193"/>
+                    <a:pt x="203" y="193"/>
+                  </a:cubicBezTo>
+                  <a:cubicBezTo>
+                    <a:pt x="208" y="188"/>
+                    <a:pt x="209" y="181"/>
+                    <a:pt x="205" y="176"/>
+                  </a:cubicBezTo>
+                  <a:cubicBezTo>
+                    <a:pt x="195" y="161"/>
+                    <a:pt x="195" y="161"/>
+                    <a:pt x="195" y="161"/>
+                  </a:cubicBezTo>
+                  <a:cubicBezTo>
+                    <a:pt x="199" y="155"/>
+                    <a:pt x="202" y="147"/>
+                    <a:pt x="204" y="140"/>
+                  </a:cubicBezTo>
+                  <a:cubicBezTo>
+                    <a:pt x="221" y="137"/>
+                    <a:pt x="221" y="137"/>
+                    <a:pt x="221" y="137"/>
+                  </a:cubicBezTo>
+                  <a:cubicBezTo>
+                    <a:pt x="227" y="136"/>
+                    <a:pt x="232" y="130"/>
+                    <a:pt x="232" y="124"/>
+                  </a:cubicBezTo>
+                  <a:cubicBezTo>
+                    <a:pt x="232" y="109"/>
+                    <a:pt x="232" y="109"/>
+                    <a:pt x="232" y="109"/>
+                  </a:cubicBezTo>
+                  <a:cubicBezTo>
+                    <a:pt x="232" y="102"/>
+                    <a:pt x="227" y="97"/>
+                    <a:pt x="221" y="96"/>
+                  </a:cubicBezTo>
+                  <a:cubicBezTo>
+                    <a:pt x="204" y="92"/>
+                    <a:pt x="204" y="92"/>
+                    <a:pt x="204" y="92"/>
+                  </a:cubicBezTo>
+                  <a:cubicBezTo>
+                    <a:pt x="202" y="85"/>
+                    <a:pt x="199" y="78"/>
+                    <a:pt x="195" y="71"/>
+                  </a:cubicBezTo>
+                  <a:cubicBezTo>
+                    <a:pt x="205" y="57"/>
+                    <a:pt x="205" y="57"/>
+                    <a:pt x="205" y="57"/>
+                  </a:cubicBezTo>
+                  <a:cubicBezTo>
+                    <a:pt x="209" y="51"/>
+                    <a:pt x="208" y="44"/>
+                    <a:pt x="203" y="39"/>
+                  </a:cubicBezTo>
+                  <a:cubicBezTo>
+                    <a:pt x="193" y="29"/>
+                    <a:pt x="193" y="29"/>
+                    <a:pt x="193" y="29"/>
+                  </a:cubicBezTo>
+                  <a:cubicBezTo>
+                    <a:pt x="190" y="27"/>
+                    <a:pt x="187" y="25"/>
+                    <a:pt x="184" y="25"/>
+                  </a:cubicBezTo>
+                  <a:cubicBezTo>
+                    <a:pt x="181" y="25"/>
+                    <a:pt x="178" y="26"/>
+                    <a:pt x="176" y="28"/>
+                  </a:cubicBezTo>
+                  <a:cubicBezTo>
+                    <a:pt x="161" y="38"/>
+                    <a:pt x="161" y="38"/>
+                    <a:pt x="161" y="38"/>
+                  </a:cubicBezTo>
+                  <a:cubicBezTo>
+                    <a:pt x="155" y="34"/>
+                    <a:pt x="147" y="31"/>
+                    <a:pt x="140" y="29"/>
+                  </a:cubicBezTo>
+                  <a:cubicBezTo>
+                    <a:pt x="137" y="12"/>
+                    <a:pt x="137" y="12"/>
+                    <a:pt x="137" y="12"/>
+                  </a:cubicBezTo>
+                  <a:cubicBezTo>
+                    <a:pt x="136" y="5"/>
+                    <a:pt x="130" y="0"/>
+                    <a:pt x="124" y="0"/>
+                  </a:cubicBezTo>
+                  <a:close/>
+                  <a:moveTo>
+                    <a:pt x="116" y="150"/>
+                  </a:moveTo>
+                  <a:cubicBezTo>
+                    <a:pt x="97" y="150"/>
+                    <a:pt x="82" y="135"/>
+                    <a:pt x="82" y="116"/>
+                  </a:cubicBezTo>
+                  <a:cubicBezTo>
+                    <a:pt x="82" y="97"/>
+                    <a:pt x="97" y="82"/>
+                    <a:pt x="116" y="82"/>
+                  </a:cubicBezTo>
+                  <a:cubicBezTo>
+                    <a:pt x="135" y="82"/>
+                    <a:pt x="151" y="97"/>
+                    <a:pt x="151" y="116"/>
+                  </a:cubicBezTo>
+                  <a:cubicBezTo>
+                    <a:pt x="151" y="135"/>
+                    <a:pt x="135" y="150"/>
+                    <a:pt x="116" y="150"/>
+                  </a:cubicBezTo>
+                  <a:cubicBezTo>
+                    <a:pt x="116" y="150"/>
+                    <a:pt x="116" y="150"/>
+                    <a:pt x="116" y="150"/>
+                  </a:cubicBezTo>
+                  <a:close/>
+                  <a:moveTo>
+                    <a:pt x="250" y="169"/>
+                  </a:moveTo>
+                  <a:cubicBezTo>
+                    <a:pt x="249" y="169"/>
+                    <a:pt x="248" y="169"/>
+                    <a:pt x="247" y="169"/>
+                  </a:cubicBezTo>
+                  <a:cubicBezTo>
+                    <a:pt x="232" y="173"/>
+                    <a:pt x="232" y="173"/>
+                    <a:pt x="232" y="173"/>
+                  </a:cubicBezTo>
+                  <a:cubicBezTo>
+                    <a:pt x="226" y="175"/>
+                    <a:pt x="222" y="181"/>
+                    <a:pt x="223" y="187"/>
+                  </a:cubicBezTo>
+                  <a:cubicBezTo>
+                    <a:pt x="224" y="203"/>
+                    <a:pt x="224" y="203"/>
+                    <a:pt x="224" y="203"/>
+                  </a:cubicBezTo>
+                  <a:cubicBezTo>
+                    <a:pt x="216" y="208"/>
+                    <a:pt x="209" y="215"/>
+                    <a:pt x="203" y="224"/>
+                  </a:cubicBezTo>
+                  <a:cubicBezTo>
+                    <a:pt x="187" y="222"/>
+                    <a:pt x="187" y="222"/>
+                    <a:pt x="187" y="222"/>
+                  </a:cubicBezTo>
+                  <a:cubicBezTo>
+                    <a:pt x="187" y="222"/>
+                    <a:pt x="187" y="222"/>
+                    <a:pt x="186" y="222"/>
+                  </a:cubicBezTo>
+                  <a:cubicBezTo>
+                    <a:pt x="180" y="222"/>
+                    <a:pt x="175" y="226"/>
+                    <a:pt x="173" y="232"/>
+                  </a:cubicBezTo>
+                  <a:cubicBezTo>
+                    <a:pt x="170" y="247"/>
+                    <a:pt x="170" y="247"/>
+                    <a:pt x="170" y="247"/>
+                  </a:cubicBezTo>
+                  <a:cubicBezTo>
+                    <a:pt x="168" y="253"/>
+                    <a:pt x="171" y="259"/>
+                    <a:pt x="177" y="262"/>
+                  </a:cubicBezTo>
+                  <a:cubicBezTo>
+                    <a:pt x="191" y="269"/>
+                    <a:pt x="191" y="269"/>
+                    <a:pt x="191" y="269"/>
+                  </a:cubicBezTo>
+                  <a:cubicBezTo>
+                    <a:pt x="192" y="279"/>
+                    <a:pt x="195" y="289"/>
+                    <a:pt x="199" y="298"/>
+                  </a:cubicBezTo>
+                  <a:cubicBezTo>
+                    <a:pt x="190" y="311"/>
+                    <a:pt x="190" y="311"/>
+                    <a:pt x="190" y="311"/>
+                  </a:cubicBezTo>
+                  <a:cubicBezTo>
+                    <a:pt x="186" y="316"/>
+                    <a:pt x="187" y="323"/>
+                    <a:pt x="191" y="328"/>
+                  </a:cubicBezTo>
+                  <a:cubicBezTo>
+                    <a:pt x="202" y="338"/>
+                    <a:pt x="202" y="338"/>
+                    <a:pt x="202" y="338"/>
+                  </a:cubicBezTo>
+                  <a:cubicBezTo>
+                    <a:pt x="204" y="341"/>
+                    <a:pt x="208" y="342"/>
+                    <a:pt x="211" y="342"/>
+                  </a:cubicBezTo>
+                  <a:cubicBezTo>
+                    <a:pt x="214" y="342"/>
+                    <a:pt x="216" y="341"/>
+                    <a:pt x="219" y="340"/>
+                  </a:cubicBezTo>
+                  <a:cubicBezTo>
+                    <a:pt x="232" y="330"/>
+                    <a:pt x="232" y="330"/>
+                    <a:pt x="232" y="330"/>
+                  </a:cubicBezTo>
+                  <a:cubicBezTo>
+                    <a:pt x="241" y="335"/>
+                    <a:pt x="250" y="337"/>
+                    <a:pt x="260" y="338"/>
+                  </a:cubicBezTo>
+                  <a:cubicBezTo>
+                    <a:pt x="267" y="352"/>
+                    <a:pt x="267" y="352"/>
+                    <a:pt x="267" y="352"/>
+                  </a:cubicBezTo>
+                  <a:cubicBezTo>
+                    <a:pt x="269" y="357"/>
+                    <a:pt x="274" y="360"/>
+                    <a:pt x="279" y="360"/>
+                  </a:cubicBezTo>
+                  <a:cubicBezTo>
+                    <a:pt x="280" y="360"/>
+                    <a:pt x="281" y="360"/>
+                    <a:pt x="283" y="360"/>
+                  </a:cubicBezTo>
+                  <a:cubicBezTo>
+                    <a:pt x="297" y="356"/>
+                    <a:pt x="297" y="356"/>
+                    <a:pt x="297" y="356"/>
+                  </a:cubicBezTo>
+                  <a:cubicBezTo>
+                    <a:pt x="303" y="354"/>
+                    <a:pt x="307" y="348"/>
+                    <a:pt x="307" y="342"/>
+                  </a:cubicBezTo>
+                  <a:cubicBezTo>
+                    <a:pt x="305" y="326"/>
+                    <a:pt x="305" y="326"/>
+                    <a:pt x="305" y="326"/>
+                  </a:cubicBezTo>
+                  <a:cubicBezTo>
+                    <a:pt x="313" y="321"/>
+                    <a:pt x="321" y="313"/>
+                    <a:pt x="326" y="305"/>
+                  </a:cubicBezTo>
+                  <a:cubicBezTo>
+                    <a:pt x="342" y="307"/>
+                    <a:pt x="342" y="307"/>
+                    <a:pt x="342" y="307"/>
+                  </a:cubicBezTo>
+                  <a:cubicBezTo>
+                    <a:pt x="342" y="307"/>
+                    <a:pt x="343" y="307"/>
+                    <a:pt x="343" y="307"/>
+                  </a:cubicBezTo>
+                  <a:cubicBezTo>
+                    <a:pt x="349" y="307"/>
+                    <a:pt x="354" y="303"/>
+                    <a:pt x="356" y="297"/>
+                  </a:cubicBezTo>
+                  <a:cubicBezTo>
+                    <a:pt x="360" y="282"/>
+                    <a:pt x="360" y="282"/>
+                    <a:pt x="360" y="282"/>
+                  </a:cubicBezTo>
+                  <a:cubicBezTo>
+                    <a:pt x="361" y="276"/>
+                    <a:pt x="358" y="270"/>
+                    <a:pt x="352" y="267"/>
+                  </a:cubicBezTo>
+                  <a:cubicBezTo>
+                    <a:pt x="338" y="260"/>
+                    <a:pt x="338" y="260"/>
+                    <a:pt x="338" y="260"/>
+                  </a:cubicBezTo>
+                  <a:cubicBezTo>
+                    <a:pt x="338" y="250"/>
+                    <a:pt x="335" y="241"/>
+                    <a:pt x="330" y="232"/>
+                  </a:cubicBezTo>
+                  <a:cubicBezTo>
+                    <a:pt x="340" y="219"/>
+                    <a:pt x="340" y="219"/>
+                    <a:pt x="340" y="219"/>
+                  </a:cubicBezTo>
+                  <a:cubicBezTo>
+                    <a:pt x="343" y="213"/>
+                    <a:pt x="343" y="206"/>
+                    <a:pt x="338" y="202"/>
+                  </a:cubicBezTo>
+                  <a:cubicBezTo>
+                    <a:pt x="328" y="191"/>
+                    <a:pt x="328" y="191"/>
+                    <a:pt x="328" y="191"/>
+                  </a:cubicBezTo>
+                  <a:cubicBezTo>
+                    <a:pt x="325" y="189"/>
+                    <a:pt x="322" y="187"/>
+                    <a:pt x="318" y="187"/>
+                  </a:cubicBezTo>
+                  <a:cubicBezTo>
+                    <a:pt x="316" y="187"/>
+                    <a:pt x="313" y="188"/>
+                    <a:pt x="311" y="190"/>
+                  </a:cubicBezTo>
+                  <a:cubicBezTo>
+                    <a:pt x="298" y="199"/>
+                    <a:pt x="298" y="199"/>
+                    <a:pt x="298" y="199"/>
+                  </a:cubicBezTo>
+                  <a:cubicBezTo>
+                    <a:pt x="289" y="194"/>
+                    <a:pt x="279" y="192"/>
+                    <a:pt x="269" y="191"/>
+                  </a:cubicBezTo>
+                  <a:cubicBezTo>
+                    <a:pt x="262" y="177"/>
+                    <a:pt x="262" y="177"/>
+                    <a:pt x="262" y="177"/>
+                  </a:cubicBezTo>
+                  <a:cubicBezTo>
+                    <a:pt x="260" y="172"/>
+                    <a:pt x="255" y="169"/>
+                    <a:pt x="250" y="169"/>
+                  </a:cubicBezTo>
+                  <a:close/>
+                  <a:moveTo>
+                    <a:pt x="265" y="289"/>
+                  </a:moveTo>
+                  <a:cubicBezTo>
+                    <a:pt x="259" y="289"/>
+                    <a:pt x="252" y="287"/>
+                    <a:pt x="248" y="282"/>
+                  </a:cubicBezTo>
+                  <a:cubicBezTo>
+                    <a:pt x="248" y="282"/>
+                    <a:pt x="247" y="282"/>
+                    <a:pt x="247" y="282"/>
+                  </a:cubicBezTo>
+                  <a:cubicBezTo>
+                    <a:pt x="238" y="272"/>
+                    <a:pt x="238" y="257"/>
+                    <a:pt x="248" y="248"/>
+                  </a:cubicBezTo>
+                  <a:cubicBezTo>
+                    <a:pt x="252" y="243"/>
+                    <a:pt x="259" y="241"/>
+                    <a:pt x="265" y="241"/>
+                  </a:cubicBezTo>
+                  <a:cubicBezTo>
+                    <a:pt x="271" y="241"/>
+                    <a:pt x="277" y="243"/>
+                    <a:pt x="282" y="248"/>
+                  </a:cubicBezTo>
+                  <a:cubicBezTo>
+                    <a:pt x="291" y="257"/>
+                    <a:pt x="291" y="273"/>
+                    <a:pt x="282" y="282"/>
+                  </a:cubicBezTo>
+                  <a:cubicBezTo>
+                    <a:pt x="277" y="287"/>
+                    <a:pt x="271" y="289"/>
+                    <a:pt x="265" y="289"/>
+                  </a:cubicBezTo>
+                  <a:close/>
+                </a:path>
+              </a:pathLst>
+            </a:custGeom>
+            <a:solidFill>
+              <a:srgbClr val="FFFFFF"/>
+            </a:solidFill>
+            <a:ln>
+              <a:noFill/>
+            </a:ln>
+          </p:spPr>
+          <p:txBody>
+            <a:bodyPr vert="horz" wrap="square" lIns="91440" tIns="45720" rIns="91440" bIns="45720" numCol="1" anchor="t" anchorCtr="0" compatLnSpc="1">
+              <a:prstTxWarp prst="textNoShape">
+                <a:avLst/>
+              </a:prstTxWarp>
+            </a:bodyPr>
+            <a:lstStyle/>
+            <a:p>
+              <a:endParaRPr lang="en-US"/>
+            </a:p>
+          </p:txBody>
+        </p:sp>
+      </p:grpSp>
+    </p:spTree>
+    <p:extLst>
+      <p:ext uri="{BB962C8B-B14F-4D97-AF65-F5344CB8AC3E}">
+        <p14:creationId xmlns:p14="http://schemas.microsoft.com/office/powerpoint/2010/main" val="1995084564"/>
+      </p:ext>
+    </p:extLst>
+  </p:cSld>
+  <p:clrMapOvr>
+    <a:masterClrMapping/>
+  </p:clrMapOvr>
+</p:sld>
+</file>
+
 <file path=ppt/slides/slide2.xml><?xml version="1.0" encoding="utf-8"?>
 <p:sld xmlns:a="http://schemas.openxmlformats.org/drawingml/2006/main" xmlns:r="http://schemas.openxmlformats.org/officeDocument/2006/relationships" xmlns:p="http://schemas.openxmlformats.org/presentationml/2006/main">
   <p:cSld>
@@ -3443,7 +6929,7 @@
         </p:spPr>
         <p:txBody>
           <a:bodyPr vert="horz" lIns="91440" tIns="45720" rIns="91440" bIns="45720" rtlCol="0" anchor="ctr">
-            <a:normAutofit fontScale="92500" lnSpcReduction="20000"/>
+            <a:noAutofit/>
           </a:bodyPr>
           <a:lstStyle>
             <a:lvl1pPr algn="l" defTabSz="914400" rtl="0" eaLnBrk="1" latinLnBrk="0" hangingPunct="1">
@@ -3466,7 +6952,10 @@
           </a:lstStyle>
           <a:p>
             <a:r>
-              <a:rPr lang="en-US" b="1" dirty="0">
+              <a:rPr lang="en-US" sz="4000" b="1" dirty="0">
+                <a:solidFill>
+                  <a:srgbClr val="EC131B"/>
+                </a:solidFill>
                 <a:latin typeface="+mn-lt"/>
               </a:rPr>
               <a:t>Work Breakdown</a:t>
@@ -4931,7 +8420,12 @@
           <a:lstStyle/>
           <a:p>
             <a:r>
-              <a:rPr lang="en-US" b="1" dirty="0"/>
+              <a:rPr lang="en-US" b="1" dirty="0">
+                <a:solidFill>
+                  <a:srgbClr val="EC131B"/>
+                </a:solidFill>
+                <a:latin typeface="+mn-lt"/>
+              </a:rPr>
               <a:t>Overview</a:t>
             </a:r>
           </a:p>
@@ -5860,6 +9354,3806 @@
     <p:extLst>
       <p:ext uri="{BB962C8B-B14F-4D97-AF65-F5344CB8AC3E}">
         <p14:creationId xmlns:p14="http://schemas.microsoft.com/office/powerpoint/2010/main" val="1131483952"/>
+      </p:ext>
+    </p:extLst>
+  </p:cSld>
+  <p:clrMapOvr>
+    <a:masterClrMapping/>
+  </p:clrMapOvr>
+</p:sld>
+</file>
+
+<file path=ppt/slides/slide4.xml><?xml version="1.0" encoding="utf-8"?>
+<p:sld xmlns:a="http://schemas.openxmlformats.org/drawingml/2006/main" xmlns:r="http://schemas.openxmlformats.org/officeDocument/2006/relationships" xmlns:p="http://schemas.openxmlformats.org/presentationml/2006/main">
+  <p:cSld>
+    <p:spTree>
+      <p:nvGrpSpPr>
+        <p:cNvPr id="1" name=""/>
+        <p:cNvGrpSpPr/>
+        <p:nvPr/>
+      </p:nvGrpSpPr>
+      <p:grpSpPr>
+        <a:xfrm>
+          <a:off x="0" y="0"/>
+          <a:ext cx="0" cy="0"/>
+          <a:chOff x="0" y="0"/>
+          <a:chExt cx="0" cy="0"/>
+        </a:xfrm>
+      </p:grpSpPr>
+      <p:sp>
+        <p:nvSpPr>
+          <p:cNvPr id="19" name="Hexagon 18">
+            <a:extLst>
+              <a:ext uri="{FF2B5EF4-FFF2-40B4-BE49-F238E27FC236}">
+                <a16:creationId xmlns:a16="http://schemas.microsoft.com/office/drawing/2014/main" id="{ECA10517-2AA0-D044-AC8E-2A7506AFE45F}"/>
+              </a:ext>
+            </a:extLst>
+          </p:cNvPr>
+          <p:cNvSpPr/>
+          <p:nvPr/>
+        </p:nvSpPr>
+        <p:spPr>
+          <a:xfrm>
+            <a:off x="1925146" y="2785411"/>
+            <a:ext cx="1926000" cy="1656000"/>
+          </a:xfrm>
+          <a:prstGeom prst="hexagon">
+            <a:avLst>
+              <a:gd name="adj" fmla="val 29153"/>
+              <a:gd name="vf" fmla="val 115470"/>
+            </a:avLst>
+          </a:prstGeom>
+          <a:solidFill>
+            <a:srgbClr val="EC131B"/>
+          </a:solidFill>
+          <a:ln>
+            <a:noFill/>
+          </a:ln>
+        </p:spPr>
+        <p:style>
+          <a:lnRef idx="2">
+            <a:schemeClr val="accent1">
+              <a:shade val="50000"/>
+            </a:schemeClr>
+          </a:lnRef>
+          <a:fillRef idx="1">
+            <a:schemeClr val="accent1"/>
+          </a:fillRef>
+          <a:effectRef idx="0">
+            <a:schemeClr val="accent1"/>
+          </a:effectRef>
+          <a:fontRef idx="minor">
+            <a:schemeClr val="lt1"/>
+          </a:fontRef>
+        </p:style>
+        <p:txBody>
+          <a:bodyPr rtlCol="0" anchor="ctr"/>
+          <a:lstStyle/>
+          <a:p>
+            <a:pPr algn="ctr"/>
+            <a:r>
+              <a:rPr lang="en-US" sz="3250" b="1" dirty="0"/>
+              <a:t>1</a:t>
+            </a:r>
+          </a:p>
+        </p:txBody>
+      </p:sp>
+      <p:sp>
+        <p:nvSpPr>
+          <p:cNvPr id="20" name="Hexagon 19">
+            <a:extLst>
+              <a:ext uri="{FF2B5EF4-FFF2-40B4-BE49-F238E27FC236}">
+                <a16:creationId xmlns:a16="http://schemas.microsoft.com/office/drawing/2014/main" id="{99909CE4-2289-D24E-8806-65E1B5C4FD77}"/>
+              </a:ext>
+            </a:extLst>
+          </p:cNvPr>
+          <p:cNvSpPr/>
+          <p:nvPr/>
+        </p:nvSpPr>
+        <p:spPr>
+          <a:xfrm>
+            <a:off x="3494866" y="3799326"/>
+            <a:ext cx="1926000" cy="1656000"/>
+          </a:xfrm>
+          <a:prstGeom prst="hexagon">
+            <a:avLst>
+              <a:gd name="adj" fmla="val 29153"/>
+              <a:gd name="vf" fmla="val 115470"/>
+            </a:avLst>
+          </a:prstGeom>
+          <a:solidFill>
+            <a:srgbClr val="EC131B"/>
+          </a:solidFill>
+          <a:ln>
+            <a:noFill/>
+          </a:ln>
+        </p:spPr>
+        <p:style>
+          <a:lnRef idx="2">
+            <a:schemeClr val="accent1">
+              <a:shade val="50000"/>
+            </a:schemeClr>
+          </a:lnRef>
+          <a:fillRef idx="1">
+            <a:schemeClr val="accent1"/>
+          </a:fillRef>
+          <a:effectRef idx="0">
+            <a:schemeClr val="accent1"/>
+          </a:effectRef>
+          <a:fontRef idx="minor">
+            <a:schemeClr val="lt1"/>
+          </a:fontRef>
+        </p:style>
+        <p:txBody>
+          <a:bodyPr rtlCol="0" anchor="ctr"/>
+          <a:lstStyle/>
+          <a:p>
+            <a:pPr algn="ctr"/>
+            <a:r>
+              <a:rPr lang="en-US" sz="3250" b="1" dirty="0"/>
+              <a:t>2</a:t>
+            </a:r>
+          </a:p>
+        </p:txBody>
+      </p:sp>
+      <p:sp>
+        <p:nvSpPr>
+          <p:cNvPr id="21" name="Hexagon 20">
+            <a:extLst>
+              <a:ext uri="{FF2B5EF4-FFF2-40B4-BE49-F238E27FC236}">
+                <a16:creationId xmlns:a16="http://schemas.microsoft.com/office/drawing/2014/main" id="{E552A042-D107-804E-9D1C-23C5FBC03460}"/>
+              </a:ext>
+            </a:extLst>
+          </p:cNvPr>
+          <p:cNvSpPr/>
+          <p:nvPr/>
+        </p:nvSpPr>
+        <p:spPr>
+          <a:xfrm>
+            <a:off x="5086613" y="2796841"/>
+            <a:ext cx="1926000" cy="1656000"/>
+          </a:xfrm>
+          <a:prstGeom prst="hexagon">
+            <a:avLst>
+              <a:gd name="adj" fmla="val 29153"/>
+              <a:gd name="vf" fmla="val 115470"/>
+            </a:avLst>
+          </a:prstGeom>
+          <a:solidFill>
+            <a:srgbClr val="EC131B"/>
+          </a:solidFill>
+          <a:ln>
+            <a:noFill/>
+          </a:ln>
+        </p:spPr>
+        <p:style>
+          <a:lnRef idx="2">
+            <a:schemeClr val="accent1">
+              <a:shade val="50000"/>
+            </a:schemeClr>
+          </a:lnRef>
+          <a:fillRef idx="1">
+            <a:schemeClr val="accent1"/>
+          </a:fillRef>
+          <a:effectRef idx="0">
+            <a:schemeClr val="accent1"/>
+          </a:effectRef>
+          <a:fontRef idx="minor">
+            <a:schemeClr val="lt1"/>
+          </a:fontRef>
+        </p:style>
+        <p:txBody>
+          <a:bodyPr rtlCol="0" anchor="ctr"/>
+          <a:lstStyle/>
+          <a:p>
+            <a:pPr algn="ctr"/>
+            <a:r>
+              <a:rPr lang="en-US" sz="3250" b="1" dirty="0"/>
+              <a:t>3</a:t>
+            </a:r>
+          </a:p>
+        </p:txBody>
+      </p:sp>
+      <p:sp>
+        <p:nvSpPr>
+          <p:cNvPr id="22" name="Hexagon 21">
+            <a:extLst>
+              <a:ext uri="{FF2B5EF4-FFF2-40B4-BE49-F238E27FC236}">
+                <a16:creationId xmlns:a16="http://schemas.microsoft.com/office/drawing/2014/main" id="{DB0F3C17-7465-5D47-8392-902BC8A7C0A8}"/>
+              </a:ext>
+            </a:extLst>
+          </p:cNvPr>
+          <p:cNvSpPr/>
+          <p:nvPr/>
+        </p:nvSpPr>
+        <p:spPr>
+          <a:xfrm>
+            <a:off x="6708139" y="3786751"/>
+            <a:ext cx="1926000" cy="1656000"/>
+          </a:xfrm>
+          <a:prstGeom prst="hexagon">
+            <a:avLst>
+              <a:gd name="adj" fmla="val 29153"/>
+              <a:gd name="vf" fmla="val 115470"/>
+            </a:avLst>
+          </a:prstGeom>
+          <a:solidFill>
+            <a:srgbClr val="EC131B"/>
+          </a:solidFill>
+          <a:ln>
+            <a:noFill/>
+          </a:ln>
+        </p:spPr>
+        <p:style>
+          <a:lnRef idx="2">
+            <a:schemeClr val="accent1">
+              <a:shade val="50000"/>
+            </a:schemeClr>
+          </a:lnRef>
+          <a:fillRef idx="1">
+            <a:schemeClr val="accent1"/>
+          </a:fillRef>
+          <a:effectRef idx="0">
+            <a:schemeClr val="accent1"/>
+          </a:effectRef>
+          <a:fontRef idx="minor">
+            <a:schemeClr val="lt1"/>
+          </a:fontRef>
+        </p:style>
+        <p:txBody>
+          <a:bodyPr rtlCol="0" anchor="ctr"/>
+          <a:lstStyle/>
+          <a:p>
+            <a:pPr algn="ctr"/>
+            <a:r>
+              <a:rPr lang="en-US" sz="3250" b="1" dirty="0"/>
+              <a:t>4</a:t>
+            </a:r>
+          </a:p>
+        </p:txBody>
+      </p:sp>
+      <p:sp>
+        <p:nvSpPr>
+          <p:cNvPr id="23" name="Hexagon 22">
+            <a:extLst>
+              <a:ext uri="{FF2B5EF4-FFF2-40B4-BE49-F238E27FC236}">
+                <a16:creationId xmlns:a16="http://schemas.microsoft.com/office/drawing/2014/main" id="{DD70AAD5-4D82-2C41-B1EA-64087A15D139}"/>
+              </a:ext>
+            </a:extLst>
+          </p:cNvPr>
+          <p:cNvSpPr/>
+          <p:nvPr/>
+        </p:nvSpPr>
+        <p:spPr>
+          <a:xfrm>
+            <a:off x="8299886" y="2796841"/>
+            <a:ext cx="1926000" cy="1656000"/>
+          </a:xfrm>
+          <a:prstGeom prst="hexagon">
+            <a:avLst>
+              <a:gd name="adj" fmla="val 29153"/>
+              <a:gd name="vf" fmla="val 115470"/>
+            </a:avLst>
+          </a:prstGeom>
+          <a:solidFill>
+            <a:srgbClr val="EC131B"/>
+          </a:solidFill>
+          <a:ln>
+            <a:noFill/>
+          </a:ln>
+        </p:spPr>
+        <p:style>
+          <a:lnRef idx="2">
+            <a:schemeClr val="accent1">
+              <a:shade val="50000"/>
+            </a:schemeClr>
+          </a:lnRef>
+          <a:fillRef idx="1">
+            <a:schemeClr val="accent1"/>
+          </a:fillRef>
+          <a:effectRef idx="0">
+            <a:schemeClr val="accent1"/>
+          </a:effectRef>
+          <a:fontRef idx="minor">
+            <a:schemeClr val="lt1"/>
+          </a:fontRef>
+        </p:style>
+        <p:txBody>
+          <a:bodyPr rtlCol="0" anchor="ctr"/>
+          <a:lstStyle/>
+          <a:p>
+            <a:pPr algn="ctr"/>
+            <a:r>
+              <a:rPr lang="en-US" sz="3250" b="1" dirty="0"/>
+              <a:t>5</a:t>
+            </a:r>
+          </a:p>
+        </p:txBody>
+      </p:sp>
+      <p:sp>
+        <p:nvSpPr>
+          <p:cNvPr id="24" name="TextBox 23">
+            <a:extLst>
+              <a:ext uri="{FF2B5EF4-FFF2-40B4-BE49-F238E27FC236}">
+                <a16:creationId xmlns:a16="http://schemas.microsoft.com/office/drawing/2014/main" id="{E6A5112B-1651-204B-A4CF-6035163EEE1A}"/>
+              </a:ext>
+            </a:extLst>
+          </p:cNvPr>
+          <p:cNvSpPr txBox="1"/>
+          <p:nvPr/>
+        </p:nvSpPr>
+        <p:spPr>
+          <a:xfrm>
+            <a:off x="1644873" y="5565187"/>
+            <a:ext cx="2446020" cy="323935"/>
+          </a:xfrm>
+          <a:prstGeom prst="rect">
+            <a:avLst/>
+          </a:prstGeom>
+          <a:noFill/>
+        </p:spPr>
+        <p:txBody>
+          <a:bodyPr wrap="square" rtlCol="0">
+            <a:spAutoFit/>
+          </a:bodyPr>
+          <a:lstStyle/>
+          <a:p>
+            <a:pPr algn="ctr">
+              <a:lnSpc>
+                <a:spcPct val="114000"/>
+              </a:lnSpc>
+            </a:pPr>
+            <a:r>
+              <a:rPr lang="en-US" sz="1400" b="1" dirty="0"/>
+              <a:t>Review Excel file</a:t>
+            </a:r>
+          </a:p>
+        </p:txBody>
+      </p:sp>
+      <p:sp>
+        <p:nvSpPr>
+          <p:cNvPr id="25" name="TextBox 24">
+            <a:extLst>
+              <a:ext uri="{FF2B5EF4-FFF2-40B4-BE49-F238E27FC236}">
+                <a16:creationId xmlns:a16="http://schemas.microsoft.com/office/drawing/2014/main" id="{1D7A6D16-D02F-B244-B157-D40DA85BB484}"/>
+              </a:ext>
+            </a:extLst>
+          </p:cNvPr>
+          <p:cNvSpPr txBox="1"/>
+          <p:nvPr/>
+        </p:nvSpPr>
+        <p:spPr>
+          <a:xfrm>
+            <a:off x="3234856" y="1899477"/>
+            <a:ext cx="2446020" cy="569515"/>
+          </a:xfrm>
+          <a:prstGeom prst="rect">
+            <a:avLst/>
+          </a:prstGeom>
+          <a:noFill/>
+        </p:spPr>
+        <p:txBody>
+          <a:bodyPr wrap="square" rtlCol="0">
+            <a:spAutoFit/>
+          </a:bodyPr>
+          <a:lstStyle/>
+          <a:p>
+            <a:pPr algn="ctr">
+              <a:lnSpc>
+                <a:spcPct val="114000"/>
+              </a:lnSpc>
+            </a:pPr>
+            <a:r>
+              <a:rPr lang="en-US" sz="1400" b="1" dirty="0"/>
+              <a:t>Review data elements individually</a:t>
+            </a:r>
+          </a:p>
+        </p:txBody>
+      </p:sp>
+      <p:sp>
+        <p:nvSpPr>
+          <p:cNvPr id="26" name="TextBox 25">
+            <a:extLst>
+              <a:ext uri="{FF2B5EF4-FFF2-40B4-BE49-F238E27FC236}">
+                <a16:creationId xmlns:a16="http://schemas.microsoft.com/office/drawing/2014/main" id="{DE5FAED5-E98B-CF45-9DEA-CC9D18B5A22A}"/>
+              </a:ext>
+            </a:extLst>
+          </p:cNvPr>
+          <p:cNvSpPr txBox="1"/>
+          <p:nvPr/>
+        </p:nvSpPr>
+        <p:spPr>
+          <a:xfrm>
+            <a:off x="4826603" y="5588047"/>
+            <a:ext cx="2446020" cy="290849"/>
+          </a:xfrm>
+          <a:prstGeom prst="rect">
+            <a:avLst/>
+          </a:prstGeom>
+          <a:noFill/>
+        </p:spPr>
+        <p:txBody>
+          <a:bodyPr wrap="square" rtlCol="0">
+            <a:spAutoFit/>
+          </a:bodyPr>
+          <a:lstStyle/>
+          <a:p>
+            <a:pPr algn="ctr">
+              <a:lnSpc>
+                <a:spcPct val="114000"/>
+              </a:lnSpc>
+            </a:pPr>
+            <a:r>
+              <a:rPr lang="en-US" sz="1200" b="1" dirty="0"/>
+              <a:t>Update data if needed</a:t>
+            </a:r>
+          </a:p>
+        </p:txBody>
+      </p:sp>
+      <p:sp>
+        <p:nvSpPr>
+          <p:cNvPr id="27" name="TextBox 26">
+            <a:extLst>
+              <a:ext uri="{FF2B5EF4-FFF2-40B4-BE49-F238E27FC236}">
+                <a16:creationId xmlns:a16="http://schemas.microsoft.com/office/drawing/2014/main" id="{68B30F32-37BA-7F45-BBB5-1913D7FEF8B2}"/>
+              </a:ext>
+            </a:extLst>
+          </p:cNvPr>
+          <p:cNvSpPr txBox="1"/>
+          <p:nvPr/>
+        </p:nvSpPr>
+        <p:spPr>
+          <a:xfrm>
+            <a:off x="6448129" y="1923434"/>
+            <a:ext cx="2446020" cy="290849"/>
+          </a:xfrm>
+          <a:prstGeom prst="rect">
+            <a:avLst/>
+          </a:prstGeom>
+          <a:noFill/>
+        </p:spPr>
+        <p:txBody>
+          <a:bodyPr wrap="square" rtlCol="0">
+            <a:spAutoFit/>
+          </a:bodyPr>
+          <a:lstStyle/>
+          <a:p>
+            <a:pPr algn="ctr">
+              <a:lnSpc>
+                <a:spcPct val="114000"/>
+              </a:lnSpc>
+            </a:pPr>
+            <a:r>
+              <a:rPr lang="en-US" sz="1200" b="1" dirty="0"/>
+              <a:t>Perform Portfolio Analysis</a:t>
+            </a:r>
+          </a:p>
+        </p:txBody>
+      </p:sp>
+      <p:sp>
+        <p:nvSpPr>
+          <p:cNvPr id="28" name="TextBox 27">
+            <a:extLst>
+              <a:ext uri="{FF2B5EF4-FFF2-40B4-BE49-F238E27FC236}">
+                <a16:creationId xmlns:a16="http://schemas.microsoft.com/office/drawing/2014/main" id="{A0AE744B-8EBD-A04B-A29F-18941CF48C5B}"/>
+              </a:ext>
+            </a:extLst>
+          </p:cNvPr>
+          <p:cNvSpPr txBox="1"/>
+          <p:nvPr/>
+        </p:nvSpPr>
+        <p:spPr>
+          <a:xfrm>
+            <a:off x="8039876" y="5573589"/>
+            <a:ext cx="2446020" cy="290849"/>
+          </a:xfrm>
+          <a:prstGeom prst="rect">
+            <a:avLst/>
+          </a:prstGeom>
+          <a:noFill/>
+        </p:spPr>
+        <p:txBody>
+          <a:bodyPr wrap="square" rtlCol="0">
+            <a:spAutoFit/>
+          </a:bodyPr>
+          <a:lstStyle/>
+          <a:p>
+            <a:pPr algn="ctr">
+              <a:lnSpc>
+                <a:spcPct val="114000"/>
+              </a:lnSpc>
+            </a:pPr>
+            <a:r>
+              <a:rPr lang="en-US" sz="1200" b="1" dirty="0"/>
+              <a:t>Generate Insights</a:t>
+            </a:r>
+          </a:p>
+        </p:txBody>
+      </p:sp>
+      <p:cxnSp>
+        <p:nvCxnSpPr>
+          <p:cNvPr id="29" name="Straight Connector 28">
+            <a:extLst>
+              <a:ext uri="{FF2B5EF4-FFF2-40B4-BE49-F238E27FC236}">
+                <a16:creationId xmlns:a16="http://schemas.microsoft.com/office/drawing/2014/main" id="{DF22A89A-48FB-9741-8545-3AD233792A52}"/>
+              </a:ext>
+            </a:extLst>
+          </p:cNvPr>
+          <p:cNvCxnSpPr>
+            <a:cxnSpLocks/>
+            <a:stCxn id="24" idx="0"/>
+          </p:cNvCxnSpPr>
+          <p:nvPr/>
+        </p:nvCxnSpPr>
+        <p:spPr>
+          <a:xfrm flipH="1" flipV="1">
+            <a:off x="2857669" y="4429981"/>
+            <a:ext cx="10214" cy="1135206"/>
+          </a:xfrm>
+          <a:prstGeom prst="line">
+            <a:avLst/>
+          </a:prstGeom>
+          <a:ln w="12700">
+            <a:solidFill>
+              <a:schemeClr val="tx1"/>
+            </a:solidFill>
+            <a:prstDash val="dash"/>
+            <a:tailEnd type="diamond" w="lg" len="lg"/>
+          </a:ln>
+        </p:spPr>
+        <p:style>
+          <a:lnRef idx="1">
+            <a:schemeClr val="accent1"/>
+          </a:lnRef>
+          <a:fillRef idx="0">
+            <a:schemeClr val="accent1"/>
+          </a:fillRef>
+          <a:effectRef idx="0">
+            <a:schemeClr val="accent1"/>
+          </a:effectRef>
+          <a:fontRef idx="minor">
+            <a:schemeClr val="tx1"/>
+          </a:fontRef>
+        </p:style>
+      </p:cxnSp>
+      <p:cxnSp>
+        <p:nvCxnSpPr>
+          <p:cNvPr id="30" name="Straight Connector 29">
+            <a:extLst>
+              <a:ext uri="{FF2B5EF4-FFF2-40B4-BE49-F238E27FC236}">
+                <a16:creationId xmlns:a16="http://schemas.microsoft.com/office/drawing/2014/main" id="{C53EA75C-5E51-3E45-B718-8DAF6661FBEE}"/>
+              </a:ext>
+            </a:extLst>
+          </p:cNvPr>
+          <p:cNvCxnSpPr>
+            <a:cxnSpLocks/>
+          </p:cNvCxnSpPr>
+          <p:nvPr/>
+        </p:nvCxnSpPr>
+        <p:spPr>
+          <a:xfrm flipV="1">
+            <a:off x="6061878" y="4429981"/>
+            <a:ext cx="0" cy="1123776"/>
+          </a:xfrm>
+          <a:prstGeom prst="line">
+            <a:avLst/>
+          </a:prstGeom>
+          <a:ln w="12700">
+            <a:solidFill>
+              <a:schemeClr val="tx1"/>
+            </a:solidFill>
+            <a:prstDash val="dash"/>
+            <a:tailEnd type="diamond" w="lg" len="lg"/>
+          </a:ln>
+        </p:spPr>
+        <p:style>
+          <a:lnRef idx="1">
+            <a:schemeClr val="accent1"/>
+          </a:lnRef>
+          <a:fillRef idx="0">
+            <a:schemeClr val="accent1"/>
+          </a:fillRef>
+          <a:effectRef idx="0">
+            <a:schemeClr val="accent1"/>
+          </a:effectRef>
+          <a:fontRef idx="minor">
+            <a:schemeClr val="tx1"/>
+          </a:fontRef>
+        </p:style>
+      </p:cxnSp>
+      <p:cxnSp>
+        <p:nvCxnSpPr>
+          <p:cNvPr id="31" name="Straight Connector 30">
+            <a:extLst>
+              <a:ext uri="{FF2B5EF4-FFF2-40B4-BE49-F238E27FC236}">
+                <a16:creationId xmlns:a16="http://schemas.microsoft.com/office/drawing/2014/main" id="{5398753A-9140-DC44-9C13-C2F1A194EC1E}"/>
+              </a:ext>
+            </a:extLst>
+          </p:cNvPr>
+          <p:cNvCxnSpPr>
+            <a:cxnSpLocks/>
+          </p:cNvCxnSpPr>
+          <p:nvPr/>
+        </p:nvCxnSpPr>
+        <p:spPr>
+          <a:xfrm flipV="1">
+            <a:off x="9254658" y="4429981"/>
+            <a:ext cx="0" cy="1123776"/>
+          </a:xfrm>
+          <a:prstGeom prst="line">
+            <a:avLst/>
+          </a:prstGeom>
+          <a:ln w="12700">
+            <a:solidFill>
+              <a:schemeClr val="tx1"/>
+            </a:solidFill>
+            <a:prstDash val="dash"/>
+            <a:tailEnd type="diamond" w="lg" len="lg"/>
+          </a:ln>
+        </p:spPr>
+        <p:style>
+          <a:lnRef idx="1">
+            <a:schemeClr val="accent1"/>
+          </a:lnRef>
+          <a:fillRef idx="0">
+            <a:schemeClr val="accent1"/>
+          </a:fillRef>
+          <a:effectRef idx="0">
+            <a:schemeClr val="accent1"/>
+          </a:effectRef>
+          <a:fontRef idx="minor">
+            <a:schemeClr val="tx1"/>
+          </a:fontRef>
+        </p:style>
+      </p:cxnSp>
+      <p:cxnSp>
+        <p:nvCxnSpPr>
+          <p:cNvPr id="32" name="Straight Connector 31">
+            <a:extLst>
+              <a:ext uri="{FF2B5EF4-FFF2-40B4-BE49-F238E27FC236}">
+                <a16:creationId xmlns:a16="http://schemas.microsoft.com/office/drawing/2014/main" id="{EDCB224C-57C3-BF49-B994-AE4588232F16}"/>
+              </a:ext>
+            </a:extLst>
+          </p:cNvPr>
+          <p:cNvCxnSpPr>
+            <a:cxnSpLocks/>
+            <a:stCxn id="25" idx="2"/>
+          </p:cNvCxnSpPr>
+          <p:nvPr/>
+        </p:nvCxnSpPr>
+        <p:spPr>
+          <a:xfrm>
+            <a:off x="4457866" y="2468992"/>
+            <a:ext cx="2880" cy="1318904"/>
+          </a:xfrm>
+          <a:prstGeom prst="line">
+            <a:avLst/>
+          </a:prstGeom>
+          <a:ln w="12700">
+            <a:solidFill>
+              <a:schemeClr val="tx1"/>
+            </a:solidFill>
+            <a:prstDash val="dash"/>
+            <a:tailEnd type="diamond" w="lg" len="lg"/>
+          </a:ln>
+        </p:spPr>
+        <p:style>
+          <a:lnRef idx="1">
+            <a:schemeClr val="accent1"/>
+          </a:lnRef>
+          <a:fillRef idx="0">
+            <a:schemeClr val="accent1"/>
+          </a:fillRef>
+          <a:effectRef idx="0">
+            <a:schemeClr val="accent1"/>
+          </a:effectRef>
+          <a:fontRef idx="minor">
+            <a:schemeClr val="tx1"/>
+          </a:fontRef>
+        </p:style>
+      </p:cxnSp>
+      <p:cxnSp>
+        <p:nvCxnSpPr>
+          <p:cNvPr id="33" name="Straight Connector 32">
+            <a:extLst>
+              <a:ext uri="{FF2B5EF4-FFF2-40B4-BE49-F238E27FC236}">
+                <a16:creationId xmlns:a16="http://schemas.microsoft.com/office/drawing/2014/main" id="{1B5EDC13-4066-E24F-A8DC-F2393417F198}"/>
+              </a:ext>
+            </a:extLst>
+          </p:cNvPr>
+          <p:cNvCxnSpPr>
+            <a:cxnSpLocks/>
+            <a:stCxn id="27" idx="2"/>
+          </p:cNvCxnSpPr>
+          <p:nvPr/>
+        </p:nvCxnSpPr>
+        <p:spPr>
+          <a:xfrm flipH="1">
+            <a:off x="7653527" y="2214283"/>
+            <a:ext cx="17612" cy="1573613"/>
+          </a:xfrm>
+          <a:prstGeom prst="line">
+            <a:avLst/>
+          </a:prstGeom>
+          <a:ln w="12700">
+            <a:solidFill>
+              <a:schemeClr val="tx1"/>
+            </a:solidFill>
+            <a:prstDash val="dash"/>
+            <a:tailEnd type="diamond" w="lg" len="lg"/>
+          </a:ln>
+        </p:spPr>
+        <p:style>
+          <a:lnRef idx="1">
+            <a:schemeClr val="accent1"/>
+          </a:lnRef>
+          <a:fillRef idx="0">
+            <a:schemeClr val="accent1"/>
+          </a:fillRef>
+          <a:effectRef idx="0">
+            <a:schemeClr val="accent1"/>
+          </a:effectRef>
+          <a:fontRef idx="minor">
+            <a:schemeClr val="tx1"/>
+          </a:fontRef>
+        </p:style>
+      </p:cxnSp>
+      <p:sp>
+        <p:nvSpPr>
+          <p:cNvPr id="57" name="Title 1">
+            <a:extLst>
+              <a:ext uri="{FF2B5EF4-FFF2-40B4-BE49-F238E27FC236}">
+                <a16:creationId xmlns:a16="http://schemas.microsoft.com/office/drawing/2014/main" id="{B1F9792B-7E1D-034A-89B2-28F916755B80}"/>
+              </a:ext>
+            </a:extLst>
+          </p:cNvPr>
+          <p:cNvSpPr>
+            <a:spLocks noGrp="1"/>
+          </p:cNvSpPr>
+          <p:nvPr>
+            <p:ph type="title"/>
+          </p:nvPr>
+        </p:nvSpPr>
+        <p:spPr>
+          <a:xfrm>
+            <a:off x="537460" y="515462"/>
+            <a:ext cx="5245824" cy="600164"/>
+          </a:xfrm>
+        </p:spPr>
+        <p:txBody>
+          <a:bodyPr>
+            <a:normAutofit fontScale="90000"/>
+          </a:bodyPr>
+          <a:lstStyle/>
+          <a:p>
+            <a:r>
+              <a:rPr lang="en-US" b="1" dirty="0">
+                <a:solidFill>
+                  <a:srgbClr val="EC131B"/>
+                </a:solidFill>
+                <a:latin typeface="+mn-lt"/>
+              </a:rPr>
+              <a:t>Approach</a:t>
+            </a:r>
+          </a:p>
+        </p:txBody>
+      </p:sp>
+    </p:spTree>
+    <p:extLst>
+      <p:ext uri="{BB962C8B-B14F-4D97-AF65-F5344CB8AC3E}">
+        <p14:creationId xmlns:p14="http://schemas.microsoft.com/office/powerpoint/2010/main" val="1168900317"/>
+      </p:ext>
+    </p:extLst>
+  </p:cSld>
+  <p:clrMapOvr>
+    <a:masterClrMapping/>
+  </p:clrMapOvr>
+</p:sld>
+</file>
+
+<file path=ppt/slides/slide5.xml><?xml version="1.0" encoding="utf-8"?>
+<p:sld xmlns:a="http://schemas.openxmlformats.org/drawingml/2006/main" xmlns:r="http://schemas.openxmlformats.org/officeDocument/2006/relationships" xmlns:p="http://schemas.openxmlformats.org/presentationml/2006/main">
+  <p:cSld>
+    <p:spTree>
+      <p:nvGrpSpPr>
+        <p:cNvPr id="1" name=""/>
+        <p:cNvGrpSpPr/>
+        <p:nvPr/>
+      </p:nvGrpSpPr>
+      <p:grpSpPr>
+        <a:xfrm>
+          <a:off x="0" y="0"/>
+          <a:ext cx="0" cy="0"/>
+          <a:chOff x="0" y="0"/>
+          <a:chExt cx="0" cy="0"/>
+        </a:xfrm>
+      </p:grpSpPr>
+      <p:sp>
+        <p:nvSpPr>
+          <p:cNvPr id="57" name="Title 1">
+            <a:extLst>
+              <a:ext uri="{FF2B5EF4-FFF2-40B4-BE49-F238E27FC236}">
+                <a16:creationId xmlns:a16="http://schemas.microsoft.com/office/drawing/2014/main" id="{B1F9792B-7E1D-034A-89B2-28F916755B80}"/>
+              </a:ext>
+            </a:extLst>
+          </p:cNvPr>
+          <p:cNvSpPr>
+            <a:spLocks noGrp="1"/>
+          </p:cNvSpPr>
+          <p:nvPr>
+            <p:ph type="title"/>
+          </p:nvPr>
+        </p:nvSpPr>
+        <p:spPr>
+          <a:xfrm>
+            <a:off x="537460" y="515462"/>
+            <a:ext cx="5245824" cy="600164"/>
+          </a:xfrm>
+        </p:spPr>
+        <p:txBody>
+          <a:bodyPr>
+            <a:normAutofit fontScale="90000"/>
+          </a:bodyPr>
+          <a:lstStyle/>
+          <a:p>
+            <a:r>
+              <a:rPr lang="en-US" b="1" dirty="0">
+                <a:solidFill>
+                  <a:srgbClr val="EC131B"/>
+                </a:solidFill>
+                <a:latin typeface="+mn-lt"/>
+              </a:rPr>
+              <a:t>Data Assessment</a:t>
+            </a:r>
+          </a:p>
+        </p:txBody>
+      </p:sp>
+      <p:sp>
+        <p:nvSpPr>
+          <p:cNvPr id="34" name="TextBox 33">
+            <a:extLst>
+              <a:ext uri="{FF2B5EF4-FFF2-40B4-BE49-F238E27FC236}">
+                <a16:creationId xmlns:a16="http://schemas.microsoft.com/office/drawing/2014/main" id="{DD786240-E1FD-EB48-9260-A7AFEA7DCD6C}"/>
+              </a:ext>
+            </a:extLst>
+          </p:cNvPr>
+          <p:cNvSpPr txBox="1"/>
+          <p:nvPr/>
+        </p:nvSpPr>
+        <p:spPr>
+          <a:xfrm>
+            <a:off x="537460" y="2717698"/>
+            <a:ext cx="5459481" cy="1849930"/>
+          </a:xfrm>
+          <a:prstGeom prst="rect">
+            <a:avLst/>
+          </a:prstGeom>
+          <a:noFill/>
+        </p:spPr>
+        <p:txBody>
+          <a:bodyPr wrap="square" rtlCol="0">
+            <a:spAutoFit/>
+          </a:bodyPr>
+          <a:lstStyle/>
+          <a:p>
+            <a:pPr marL="285750" indent="-285750">
+              <a:lnSpc>
+                <a:spcPct val="117000"/>
+              </a:lnSpc>
+              <a:spcAft>
+                <a:spcPts val="1200"/>
+              </a:spcAft>
+              <a:buClr>
+                <a:srgbClr val="EC131B"/>
+              </a:buClr>
+              <a:buSzPct val="170000"/>
+              <a:buFont typeface="Arial" panose="020B0604020202020204" pitchFamily="34" charset="0"/>
+              <a:buChar char="•"/>
+            </a:pPr>
+            <a:r>
+              <a:rPr lang="en-US" sz="1500" b="1" dirty="0"/>
+              <a:t>Interest Rate we charge clients (%): </a:t>
+            </a:r>
+            <a:r>
+              <a:rPr lang="en-US" sz="1500" dirty="0"/>
+              <a:t>Majority of values are between 1.45 to 8%.  There is a value of 77.45% which seems odd</a:t>
+            </a:r>
+          </a:p>
+          <a:p>
+            <a:pPr marL="285750" indent="-285750">
+              <a:lnSpc>
+                <a:spcPct val="117000"/>
+              </a:lnSpc>
+              <a:spcAft>
+                <a:spcPts val="1200"/>
+              </a:spcAft>
+              <a:buClr>
+                <a:srgbClr val="EC131B"/>
+              </a:buClr>
+              <a:buSzPct val="170000"/>
+              <a:buFont typeface="Arial" panose="020B0604020202020204" pitchFamily="34" charset="0"/>
+              <a:buChar char="•"/>
+            </a:pPr>
+            <a:r>
+              <a:rPr lang="en-US" sz="1500" b="1" dirty="0"/>
+              <a:t>Region</a:t>
+            </a:r>
+            <a:r>
+              <a:rPr lang="en-US" sz="1500" dirty="0"/>
+              <a:t>: 17 Regions were found instead of 12.  It shows both US and Canadian information.  Some regions used abbreviations, others  were misspelt.</a:t>
+            </a:r>
+          </a:p>
+        </p:txBody>
+      </p:sp>
+      <p:sp>
+        <p:nvSpPr>
+          <p:cNvPr id="35" name="Rectangle 34">
+            <a:extLst>
+              <a:ext uri="{FF2B5EF4-FFF2-40B4-BE49-F238E27FC236}">
+                <a16:creationId xmlns:a16="http://schemas.microsoft.com/office/drawing/2014/main" id="{3D4DA5B8-216A-B74E-A501-45AD5495EA15}"/>
+              </a:ext>
+            </a:extLst>
+          </p:cNvPr>
+          <p:cNvSpPr/>
+          <p:nvPr/>
+        </p:nvSpPr>
+        <p:spPr>
+          <a:xfrm>
+            <a:off x="616744" y="1670209"/>
+            <a:ext cx="5166540" cy="561340"/>
+          </a:xfrm>
+          <a:prstGeom prst="rect">
+            <a:avLst/>
+          </a:prstGeom>
+          <a:solidFill>
+            <a:schemeClr val="accent2"/>
+          </a:solidFill>
+          <a:ln>
+            <a:noFill/>
+          </a:ln>
+        </p:spPr>
+        <p:style>
+          <a:lnRef idx="2">
+            <a:schemeClr val="accent1">
+              <a:shade val="50000"/>
+            </a:schemeClr>
+          </a:lnRef>
+          <a:fillRef idx="1">
+            <a:schemeClr val="accent1"/>
+          </a:fillRef>
+          <a:effectRef idx="0">
+            <a:schemeClr val="accent1"/>
+          </a:effectRef>
+          <a:fontRef idx="minor">
+            <a:schemeClr val="lt1"/>
+          </a:fontRef>
+        </p:style>
+        <p:txBody>
+          <a:bodyPr rtlCol="0" anchor="ctr"/>
+          <a:lstStyle/>
+          <a:p>
+            <a:pPr algn="ctr"/>
+            <a:r>
+              <a:rPr lang="en-US" sz="2000" b="1" dirty="0">
+                <a:solidFill>
+                  <a:schemeClr val="tx1"/>
+                </a:solidFill>
+                <a:ea typeface="Arial" panose="020B0706030804020204" pitchFamily="34" charset="0"/>
+                <a:cs typeface="Arial" panose="020B0706030804020204" pitchFamily="34" charset="0"/>
+              </a:rPr>
+              <a:t>Issues</a:t>
+            </a:r>
+          </a:p>
+        </p:txBody>
+      </p:sp>
+      <p:sp>
+        <p:nvSpPr>
+          <p:cNvPr id="36" name="Rectangle 35">
+            <a:extLst>
+              <a:ext uri="{FF2B5EF4-FFF2-40B4-BE49-F238E27FC236}">
+                <a16:creationId xmlns:a16="http://schemas.microsoft.com/office/drawing/2014/main" id="{CC7FF6F0-FB59-464F-B947-F77C27C13D89}"/>
+              </a:ext>
+            </a:extLst>
+          </p:cNvPr>
+          <p:cNvSpPr/>
+          <p:nvPr/>
+        </p:nvSpPr>
+        <p:spPr>
+          <a:xfrm>
+            <a:off x="6356742" y="1670209"/>
+            <a:ext cx="5459480" cy="561340"/>
+          </a:xfrm>
+          <a:prstGeom prst="rect">
+            <a:avLst/>
+          </a:prstGeom>
+          <a:solidFill>
+            <a:schemeClr val="accent6"/>
+          </a:solidFill>
+          <a:ln>
+            <a:noFill/>
+          </a:ln>
+        </p:spPr>
+        <p:style>
+          <a:lnRef idx="2">
+            <a:schemeClr val="accent1">
+              <a:shade val="50000"/>
+            </a:schemeClr>
+          </a:lnRef>
+          <a:fillRef idx="1">
+            <a:schemeClr val="accent1"/>
+          </a:fillRef>
+          <a:effectRef idx="0">
+            <a:schemeClr val="accent1"/>
+          </a:effectRef>
+          <a:fontRef idx="minor">
+            <a:schemeClr val="lt1"/>
+          </a:fontRef>
+        </p:style>
+        <p:txBody>
+          <a:bodyPr rtlCol="0" anchor="ctr"/>
+          <a:lstStyle/>
+          <a:p>
+            <a:pPr algn="ctr"/>
+            <a:r>
+              <a:rPr lang="en-US" sz="2000" b="1" dirty="0">
+                <a:solidFill>
+                  <a:schemeClr val="tx1"/>
+                </a:solidFill>
+                <a:ea typeface="Arial" panose="020B0706030804020204" pitchFamily="34" charset="0"/>
+                <a:cs typeface="Arial" panose="020B0706030804020204" pitchFamily="34" charset="0"/>
+              </a:rPr>
+              <a:t>Action Steps</a:t>
+            </a:r>
+          </a:p>
+        </p:txBody>
+      </p:sp>
+      <p:sp>
+        <p:nvSpPr>
+          <p:cNvPr id="38" name="TextBox 37">
+            <a:extLst>
+              <a:ext uri="{FF2B5EF4-FFF2-40B4-BE49-F238E27FC236}">
+                <a16:creationId xmlns:a16="http://schemas.microsoft.com/office/drawing/2014/main" id="{1F88E5E7-07E6-134E-86B2-CFE902966DDF}"/>
+              </a:ext>
+            </a:extLst>
+          </p:cNvPr>
+          <p:cNvSpPr txBox="1"/>
+          <p:nvPr/>
+        </p:nvSpPr>
+        <p:spPr>
+          <a:xfrm>
+            <a:off x="6195059" y="2717698"/>
+            <a:ext cx="5459481" cy="2581669"/>
+          </a:xfrm>
+          <a:prstGeom prst="rect">
+            <a:avLst/>
+          </a:prstGeom>
+          <a:noFill/>
+        </p:spPr>
+        <p:txBody>
+          <a:bodyPr wrap="square" rtlCol="0">
+            <a:spAutoFit/>
+          </a:bodyPr>
+          <a:lstStyle/>
+          <a:p>
+            <a:pPr marL="285750" indent="-285750">
+              <a:lnSpc>
+                <a:spcPct val="117000"/>
+              </a:lnSpc>
+              <a:spcAft>
+                <a:spcPts val="1200"/>
+              </a:spcAft>
+              <a:buClr>
+                <a:srgbClr val="EC131B"/>
+              </a:buClr>
+              <a:buSzPct val="170000"/>
+              <a:buFont typeface="Arial" panose="020B0604020202020204" pitchFamily="34" charset="0"/>
+              <a:buChar char="•"/>
+            </a:pPr>
+            <a:r>
+              <a:rPr lang="en-US" sz="1500" dirty="0"/>
+              <a:t>The interest rate information can be validated with the portfolio and data team to check for accuracy</a:t>
+            </a:r>
+          </a:p>
+          <a:p>
+            <a:pPr marL="285750" indent="-285750">
+              <a:lnSpc>
+                <a:spcPct val="117000"/>
+              </a:lnSpc>
+              <a:spcAft>
+                <a:spcPts val="1200"/>
+              </a:spcAft>
+              <a:buClr>
+                <a:srgbClr val="EC131B"/>
+              </a:buClr>
+              <a:buSzPct val="170000"/>
+              <a:buFont typeface="Arial" panose="020B0604020202020204" pitchFamily="34" charset="0"/>
+              <a:buChar char="•"/>
+            </a:pPr>
+            <a:r>
+              <a:rPr lang="en-US" sz="1500" dirty="0"/>
+              <a:t>The region should follow the same naming convention.  </a:t>
+            </a:r>
+          </a:p>
+          <a:p>
+            <a:pPr marL="742950" lvl="1" indent="-285750">
+              <a:lnSpc>
+                <a:spcPct val="117000"/>
+              </a:lnSpc>
+              <a:spcAft>
+                <a:spcPts val="1200"/>
+              </a:spcAft>
+              <a:buClr>
+                <a:srgbClr val="EC131B"/>
+              </a:buClr>
+              <a:buSzPct val="170000"/>
+              <a:buFont typeface="Arial" panose="020B0604020202020204" pitchFamily="34" charset="0"/>
+              <a:buChar char="•"/>
+            </a:pPr>
+            <a:r>
+              <a:rPr lang="en-US" sz="1500" dirty="0"/>
+              <a:t>Full region names should replace the abbreviations</a:t>
+            </a:r>
+          </a:p>
+          <a:p>
+            <a:pPr marL="742950" lvl="1" indent="-285750">
+              <a:lnSpc>
+                <a:spcPct val="117000"/>
+              </a:lnSpc>
+              <a:spcAft>
+                <a:spcPts val="1200"/>
+              </a:spcAft>
+              <a:buClr>
+                <a:srgbClr val="EC131B"/>
+              </a:buClr>
+              <a:buSzPct val="170000"/>
+              <a:buFont typeface="Arial" panose="020B0604020202020204" pitchFamily="34" charset="0"/>
+              <a:buChar char="•"/>
+            </a:pPr>
+            <a:r>
+              <a:rPr lang="en-US" sz="1500" dirty="0"/>
+              <a:t>Misspelt names should be updated as well</a:t>
+            </a:r>
+          </a:p>
+          <a:p>
+            <a:pPr marL="1200150" lvl="2" indent="-285750">
+              <a:lnSpc>
+                <a:spcPct val="117000"/>
+              </a:lnSpc>
+              <a:spcAft>
+                <a:spcPts val="1200"/>
+              </a:spcAft>
+              <a:buClr>
+                <a:srgbClr val="EC131B"/>
+              </a:buClr>
+              <a:buSzPct val="170000"/>
+              <a:buFont typeface="Arial" panose="020B0604020202020204" pitchFamily="34" charset="0"/>
+              <a:buChar char="•"/>
+            </a:pPr>
+            <a:r>
+              <a:rPr lang="en-US" sz="1500" dirty="0"/>
+              <a:t>Should validate with business and data team to see if this is a widespread issue</a:t>
+            </a:r>
+          </a:p>
+        </p:txBody>
+      </p:sp>
+    </p:spTree>
+    <p:extLst>
+      <p:ext uri="{BB962C8B-B14F-4D97-AF65-F5344CB8AC3E}">
+        <p14:creationId xmlns:p14="http://schemas.microsoft.com/office/powerpoint/2010/main" val="4129381382"/>
+      </p:ext>
+    </p:extLst>
+  </p:cSld>
+  <p:clrMapOvr>
+    <a:masterClrMapping/>
+  </p:clrMapOvr>
+</p:sld>
+</file>
+
+<file path=ppt/slides/slide6.xml><?xml version="1.0" encoding="utf-8"?>
+<p:sld xmlns:a="http://schemas.openxmlformats.org/drawingml/2006/main" xmlns:r="http://schemas.openxmlformats.org/officeDocument/2006/relationships" xmlns:p="http://schemas.openxmlformats.org/presentationml/2006/main">
+  <p:cSld>
+    <p:spTree>
+      <p:nvGrpSpPr>
+        <p:cNvPr id="1" name=""/>
+        <p:cNvGrpSpPr/>
+        <p:nvPr/>
+      </p:nvGrpSpPr>
+      <p:grpSpPr>
+        <a:xfrm>
+          <a:off x="0" y="0"/>
+          <a:ext cx="0" cy="0"/>
+          <a:chOff x="0" y="0"/>
+          <a:chExt cx="0" cy="0"/>
+        </a:xfrm>
+      </p:grpSpPr>
+      <p:sp>
+        <p:nvSpPr>
+          <p:cNvPr id="4" name="Title 1">
+            <a:extLst>
+              <a:ext uri="{FF2B5EF4-FFF2-40B4-BE49-F238E27FC236}">
+                <a16:creationId xmlns:a16="http://schemas.microsoft.com/office/drawing/2014/main" id="{4655E59E-A2FC-3F49-93C5-5760A5E3A66A}"/>
+              </a:ext>
+            </a:extLst>
+          </p:cNvPr>
+          <p:cNvSpPr txBox="1">
+            <a:spLocks/>
+          </p:cNvSpPr>
+          <p:nvPr/>
+        </p:nvSpPr>
+        <p:spPr>
+          <a:xfrm>
+            <a:off x="537460" y="515462"/>
+            <a:ext cx="5804716" cy="600164"/>
+          </a:xfrm>
+          <a:prstGeom prst="rect">
+            <a:avLst/>
+          </a:prstGeom>
+        </p:spPr>
+        <p:txBody>
+          <a:bodyPr vert="horz" lIns="91440" tIns="45720" rIns="91440" bIns="45720" rtlCol="0" anchor="ctr">
+            <a:noAutofit/>
+          </a:bodyPr>
+          <a:lstStyle>
+            <a:lvl1pPr algn="l" defTabSz="914400" rtl="0" eaLnBrk="1" latinLnBrk="0" hangingPunct="1">
+              <a:lnSpc>
+                <a:spcPct val="90000"/>
+              </a:lnSpc>
+              <a:spcBef>
+                <a:spcPct val="0"/>
+              </a:spcBef>
+              <a:buNone/>
+              <a:defRPr sz="4400" kern="1200">
+                <a:solidFill>
+                  <a:schemeClr val="tx1"/>
+                </a:solidFill>
+                <a:latin typeface="+mj-lt"/>
+                <a:ea typeface="+mj-ea"/>
+                <a:cs typeface="+mj-cs"/>
+              </a:defRPr>
+            </a:lvl1pPr>
+          </a:lstStyle>
+          <a:p>
+            <a:r>
+              <a:rPr lang="en-US" sz="4000" b="1" dirty="0">
+                <a:solidFill>
+                  <a:srgbClr val="EC131B"/>
+                </a:solidFill>
+                <a:latin typeface="+mn-lt"/>
+              </a:rPr>
+              <a:t>Portfolio Analysis - Region</a:t>
+            </a:r>
+          </a:p>
+        </p:txBody>
+      </p:sp>
+      <p:sp>
+        <p:nvSpPr>
+          <p:cNvPr id="7" name="Slide Number Placeholder 4">
+            <a:extLst>
+              <a:ext uri="{FF2B5EF4-FFF2-40B4-BE49-F238E27FC236}">
+                <a16:creationId xmlns:a16="http://schemas.microsoft.com/office/drawing/2014/main" id="{326C14E5-072C-A04E-8D35-AF1F96028057}"/>
+              </a:ext>
+            </a:extLst>
+          </p:cNvPr>
+          <p:cNvSpPr txBox="1">
+            <a:spLocks/>
+          </p:cNvSpPr>
+          <p:nvPr/>
+        </p:nvSpPr>
+        <p:spPr>
+          <a:xfrm>
+            <a:off x="11189654" y="6300297"/>
+            <a:ext cx="464888" cy="365125"/>
+          </a:xfrm>
+          <a:prstGeom prst="rect">
+            <a:avLst/>
+          </a:prstGeom>
+        </p:spPr>
+        <p:txBody>
+          <a:bodyPr/>
+          <a:lstStyle>
+            <a:defPPr>
+              <a:defRPr lang="en-US"/>
+            </a:defPPr>
+            <a:lvl1pPr marL="0" algn="l" defTabSz="914400" rtl="0" eaLnBrk="1" latinLnBrk="0" hangingPunct="1">
+              <a:defRPr sz="1800" kern="1200">
+                <a:solidFill>
+                  <a:schemeClr val="tx1"/>
+                </a:solidFill>
+                <a:latin typeface="+mn-lt"/>
+                <a:ea typeface="+mn-ea"/>
+                <a:cs typeface="+mn-cs"/>
+              </a:defRPr>
+            </a:lvl1pPr>
+            <a:lvl2pPr marL="457200" algn="l" defTabSz="914400" rtl="0" eaLnBrk="1" latinLnBrk="0" hangingPunct="1">
+              <a:defRPr sz="1800" kern="1200">
+                <a:solidFill>
+                  <a:schemeClr val="tx1"/>
+                </a:solidFill>
+                <a:latin typeface="+mn-lt"/>
+                <a:ea typeface="+mn-ea"/>
+                <a:cs typeface="+mn-cs"/>
+              </a:defRPr>
+            </a:lvl2pPr>
+            <a:lvl3pPr marL="914400" algn="l" defTabSz="914400" rtl="0" eaLnBrk="1" latinLnBrk="0" hangingPunct="1">
+              <a:defRPr sz="1800" kern="1200">
+                <a:solidFill>
+                  <a:schemeClr val="tx1"/>
+                </a:solidFill>
+                <a:latin typeface="+mn-lt"/>
+                <a:ea typeface="+mn-ea"/>
+                <a:cs typeface="+mn-cs"/>
+              </a:defRPr>
+            </a:lvl3pPr>
+            <a:lvl4pPr marL="1371600" algn="l" defTabSz="914400" rtl="0" eaLnBrk="1" latinLnBrk="0" hangingPunct="1">
+              <a:defRPr sz="1800" kern="1200">
+                <a:solidFill>
+                  <a:schemeClr val="tx1"/>
+                </a:solidFill>
+                <a:latin typeface="+mn-lt"/>
+                <a:ea typeface="+mn-ea"/>
+                <a:cs typeface="+mn-cs"/>
+              </a:defRPr>
+            </a:lvl4pPr>
+            <a:lvl5pPr marL="1828800" algn="l" defTabSz="914400" rtl="0" eaLnBrk="1" latinLnBrk="0" hangingPunct="1">
+              <a:defRPr sz="1800" kern="1200">
+                <a:solidFill>
+                  <a:schemeClr val="tx1"/>
+                </a:solidFill>
+                <a:latin typeface="+mn-lt"/>
+                <a:ea typeface="+mn-ea"/>
+                <a:cs typeface="+mn-cs"/>
+              </a:defRPr>
+            </a:lvl5pPr>
+            <a:lvl6pPr marL="2286000" algn="l" defTabSz="914400" rtl="0" eaLnBrk="1" latinLnBrk="0" hangingPunct="1">
+              <a:defRPr sz="1800" kern="1200">
+                <a:solidFill>
+                  <a:schemeClr val="tx1"/>
+                </a:solidFill>
+                <a:latin typeface="+mn-lt"/>
+                <a:ea typeface="+mn-ea"/>
+                <a:cs typeface="+mn-cs"/>
+              </a:defRPr>
+            </a:lvl6pPr>
+            <a:lvl7pPr marL="2743200" algn="l" defTabSz="914400" rtl="0" eaLnBrk="1" latinLnBrk="0" hangingPunct="1">
+              <a:defRPr sz="1800" kern="1200">
+                <a:solidFill>
+                  <a:schemeClr val="tx1"/>
+                </a:solidFill>
+                <a:latin typeface="+mn-lt"/>
+                <a:ea typeface="+mn-ea"/>
+                <a:cs typeface="+mn-cs"/>
+              </a:defRPr>
+            </a:lvl7pPr>
+            <a:lvl8pPr marL="3200400" algn="l" defTabSz="914400" rtl="0" eaLnBrk="1" latinLnBrk="0" hangingPunct="1">
+              <a:defRPr sz="1800" kern="1200">
+                <a:solidFill>
+                  <a:schemeClr val="tx1"/>
+                </a:solidFill>
+                <a:latin typeface="+mn-lt"/>
+                <a:ea typeface="+mn-ea"/>
+                <a:cs typeface="+mn-cs"/>
+              </a:defRPr>
+            </a:lvl8pPr>
+            <a:lvl9pPr marL="3657600" algn="l" defTabSz="914400" rtl="0" eaLnBrk="1" latinLnBrk="0" hangingPunct="1">
+              <a:defRPr sz="1800" kern="1200">
+                <a:solidFill>
+                  <a:schemeClr val="tx1"/>
+                </a:solidFill>
+                <a:latin typeface="+mn-lt"/>
+                <a:ea typeface="+mn-ea"/>
+                <a:cs typeface="+mn-cs"/>
+              </a:defRPr>
+            </a:lvl9pPr>
+          </a:lstStyle>
+          <a:p>
+            <a:fld id="{4E6DB2D9-BBD8-435B-B34A-9B8472CE273E}" type="slidenum">
+              <a:rPr lang="en-US" smtClean="0"/>
+              <a:pPr/>
+              <a:t>6</a:t>
+            </a:fld>
+            <a:endParaRPr lang="en-US" dirty="0"/>
+          </a:p>
+        </p:txBody>
+      </p:sp>
+      <p:pic>
+        <p:nvPicPr>
+          <p:cNvPr id="3" name="Picture 2">
+            <a:extLst>
+              <a:ext uri="{FF2B5EF4-FFF2-40B4-BE49-F238E27FC236}">
+                <a16:creationId xmlns:a16="http://schemas.microsoft.com/office/drawing/2014/main" id="{1A8645DD-557D-5A47-B968-EE37FDC25152}"/>
+              </a:ext>
+            </a:extLst>
+          </p:cNvPr>
+          <p:cNvPicPr>
+            <a:picLocks noChangeAspect="1"/>
+          </p:cNvPicPr>
+          <p:nvPr/>
+        </p:nvPicPr>
+        <p:blipFill>
+          <a:blip r:embed="rId2"/>
+          <a:stretch>
+            <a:fillRect/>
+          </a:stretch>
+        </p:blipFill>
+        <p:spPr>
+          <a:xfrm>
+            <a:off x="0" y="1252602"/>
+            <a:ext cx="6382596" cy="3519814"/>
+          </a:xfrm>
+          <a:prstGeom prst="rect">
+            <a:avLst/>
+          </a:prstGeom>
+        </p:spPr>
+      </p:pic>
+      <p:pic>
+        <p:nvPicPr>
+          <p:cNvPr id="6" name="Picture 5">
+            <a:extLst>
+              <a:ext uri="{FF2B5EF4-FFF2-40B4-BE49-F238E27FC236}">
+                <a16:creationId xmlns:a16="http://schemas.microsoft.com/office/drawing/2014/main" id="{3D0B001E-6616-3B4B-B808-8DDE818248EF}"/>
+              </a:ext>
+            </a:extLst>
+          </p:cNvPr>
+          <p:cNvPicPr>
+            <a:picLocks noChangeAspect="1"/>
+          </p:cNvPicPr>
+          <p:nvPr/>
+        </p:nvPicPr>
+        <p:blipFill>
+          <a:blip r:embed="rId3"/>
+          <a:stretch>
+            <a:fillRect/>
+          </a:stretch>
+        </p:blipFill>
+        <p:spPr>
+          <a:xfrm>
+            <a:off x="6384387" y="1252602"/>
+            <a:ext cx="5772495" cy="3519814"/>
+          </a:xfrm>
+          <a:prstGeom prst="rect">
+            <a:avLst/>
+          </a:prstGeom>
+        </p:spPr>
+      </p:pic>
+      <p:sp>
+        <p:nvSpPr>
+          <p:cNvPr id="11" name="TextBox 10">
+            <a:extLst>
+              <a:ext uri="{FF2B5EF4-FFF2-40B4-BE49-F238E27FC236}">
+                <a16:creationId xmlns:a16="http://schemas.microsoft.com/office/drawing/2014/main" id="{09FE05E6-93DC-1941-997C-598C531CF914}"/>
+              </a:ext>
+            </a:extLst>
+          </p:cNvPr>
+          <p:cNvSpPr txBox="1"/>
+          <p:nvPr/>
+        </p:nvSpPr>
+        <p:spPr>
+          <a:xfrm>
+            <a:off x="1254084" y="5605398"/>
+            <a:ext cx="7401401" cy="603627"/>
+          </a:xfrm>
+          <a:prstGeom prst="rect">
+            <a:avLst/>
+          </a:prstGeom>
+          <a:noFill/>
+        </p:spPr>
+        <p:txBody>
+          <a:bodyPr wrap="square" rtlCol="0">
+            <a:spAutoFit/>
+          </a:bodyPr>
+          <a:lstStyle/>
+          <a:p>
+            <a:pPr marL="285750" indent="-285750">
+              <a:lnSpc>
+                <a:spcPct val="114000"/>
+              </a:lnSpc>
+              <a:buClr>
+                <a:srgbClr val="EC131B"/>
+              </a:buClr>
+              <a:buFont typeface="Arial" panose="020B0604020202020204" pitchFamily="34" charset="0"/>
+              <a:buChar char="•"/>
+            </a:pPr>
+            <a:r>
+              <a:rPr lang="en-US" sz="1500" dirty="0"/>
+              <a:t>Ontario leads and Yukon is at the bottom for both the regional Balance and Revenue</a:t>
+            </a:r>
+          </a:p>
+          <a:p>
+            <a:pPr marL="285750" indent="-285750">
+              <a:lnSpc>
+                <a:spcPct val="114000"/>
+              </a:lnSpc>
+              <a:buClr>
+                <a:srgbClr val="EC131B"/>
+              </a:buClr>
+              <a:buFont typeface="Arial" panose="020B0604020202020204" pitchFamily="34" charset="0"/>
+              <a:buChar char="•"/>
+            </a:pPr>
+            <a:r>
+              <a:rPr lang="en-US" sz="1500" dirty="0"/>
+              <a:t>Eastern regions seem to be doing better compared to the Western region</a:t>
+            </a:r>
+          </a:p>
+        </p:txBody>
+      </p:sp>
+      <p:grpSp>
+        <p:nvGrpSpPr>
+          <p:cNvPr id="14" name="Group 13">
+            <a:extLst>
+              <a:ext uri="{FF2B5EF4-FFF2-40B4-BE49-F238E27FC236}">
+                <a16:creationId xmlns:a16="http://schemas.microsoft.com/office/drawing/2014/main" id="{88A1974A-E210-D94C-B28D-FCC5F541DFAD}"/>
+              </a:ext>
+            </a:extLst>
+          </p:cNvPr>
+          <p:cNvGrpSpPr>
+            <a:grpSpLocks noChangeAspect="1"/>
+          </p:cNvGrpSpPr>
+          <p:nvPr/>
+        </p:nvGrpSpPr>
+        <p:grpSpPr>
+          <a:xfrm>
+            <a:off x="124101" y="5258425"/>
+            <a:ext cx="951848" cy="951848"/>
+            <a:chOff x="633600" y="1674000"/>
+            <a:chExt cx="951848" cy="951848"/>
+          </a:xfrm>
+        </p:grpSpPr>
+        <p:sp>
+          <p:nvSpPr>
+            <p:cNvPr id="15" name="Rectangle 14">
+              <a:extLst>
+                <a:ext uri="{FF2B5EF4-FFF2-40B4-BE49-F238E27FC236}">
+                  <a16:creationId xmlns:a16="http://schemas.microsoft.com/office/drawing/2014/main" id="{D08D8DA4-EDCA-BE43-9E58-565A125EE913}"/>
+                </a:ext>
+              </a:extLst>
+            </p:cNvPr>
+            <p:cNvSpPr>
+              <a:spLocks noChangeAspect="1"/>
+            </p:cNvSpPr>
+            <p:nvPr/>
+          </p:nvSpPr>
+          <p:spPr>
+            <a:xfrm>
+              <a:off x="633600" y="1674000"/>
+              <a:ext cx="951848" cy="951848"/>
+            </a:xfrm>
+            <a:prstGeom prst="rect">
+              <a:avLst/>
+            </a:prstGeom>
+            <a:solidFill>
+              <a:srgbClr val="EC131B"/>
+            </a:solidFill>
+            <a:ln>
+              <a:solidFill>
+                <a:srgbClr val="EC131B"/>
+              </a:solidFill>
+            </a:ln>
+          </p:spPr>
+          <p:style>
+            <a:lnRef idx="2">
+              <a:schemeClr val="accent1">
+                <a:shade val="50000"/>
+              </a:schemeClr>
+            </a:lnRef>
+            <a:fillRef idx="1">
+              <a:schemeClr val="accent1"/>
+            </a:fillRef>
+            <a:effectRef idx="0">
+              <a:schemeClr val="accent1"/>
+            </a:effectRef>
+            <a:fontRef idx="minor">
+              <a:schemeClr val="lt1"/>
+            </a:fontRef>
+          </p:style>
+          <p:txBody>
+            <a:bodyPr rtlCol="0" anchor="ctr"/>
+            <a:lstStyle/>
+            <a:p>
+              <a:pPr algn="ctr"/>
+              <a:endParaRPr lang="en-US" dirty="0"/>
+            </a:p>
+          </p:txBody>
+        </p:sp>
+        <p:sp>
+          <p:nvSpPr>
+            <p:cNvPr id="16" name="Freeform 49">
+              <a:extLst>
+                <a:ext uri="{FF2B5EF4-FFF2-40B4-BE49-F238E27FC236}">
+                  <a16:creationId xmlns:a16="http://schemas.microsoft.com/office/drawing/2014/main" id="{4A139693-E7E3-DC48-B580-FEF8DBDDEE72}"/>
+                </a:ext>
+              </a:extLst>
+            </p:cNvPr>
+            <p:cNvSpPr>
+              <a:spLocks noChangeAspect="1" noEditPoints="1"/>
+            </p:cNvSpPr>
+            <p:nvPr/>
+          </p:nvSpPr>
+          <p:spPr bwMode="auto">
+            <a:xfrm>
+              <a:off x="806054" y="1877298"/>
+              <a:ext cx="606941" cy="545252"/>
+            </a:xfrm>
+            <a:custGeom>
+              <a:avLst/>
+              <a:gdLst>
+                <a:gd name="T0" fmla="*/ 6 w 384"/>
+                <a:gd name="T1" fmla="*/ 0 h 345"/>
+                <a:gd name="T2" fmla="*/ 0 w 384"/>
+                <a:gd name="T3" fmla="*/ 288 h 345"/>
+                <a:gd name="T4" fmla="*/ 147 w 384"/>
+                <a:gd name="T5" fmla="*/ 294 h 345"/>
+                <a:gd name="T6" fmla="*/ 107 w 384"/>
+                <a:gd name="T7" fmla="*/ 333 h 345"/>
+                <a:gd name="T8" fmla="*/ 107 w 384"/>
+                <a:gd name="T9" fmla="*/ 345 h 345"/>
+                <a:gd name="T10" fmla="*/ 241 w 384"/>
+                <a:gd name="T11" fmla="*/ 345 h 345"/>
+                <a:gd name="T12" fmla="*/ 294 w 384"/>
+                <a:gd name="T13" fmla="*/ 339 h 345"/>
+                <a:gd name="T14" fmla="*/ 247 w 384"/>
+                <a:gd name="T15" fmla="*/ 333 h 345"/>
+                <a:gd name="T16" fmla="*/ 378 w 384"/>
+                <a:gd name="T17" fmla="*/ 294 h 345"/>
+                <a:gd name="T18" fmla="*/ 384 w 384"/>
+                <a:gd name="T19" fmla="*/ 6 h 345"/>
+                <a:gd name="T20" fmla="*/ 235 w 384"/>
+                <a:gd name="T21" fmla="*/ 333 h 345"/>
+                <a:gd name="T22" fmla="*/ 159 w 384"/>
+                <a:gd name="T23" fmla="*/ 294 h 345"/>
+                <a:gd name="T24" fmla="*/ 235 w 384"/>
+                <a:gd name="T25" fmla="*/ 333 h 345"/>
+                <a:gd name="T26" fmla="*/ 12 w 384"/>
+                <a:gd name="T27" fmla="*/ 282 h 345"/>
+                <a:gd name="T28" fmla="*/ 372 w 384"/>
+                <a:gd name="T29" fmla="*/ 12 h 345"/>
+                <a:gd name="T30" fmla="*/ 31 w 384"/>
+                <a:gd name="T31" fmla="*/ 239 h 345"/>
+                <a:gd name="T32" fmla="*/ 359 w 384"/>
+                <a:gd name="T33" fmla="*/ 233 h 345"/>
+                <a:gd name="T34" fmla="*/ 353 w 384"/>
+                <a:gd name="T35" fmla="*/ 25 h 345"/>
+                <a:gd name="T36" fmla="*/ 25 w 384"/>
+                <a:gd name="T37" fmla="*/ 31 h 345"/>
+                <a:gd name="T38" fmla="*/ 31 w 384"/>
+                <a:gd name="T39" fmla="*/ 239 h 345"/>
+                <a:gd name="T40" fmla="*/ 347 w 384"/>
+                <a:gd name="T41" fmla="*/ 36 h 345"/>
+                <a:gd name="T42" fmla="*/ 37 w 384"/>
+                <a:gd name="T43" fmla="*/ 227 h 345"/>
+                <a:gd name="T44" fmla="*/ 330 w 384"/>
+                <a:gd name="T45" fmla="*/ 61 h 345"/>
+                <a:gd name="T46" fmla="*/ 282 w 384"/>
+                <a:gd name="T47" fmla="*/ 71 h 345"/>
+                <a:gd name="T48" fmla="*/ 285 w 384"/>
+                <a:gd name="T49" fmla="*/ 82 h 345"/>
+                <a:gd name="T50" fmla="*/ 261 w 384"/>
+                <a:gd name="T51" fmla="*/ 140 h 345"/>
+                <a:gd name="T52" fmla="*/ 228 w 384"/>
+                <a:gd name="T53" fmla="*/ 108 h 345"/>
+                <a:gd name="T54" fmla="*/ 224 w 384"/>
+                <a:gd name="T55" fmla="*/ 110 h 345"/>
+                <a:gd name="T56" fmla="*/ 122 w 384"/>
+                <a:gd name="T57" fmla="*/ 134 h 345"/>
+                <a:gd name="T58" fmla="*/ 118 w 384"/>
+                <a:gd name="T59" fmla="*/ 132 h 345"/>
+                <a:gd name="T60" fmla="*/ 60 w 384"/>
+                <a:gd name="T61" fmla="*/ 189 h 345"/>
+                <a:gd name="T62" fmla="*/ 64 w 384"/>
+                <a:gd name="T63" fmla="*/ 199 h 345"/>
+                <a:gd name="T64" fmla="*/ 118 w 384"/>
+                <a:gd name="T65" fmla="*/ 146 h 345"/>
+                <a:gd name="T66" fmla="*/ 163 w 384"/>
+                <a:gd name="T67" fmla="*/ 189 h 345"/>
+                <a:gd name="T68" fmla="*/ 228 w 384"/>
+                <a:gd name="T69" fmla="*/ 122 h 345"/>
+                <a:gd name="T70" fmla="*/ 262 w 384"/>
+                <a:gd name="T71" fmla="*/ 155 h 345"/>
+                <a:gd name="T72" fmla="*/ 322 w 384"/>
+                <a:gd name="T73" fmla="*/ 82 h 345"/>
+                <a:gd name="T74" fmla="*/ 329 w 384"/>
+                <a:gd name="T75" fmla="*/ 113 h 345"/>
+                <a:gd name="T76" fmla="*/ 335 w 384"/>
+                <a:gd name="T77" fmla="*/ 107 h 345"/>
+                <a:gd name="T78" fmla="*/ 330 w 384"/>
+                <a:gd name="T79" fmla="*/ 61 h 345"/>
+              </a:gdLst>
+              <a:ahLst/>
+              <a:cxnLst>
+                <a:cxn ang="0">
+                  <a:pos x="T0" y="T1"/>
+                </a:cxn>
+                <a:cxn ang="0">
+                  <a:pos x="T2" y="T3"/>
+                </a:cxn>
+                <a:cxn ang="0">
+                  <a:pos x="T4" y="T5"/>
+                </a:cxn>
+                <a:cxn ang="0">
+                  <a:pos x="T6" y="T7"/>
+                </a:cxn>
+                <a:cxn ang="0">
+                  <a:pos x="T8" y="T9"/>
+                </a:cxn>
+                <a:cxn ang="0">
+                  <a:pos x="T10" y="T11"/>
+                </a:cxn>
+                <a:cxn ang="0">
+                  <a:pos x="T12" y="T13"/>
+                </a:cxn>
+                <a:cxn ang="0">
+                  <a:pos x="T14" y="T15"/>
+                </a:cxn>
+                <a:cxn ang="0">
+                  <a:pos x="T16" y="T17"/>
+                </a:cxn>
+                <a:cxn ang="0">
+                  <a:pos x="T18" y="T19"/>
+                </a:cxn>
+                <a:cxn ang="0">
+                  <a:pos x="T20" y="T21"/>
+                </a:cxn>
+                <a:cxn ang="0">
+                  <a:pos x="T22" y="T23"/>
+                </a:cxn>
+                <a:cxn ang="0">
+                  <a:pos x="T24" y="T25"/>
+                </a:cxn>
+                <a:cxn ang="0">
+                  <a:pos x="T26" y="T27"/>
+                </a:cxn>
+                <a:cxn ang="0">
+                  <a:pos x="T28" y="T29"/>
+                </a:cxn>
+                <a:cxn ang="0">
+                  <a:pos x="T30" y="T31"/>
+                </a:cxn>
+                <a:cxn ang="0">
+                  <a:pos x="T32" y="T33"/>
+                </a:cxn>
+                <a:cxn ang="0">
+                  <a:pos x="T34" y="T35"/>
+                </a:cxn>
+                <a:cxn ang="0">
+                  <a:pos x="T36" y="T37"/>
+                </a:cxn>
+                <a:cxn ang="0">
+                  <a:pos x="T38" y="T39"/>
+                </a:cxn>
+                <a:cxn ang="0">
+                  <a:pos x="T40" y="T41"/>
+                </a:cxn>
+                <a:cxn ang="0">
+                  <a:pos x="T42" y="T43"/>
+                </a:cxn>
+                <a:cxn ang="0">
+                  <a:pos x="T44" y="T45"/>
+                </a:cxn>
+                <a:cxn ang="0">
+                  <a:pos x="T46" y="T47"/>
+                </a:cxn>
+                <a:cxn ang="0">
+                  <a:pos x="T48" y="T49"/>
+                </a:cxn>
+                <a:cxn ang="0">
+                  <a:pos x="T50" y="T51"/>
+                </a:cxn>
+                <a:cxn ang="0">
+                  <a:pos x="T52" y="T53"/>
+                </a:cxn>
+                <a:cxn ang="0">
+                  <a:pos x="T54" y="T55"/>
+                </a:cxn>
+                <a:cxn ang="0">
+                  <a:pos x="T56" y="T57"/>
+                </a:cxn>
+                <a:cxn ang="0">
+                  <a:pos x="T58" y="T59"/>
+                </a:cxn>
+                <a:cxn ang="0">
+                  <a:pos x="T60" y="T61"/>
+                </a:cxn>
+                <a:cxn ang="0">
+                  <a:pos x="T62" y="T63"/>
+                </a:cxn>
+                <a:cxn ang="0">
+                  <a:pos x="T64" y="T65"/>
+                </a:cxn>
+                <a:cxn ang="0">
+                  <a:pos x="T66" y="T67"/>
+                </a:cxn>
+                <a:cxn ang="0">
+                  <a:pos x="T68" y="T69"/>
+                </a:cxn>
+                <a:cxn ang="0">
+                  <a:pos x="T70" y="T71"/>
+                </a:cxn>
+                <a:cxn ang="0">
+                  <a:pos x="T72" y="T73"/>
+                </a:cxn>
+                <a:cxn ang="0">
+                  <a:pos x="T74" y="T75"/>
+                </a:cxn>
+                <a:cxn ang="0">
+                  <a:pos x="T76" y="T77"/>
+                </a:cxn>
+                <a:cxn ang="0">
+                  <a:pos x="T78" y="T79"/>
+                </a:cxn>
+              </a:cxnLst>
+              <a:rect l="0" t="0" r="r" b="b"/>
+              <a:pathLst>
+                <a:path w="384" h="345">
+                  <a:moveTo>
+                    <a:pt x="378" y="0"/>
+                  </a:moveTo>
+                  <a:cubicBezTo>
+                    <a:pt x="6" y="0"/>
+                    <a:pt x="6" y="0"/>
+                    <a:pt x="6" y="0"/>
+                  </a:cubicBezTo>
+                  <a:cubicBezTo>
+                    <a:pt x="2" y="0"/>
+                    <a:pt x="0" y="3"/>
+                    <a:pt x="0" y="6"/>
+                  </a:cubicBezTo>
+                  <a:cubicBezTo>
+                    <a:pt x="0" y="288"/>
+                    <a:pt x="0" y="288"/>
+                    <a:pt x="0" y="288"/>
+                  </a:cubicBezTo>
+                  <a:cubicBezTo>
+                    <a:pt x="0" y="291"/>
+                    <a:pt x="2" y="294"/>
+                    <a:pt x="6" y="294"/>
+                  </a:cubicBezTo>
+                  <a:cubicBezTo>
+                    <a:pt x="147" y="294"/>
+                    <a:pt x="147" y="294"/>
+                    <a:pt x="147" y="294"/>
+                  </a:cubicBezTo>
+                  <a:cubicBezTo>
+                    <a:pt x="147" y="333"/>
+                    <a:pt x="147" y="333"/>
+                    <a:pt x="147" y="333"/>
+                  </a:cubicBezTo>
+                  <a:cubicBezTo>
+                    <a:pt x="107" y="333"/>
+                    <a:pt x="107" y="333"/>
+                    <a:pt x="107" y="333"/>
+                  </a:cubicBezTo>
+                  <a:cubicBezTo>
+                    <a:pt x="103" y="333"/>
+                    <a:pt x="101" y="336"/>
+                    <a:pt x="101" y="339"/>
+                  </a:cubicBezTo>
+                  <a:cubicBezTo>
+                    <a:pt x="101" y="342"/>
+                    <a:pt x="103" y="345"/>
+                    <a:pt x="107" y="345"/>
+                  </a:cubicBezTo>
+                  <a:cubicBezTo>
+                    <a:pt x="153" y="345"/>
+                    <a:pt x="153" y="345"/>
+                    <a:pt x="153" y="345"/>
+                  </a:cubicBezTo>
+                  <a:cubicBezTo>
+                    <a:pt x="241" y="345"/>
+                    <a:pt x="241" y="345"/>
+                    <a:pt x="241" y="345"/>
+                  </a:cubicBezTo>
+                  <a:cubicBezTo>
+                    <a:pt x="288" y="345"/>
+                    <a:pt x="288" y="345"/>
+                    <a:pt x="288" y="345"/>
+                  </a:cubicBezTo>
+                  <a:cubicBezTo>
+                    <a:pt x="291" y="345"/>
+                    <a:pt x="294" y="342"/>
+                    <a:pt x="294" y="339"/>
+                  </a:cubicBezTo>
+                  <a:cubicBezTo>
+                    <a:pt x="294" y="336"/>
+                    <a:pt x="291" y="333"/>
+                    <a:pt x="288" y="333"/>
+                  </a:cubicBezTo>
+                  <a:cubicBezTo>
+                    <a:pt x="247" y="333"/>
+                    <a:pt x="247" y="333"/>
+                    <a:pt x="247" y="333"/>
+                  </a:cubicBezTo>
+                  <a:cubicBezTo>
+                    <a:pt x="247" y="294"/>
+                    <a:pt x="247" y="294"/>
+                    <a:pt x="247" y="294"/>
+                  </a:cubicBezTo>
+                  <a:cubicBezTo>
+                    <a:pt x="378" y="294"/>
+                    <a:pt x="378" y="294"/>
+                    <a:pt x="378" y="294"/>
+                  </a:cubicBezTo>
+                  <a:cubicBezTo>
+                    <a:pt x="381" y="294"/>
+                    <a:pt x="384" y="291"/>
+                    <a:pt x="384" y="288"/>
+                  </a:cubicBezTo>
+                  <a:cubicBezTo>
+                    <a:pt x="384" y="6"/>
+                    <a:pt x="384" y="6"/>
+                    <a:pt x="384" y="6"/>
+                  </a:cubicBezTo>
+                  <a:cubicBezTo>
+                    <a:pt x="384" y="3"/>
+                    <a:pt x="381" y="0"/>
+                    <a:pt x="378" y="0"/>
+                  </a:cubicBezTo>
+                  <a:close/>
+                  <a:moveTo>
+                    <a:pt x="235" y="333"/>
+                  </a:moveTo>
+                  <a:cubicBezTo>
+                    <a:pt x="159" y="333"/>
+                    <a:pt x="159" y="333"/>
+                    <a:pt x="159" y="333"/>
+                  </a:cubicBezTo>
+                  <a:cubicBezTo>
+                    <a:pt x="159" y="294"/>
+                    <a:pt x="159" y="294"/>
+                    <a:pt x="159" y="294"/>
+                  </a:cubicBezTo>
+                  <a:cubicBezTo>
+                    <a:pt x="235" y="294"/>
+                    <a:pt x="235" y="294"/>
+                    <a:pt x="235" y="294"/>
+                  </a:cubicBezTo>
+                  <a:lnTo>
+                    <a:pt x="235" y="333"/>
+                  </a:lnTo>
+                  <a:close/>
+                  <a:moveTo>
+                    <a:pt x="372" y="282"/>
+                  </a:moveTo>
+                  <a:cubicBezTo>
+                    <a:pt x="12" y="282"/>
+                    <a:pt x="12" y="282"/>
+                    <a:pt x="12" y="282"/>
+                  </a:cubicBezTo>
+                  <a:cubicBezTo>
+                    <a:pt x="12" y="12"/>
+                    <a:pt x="12" y="12"/>
+                    <a:pt x="12" y="12"/>
+                  </a:cubicBezTo>
+                  <a:cubicBezTo>
+                    <a:pt x="372" y="12"/>
+                    <a:pt x="372" y="12"/>
+                    <a:pt x="372" y="12"/>
+                  </a:cubicBezTo>
+                  <a:lnTo>
+                    <a:pt x="372" y="282"/>
+                  </a:lnTo>
+                  <a:close/>
+                  <a:moveTo>
+                    <a:pt x="31" y="239"/>
+                  </a:moveTo>
+                  <a:cubicBezTo>
+                    <a:pt x="353" y="239"/>
+                    <a:pt x="353" y="239"/>
+                    <a:pt x="353" y="239"/>
+                  </a:cubicBezTo>
+                  <a:cubicBezTo>
+                    <a:pt x="356" y="239"/>
+                    <a:pt x="359" y="236"/>
+                    <a:pt x="359" y="233"/>
+                  </a:cubicBezTo>
+                  <a:cubicBezTo>
+                    <a:pt x="359" y="31"/>
+                    <a:pt x="359" y="31"/>
+                    <a:pt x="359" y="31"/>
+                  </a:cubicBezTo>
+                  <a:cubicBezTo>
+                    <a:pt x="359" y="27"/>
+                    <a:pt x="356" y="25"/>
+                    <a:pt x="353" y="25"/>
+                  </a:cubicBezTo>
+                  <a:cubicBezTo>
+                    <a:pt x="31" y="25"/>
+                    <a:pt x="31" y="25"/>
+                    <a:pt x="31" y="25"/>
+                  </a:cubicBezTo>
+                  <a:cubicBezTo>
+                    <a:pt x="28" y="25"/>
+                    <a:pt x="25" y="27"/>
+                    <a:pt x="25" y="31"/>
+                  </a:cubicBezTo>
+                  <a:cubicBezTo>
+                    <a:pt x="25" y="233"/>
+                    <a:pt x="25" y="233"/>
+                    <a:pt x="25" y="233"/>
+                  </a:cubicBezTo>
+                  <a:cubicBezTo>
+                    <a:pt x="25" y="236"/>
+                    <a:pt x="28" y="239"/>
+                    <a:pt x="31" y="239"/>
+                  </a:cubicBezTo>
+                  <a:close/>
+                  <a:moveTo>
+                    <a:pt x="37" y="36"/>
+                  </a:moveTo>
+                  <a:cubicBezTo>
+                    <a:pt x="347" y="36"/>
+                    <a:pt x="347" y="36"/>
+                    <a:pt x="347" y="36"/>
+                  </a:cubicBezTo>
+                  <a:cubicBezTo>
+                    <a:pt x="347" y="227"/>
+                    <a:pt x="347" y="227"/>
+                    <a:pt x="347" y="227"/>
+                  </a:cubicBezTo>
+                  <a:cubicBezTo>
+                    <a:pt x="37" y="227"/>
+                    <a:pt x="37" y="227"/>
+                    <a:pt x="37" y="227"/>
+                  </a:cubicBezTo>
+                  <a:lnTo>
+                    <a:pt x="37" y="36"/>
+                  </a:lnTo>
+                  <a:close/>
+                  <a:moveTo>
+                    <a:pt x="330" y="61"/>
+                  </a:moveTo>
+                  <a:cubicBezTo>
+                    <a:pt x="329" y="60"/>
+                    <a:pt x="327" y="59"/>
+                    <a:pt x="325" y="60"/>
+                  </a:cubicBezTo>
+                  <a:cubicBezTo>
+                    <a:pt x="282" y="71"/>
+                    <a:pt x="282" y="71"/>
+                    <a:pt x="282" y="71"/>
+                  </a:cubicBezTo>
+                  <a:cubicBezTo>
+                    <a:pt x="279" y="72"/>
+                    <a:pt x="277" y="75"/>
+                    <a:pt x="278" y="78"/>
+                  </a:cubicBezTo>
+                  <a:cubicBezTo>
+                    <a:pt x="279" y="81"/>
+                    <a:pt x="282" y="83"/>
+                    <a:pt x="285" y="82"/>
+                  </a:cubicBezTo>
+                  <a:cubicBezTo>
+                    <a:pt x="312" y="75"/>
+                    <a:pt x="312" y="75"/>
+                    <a:pt x="312" y="75"/>
+                  </a:cubicBezTo>
+                  <a:cubicBezTo>
+                    <a:pt x="261" y="140"/>
+                    <a:pt x="261" y="140"/>
+                    <a:pt x="261" y="140"/>
+                  </a:cubicBezTo>
+                  <a:cubicBezTo>
+                    <a:pt x="232" y="110"/>
+                    <a:pt x="232" y="110"/>
+                    <a:pt x="232" y="110"/>
+                  </a:cubicBezTo>
+                  <a:cubicBezTo>
+                    <a:pt x="231" y="109"/>
+                    <a:pt x="230" y="108"/>
+                    <a:pt x="228" y="108"/>
+                  </a:cubicBezTo>
+                  <a:cubicBezTo>
+                    <a:pt x="228" y="108"/>
+                    <a:pt x="228" y="108"/>
+                    <a:pt x="228" y="108"/>
+                  </a:cubicBezTo>
+                  <a:cubicBezTo>
+                    <a:pt x="227" y="108"/>
+                    <a:pt x="225" y="109"/>
+                    <a:pt x="224" y="110"/>
+                  </a:cubicBezTo>
+                  <a:cubicBezTo>
+                    <a:pt x="163" y="175"/>
+                    <a:pt x="163" y="175"/>
+                    <a:pt x="163" y="175"/>
+                  </a:cubicBezTo>
+                  <a:cubicBezTo>
+                    <a:pt x="122" y="134"/>
+                    <a:pt x="122" y="134"/>
+                    <a:pt x="122" y="134"/>
+                  </a:cubicBezTo>
+                  <a:cubicBezTo>
+                    <a:pt x="121" y="133"/>
+                    <a:pt x="120" y="132"/>
+                    <a:pt x="118" y="132"/>
+                  </a:cubicBezTo>
+                  <a:cubicBezTo>
+                    <a:pt x="118" y="132"/>
+                    <a:pt x="118" y="132"/>
+                    <a:pt x="118" y="132"/>
+                  </a:cubicBezTo>
+                  <a:cubicBezTo>
+                    <a:pt x="117" y="132"/>
+                    <a:pt x="115" y="133"/>
+                    <a:pt x="114" y="134"/>
+                  </a:cubicBezTo>
+                  <a:cubicBezTo>
+                    <a:pt x="60" y="189"/>
+                    <a:pt x="60" y="189"/>
+                    <a:pt x="60" y="189"/>
+                  </a:cubicBezTo>
+                  <a:cubicBezTo>
+                    <a:pt x="57" y="192"/>
+                    <a:pt x="57" y="195"/>
+                    <a:pt x="60" y="197"/>
+                  </a:cubicBezTo>
+                  <a:cubicBezTo>
+                    <a:pt x="61" y="199"/>
+                    <a:pt x="62" y="199"/>
+                    <a:pt x="64" y="199"/>
+                  </a:cubicBezTo>
+                  <a:cubicBezTo>
+                    <a:pt x="65" y="199"/>
+                    <a:pt x="67" y="199"/>
+                    <a:pt x="68" y="197"/>
+                  </a:cubicBezTo>
+                  <a:cubicBezTo>
+                    <a:pt x="118" y="146"/>
+                    <a:pt x="118" y="146"/>
+                    <a:pt x="118" y="146"/>
+                  </a:cubicBezTo>
+                  <a:cubicBezTo>
+                    <a:pt x="159" y="187"/>
+                    <a:pt x="159" y="187"/>
+                    <a:pt x="159" y="187"/>
+                  </a:cubicBezTo>
+                  <a:cubicBezTo>
+                    <a:pt x="160" y="188"/>
+                    <a:pt x="162" y="189"/>
+                    <a:pt x="163" y="189"/>
+                  </a:cubicBezTo>
+                  <a:cubicBezTo>
+                    <a:pt x="165" y="189"/>
+                    <a:pt x="167" y="188"/>
+                    <a:pt x="168" y="187"/>
+                  </a:cubicBezTo>
+                  <a:cubicBezTo>
+                    <a:pt x="228" y="122"/>
+                    <a:pt x="228" y="122"/>
+                    <a:pt x="228" y="122"/>
+                  </a:cubicBezTo>
+                  <a:cubicBezTo>
+                    <a:pt x="258" y="153"/>
+                    <a:pt x="258" y="153"/>
+                    <a:pt x="258" y="153"/>
+                  </a:cubicBezTo>
+                  <a:cubicBezTo>
+                    <a:pt x="259" y="154"/>
+                    <a:pt x="260" y="155"/>
+                    <a:pt x="262" y="155"/>
+                  </a:cubicBezTo>
+                  <a:cubicBezTo>
+                    <a:pt x="264" y="155"/>
+                    <a:pt x="265" y="154"/>
+                    <a:pt x="266" y="153"/>
+                  </a:cubicBezTo>
+                  <a:cubicBezTo>
+                    <a:pt x="322" y="82"/>
+                    <a:pt x="322" y="82"/>
+                    <a:pt x="322" y="82"/>
+                  </a:cubicBezTo>
+                  <a:cubicBezTo>
+                    <a:pt x="324" y="108"/>
+                    <a:pt x="324" y="108"/>
+                    <a:pt x="324" y="108"/>
+                  </a:cubicBezTo>
+                  <a:cubicBezTo>
+                    <a:pt x="324" y="111"/>
+                    <a:pt x="326" y="113"/>
+                    <a:pt x="329" y="113"/>
+                  </a:cubicBezTo>
+                  <a:cubicBezTo>
+                    <a:pt x="329" y="113"/>
+                    <a:pt x="330" y="113"/>
+                    <a:pt x="330" y="113"/>
+                  </a:cubicBezTo>
+                  <a:cubicBezTo>
+                    <a:pt x="333" y="113"/>
+                    <a:pt x="335" y="110"/>
+                    <a:pt x="335" y="107"/>
+                  </a:cubicBezTo>
+                  <a:cubicBezTo>
+                    <a:pt x="332" y="65"/>
+                    <a:pt x="332" y="65"/>
+                    <a:pt x="332" y="65"/>
+                  </a:cubicBezTo>
+                  <a:cubicBezTo>
+                    <a:pt x="332" y="63"/>
+                    <a:pt x="331" y="62"/>
+                    <a:pt x="330" y="61"/>
+                  </a:cubicBezTo>
+                  <a:close/>
+                </a:path>
+              </a:pathLst>
+            </a:custGeom>
+            <a:solidFill>
+              <a:srgbClr val="FFFFFF"/>
+            </a:solidFill>
+            <a:ln>
+              <a:noFill/>
+            </a:ln>
+            <a:extLst>
+              <a:ext uri="{91240B29-F687-4F45-9708-019B960494DF}">
+                <a14:hiddenLine xmlns:a14="http://schemas.microsoft.com/office/drawing/2010/main" w="9525">
+                  <a:solidFill>
+                    <a:srgbClr val="000000"/>
+                  </a:solidFill>
+                  <a:round/>
+                  <a:headEnd/>
+                  <a:tailEnd/>
+                </a14:hiddenLine>
+              </a:ext>
+            </a:extLst>
+          </p:spPr>
+          <p:txBody>
+            <a:bodyPr vert="horz" wrap="square" lIns="91440" tIns="45720" rIns="91440" bIns="45720" numCol="1" anchor="t" anchorCtr="0" compatLnSpc="1">
+              <a:prstTxWarp prst="textNoShape">
+                <a:avLst/>
+              </a:prstTxWarp>
+            </a:bodyPr>
+            <a:lstStyle/>
+            <a:p>
+              <a:endParaRPr lang="en-US"/>
+            </a:p>
+          </p:txBody>
+        </p:sp>
+      </p:grpSp>
+      <p:sp>
+        <p:nvSpPr>
+          <p:cNvPr id="26" name="TextBox 25">
+            <a:extLst>
+              <a:ext uri="{FF2B5EF4-FFF2-40B4-BE49-F238E27FC236}">
+                <a16:creationId xmlns:a16="http://schemas.microsoft.com/office/drawing/2014/main" id="{C387DB54-DF65-1B4D-B056-A7954D5AFF2B}"/>
+              </a:ext>
+            </a:extLst>
+          </p:cNvPr>
+          <p:cNvSpPr txBox="1"/>
+          <p:nvPr/>
+        </p:nvSpPr>
+        <p:spPr>
+          <a:xfrm>
+            <a:off x="1254085" y="5243761"/>
+            <a:ext cx="4058300" cy="361637"/>
+          </a:xfrm>
+          <a:prstGeom prst="rect">
+            <a:avLst/>
+          </a:prstGeom>
+          <a:noFill/>
+        </p:spPr>
+        <p:txBody>
+          <a:bodyPr wrap="square" rtlCol="0">
+            <a:spAutoFit/>
+          </a:bodyPr>
+          <a:lstStyle/>
+          <a:p>
+            <a:r>
+              <a:rPr lang="en-US" sz="1750" b="1" dirty="0">
+                <a:solidFill>
+                  <a:srgbClr val="EC131B"/>
+                </a:solidFill>
+                <a:latin typeface="Arial" panose="020B0706030804020204" pitchFamily="34" charset="0"/>
+              </a:rPr>
+              <a:t>Insights</a:t>
+            </a:r>
+          </a:p>
+        </p:txBody>
+      </p:sp>
+    </p:spTree>
+    <p:extLst>
+      <p:ext uri="{BB962C8B-B14F-4D97-AF65-F5344CB8AC3E}">
+        <p14:creationId xmlns:p14="http://schemas.microsoft.com/office/powerpoint/2010/main" val="2206156226"/>
+      </p:ext>
+    </p:extLst>
+  </p:cSld>
+  <p:clrMapOvr>
+    <a:masterClrMapping/>
+  </p:clrMapOvr>
+</p:sld>
+</file>
+
+<file path=ppt/slides/slide7.xml><?xml version="1.0" encoding="utf-8"?>
+<p:sld xmlns:a="http://schemas.openxmlformats.org/drawingml/2006/main" xmlns:r="http://schemas.openxmlformats.org/officeDocument/2006/relationships" xmlns:p="http://schemas.openxmlformats.org/presentationml/2006/main">
+  <p:cSld>
+    <p:spTree>
+      <p:nvGrpSpPr>
+        <p:cNvPr id="1" name=""/>
+        <p:cNvGrpSpPr/>
+        <p:nvPr/>
+      </p:nvGrpSpPr>
+      <p:grpSpPr>
+        <a:xfrm>
+          <a:off x="0" y="0"/>
+          <a:ext cx="0" cy="0"/>
+          <a:chOff x="0" y="0"/>
+          <a:chExt cx="0" cy="0"/>
+        </a:xfrm>
+      </p:grpSpPr>
+      <p:sp>
+        <p:nvSpPr>
+          <p:cNvPr id="4" name="Title 1">
+            <a:extLst>
+              <a:ext uri="{FF2B5EF4-FFF2-40B4-BE49-F238E27FC236}">
+                <a16:creationId xmlns:a16="http://schemas.microsoft.com/office/drawing/2014/main" id="{4655E59E-A2FC-3F49-93C5-5760A5E3A66A}"/>
+              </a:ext>
+            </a:extLst>
+          </p:cNvPr>
+          <p:cNvSpPr txBox="1">
+            <a:spLocks/>
+          </p:cNvSpPr>
+          <p:nvPr/>
+        </p:nvSpPr>
+        <p:spPr>
+          <a:xfrm>
+            <a:off x="537460" y="515462"/>
+            <a:ext cx="5804716" cy="600164"/>
+          </a:xfrm>
+          <a:prstGeom prst="rect">
+            <a:avLst/>
+          </a:prstGeom>
+        </p:spPr>
+        <p:txBody>
+          <a:bodyPr vert="horz" lIns="91440" tIns="45720" rIns="91440" bIns="45720" rtlCol="0" anchor="ctr">
+            <a:noAutofit/>
+          </a:bodyPr>
+          <a:lstStyle>
+            <a:lvl1pPr algn="l" defTabSz="914400" rtl="0" eaLnBrk="1" latinLnBrk="0" hangingPunct="1">
+              <a:lnSpc>
+                <a:spcPct val="90000"/>
+              </a:lnSpc>
+              <a:spcBef>
+                <a:spcPct val="0"/>
+              </a:spcBef>
+              <a:buNone/>
+              <a:defRPr sz="4400" kern="1200">
+                <a:solidFill>
+                  <a:schemeClr val="tx1"/>
+                </a:solidFill>
+                <a:latin typeface="+mj-lt"/>
+                <a:ea typeface="+mj-ea"/>
+                <a:cs typeface="+mj-cs"/>
+              </a:defRPr>
+            </a:lvl1pPr>
+          </a:lstStyle>
+          <a:p>
+            <a:r>
+              <a:rPr lang="en-US" sz="4000" b="1" dirty="0">
+                <a:solidFill>
+                  <a:srgbClr val="EC131B"/>
+                </a:solidFill>
+                <a:latin typeface="+mn-lt"/>
+              </a:rPr>
+              <a:t>Portfolio Analysis - Region</a:t>
+            </a:r>
+          </a:p>
+        </p:txBody>
+      </p:sp>
+      <p:sp>
+        <p:nvSpPr>
+          <p:cNvPr id="7" name="Slide Number Placeholder 4">
+            <a:extLst>
+              <a:ext uri="{FF2B5EF4-FFF2-40B4-BE49-F238E27FC236}">
+                <a16:creationId xmlns:a16="http://schemas.microsoft.com/office/drawing/2014/main" id="{326C14E5-072C-A04E-8D35-AF1F96028057}"/>
+              </a:ext>
+            </a:extLst>
+          </p:cNvPr>
+          <p:cNvSpPr txBox="1">
+            <a:spLocks/>
+          </p:cNvSpPr>
+          <p:nvPr/>
+        </p:nvSpPr>
+        <p:spPr>
+          <a:xfrm>
+            <a:off x="11189654" y="6300297"/>
+            <a:ext cx="464888" cy="365125"/>
+          </a:xfrm>
+          <a:prstGeom prst="rect">
+            <a:avLst/>
+          </a:prstGeom>
+        </p:spPr>
+        <p:txBody>
+          <a:bodyPr/>
+          <a:lstStyle>
+            <a:defPPr>
+              <a:defRPr lang="en-US"/>
+            </a:defPPr>
+            <a:lvl1pPr marL="0" algn="l" defTabSz="914400" rtl="0" eaLnBrk="1" latinLnBrk="0" hangingPunct="1">
+              <a:defRPr sz="1800" kern="1200">
+                <a:solidFill>
+                  <a:schemeClr val="tx1"/>
+                </a:solidFill>
+                <a:latin typeface="+mn-lt"/>
+                <a:ea typeface="+mn-ea"/>
+                <a:cs typeface="+mn-cs"/>
+              </a:defRPr>
+            </a:lvl1pPr>
+            <a:lvl2pPr marL="457200" algn="l" defTabSz="914400" rtl="0" eaLnBrk="1" latinLnBrk="0" hangingPunct="1">
+              <a:defRPr sz="1800" kern="1200">
+                <a:solidFill>
+                  <a:schemeClr val="tx1"/>
+                </a:solidFill>
+                <a:latin typeface="+mn-lt"/>
+                <a:ea typeface="+mn-ea"/>
+                <a:cs typeface="+mn-cs"/>
+              </a:defRPr>
+            </a:lvl2pPr>
+            <a:lvl3pPr marL="914400" algn="l" defTabSz="914400" rtl="0" eaLnBrk="1" latinLnBrk="0" hangingPunct="1">
+              <a:defRPr sz="1800" kern="1200">
+                <a:solidFill>
+                  <a:schemeClr val="tx1"/>
+                </a:solidFill>
+                <a:latin typeface="+mn-lt"/>
+                <a:ea typeface="+mn-ea"/>
+                <a:cs typeface="+mn-cs"/>
+              </a:defRPr>
+            </a:lvl3pPr>
+            <a:lvl4pPr marL="1371600" algn="l" defTabSz="914400" rtl="0" eaLnBrk="1" latinLnBrk="0" hangingPunct="1">
+              <a:defRPr sz="1800" kern="1200">
+                <a:solidFill>
+                  <a:schemeClr val="tx1"/>
+                </a:solidFill>
+                <a:latin typeface="+mn-lt"/>
+                <a:ea typeface="+mn-ea"/>
+                <a:cs typeface="+mn-cs"/>
+              </a:defRPr>
+            </a:lvl4pPr>
+            <a:lvl5pPr marL="1828800" algn="l" defTabSz="914400" rtl="0" eaLnBrk="1" latinLnBrk="0" hangingPunct="1">
+              <a:defRPr sz="1800" kern="1200">
+                <a:solidFill>
+                  <a:schemeClr val="tx1"/>
+                </a:solidFill>
+                <a:latin typeface="+mn-lt"/>
+                <a:ea typeface="+mn-ea"/>
+                <a:cs typeface="+mn-cs"/>
+              </a:defRPr>
+            </a:lvl5pPr>
+            <a:lvl6pPr marL="2286000" algn="l" defTabSz="914400" rtl="0" eaLnBrk="1" latinLnBrk="0" hangingPunct="1">
+              <a:defRPr sz="1800" kern="1200">
+                <a:solidFill>
+                  <a:schemeClr val="tx1"/>
+                </a:solidFill>
+                <a:latin typeface="+mn-lt"/>
+                <a:ea typeface="+mn-ea"/>
+                <a:cs typeface="+mn-cs"/>
+              </a:defRPr>
+            </a:lvl6pPr>
+            <a:lvl7pPr marL="2743200" algn="l" defTabSz="914400" rtl="0" eaLnBrk="1" latinLnBrk="0" hangingPunct="1">
+              <a:defRPr sz="1800" kern="1200">
+                <a:solidFill>
+                  <a:schemeClr val="tx1"/>
+                </a:solidFill>
+                <a:latin typeface="+mn-lt"/>
+                <a:ea typeface="+mn-ea"/>
+                <a:cs typeface="+mn-cs"/>
+              </a:defRPr>
+            </a:lvl7pPr>
+            <a:lvl8pPr marL="3200400" algn="l" defTabSz="914400" rtl="0" eaLnBrk="1" latinLnBrk="0" hangingPunct="1">
+              <a:defRPr sz="1800" kern="1200">
+                <a:solidFill>
+                  <a:schemeClr val="tx1"/>
+                </a:solidFill>
+                <a:latin typeface="+mn-lt"/>
+                <a:ea typeface="+mn-ea"/>
+                <a:cs typeface="+mn-cs"/>
+              </a:defRPr>
+            </a:lvl8pPr>
+            <a:lvl9pPr marL="3657600" algn="l" defTabSz="914400" rtl="0" eaLnBrk="1" latinLnBrk="0" hangingPunct="1">
+              <a:defRPr sz="1800" kern="1200">
+                <a:solidFill>
+                  <a:schemeClr val="tx1"/>
+                </a:solidFill>
+                <a:latin typeface="+mn-lt"/>
+                <a:ea typeface="+mn-ea"/>
+                <a:cs typeface="+mn-cs"/>
+              </a:defRPr>
+            </a:lvl9pPr>
+          </a:lstStyle>
+          <a:p>
+            <a:fld id="{4E6DB2D9-BBD8-435B-B34A-9B8472CE273E}" type="slidenum">
+              <a:rPr lang="en-US" smtClean="0"/>
+              <a:pPr/>
+              <a:t>7</a:t>
+            </a:fld>
+            <a:endParaRPr lang="en-US" dirty="0"/>
+          </a:p>
+        </p:txBody>
+      </p:sp>
+      <p:sp>
+        <p:nvSpPr>
+          <p:cNvPr id="9" name="TextBox 8">
+            <a:extLst>
+              <a:ext uri="{FF2B5EF4-FFF2-40B4-BE49-F238E27FC236}">
+                <a16:creationId xmlns:a16="http://schemas.microsoft.com/office/drawing/2014/main" id="{EE3B6E78-705A-EA42-BB94-58803EF87DDD}"/>
+              </a:ext>
+            </a:extLst>
+          </p:cNvPr>
+          <p:cNvSpPr txBox="1"/>
+          <p:nvPr/>
+        </p:nvSpPr>
+        <p:spPr>
+          <a:xfrm>
+            <a:off x="8231083" y="1685221"/>
+            <a:ext cx="4058300" cy="603627"/>
+          </a:xfrm>
+          <a:prstGeom prst="rect">
+            <a:avLst/>
+          </a:prstGeom>
+          <a:noFill/>
+        </p:spPr>
+        <p:txBody>
+          <a:bodyPr wrap="square" rtlCol="0">
+            <a:spAutoFit/>
+          </a:bodyPr>
+          <a:lstStyle/>
+          <a:p>
+            <a:pPr marL="285750" indent="-285750">
+              <a:lnSpc>
+                <a:spcPct val="114000"/>
+              </a:lnSpc>
+              <a:buClr>
+                <a:srgbClr val="EC131B"/>
+              </a:buClr>
+              <a:buFont typeface="Arial" panose="020B0604020202020204" pitchFamily="34" charset="0"/>
+              <a:buChar char="•"/>
+            </a:pPr>
+            <a:r>
+              <a:rPr lang="en-US" sz="1500" dirty="0"/>
+              <a:t>Ontario leads and Yukon is at the bottom for regional profits</a:t>
+            </a:r>
+          </a:p>
+        </p:txBody>
+      </p:sp>
+      <p:grpSp>
+        <p:nvGrpSpPr>
+          <p:cNvPr id="10" name="Group 9">
+            <a:extLst>
+              <a:ext uri="{FF2B5EF4-FFF2-40B4-BE49-F238E27FC236}">
+                <a16:creationId xmlns:a16="http://schemas.microsoft.com/office/drawing/2014/main" id="{B59A002A-E256-B649-AC4F-720D0703C462}"/>
+              </a:ext>
+            </a:extLst>
+          </p:cNvPr>
+          <p:cNvGrpSpPr>
+            <a:grpSpLocks noChangeAspect="1"/>
+          </p:cNvGrpSpPr>
+          <p:nvPr/>
+        </p:nvGrpSpPr>
+        <p:grpSpPr>
+          <a:xfrm>
+            <a:off x="7101099" y="1338248"/>
+            <a:ext cx="951848" cy="951848"/>
+            <a:chOff x="633600" y="1674000"/>
+            <a:chExt cx="951848" cy="951848"/>
+          </a:xfrm>
+        </p:grpSpPr>
+        <p:sp>
+          <p:nvSpPr>
+            <p:cNvPr id="11" name="Rectangle 10">
+              <a:extLst>
+                <a:ext uri="{FF2B5EF4-FFF2-40B4-BE49-F238E27FC236}">
+                  <a16:creationId xmlns:a16="http://schemas.microsoft.com/office/drawing/2014/main" id="{51C778EC-7103-A44D-86BC-8F66F866BE24}"/>
+                </a:ext>
+              </a:extLst>
+            </p:cNvPr>
+            <p:cNvSpPr>
+              <a:spLocks noChangeAspect="1"/>
+            </p:cNvSpPr>
+            <p:nvPr/>
+          </p:nvSpPr>
+          <p:spPr>
+            <a:xfrm>
+              <a:off x="633600" y="1674000"/>
+              <a:ext cx="951848" cy="951848"/>
+            </a:xfrm>
+            <a:prstGeom prst="rect">
+              <a:avLst/>
+            </a:prstGeom>
+            <a:solidFill>
+              <a:srgbClr val="EC131B"/>
+            </a:solidFill>
+            <a:ln>
+              <a:noFill/>
+            </a:ln>
+          </p:spPr>
+          <p:style>
+            <a:lnRef idx="2">
+              <a:schemeClr val="accent1">
+                <a:shade val="50000"/>
+              </a:schemeClr>
+            </a:lnRef>
+            <a:fillRef idx="1">
+              <a:schemeClr val="accent1"/>
+            </a:fillRef>
+            <a:effectRef idx="0">
+              <a:schemeClr val="accent1"/>
+            </a:effectRef>
+            <a:fontRef idx="minor">
+              <a:schemeClr val="lt1"/>
+            </a:fontRef>
+          </p:style>
+          <p:txBody>
+            <a:bodyPr rtlCol="0" anchor="ctr"/>
+            <a:lstStyle/>
+            <a:p>
+              <a:pPr algn="ctr"/>
+              <a:endParaRPr lang="en-US" dirty="0">
+                <a:highlight>
+                  <a:srgbClr val="EC131B"/>
+                </a:highlight>
+              </a:endParaRPr>
+            </a:p>
+          </p:txBody>
+        </p:sp>
+        <p:sp>
+          <p:nvSpPr>
+            <p:cNvPr id="12" name="Freeform 49">
+              <a:extLst>
+                <a:ext uri="{FF2B5EF4-FFF2-40B4-BE49-F238E27FC236}">
+                  <a16:creationId xmlns:a16="http://schemas.microsoft.com/office/drawing/2014/main" id="{EA2A7425-9531-EF42-A5B4-105D719FB263}"/>
+                </a:ext>
+              </a:extLst>
+            </p:cNvPr>
+            <p:cNvSpPr>
+              <a:spLocks noChangeAspect="1" noEditPoints="1"/>
+            </p:cNvSpPr>
+            <p:nvPr/>
+          </p:nvSpPr>
+          <p:spPr bwMode="auto">
+            <a:xfrm>
+              <a:off x="806054" y="1877298"/>
+              <a:ext cx="606941" cy="545252"/>
+            </a:xfrm>
+            <a:custGeom>
+              <a:avLst/>
+              <a:gdLst>
+                <a:gd name="T0" fmla="*/ 6 w 384"/>
+                <a:gd name="T1" fmla="*/ 0 h 345"/>
+                <a:gd name="T2" fmla="*/ 0 w 384"/>
+                <a:gd name="T3" fmla="*/ 288 h 345"/>
+                <a:gd name="T4" fmla="*/ 147 w 384"/>
+                <a:gd name="T5" fmla="*/ 294 h 345"/>
+                <a:gd name="T6" fmla="*/ 107 w 384"/>
+                <a:gd name="T7" fmla="*/ 333 h 345"/>
+                <a:gd name="T8" fmla="*/ 107 w 384"/>
+                <a:gd name="T9" fmla="*/ 345 h 345"/>
+                <a:gd name="T10" fmla="*/ 241 w 384"/>
+                <a:gd name="T11" fmla="*/ 345 h 345"/>
+                <a:gd name="T12" fmla="*/ 294 w 384"/>
+                <a:gd name="T13" fmla="*/ 339 h 345"/>
+                <a:gd name="T14" fmla="*/ 247 w 384"/>
+                <a:gd name="T15" fmla="*/ 333 h 345"/>
+                <a:gd name="T16" fmla="*/ 378 w 384"/>
+                <a:gd name="T17" fmla="*/ 294 h 345"/>
+                <a:gd name="T18" fmla="*/ 384 w 384"/>
+                <a:gd name="T19" fmla="*/ 6 h 345"/>
+                <a:gd name="T20" fmla="*/ 235 w 384"/>
+                <a:gd name="T21" fmla="*/ 333 h 345"/>
+                <a:gd name="T22" fmla="*/ 159 w 384"/>
+                <a:gd name="T23" fmla="*/ 294 h 345"/>
+                <a:gd name="T24" fmla="*/ 235 w 384"/>
+                <a:gd name="T25" fmla="*/ 333 h 345"/>
+                <a:gd name="T26" fmla="*/ 12 w 384"/>
+                <a:gd name="T27" fmla="*/ 282 h 345"/>
+                <a:gd name="T28" fmla="*/ 372 w 384"/>
+                <a:gd name="T29" fmla="*/ 12 h 345"/>
+                <a:gd name="T30" fmla="*/ 31 w 384"/>
+                <a:gd name="T31" fmla="*/ 239 h 345"/>
+                <a:gd name="T32" fmla="*/ 359 w 384"/>
+                <a:gd name="T33" fmla="*/ 233 h 345"/>
+                <a:gd name="T34" fmla="*/ 353 w 384"/>
+                <a:gd name="T35" fmla="*/ 25 h 345"/>
+                <a:gd name="T36" fmla="*/ 25 w 384"/>
+                <a:gd name="T37" fmla="*/ 31 h 345"/>
+                <a:gd name="T38" fmla="*/ 31 w 384"/>
+                <a:gd name="T39" fmla="*/ 239 h 345"/>
+                <a:gd name="T40" fmla="*/ 347 w 384"/>
+                <a:gd name="T41" fmla="*/ 36 h 345"/>
+                <a:gd name="T42" fmla="*/ 37 w 384"/>
+                <a:gd name="T43" fmla="*/ 227 h 345"/>
+                <a:gd name="T44" fmla="*/ 330 w 384"/>
+                <a:gd name="T45" fmla="*/ 61 h 345"/>
+                <a:gd name="T46" fmla="*/ 282 w 384"/>
+                <a:gd name="T47" fmla="*/ 71 h 345"/>
+                <a:gd name="T48" fmla="*/ 285 w 384"/>
+                <a:gd name="T49" fmla="*/ 82 h 345"/>
+                <a:gd name="T50" fmla="*/ 261 w 384"/>
+                <a:gd name="T51" fmla="*/ 140 h 345"/>
+                <a:gd name="T52" fmla="*/ 228 w 384"/>
+                <a:gd name="T53" fmla="*/ 108 h 345"/>
+                <a:gd name="T54" fmla="*/ 224 w 384"/>
+                <a:gd name="T55" fmla="*/ 110 h 345"/>
+                <a:gd name="T56" fmla="*/ 122 w 384"/>
+                <a:gd name="T57" fmla="*/ 134 h 345"/>
+                <a:gd name="T58" fmla="*/ 118 w 384"/>
+                <a:gd name="T59" fmla="*/ 132 h 345"/>
+                <a:gd name="T60" fmla="*/ 60 w 384"/>
+                <a:gd name="T61" fmla="*/ 189 h 345"/>
+                <a:gd name="T62" fmla="*/ 64 w 384"/>
+                <a:gd name="T63" fmla="*/ 199 h 345"/>
+                <a:gd name="T64" fmla="*/ 118 w 384"/>
+                <a:gd name="T65" fmla="*/ 146 h 345"/>
+                <a:gd name="T66" fmla="*/ 163 w 384"/>
+                <a:gd name="T67" fmla="*/ 189 h 345"/>
+                <a:gd name="T68" fmla="*/ 228 w 384"/>
+                <a:gd name="T69" fmla="*/ 122 h 345"/>
+                <a:gd name="T70" fmla="*/ 262 w 384"/>
+                <a:gd name="T71" fmla="*/ 155 h 345"/>
+                <a:gd name="T72" fmla="*/ 322 w 384"/>
+                <a:gd name="T73" fmla="*/ 82 h 345"/>
+                <a:gd name="T74" fmla="*/ 329 w 384"/>
+                <a:gd name="T75" fmla="*/ 113 h 345"/>
+                <a:gd name="T76" fmla="*/ 335 w 384"/>
+                <a:gd name="T77" fmla="*/ 107 h 345"/>
+                <a:gd name="T78" fmla="*/ 330 w 384"/>
+                <a:gd name="T79" fmla="*/ 61 h 345"/>
+              </a:gdLst>
+              <a:ahLst/>
+              <a:cxnLst>
+                <a:cxn ang="0">
+                  <a:pos x="T0" y="T1"/>
+                </a:cxn>
+                <a:cxn ang="0">
+                  <a:pos x="T2" y="T3"/>
+                </a:cxn>
+                <a:cxn ang="0">
+                  <a:pos x="T4" y="T5"/>
+                </a:cxn>
+                <a:cxn ang="0">
+                  <a:pos x="T6" y="T7"/>
+                </a:cxn>
+                <a:cxn ang="0">
+                  <a:pos x="T8" y="T9"/>
+                </a:cxn>
+                <a:cxn ang="0">
+                  <a:pos x="T10" y="T11"/>
+                </a:cxn>
+                <a:cxn ang="0">
+                  <a:pos x="T12" y="T13"/>
+                </a:cxn>
+                <a:cxn ang="0">
+                  <a:pos x="T14" y="T15"/>
+                </a:cxn>
+                <a:cxn ang="0">
+                  <a:pos x="T16" y="T17"/>
+                </a:cxn>
+                <a:cxn ang="0">
+                  <a:pos x="T18" y="T19"/>
+                </a:cxn>
+                <a:cxn ang="0">
+                  <a:pos x="T20" y="T21"/>
+                </a:cxn>
+                <a:cxn ang="0">
+                  <a:pos x="T22" y="T23"/>
+                </a:cxn>
+                <a:cxn ang="0">
+                  <a:pos x="T24" y="T25"/>
+                </a:cxn>
+                <a:cxn ang="0">
+                  <a:pos x="T26" y="T27"/>
+                </a:cxn>
+                <a:cxn ang="0">
+                  <a:pos x="T28" y="T29"/>
+                </a:cxn>
+                <a:cxn ang="0">
+                  <a:pos x="T30" y="T31"/>
+                </a:cxn>
+                <a:cxn ang="0">
+                  <a:pos x="T32" y="T33"/>
+                </a:cxn>
+                <a:cxn ang="0">
+                  <a:pos x="T34" y="T35"/>
+                </a:cxn>
+                <a:cxn ang="0">
+                  <a:pos x="T36" y="T37"/>
+                </a:cxn>
+                <a:cxn ang="0">
+                  <a:pos x="T38" y="T39"/>
+                </a:cxn>
+                <a:cxn ang="0">
+                  <a:pos x="T40" y="T41"/>
+                </a:cxn>
+                <a:cxn ang="0">
+                  <a:pos x="T42" y="T43"/>
+                </a:cxn>
+                <a:cxn ang="0">
+                  <a:pos x="T44" y="T45"/>
+                </a:cxn>
+                <a:cxn ang="0">
+                  <a:pos x="T46" y="T47"/>
+                </a:cxn>
+                <a:cxn ang="0">
+                  <a:pos x="T48" y="T49"/>
+                </a:cxn>
+                <a:cxn ang="0">
+                  <a:pos x="T50" y="T51"/>
+                </a:cxn>
+                <a:cxn ang="0">
+                  <a:pos x="T52" y="T53"/>
+                </a:cxn>
+                <a:cxn ang="0">
+                  <a:pos x="T54" y="T55"/>
+                </a:cxn>
+                <a:cxn ang="0">
+                  <a:pos x="T56" y="T57"/>
+                </a:cxn>
+                <a:cxn ang="0">
+                  <a:pos x="T58" y="T59"/>
+                </a:cxn>
+                <a:cxn ang="0">
+                  <a:pos x="T60" y="T61"/>
+                </a:cxn>
+                <a:cxn ang="0">
+                  <a:pos x="T62" y="T63"/>
+                </a:cxn>
+                <a:cxn ang="0">
+                  <a:pos x="T64" y="T65"/>
+                </a:cxn>
+                <a:cxn ang="0">
+                  <a:pos x="T66" y="T67"/>
+                </a:cxn>
+                <a:cxn ang="0">
+                  <a:pos x="T68" y="T69"/>
+                </a:cxn>
+                <a:cxn ang="0">
+                  <a:pos x="T70" y="T71"/>
+                </a:cxn>
+                <a:cxn ang="0">
+                  <a:pos x="T72" y="T73"/>
+                </a:cxn>
+                <a:cxn ang="0">
+                  <a:pos x="T74" y="T75"/>
+                </a:cxn>
+                <a:cxn ang="0">
+                  <a:pos x="T76" y="T77"/>
+                </a:cxn>
+                <a:cxn ang="0">
+                  <a:pos x="T78" y="T79"/>
+                </a:cxn>
+              </a:cxnLst>
+              <a:rect l="0" t="0" r="r" b="b"/>
+              <a:pathLst>
+                <a:path w="384" h="345">
+                  <a:moveTo>
+                    <a:pt x="378" y="0"/>
+                  </a:moveTo>
+                  <a:cubicBezTo>
+                    <a:pt x="6" y="0"/>
+                    <a:pt x="6" y="0"/>
+                    <a:pt x="6" y="0"/>
+                  </a:cubicBezTo>
+                  <a:cubicBezTo>
+                    <a:pt x="2" y="0"/>
+                    <a:pt x="0" y="3"/>
+                    <a:pt x="0" y="6"/>
+                  </a:cubicBezTo>
+                  <a:cubicBezTo>
+                    <a:pt x="0" y="288"/>
+                    <a:pt x="0" y="288"/>
+                    <a:pt x="0" y="288"/>
+                  </a:cubicBezTo>
+                  <a:cubicBezTo>
+                    <a:pt x="0" y="291"/>
+                    <a:pt x="2" y="294"/>
+                    <a:pt x="6" y="294"/>
+                  </a:cubicBezTo>
+                  <a:cubicBezTo>
+                    <a:pt x="147" y="294"/>
+                    <a:pt x="147" y="294"/>
+                    <a:pt x="147" y="294"/>
+                  </a:cubicBezTo>
+                  <a:cubicBezTo>
+                    <a:pt x="147" y="333"/>
+                    <a:pt x="147" y="333"/>
+                    <a:pt x="147" y="333"/>
+                  </a:cubicBezTo>
+                  <a:cubicBezTo>
+                    <a:pt x="107" y="333"/>
+                    <a:pt x="107" y="333"/>
+                    <a:pt x="107" y="333"/>
+                  </a:cubicBezTo>
+                  <a:cubicBezTo>
+                    <a:pt x="103" y="333"/>
+                    <a:pt x="101" y="336"/>
+                    <a:pt x="101" y="339"/>
+                  </a:cubicBezTo>
+                  <a:cubicBezTo>
+                    <a:pt x="101" y="342"/>
+                    <a:pt x="103" y="345"/>
+                    <a:pt x="107" y="345"/>
+                  </a:cubicBezTo>
+                  <a:cubicBezTo>
+                    <a:pt x="153" y="345"/>
+                    <a:pt x="153" y="345"/>
+                    <a:pt x="153" y="345"/>
+                  </a:cubicBezTo>
+                  <a:cubicBezTo>
+                    <a:pt x="241" y="345"/>
+                    <a:pt x="241" y="345"/>
+                    <a:pt x="241" y="345"/>
+                  </a:cubicBezTo>
+                  <a:cubicBezTo>
+                    <a:pt x="288" y="345"/>
+                    <a:pt x="288" y="345"/>
+                    <a:pt x="288" y="345"/>
+                  </a:cubicBezTo>
+                  <a:cubicBezTo>
+                    <a:pt x="291" y="345"/>
+                    <a:pt x="294" y="342"/>
+                    <a:pt x="294" y="339"/>
+                  </a:cubicBezTo>
+                  <a:cubicBezTo>
+                    <a:pt x="294" y="336"/>
+                    <a:pt x="291" y="333"/>
+                    <a:pt x="288" y="333"/>
+                  </a:cubicBezTo>
+                  <a:cubicBezTo>
+                    <a:pt x="247" y="333"/>
+                    <a:pt x="247" y="333"/>
+                    <a:pt x="247" y="333"/>
+                  </a:cubicBezTo>
+                  <a:cubicBezTo>
+                    <a:pt x="247" y="294"/>
+                    <a:pt x="247" y="294"/>
+                    <a:pt x="247" y="294"/>
+                  </a:cubicBezTo>
+                  <a:cubicBezTo>
+                    <a:pt x="378" y="294"/>
+                    <a:pt x="378" y="294"/>
+                    <a:pt x="378" y="294"/>
+                  </a:cubicBezTo>
+                  <a:cubicBezTo>
+                    <a:pt x="381" y="294"/>
+                    <a:pt x="384" y="291"/>
+                    <a:pt x="384" y="288"/>
+                  </a:cubicBezTo>
+                  <a:cubicBezTo>
+                    <a:pt x="384" y="6"/>
+                    <a:pt x="384" y="6"/>
+                    <a:pt x="384" y="6"/>
+                  </a:cubicBezTo>
+                  <a:cubicBezTo>
+                    <a:pt x="384" y="3"/>
+                    <a:pt x="381" y="0"/>
+                    <a:pt x="378" y="0"/>
+                  </a:cubicBezTo>
+                  <a:close/>
+                  <a:moveTo>
+                    <a:pt x="235" y="333"/>
+                  </a:moveTo>
+                  <a:cubicBezTo>
+                    <a:pt x="159" y="333"/>
+                    <a:pt x="159" y="333"/>
+                    <a:pt x="159" y="333"/>
+                  </a:cubicBezTo>
+                  <a:cubicBezTo>
+                    <a:pt x="159" y="294"/>
+                    <a:pt x="159" y="294"/>
+                    <a:pt x="159" y="294"/>
+                  </a:cubicBezTo>
+                  <a:cubicBezTo>
+                    <a:pt x="235" y="294"/>
+                    <a:pt x="235" y="294"/>
+                    <a:pt x="235" y="294"/>
+                  </a:cubicBezTo>
+                  <a:lnTo>
+                    <a:pt x="235" y="333"/>
+                  </a:lnTo>
+                  <a:close/>
+                  <a:moveTo>
+                    <a:pt x="372" y="282"/>
+                  </a:moveTo>
+                  <a:cubicBezTo>
+                    <a:pt x="12" y="282"/>
+                    <a:pt x="12" y="282"/>
+                    <a:pt x="12" y="282"/>
+                  </a:cubicBezTo>
+                  <a:cubicBezTo>
+                    <a:pt x="12" y="12"/>
+                    <a:pt x="12" y="12"/>
+                    <a:pt x="12" y="12"/>
+                  </a:cubicBezTo>
+                  <a:cubicBezTo>
+                    <a:pt x="372" y="12"/>
+                    <a:pt x="372" y="12"/>
+                    <a:pt x="372" y="12"/>
+                  </a:cubicBezTo>
+                  <a:lnTo>
+                    <a:pt x="372" y="282"/>
+                  </a:lnTo>
+                  <a:close/>
+                  <a:moveTo>
+                    <a:pt x="31" y="239"/>
+                  </a:moveTo>
+                  <a:cubicBezTo>
+                    <a:pt x="353" y="239"/>
+                    <a:pt x="353" y="239"/>
+                    <a:pt x="353" y="239"/>
+                  </a:cubicBezTo>
+                  <a:cubicBezTo>
+                    <a:pt x="356" y="239"/>
+                    <a:pt x="359" y="236"/>
+                    <a:pt x="359" y="233"/>
+                  </a:cubicBezTo>
+                  <a:cubicBezTo>
+                    <a:pt x="359" y="31"/>
+                    <a:pt x="359" y="31"/>
+                    <a:pt x="359" y="31"/>
+                  </a:cubicBezTo>
+                  <a:cubicBezTo>
+                    <a:pt x="359" y="27"/>
+                    <a:pt x="356" y="25"/>
+                    <a:pt x="353" y="25"/>
+                  </a:cubicBezTo>
+                  <a:cubicBezTo>
+                    <a:pt x="31" y="25"/>
+                    <a:pt x="31" y="25"/>
+                    <a:pt x="31" y="25"/>
+                  </a:cubicBezTo>
+                  <a:cubicBezTo>
+                    <a:pt x="28" y="25"/>
+                    <a:pt x="25" y="27"/>
+                    <a:pt x="25" y="31"/>
+                  </a:cubicBezTo>
+                  <a:cubicBezTo>
+                    <a:pt x="25" y="233"/>
+                    <a:pt x="25" y="233"/>
+                    <a:pt x="25" y="233"/>
+                  </a:cubicBezTo>
+                  <a:cubicBezTo>
+                    <a:pt x="25" y="236"/>
+                    <a:pt x="28" y="239"/>
+                    <a:pt x="31" y="239"/>
+                  </a:cubicBezTo>
+                  <a:close/>
+                  <a:moveTo>
+                    <a:pt x="37" y="36"/>
+                  </a:moveTo>
+                  <a:cubicBezTo>
+                    <a:pt x="347" y="36"/>
+                    <a:pt x="347" y="36"/>
+                    <a:pt x="347" y="36"/>
+                  </a:cubicBezTo>
+                  <a:cubicBezTo>
+                    <a:pt x="347" y="227"/>
+                    <a:pt x="347" y="227"/>
+                    <a:pt x="347" y="227"/>
+                  </a:cubicBezTo>
+                  <a:cubicBezTo>
+                    <a:pt x="37" y="227"/>
+                    <a:pt x="37" y="227"/>
+                    <a:pt x="37" y="227"/>
+                  </a:cubicBezTo>
+                  <a:lnTo>
+                    <a:pt x="37" y="36"/>
+                  </a:lnTo>
+                  <a:close/>
+                  <a:moveTo>
+                    <a:pt x="330" y="61"/>
+                  </a:moveTo>
+                  <a:cubicBezTo>
+                    <a:pt x="329" y="60"/>
+                    <a:pt x="327" y="59"/>
+                    <a:pt x="325" y="60"/>
+                  </a:cubicBezTo>
+                  <a:cubicBezTo>
+                    <a:pt x="282" y="71"/>
+                    <a:pt x="282" y="71"/>
+                    <a:pt x="282" y="71"/>
+                  </a:cubicBezTo>
+                  <a:cubicBezTo>
+                    <a:pt x="279" y="72"/>
+                    <a:pt x="277" y="75"/>
+                    <a:pt x="278" y="78"/>
+                  </a:cubicBezTo>
+                  <a:cubicBezTo>
+                    <a:pt x="279" y="81"/>
+                    <a:pt x="282" y="83"/>
+                    <a:pt x="285" y="82"/>
+                  </a:cubicBezTo>
+                  <a:cubicBezTo>
+                    <a:pt x="312" y="75"/>
+                    <a:pt x="312" y="75"/>
+                    <a:pt x="312" y="75"/>
+                  </a:cubicBezTo>
+                  <a:cubicBezTo>
+                    <a:pt x="261" y="140"/>
+                    <a:pt x="261" y="140"/>
+                    <a:pt x="261" y="140"/>
+                  </a:cubicBezTo>
+                  <a:cubicBezTo>
+                    <a:pt x="232" y="110"/>
+                    <a:pt x="232" y="110"/>
+                    <a:pt x="232" y="110"/>
+                  </a:cubicBezTo>
+                  <a:cubicBezTo>
+                    <a:pt x="231" y="109"/>
+                    <a:pt x="230" y="108"/>
+                    <a:pt x="228" y="108"/>
+                  </a:cubicBezTo>
+                  <a:cubicBezTo>
+                    <a:pt x="228" y="108"/>
+                    <a:pt x="228" y="108"/>
+                    <a:pt x="228" y="108"/>
+                  </a:cubicBezTo>
+                  <a:cubicBezTo>
+                    <a:pt x="227" y="108"/>
+                    <a:pt x="225" y="109"/>
+                    <a:pt x="224" y="110"/>
+                  </a:cubicBezTo>
+                  <a:cubicBezTo>
+                    <a:pt x="163" y="175"/>
+                    <a:pt x="163" y="175"/>
+                    <a:pt x="163" y="175"/>
+                  </a:cubicBezTo>
+                  <a:cubicBezTo>
+                    <a:pt x="122" y="134"/>
+                    <a:pt x="122" y="134"/>
+                    <a:pt x="122" y="134"/>
+                  </a:cubicBezTo>
+                  <a:cubicBezTo>
+                    <a:pt x="121" y="133"/>
+                    <a:pt x="120" y="132"/>
+                    <a:pt x="118" y="132"/>
+                  </a:cubicBezTo>
+                  <a:cubicBezTo>
+                    <a:pt x="118" y="132"/>
+                    <a:pt x="118" y="132"/>
+                    <a:pt x="118" y="132"/>
+                  </a:cubicBezTo>
+                  <a:cubicBezTo>
+                    <a:pt x="117" y="132"/>
+                    <a:pt x="115" y="133"/>
+                    <a:pt x="114" y="134"/>
+                  </a:cubicBezTo>
+                  <a:cubicBezTo>
+                    <a:pt x="60" y="189"/>
+                    <a:pt x="60" y="189"/>
+                    <a:pt x="60" y="189"/>
+                  </a:cubicBezTo>
+                  <a:cubicBezTo>
+                    <a:pt x="57" y="192"/>
+                    <a:pt x="57" y="195"/>
+                    <a:pt x="60" y="197"/>
+                  </a:cubicBezTo>
+                  <a:cubicBezTo>
+                    <a:pt x="61" y="199"/>
+                    <a:pt x="62" y="199"/>
+                    <a:pt x="64" y="199"/>
+                  </a:cubicBezTo>
+                  <a:cubicBezTo>
+                    <a:pt x="65" y="199"/>
+                    <a:pt x="67" y="199"/>
+                    <a:pt x="68" y="197"/>
+                  </a:cubicBezTo>
+                  <a:cubicBezTo>
+                    <a:pt x="118" y="146"/>
+                    <a:pt x="118" y="146"/>
+                    <a:pt x="118" y="146"/>
+                  </a:cubicBezTo>
+                  <a:cubicBezTo>
+                    <a:pt x="159" y="187"/>
+                    <a:pt x="159" y="187"/>
+                    <a:pt x="159" y="187"/>
+                  </a:cubicBezTo>
+                  <a:cubicBezTo>
+                    <a:pt x="160" y="188"/>
+                    <a:pt x="162" y="189"/>
+                    <a:pt x="163" y="189"/>
+                  </a:cubicBezTo>
+                  <a:cubicBezTo>
+                    <a:pt x="165" y="189"/>
+                    <a:pt x="167" y="188"/>
+                    <a:pt x="168" y="187"/>
+                  </a:cubicBezTo>
+                  <a:cubicBezTo>
+                    <a:pt x="228" y="122"/>
+                    <a:pt x="228" y="122"/>
+                    <a:pt x="228" y="122"/>
+                  </a:cubicBezTo>
+                  <a:cubicBezTo>
+                    <a:pt x="258" y="153"/>
+                    <a:pt x="258" y="153"/>
+                    <a:pt x="258" y="153"/>
+                  </a:cubicBezTo>
+                  <a:cubicBezTo>
+                    <a:pt x="259" y="154"/>
+                    <a:pt x="260" y="155"/>
+                    <a:pt x="262" y="155"/>
+                  </a:cubicBezTo>
+                  <a:cubicBezTo>
+                    <a:pt x="264" y="155"/>
+                    <a:pt x="265" y="154"/>
+                    <a:pt x="266" y="153"/>
+                  </a:cubicBezTo>
+                  <a:cubicBezTo>
+                    <a:pt x="322" y="82"/>
+                    <a:pt x="322" y="82"/>
+                    <a:pt x="322" y="82"/>
+                  </a:cubicBezTo>
+                  <a:cubicBezTo>
+                    <a:pt x="324" y="108"/>
+                    <a:pt x="324" y="108"/>
+                    <a:pt x="324" y="108"/>
+                  </a:cubicBezTo>
+                  <a:cubicBezTo>
+                    <a:pt x="324" y="111"/>
+                    <a:pt x="326" y="113"/>
+                    <a:pt x="329" y="113"/>
+                  </a:cubicBezTo>
+                  <a:cubicBezTo>
+                    <a:pt x="329" y="113"/>
+                    <a:pt x="330" y="113"/>
+                    <a:pt x="330" y="113"/>
+                  </a:cubicBezTo>
+                  <a:cubicBezTo>
+                    <a:pt x="333" y="113"/>
+                    <a:pt x="335" y="110"/>
+                    <a:pt x="335" y="107"/>
+                  </a:cubicBezTo>
+                  <a:cubicBezTo>
+                    <a:pt x="332" y="65"/>
+                    <a:pt x="332" y="65"/>
+                    <a:pt x="332" y="65"/>
+                  </a:cubicBezTo>
+                  <a:cubicBezTo>
+                    <a:pt x="332" y="63"/>
+                    <a:pt x="331" y="62"/>
+                    <a:pt x="330" y="61"/>
+                  </a:cubicBezTo>
+                  <a:close/>
+                </a:path>
+              </a:pathLst>
+            </a:custGeom>
+            <a:solidFill>
+              <a:srgbClr val="FFFFFF"/>
+            </a:solidFill>
+            <a:ln>
+              <a:noFill/>
+            </a:ln>
+            <a:extLst>
+              <a:ext uri="{91240B29-F687-4F45-9708-019B960494DF}">
+                <a14:hiddenLine xmlns:a14="http://schemas.microsoft.com/office/drawing/2010/main" w="9525">
+                  <a:solidFill>
+                    <a:srgbClr val="000000"/>
+                  </a:solidFill>
+                  <a:round/>
+                  <a:headEnd/>
+                  <a:tailEnd/>
+                </a14:hiddenLine>
+              </a:ext>
+            </a:extLst>
+          </p:spPr>
+          <p:txBody>
+            <a:bodyPr vert="horz" wrap="square" lIns="91440" tIns="45720" rIns="91440" bIns="45720" numCol="1" anchor="t" anchorCtr="0" compatLnSpc="1">
+              <a:prstTxWarp prst="textNoShape">
+                <a:avLst/>
+              </a:prstTxWarp>
+            </a:bodyPr>
+            <a:lstStyle/>
+            <a:p>
+              <a:endParaRPr lang="en-US"/>
+            </a:p>
+          </p:txBody>
+        </p:sp>
+      </p:grpSp>
+      <p:sp>
+        <p:nvSpPr>
+          <p:cNvPr id="13" name="TextBox 12">
+            <a:extLst>
+              <a:ext uri="{FF2B5EF4-FFF2-40B4-BE49-F238E27FC236}">
+                <a16:creationId xmlns:a16="http://schemas.microsoft.com/office/drawing/2014/main" id="{9D6C00E7-FB32-8F4A-9A30-9F4C9E741F48}"/>
+              </a:ext>
+            </a:extLst>
+          </p:cNvPr>
+          <p:cNvSpPr txBox="1"/>
+          <p:nvPr/>
+        </p:nvSpPr>
+        <p:spPr>
+          <a:xfrm>
+            <a:off x="8231083" y="1323584"/>
+            <a:ext cx="4058300" cy="361637"/>
+          </a:xfrm>
+          <a:prstGeom prst="rect">
+            <a:avLst/>
+          </a:prstGeom>
+          <a:noFill/>
+        </p:spPr>
+        <p:txBody>
+          <a:bodyPr wrap="square" rtlCol="0">
+            <a:spAutoFit/>
+          </a:bodyPr>
+          <a:lstStyle/>
+          <a:p>
+            <a:r>
+              <a:rPr lang="en-US" sz="1750" b="1" dirty="0">
+                <a:solidFill>
+                  <a:srgbClr val="EC131B"/>
+                </a:solidFill>
+                <a:latin typeface="Arial" panose="020B0706030804020204" pitchFamily="34" charset="0"/>
+              </a:rPr>
+              <a:t>Insights</a:t>
+            </a:r>
+          </a:p>
+        </p:txBody>
+      </p:sp>
+      <p:pic>
+        <p:nvPicPr>
+          <p:cNvPr id="5" name="Picture 4">
+            <a:extLst>
+              <a:ext uri="{FF2B5EF4-FFF2-40B4-BE49-F238E27FC236}">
+                <a16:creationId xmlns:a16="http://schemas.microsoft.com/office/drawing/2014/main" id="{478D2EB9-C97C-5C4A-BAE0-4E3F49305D38}"/>
+              </a:ext>
+            </a:extLst>
+          </p:cNvPr>
+          <p:cNvPicPr>
+            <a:picLocks noChangeAspect="1"/>
+          </p:cNvPicPr>
+          <p:nvPr/>
+        </p:nvPicPr>
+        <p:blipFill>
+          <a:blip r:embed="rId2"/>
+          <a:stretch>
+            <a:fillRect/>
+          </a:stretch>
+        </p:blipFill>
+        <p:spPr>
+          <a:xfrm>
+            <a:off x="537460" y="1321416"/>
+            <a:ext cx="6076282" cy="4494379"/>
+          </a:xfrm>
+          <a:prstGeom prst="rect">
+            <a:avLst/>
+          </a:prstGeom>
+        </p:spPr>
+      </p:pic>
+    </p:spTree>
+    <p:extLst>
+      <p:ext uri="{BB962C8B-B14F-4D97-AF65-F5344CB8AC3E}">
+        <p14:creationId xmlns:p14="http://schemas.microsoft.com/office/powerpoint/2010/main" val="3040841748"/>
+      </p:ext>
+    </p:extLst>
+  </p:cSld>
+  <p:clrMapOvr>
+    <a:masterClrMapping/>
+  </p:clrMapOvr>
+</p:sld>
+</file>
+
+<file path=ppt/slides/slide8.xml><?xml version="1.0" encoding="utf-8"?>
+<p:sld xmlns:a="http://schemas.openxmlformats.org/drawingml/2006/main" xmlns:r="http://schemas.openxmlformats.org/officeDocument/2006/relationships" xmlns:p="http://schemas.openxmlformats.org/presentationml/2006/main">
+  <p:cSld>
+    <p:spTree>
+      <p:nvGrpSpPr>
+        <p:cNvPr id="1" name=""/>
+        <p:cNvGrpSpPr/>
+        <p:nvPr/>
+      </p:nvGrpSpPr>
+      <p:grpSpPr>
+        <a:xfrm>
+          <a:off x="0" y="0"/>
+          <a:ext cx="0" cy="0"/>
+          <a:chOff x="0" y="0"/>
+          <a:chExt cx="0" cy="0"/>
+        </a:xfrm>
+      </p:grpSpPr>
+      <p:sp>
+        <p:nvSpPr>
+          <p:cNvPr id="4" name="Title 1">
+            <a:extLst>
+              <a:ext uri="{FF2B5EF4-FFF2-40B4-BE49-F238E27FC236}">
+                <a16:creationId xmlns:a16="http://schemas.microsoft.com/office/drawing/2014/main" id="{4655E59E-A2FC-3F49-93C5-5760A5E3A66A}"/>
+              </a:ext>
+            </a:extLst>
+          </p:cNvPr>
+          <p:cNvSpPr txBox="1">
+            <a:spLocks/>
+          </p:cNvSpPr>
+          <p:nvPr/>
+        </p:nvSpPr>
+        <p:spPr>
+          <a:xfrm>
+            <a:off x="537459" y="515462"/>
+            <a:ext cx="6248399" cy="600164"/>
+          </a:xfrm>
+          <a:prstGeom prst="rect">
+            <a:avLst/>
+          </a:prstGeom>
+        </p:spPr>
+        <p:txBody>
+          <a:bodyPr vert="horz" lIns="91440" tIns="45720" rIns="91440" bIns="45720" rtlCol="0" anchor="ctr">
+            <a:noAutofit/>
+          </a:bodyPr>
+          <a:lstStyle>
+            <a:lvl1pPr algn="l" defTabSz="914400" rtl="0" eaLnBrk="1" latinLnBrk="0" hangingPunct="1">
+              <a:lnSpc>
+                <a:spcPct val="90000"/>
+              </a:lnSpc>
+              <a:spcBef>
+                <a:spcPct val="0"/>
+              </a:spcBef>
+              <a:buNone/>
+              <a:defRPr sz="4400" kern="1200">
+                <a:solidFill>
+                  <a:schemeClr val="tx1"/>
+                </a:solidFill>
+                <a:latin typeface="+mj-lt"/>
+                <a:ea typeface="+mj-ea"/>
+                <a:cs typeface="+mj-cs"/>
+              </a:defRPr>
+            </a:lvl1pPr>
+          </a:lstStyle>
+          <a:p>
+            <a:r>
+              <a:rPr lang="en-US" sz="4000" b="1" dirty="0">
+                <a:solidFill>
+                  <a:srgbClr val="EC131B"/>
+                </a:solidFill>
+                <a:latin typeface="+mn-lt"/>
+              </a:rPr>
+              <a:t>Portfolio Analysis - Product</a:t>
+            </a:r>
+          </a:p>
+        </p:txBody>
+      </p:sp>
+      <p:sp>
+        <p:nvSpPr>
+          <p:cNvPr id="7" name="Slide Number Placeholder 4">
+            <a:extLst>
+              <a:ext uri="{FF2B5EF4-FFF2-40B4-BE49-F238E27FC236}">
+                <a16:creationId xmlns:a16="http://schemas.microsoft.com/office/drawing/2014/main" id="{326C14E5-072C-A04E-8D35-AF1F96028057}"/>
+              </a:ext>
+            </a:extLst>
+          </p:cNvPr>
+          <p:cNvSpPr txBox="1">
+            <a:spLocks/>
+          </p:cNvSpPr>
+          <p:nvPr/>
+        </p:nvSpPr>
+        <p:spPr>
+          <a:xfrm>
+            <a:off x="11189654" y="6300297"/>
+            <a:ext cx="464888" cy="365125"/>
+          </a:xfrm>
+          <a:prstGeom prst="rect">
+            <a:avLst/>
+          </a:prstGeom>
+        </p:spPr>
+        <p:txBody>
+          <a:bodyPr/>
+          <a:lstStyle>
+            <a:defPPr>
+              <a:defRPr lang="en-US"/>
+            </a:defPPr>
+            <a:lvl1pPr marL="0" algn="l" defTabSz="914400" rtl="0" eaLnBrk="1" latinLnBrk="0" hangingPunct="1">
+              <a:defRPr sz="1800" kern="1200">
+                <a:solidFill>
+                  <a:schemeClr val="tx1"/>
+                </a:solidFill>
+                <a:latin typeface="+mn-lt"/>
+                <a:ea typeface="+mn-ea"/>
+                <a:cs typeface="+mn-cs"/>
+              </a:defRPr>
+            </a:lvl1pPr>
+            <a:lvl2pPr marL="457200" algn="l" defTabSz="914400" rtl="0" eaLnBrk="1" latinLnBrk="0" hangingPunct="1">
+              <a:defRPr sz="1800" kern="1200">
+                <a:solidFill>
+                  <a:schemeClr val="tx1"/>
+                </a:solidFill>
+                <a:latin typeface="+mn-lt"/>
+                <a:ea typeface="+mn-ea"/>
+                <a:cs typeface="+mn-cs"/>
+              </a:defRPr>
+            </a:lvl2pPr>
+            <a:lvl3pPr marL="914400" algn="l" defTabSz="914400" rtl="0" eaLnBrk="1" latinLnBrk="0" hangingPunct="1">
+              <a:defRPr sz="1800" kern="1200">
+                <a:solidFill>
+                  <a:schemeClr val="tx1"/>
+                </a:solidFill>
+                <a:latin typeface="+mn-lt"/>
+                <a:ea typeface="+mn-ea"/>
+                <a:cs typeface="+mn-cs"/>
+              </a:defRPr>
+            </a:lvl3pPr>
+            <a:lvl4pPr marL="1371600" algn="l" defTabSz="914400" rtl="0" eaLnBrk="1" latinLnBrk="0" hangingPunct="1">
+              <a:defRPr sz="1800" kern="1200">
+                <a:solidFill>
+                  <a:schemeClr val="tx1"/>
+                </a:solidFill>
+                <a:latin typeface="+mn-lt"/>
+                <a:ea typeface="+mn-ea"/>
+                <a:cs typeface="+mn-cs"/>
+              </a:defRPr>
+            </a:lvl4pPr>
+            <a:lvl5pPr marL="1828800" algn="l" defTabSz="914400" rtl="0" eaLnBrk="1" latinLnBrk="0" hangingPunct="1">
+              <a:defRPr sz="1800" kern="1200">
+                <a:solidFill>
+                  <a:schemeClr val="tx1"/>
+                </a:solidFill>
+                <a:latin typeface="+mn-lt"/>
+                <a:ea typeface="+mn-ea"/>
+                <a:cs typeface="+mn-cs"/>
+              </a:defRPr>
+            </a:lvl5pPr>
+            <a:lvl6pPr marL="2286000" algn="l" defTabSz="914400" rtl="0" eaLnBrk="1" latinLnBrk="0" hangingPunct="1">
+              <a:defRPr sz="1800" kern="1200">
+                <a:solidFill>
+                  <a:schemeClr val="tx1"/>
+                </a:solidFill>
+                <a:latin typeface="+mn-lt"/>
+                <a:ea typeface="+mn-ea"/>
+                <a:cs typeface="+mn-cs"/>
+              </a:defRPr>
+            </a:lvl6pPr>
+            <a:lvl7pPr marL="2743200" algn="l" defTabSz="914400" rtl="0" eaLnBrk="1" latinLnBrk="0" hangingPunct="1">
+              <a:defRPr sz="1800" kern="1200">
+                <a:solidFill>
+                  <a:schemeClr val="tx1"/>
+                </a:solidFill>
+                <a:latin typeface="+mn-lt"/>
+                <a:ea typeface="+mn-ea"/>
+                <a:cs typeface="+mn-cs"/>
+              </a:defRPr>
+            </a:lvl7pPr>
+            <a:lvl8pPr marL="3200400" algn="l" defTabSz="914400" rtl="0" eaLnBrk="1" latinLnBrk="0" hangingPunct="1">
+              <a:defRPr sz="1800" kern="1200">
+                <a:solidFill>
+                  <a:schemeClr val="tx1"/>
+                </a:solidFill>
+                <a:latin typeface="+mn-lt"/>
+                <a:ea typeface="+mn-ea"/>
+                <a:cs typeface="+mn-cs"/>
+              </a:defRPr>
+            </a:lvl8pPr>
+            <a:lvl9pPr marL="3657600" algn="l" defTabSz="914400" rtl="0" eaLnBrk="1" latinLnBrk="0" hangingPunct="1">
+              <a:defRPr sz="1800" kern="1200">
+                <a:solidFill>
+                  <a:schemeClr val="tx1"/>
+                </a:solidFill>
+                <a:latin typeface="+mn-lt"/>
+                <a:ea typeface="+mn-ea"/>
+                <a:cs typeface="+mn-cs"/>
+              </a:defRPr>
+            </a:lvl9pPr>
+          </a:lstStyle>
+          <a:p>
+            <a:fld id="{4E6DB2D9-BBD8-435B-B34A-9B8472CE273E}" type="slidenum">
+              <a:rPr lang="en-US" smtClean="0"/>
+              <a:pPr/>
+              <a:t>8</a:t>
+            </a:fld>
+            <a:endParaRPr lang="en-US" dirty="0"/>
+          </a:p>
+        </p:txBody>
+      </p:sp>
+    </p:spTree>
+    <p:extLst>
+      <p:ext uri="{BB962C8B-B14F-4D97-AF65-F5344CB8AC3E}">
+        <p14:creationId xmlns:p14="http://schemas.microsoft.com/office/powerpoint/2010/main" val="140826980"/>
+      </p:ext>
+    </p:extLst>
+  </p:cSld>
+  <p:clrMapOvr>
+    <a:masterClrMapping/>
+  </p:clrMapOvr>
+</p:sld>
+</file>
+
+<file path=ppt/slides/slide9.xml><?xml version="1.0" encoding="utf-8"?>
+<p:sld xmlns:a="http://schemas.openxmlformats.org/drawingml/2006/main" xmlns:r="http://schemas.openxmlformats.org/officeDocument/2006/relationships" xmlns:p="http://schemas.openxmlformats.org/presentationml/2006/main">
+  <p:cSld>
+    <p:spTree>
+      <p:nvGrpSpPr>
+        <p:cNvPr id="1" name=""/>
+        <p:cNvGrpSpPr/>
+        <p:nvPr/>
+      </p:nvGrpSpPr>
+      <p:grpSpPr>
+        <a:xfrm>
+          <a:off x="0" y="0"/>
+          <a:ext cx="0" cy="0"/>
+          <a:chOff x="0" y="0"/>
+          <a:chExt cx="0" cy="0"/>
+        </a:xfrm>
+      </p:grpSpPr>
+      <p:sp>
+        <p:nvSpPr>
+          <p:cNvPr id="4" name="Title 1">
+            <a:extLst>
+              <a:ext uri="{FF2B5EF4-FFF2-40B4-BE49-F238E27FC236}">
+                <a16:creationId xmlns:a16="http://schemas.microsoft.com/office/drawing/2014/main" id="{4655E59E-A2FC-3F49-93C5-5760A5E3A66A}"/>
+              </a:ext>
+            </a:extLst>
+          </p:cNvPr>
+          <p:cNvSpPr txBox="1">
+            <a:spLocks/>
+          </p:cNvSpPr>
+          <p:nvPr/>
+        </p:nvSpPr>
+        <p:spPr>
+          <a:xfrm>
+            <a:off x="537459" y="515462"/>
+            <a:ext cx="6248399" cy="600164"/>
+          </a:xfrm>
+          <a:prstGeom prst="rect">
+            <a:avLst/>
+          </a:prstGeom>
+        </p:spPr>
+        <p:txBody>
+          <a:bodyPr vert="horz" lIns="91440" tIns="45720" rIns="91440" bIns="45720" rtlCol="0" anchor="ctr">
+            <a:noAutofit/>
+          </a:bodyPr>
+          <a:lstStyle>
+            <a:lvl1pPr algn="l" defTabSz="914400" rtl="0" eaLnBrk="1" latinLnBrk="0" hangingPunct="1">
+              <a:lnSpc>
+                <a:spcPct val="90000"/>
+              </a:lnSpc>
+              <a:spcBef>
+                <a:spcPct val="0"/>
+              </a:spcBef>
+              <a:buNone/>
+              <a:defRPr sz="4400" kern="1200">
+                <a:solidFill>
+                  <a:schemeClr val="tx1"/>
+                </a:solidFill>
+                <a:latin typeface="+mj-lt"/>
+                <a:ea typeface="+mj-ea"/>
+                <a:cs typeface="+mj-cs"/>
+              </a:defRPr>
+            </a:lvl1pPr>
+          </a:lstStyle>
+          <a:p>
+            <a:r>
+              <a:rPr lang="en-US" sz="4000" b="1" dirty="0">
+                <a:solidFill>
+                  <a:srgbClr val="EC131B"/>
+                </a:solidFill>
+                <a:latin typeface="+mn-lt"/>
+              </a:rPr>
+              <a:t>Portfolio Analysis - Sector</a:t>
+            </a:r>
+          </a:p>
+        </p:txBody>
+      </p:sp>
+      <p:sp>
+        <p:nvSpPr>
+          <p:cNvPr id="7" name="Slide Number Placeholder 4">
+            <a:extLst>
+              <a:ext uri="{FF2B5EF4-FFF2-40B4-BE49-F238E27FC236}">
+                <a16:creationId xmlns:a16="http://schemas.microsoft.com/office/drawing/2014/main" id="{326C14E5-072C-A04E-8D35-AF1F96028057}"/>
+              </a:ext>
+            </a:extLst>
+          </p:cNvPr>
+          <p:cNvSpPr txBox="1">
+            <a:spLocks/>
+          </p:cNvSpPr>
+          <p:nvPr/>
+        </p:nvSpPr>
+        <p:spPr>
+          <a:xfrm>
+            <a:off x="11189654" y="6300297"/>
+            <a:ext cx="464888" cy="365125"/>
+          </a:xfrm>
+          <a:prstGeom prst="rect">
+            <a:avLst/>
+          </a:prstGeom>
+        </p:spPr>
+        <p:txBody>
+          <a:bodyPr/>
+          <a:lstStyle>
+            <a:defPPr>
+              <a:defRPr lang="en-US"/>
+            </a:defPPr>
+            <a:lvl1pPr marL="0" algn="l" defTabSz="914400" rtl="0" eaLnBrk="1" latinLnBrk="0" hangingPunct="1">
+              <a:defRPr sz="1800" kern="1200">
+                <a:solidFill>
+                  <a:schemeClr val="tx1"/>
+                </a:solidFill>
+                <a:latin typeface="+mn-lt"/>
+                <a:ea typeface="+mn-ea"/>
+                <a:cs typeface="+mn-cs"/>
+              </a:defRPr>
+            </a:lvl1pPr>
+            <a:lvl2pPr marL="457200" algn="l" defTabSz="914400" rtl="0" eaLnBrk="1" latinLnBrk="0" hangingPunct="1">
+              <a:defRPr sz="1800" kern="1200">
+                <a:solidFill>
+                  <a:schemeClr val="tx1"/>
+                </a:solidFill>
+                <a:latin typeface="+mn-lt"/>
+                <a:ea typeface="+mn-ea"/>
+                <a:cs typeface="+mn-cs"/>
+              </a:defRPr>
+            </a:lvl2pPr>
+            <a:lvl3pPr marL="914400" algn="l" defTabSz="914400" rtl="0" eaLnBrk="1" latinLnBrk="0" hangingPunct="1">
+              <a:defRPr sz="1800" kern="1200">
+                <a:solidFill>
+                  <a:schemeClr val="tx1"/>
+                </a:solidFill>
+                <a:latin typeface="+mn-lt"/>
+                <a:ea typeface="+mn-ea"/>
+                <a:cs typeface="+mn-cs"/>
+              </a:defRPr>
+            </a:lvl3pPr>
+            <a:lvl4pPr marL="1371600" algn="l" defTabSz="914400" rtl="0" eaLnBrk="1" latinLnBrk="0" hangingPunct="1">
+              <a:defRPr sz="1800" kern="1200">
+                <a:solidFill>
+                  <a:schemeClr val="tx1"/>
+                </a:solidFill>
+                <a:latin typeface="+mn-lt"/>
+                <a:ea typeface="+mn-ea"/>
+                <a:cs typeface="+mn-cs"/>
+              </a:defRPr>
+            </a:lvl4pPr>
+            <a:lvl5pPr marL="1828800" algn="l" defTabSz="914400" rtl="0" eaLnBrk="1" latinLnBrk="0" hangingPunct="1">
+              <a:defRPr sz="1800" kern="1200">
+                <a:solidFill>
+                  <a:schemeClr val="tx1"/>
+                </a:solidFill>
+                <a:latin typeface="+mn-lt"/>
+                <a:ea typeface="+mn-ea"/>
+                <a:cs typeface="+mn-cs"/>
+              </a:defRPr>
+            </a:lvl5pPr>
+            <a:lvl6pPr marL="2286000" algn="l" defTabSz="914400" rtl="0" eaLnBrk="1" latinLnBrk="0" hangingPunct="1">
+              <a:defRPr sz="1800" kern="1200">
+                <a:solidFill>
+                  <a:schemeClr val="tx1"/>
+                </a:solidFill>
+                <a:latin typeface="+mn-lt"/>
+                <a:ea typeface="+mn-ea"/>
+                <a:cs typeface="+mn-cs"/>
+              </a:defRPr>
+            </a:lvl6pPr>
+            <a:lvl7pPr marL="2743200" algn="l" defTabSz="914400" rtl="0" eaLnBrk="1" latinLnBrk="0" hangingPunct="1">
+              <a:defRPr sz="1800" kern="1200">
+                <a:solidFill>
+                  <a:schemeClr val="tx1"/>
+                </a:solidFill>
+                <a:latin typeface="+mn-lt"/>
+                <a:ea typeface="+mn-ea"/>
+                <a:cs typeface="+mn-cs"/>
+              </a:defRPr>
+            </a:lvl7pPr>
+            <a:lvl8pPr marL="3200400" algn="l" defTabSz="914400" rtl="0" eaLnBrk="1" latinLnBrk="0" hangingPunct="1">
+              <a:defRPr sz="1800" kern="1200">
+                <a:solidFill>
+                  <a:schemeClr val="tx1"/>
+                </a:solidFill>
+                <a:latin typeface="+mn-lt"/>
+                <a:ea typeface="+mn-ea"/>
+                <a:cs typeface="+mn-cs"/>
+              </a:defRPr>
+            </a:lvl8pPr>
+            <a:lvl9pPr marL="3657600" algn="l" defTabSz="914400" rtl="0" eaLnBrk="1" latinLnBrk="0" hangingPunct="1">
+              <a:defRPr sz="1800" kern="1200">
+                <a:solidFill>
+                  <a:schemeClr val="tx1"/>
+                </a:solidFill>
+                <a:latin typeface="+mn-lt"/>
+                <a:ea typeface="+mn-ea"/>
+                <a:cs typeface="+mn-cs"/>
+              </a:defRPr>
+            </a:lvl9pPr>
+          </a:lstStyle>
+          <a:p>
+            <a:fld id="{4E6DB2D9-BBD8-435B-B34A-9B8472CE273E}" type="slidenum">
+              <a:rPr lang="en-US" smtClean="0"/>
+              <a:pPr/>
+              <a:t>9</a:t>
+            </a:fld>
+            <a:endParaRPr lang="en-US" dirty="0"/>
+          </a:p>
+        </p:txBody>
+      </p:sp>
+    </p:spTree>
+    <p:extLst>
+      <p:ext uri="{BB962C8B-B14F-4D97-AF65-F5344CB8AC3E}">
+        <p14:creationId xmlns:p14="http://schemas.microsoft.com/office/powerpoint/2010/main" val="1980054951"/>
       </p:ext>
     </p:extLst>
   </p:cSld>

--- a/Scotiabank/Scotiabank_analysis.pptx
+++ b/Scotiabank/Scotiabank_analysis.pptx
@@ -15,8 +15,7 @@
     <p:sldId id="263" r:id="rId9"/>
     <p:sldId id="264" r:id="rId10"/>
     <p:sldId id="265" r:id="rId11"/>
-    <p:sldId id="266" r:id="rId12"/>
-    <p:sldId id="267" r:id="rId13"/>
+    <p:sldId id="267" r:id="rId12"/>
   </p:sldIdLst>
   <p:sldSz cx="12192000" cy="6858000"/>
   <p:notesSz cx="6858000" cy="9144000"/>
@@ -115,6 +114,11 @@
       </a:defRPr>
     </a:lvl9pPr>
   </p:defaultTextStyle>
+  <p:extLst>
+    <p:ext uri="{EFAFB233-063F-42B5-8137-9DF3F51BA10A}">
+      <p15:sldGuideLst xmlns:p15="http://schemas.microsoft.com/office/powerpoint/2012/main"/>
+    </p:ext>
+  </p:extLst>
 </p:presentation>
 </file>
 
@@ -265,7 +269,7 @@
           <a:p>
             <a:fld id="{D70CEF56-FFBC-B147-860C-8B246DC6B497}" type="datetimeFigureOut">
               <a:rPr lang="en-US" smtClean="0"/>
-              <a:t>11/15/21</a:t>
+              <a:t>11/16/21</a:t>
             </a:fld>
             <a:endParaRPr lang="en-US"/>
           </a:p>
@@ -463,7 +467,7 @@
           <a:p>
             <a:fld id="{D70CEF56-FFBC-B147-860C-8B246DC6B497}" type="datetimeFigureOut">
               <a:rPr lang="en-US" smtClean="0"/>
-              <a:t>11/15/21</a:t>
+              <a:t>11/16/21</a:t>
             </a:fld>
             <a:endParaRPr lang="en-US"/>
           </a:p>
@@ -671,7 +675,7 @@
           <a:p>
             <a:fld id="{D70CEF56-FFBC-B147-860C-8B246DC6B497}" type="datetimeFigureOut">
               <a:rPr lang="en-US" smtClean="0"/>
-              <a:t>11/15/21</a:t>
+              <a:t>11/16/21</a:t>
             </a:fld>
             <a:endParaRPr lang="en-US"/>
           </a:p>
@@ -869,7 +873,7 @@
           <a:p>
             <a:fld id="{D70CEF56-FFBC-B147-860C-8B246DC6B497}" type="datetimeFigureOut">
               <a:rPr lang="en-US" smtClean="0"/>
-              <a:t>11/15/21</a:t>
+              <a:t>11/16/21</a:t>
             </a:fld>
             <a:endParaRPr lang="en-US"/>
           </a:p>
@@ -1144,7 +1148,7 @@
           <a:p>
             <a:fld id="{D70CEF56-FFBC-B147-860C-8B246DC6B497}" type="datetimeFigureOut">
               <a:rPr lang="en-US" smtClean="0"/>
-              <a:t>11/15/21</a:t>
+              <a:t>11/16/21</a:t>
             </a:fld>
             <a:endParaRPr lang="en-US"/>
           </a:p>
@@ -1409,7 +1413,7 @@
           <a:p>
             <a:fld id="{D70CEF56-FFBC-B147-860C-8B246DC6B497}" type="datetimeFigureOut">
               <a:rPr lang="en-US" smtClean="0"/>
-              <a:t>11/15/21</a:t>
+              <a:t>11/16/21</a:t>
             </a:fld>
             <a:endParaRPr lang="en-US"/>
           </a:p>
@@ -1821,7 +1825,7 @@
           <a:p>
             <a:fld id="{D70CEF56-FFBC-B147-860C-8B246DC6B497}" type="datetimeFigureOut">
               <a:rPr lang="en-US" smtClean="0"/>
-              <a:t>11/15/21</a:t>
+              <a:t>11/16/21</a:t>
             </a:fld>
             <a:endParaRPr lang="en-US"/>
           </a:p>
@@ -1962,7 +1966,7 @@
           <a:p>
             <a:fld id="{D70CEF56-FFBC-B147-860C-8B246DC6B497}" type="datetimeFigureOut">
               <a:rPr lang="en-US" smtClean="0"/>
-              <a:t>11/15/21</a:t>
+              <a:t>11/16/21</a:t>
             </a:fld>
             <a:endParaRPr lang="en-US"/>
           </a:p>
@@ -2075,7 +2079,7 @@
           <a:p>
             <a:fld id="{D70CEF56-FFBC-B147-860C-8B246DC6B497}" type="datetimeFigureOut">
               <a:rPr lang="en-US" smtClean="0"/>
-              <a:t>11/15/21</a:t>
+              <a:t>11/16/21</a:t>
             </a:fld>
             <a:endParaRPr lang="en-US"/>
           </a:p>
@@ -2386,7 +2390,7 @@
           <a:p>
             <a:fld id="{D70CEF56-FFBC-B147-860C-8B246DC6B497}" type="datetimeFigureOut">
               <a:rPr lang="en-US" smtClean="0"/>
-              <a:t>11/15/21</a:t>
+              <a:t>11/16/21</a:t>
             </a:fld>
             <a:endParaRPr lang="en-US"/>
           </a:p>
@@ -2674,7 +2678,7 @@
           <a:p>
             <a:fld id="{D70CEF56-FFBC-B147-860C-8B246DC6B497}" type="datetimeFigureOut">
               <a:rPr lang="en-US" smtClean="0"/>
-              <a:t>11/15/21</a:t>
+              <a:t>11/16/21</a:t>
             </a:fld>
             <a:endParaRPr lang="en-US"/>
           </a:p>
@@ -2915,7 +2919,7 @@
           <a:p>
             <a:fld id="{D70CEF56-FFBC-B147-860C-8B246DC6B497}" type="datetimeFigureOut">
               <a:rPr lang="en-US" smtClean="0"/>
-              <a:t>11/15/21</a:t>
+              <a:t>11/16/21</a:t>
             </a:fld>
             <a:endParaRPr lang="en-US"/>
           </a:p>
@@ -3616,6 +3620,1623 @@
           </a:p>
         </p:txBody>
       </p:sp>
+      <p:grpSp>
+        <p:nvGrpSpPr>
+          <p:cNvPr id="5" name="Group 4">
+            <a:extLst>
+              <a:ext uri="{FF2B5EF4-FFF2-40B4-BE49-F238E27FC236}">
+                <a16:creationId xmlns:a16="http://schemas.microsoft.com/office/drawing/2014/main" id="{8F8EB8D1-8FDC-7A4A-9348-F698350D7E96}"/>
+              </a:ext>
+            </a:extLst>
+          </p:cNvPr>
+          <p:cNvGrpSpPr>
+            <a:grpSpLocks noChangeAspect="1"/>
+          </p:cNvGrpSpPr>
+          <p:nvPr/>
+        </p:nvGrpSpPr>
+        <p:grpSpPr>
+          <a:xfrm>
+            <a:off x="628002" y="1506390"/>
+            <a:ext cx="947338" cy="947338"/>
+            <a:chOff x="4172868" y="1408094"/>
+            <a:chExt cx="947338" cy="947338"/>
+          </a:xfrm>
+        </p:grpSpPr>
+        <p:sp>
+          <p:nvSpPr>
+            <p:cNvPr id="6" name="Rectangle 5">
+              <a:extLst>
+                <a:ext uri="{FF2B5EF4-FFF2-40B4-BE49-F238E27FC236}">
+                  <a16:creationId xmlns:a16="http://schemas.microsoft.com/office/drawing/2014/main" id="{F97EEAEC-183F-3242-B7AB-2AAD7E5C5847}"/>
+                </a:ext>
+              </a:extLst>
+            </p:cNvPr>
+            <p:cNvSpPr>
+              <a:spLocks noChangeAspect="1"/>
+            </p:cNvSpPr>
+            <p:nvPr/>
+          </p:nvSpPr>
+          <p:spPr>
+            <a:xfrm>
+              <a:off x="4172868" y="1408094"/>
+              <a:ext cx="947338" cy="947338"/>
+            </a:xfrm>
+            <a:prstGeom prst="rect">
+              <a:avLst/>
+            </a:prstGeom>
+            <a:solidFill>
+              <a:srgbClr val="EC131B"/>
+            </a:solidFill>
+            <a:ln>
+              <a:noFill/>
+            </a:ln>
+          </p:spPr>
+          <p:style>
+            <a:lnRef idx="2">
+              <a:schemeClr val="accent1">
+                <a:shade val="50000"/>
+              </a:schemeClr>
+            </a:lnRef>
+            <a:fillRef idx="1">
+              <a:schemeClr val="accent1"/>
+            </a:fillRef>
+            <a:effectRef idx="0">
+              <a:schemeClr val="accent1"/>
+            </a:effectRef>
+            <a:fontRef idx="minor">
+              <a:schemeClr val="lt1"/>
+            </a:fontRef>
+          </p:style>
+          <p:txBody>
+            <a:bodyPr rtlCol="0" anchor="ctr"/>
+            <a:lstStyle/>
+            <a:p>
+              <a:pPr algn="ctr"/>
+              <a:endParaRPr lang="en-US" dirty="0"/>
+            </a:p>
+          </p:txBody>
+        </p:sp>
+        <p:sp>
+          <p:nvSpPr>
+            <p:cNvPr id="8" name="Freeform 77">
+              <a:extLst>
+                <a:ext uri="{FF2B5EF4-FFF2-40B4-BE49-F238E27FC236}">
+                  <a16:creationId xmlns:a16="http://schemas.microsoft.com/office/drawing/2014/main" id="{E366C4E8-69E6-A744-9E0C-401C8F45ED37}"/>
+                </a:ext>
+              </a:extLst>
+            </p:cNvPr>
+            <p:cNvSpPr>
+              <a:spLocks noChangeAspect="1" noEditPoints="1"/>
+            </p:cNvSpPr>
+            <p:nvPr/>
+          </p:nvSpPr>
+          <p:spPr bwMode="auto">
+            <a:xfrm>
+              <a:off x="4255149" y="1585298"/>
+              <a:ext cx="782776" cy="592931"/>
+            </a:xfrm>
+            <a:custGeom>
+              <a:avLst/>
+              <a:gdLst>
+                <a:gd name="T0" fmla="*/ 398 w 493"/>
+                <a:gd name="T1" fmla="*/ 19 h 373"/>
+                <a:gd name="T2" fmla="*/ 346 w 493"/>
+                <a:gd name="T3" fmla="*/ 36 h 373"/>
+                <a:gd name="T4" fmla="*/ 249 w 493"/>
+                <a:gd name="T5" fmla="*/ 74 h 373"/>
+                <a:gd name="T6" fmla="*/ 135 w 493"/>
+                <a:gd name="T7" fmla="*/ 48 h 373"/>
+                <a:gd name="T8" fmla="*/ 121 w 493"/>
+                <a:gd name="T9" fmla="*/ 2 h 373"/>
+                <a:gd name="T10" fmla="*/ 27 w 493"/>
+                <a:gd name="T11" fmla="*/ 147 h 373"/>
+                <a:gd name="T12" fmla="*/ 122 w 493"/>
+                <a:gd name="T13" fmla="*/ 209 h 373"/>
+                <a:gd name="T14" fmla="*/ 112 w 493"/>
+                <a:gd name="T15" fmla="*/ 283 h 373"/>
+                <a:gd name="T16" fmla="*/ 142 w 493"/>
+                <a:gd name="T17" fmla="*/ 313 h 373"/>
+                <a:gd name="T18" fmla="*/ 173 w 493"/>
+                <a:gd name="T19" fmla="*/ 344 h 373"/>
+                <a:gd name="T20" fmla="*/ 201 w 493"/>
+                <a:gd name="T21" fmla="*/ 373 h 373"/>
+                <a:gd name="T22" fmla="*/ 286 w 493"/>
+                <a:gd name="T23" fmla="*/ 361 h 373"/>
+                <a:gd name="T24" fmla="*/ 341 w 493"/>
+                <a:gd name="T25" fmla="*/ 305 h 373"/>
+                <a:gd name="T26" fmla="*/ 392 w 493"/>
+                <a:gd name="T27" fmla="*/ 265 h 373"/>
+                <a:gd name="T28" fmla="*/ 457 w 493"/>
+                <a:gd name="T29" fmla="*/ 147 h 373"/>
+                <a:gd name="T30" fmla="*/ 491 w 493"/>
+                <a:gd name="T31" fmla="*/ 113 h 373"/>
+                <a:gd name="T32" fmla="*/ 108 w 493"/>
+                <a:gd name="T33" fmla="*/ 41 h 373"/>
+                <a:gd name="T34" fmla="*/ 108 w 493"/>
+                <a:gd name="T35" fmla="*/ 24 h 373"/>
+                <a:gd name="T36" fmla="*/ 122 w 493"/>
+                <a:gd name="T37" fmla="*/ 44 h 373"/>
+                <a:gd name="T38" fmla="*/ 101 w 493"/>
+                <a:gd name="T39" fmla="*/ 267 h 373"/>
+                <a:gd name="T40" fmla="*/ 163 w 493"/>
+                <a:gd name="T41" fmla="*/ 190 h 373"/>
+                <a:gd name="T42" fmla="*/ 101 w 493"/>
+                <a:gd name="T43" fmla="*/ 267 h 373"/>
+                <a:gd name="T44" fmla="*/ 183 w 493"/>
+                <a:gd name="T45" fmla="*/ 225 h 373"/>
+                <a:gd name="T46" fmla="*/ 204 w 493"/>
+                <a:gd name="T47" fmla="*/ 245 h 373"/>
+                <a:gd name="T48" fmla="*/ 158 w 493"/>
+                <a:gd name="T49" fmla="*/ 318 h 373"/>
+                <a:gd name="T50" fmla="*/ 235 w 493"/>
+                <a:gd name="T51" fmla="*/ 256 h 373"/>
+                <a:gd name="T52" fmla="*/ 183 w 493"/>
+                <a:gd name="T53" fmla="*/ 328 h 373"/>
+                <a:gd name="T54" fmla="*/ 191 w 493"/>
+                <a:gd name="T55" fmla="*/ 357 h 373"/>
+                <a:gd name="T56" fmla="*/ 243 w 493"/>
+                <a:gd name="T57" fmla="*/ 285 h 373"/>
+                <a:gd name="T58" fmla="*/ 263 w 493"/>
+                <a:gd name="T59" fmla="*/ 305 h 373"/>
+                <a:gd name="T60" fmla="*/ 352 w 493"/>
+                <a:gd name="T61" fmla="*/ 246 h 373"/>
+                <a:gd name="T62" fmla="*/ 354 w 493"/>
+                <a:gd name="T63" fmla="*/ 265 h 373"/>
+                <a:gd name="T64" fmla="*/ 315 w 493"/>
+                <a:gd name="T65" fmla="*/ 276 h 373"/>
+                <a:gd name="T66" fmla="*/ 325 w 493"/>
+                <a:gd name="T67" fmla="*/ 315 h 373"/>
+                <a:gd name="T68" fmla="*/ 285 w 493"/>
+                <a:gd name="T69" fmla="*/ 304 h 373"/>
+                <a:gd name="T70" fmla="*/ 296 w 493"/>
+                <a:gd name="T71" fmla="*/ 344 h 373"/>
+                <a:gd name="T72" fmla="*/ 272 w 493"/>
+                <a:gd name="T73" fmla="*/ 276 h 373"/>
+                <a:gd name="T74" fmla="*/ 243 w 493"/>
+                <a:gd name="T75" fmla="*/ 247 h 373"/>
+                <a:gd name="T76" fmla="*/ 190 w 493"/>
+                <a:gd name="T77" fmla="*/ 209 h 373"/>
+                <a:gd name="T78" fmla="*/ 56 w 493"/>
+                <a:gd name="T79" fmla="*/ 127 h 373"/>
+                <a:gd name="T80" fmla="*/ 217 w 493"/>
+                <a:gd name="T81" fmla="*/ 106 h 373"/>
+                <a:gd name="T82" fmla="*/ 274 w 493"/>
+                <a:gd name="T83" fmla="*/ 126 h 373"/>
+                <a:gd name="T84" fmla="*/ 383 w 493"/>
+                <a:gd name="T85" fmla="*/ 257 h 373"/>
+                <a:gd name="T86" fmla="*/ 269 w 493"/>
+                <a:gd name="T87" fmla="*/ 114 h 373"/>
+                <a:gd name="T88" fmla="*/ 274 w 493"/>
+                <a:gd name="T89" fmla="*/ 76 h 373"/>
+                <a:gd name="T90" fmla="*/ 437 w 493"/>
+                <a:gd name="T91" fmla="*/ 128 h 373"/>
+                <a:gd name="T92" fmla="*/ 376 w 493"/>
+                <a:gd name="T93" fmla="*/ 15 h 373"/>
+                <a:gd name="T94" fmla="*/ 381 w 493"/>
+                <a:gd name="T95" fmla="*/ 42 h 373"/>
+                <a:gd name="T96" fmla="*/ 461 w 493"/>
+                <a:gd name="T97" fmla="*/ 134 h 373"/>
+              </a:gdLst>
+              <a:ahLst/>
+              <a:cxnLst>
+                <a:cxn ang="0">
+                  <a:pos x="T0" y="T1"/>
+                </a:cxn>
+                <a:cxn ang="0">
+                  <a:pos x="T2" y="T3"/>
+                </a:cxn>
+                <a:cxn ang="0">
+                  <a:pos x="T4" y="T5"/>
+                </a:cxn>
+                <a:cxn ang="0">
+                  <a:pos x="T6" y="T7"/>
+                </a:cxn>
+                <a:cxn ang="0">
+                  <a:pos x="T8" y="T9"/>
+                </a:cxn>
+                <a:cxn ang="0">
+                  <a:pos x="T10" y="T11"/>
+                </a:cxn>
+                <a:cxn ang="0">
+                  <a:pos x="T12" y="T13"/>
+                </a:cxn>
+                <a:cxn ang="0">
+                  <a:pos x="T14" y="T15"/>
+                </a:cxn>
+                <a:cxn ang="0">
+                  <a:pos x="T16" y="T17"/>
+                </a:cxn>
+                <a:cxn ang="0">
+                  <a:pos x="T18" y="T19"/>
+                </a:cxn>
+                <a:cxn ang="0">
+                  <a:pos x="T20" y="T21"/>
+                </a:cxn>
+                <a:cxn ang="0">
+                  <a:pos x="T22" y="T23"/>
+                </a:cxn>
+                <a:cxn ang="0">
+                  <a:pos x="T24" y="T25"/>
+                </a:cxn>
+                <a:cxn ang="0">
+                  <a:pos x="T26" y="T27"/>
+                </a:cxn>
+                <a:cxn ang="0">
+                  <a:pos x="T28" y="T29"/>
+                </a:cxn>
+                <a:cxn ang="0">
+                  <a:pos x="T30" y="T31"/>
+                </a:cxn>
+                <a:cxn ang="0">
+                  <a:pos x="T32" y="T33"/>
+                </a:cxn>
+                <a:cxn ang="0">
+                  <a:pos x="T34" y="T35"/>
+                </a:cxn>
+                <a:cxn ang="0">
+                  <a:pos x="T36" y="T37"/>
+                </a:cxn>
+                <a:cxn ang="0">
+                  <a:pos x="T38" y="T39"/>
+                </a:cxn>
+                <a:cxn ang="0">
+                  <a:pos x="T40" y="T41"/>
+                </a:cxn>
+                <a:cxn ang="0">
+                  <a:pos x="T42" y="T43"/>
+                </a:cxn>
+                <a:cxn ang="0">
+                  <a:pos x="T44" y="T45"/>
+                </a:cxn>
+                <a:cxn ang="0">
+                  <a:pos x="T46" y="T47"/>
+                </a:cxn>
+                <a:cxn ang="0">
+                  <a:pos x="T48" y="T49"/>
+                </a:cxn>
+                <a:cxn ang="0">
+                  <a:pos x="T50" y="T51"/>
+                </a:cxn>
+                <a:cxn ang="0">
+                  <a:pos x="T52" y="T53"/>
+                </a:cxn>
+                <a:cxn ang="0">
+                  <a:pos x="T54" y="T55"/>
+                </a:cxn>
+                <a:cxn ang="0">
+                  <a:pos x="T56" y="T57"/>
+                </a:cxn>
+                <a:cxn ang="0">
+                  <a:pos x="T58" y="T59"/>
+                </a:cxn>
+                <a:cxn ang="0">
+                  <a:pos x="T60" y="T61"/>
+                </a:cxn>
+                <a:cxn ang="0">
+                  <a:pos x="T62" y="T63"/>
+                </a:cxn>
+                <a:cxn ang="0">
+                  <a:pos x="T64" y="T65"/>
+                </a:cxn>
+                <a:cxn ang="0">
+                  <a:pos x="T66" y="T67"/>
+                </a:cxn>
+                <a:cxn ang="0">
+                  <a:pos x="T68" y="T69"/>
+                </a:cxn>
+                <a:cxn ang="0">
+                  <a:pos x="T70" y="T71"/>
+                </a:cxn>
+                <a:cxn ang="0">
+                  <a:pos x="T72" y="T73"/>
+                </a:cxn>
+                <a:cxn ang="0">
+                  <a:pos x="T74" y="T75"/>
+                </a:cxn>
+                <a:cxn ang="0">
+                  <a:pos x="T76" y="T77"/>
+                </a:cxn>
+                <a:cxn ang="0">
+                  <a:pos x="T78" y="T79"/>
+                </a:cxn>
+                <a:cxn ang="0">
+                  <a:pos x="T80" y="T81"/>
+                </a:cxn>
+                <a:cxn ang="0">
+                  <a:pos x="T82" y="T83"/>
+                </a:cxn>
+                <a:cxn ang="0">
+                  <a:pos x="T84" y="T85"/>
+                </a:cxn>
+                <a:cxn ang="0">
+                  <a:pos x="T86" y="T87"/>
+                </a:cxn>
+                <a:cxn ang="0">
+                  <a:pos x="T88" y="T89"/>
+                </a:cxn>
+                <a:cxn ang="0">
+                  <a:pos x="T90" y="T91"/>
+                </a:cxn>
+                <a:cxn ang="0">
+                  <a:pos x="T92" y="T93"/>
+                </a:cxn>
+                <a:cxn ang="0">
+                  <a:pos x="T94" y="T95"/>
+                </a:cxn>
+                <a:cxn ang="0">
+                  <a:pos x="T96" y="T97"/>
+                </a:cxn>
+              </a:cxnLst>
+              <a:rect l="0" t="0" r="r" b="b"/>
+              <a:pathLst>
+                <a:path w="493" h="373">
+                  <a:moveTo>
+                    <a:pt x="491" y="113"/>
+                  </a:moveTo>
+                  <a:cubicBezTo>
+                    <a:pt x="398" y="20"/>
+                    <a:pt x="398" y="20"/>
+                    <a:pt x="398" y="20"/>
+                  </a:cubicBezTo>
+                  <a:cubicBezTo>
+                    <a:pt x="398" y="20"/>
+                    <a:pt x="398" y="20"/>
+                    <a:pt x="398" y="20"/>
+                  </a:cubicBezTo>
+                  <a:cubicBezTo>
+                    <a:pt x="398" y="20"/>
+                    <a:pt x="398" y="20"/>
+                    <a:pt x="398" y="19"/>
+                  </a:cubicBezTo>
+                  <a:cubicBezTo>
+                    <a:pt x="380" y="2"/>
+                    <a:pt x="380" y="2"/>
+                    <a:pt x="380" y="2"/>
+                  </a:cubicBezTo>
+                  <a:cubicBezTo>
+                    <a:pt x="378" y="0"/>
+                    <a:pt x="374" y="0"/>
+                    <a:pt x="372" y="2"/>
+                  </a:cubicBezTo>
+                  <a:cubicBezTo>
+                    <a:pt x="346" y="28"/>
+                    <a:pt x="346" y="28"/>
+                    <a:pt x="346" y="28"/>
+                  </a:cubicBezTo>
+                  <a:cubicBezTo>
+                    <a:pt x="344" y="30"/>
+                    <a:pt x="344" y="34"/>
+                    <a:pt x="346" y="36"/>
+                  </a:cubicBezTo>
+                  <a:cubicBezTo>
+                    <a:pt x="358" y="48"/>
+                    <a:pt x="358" y="48"/>
+                    <a:pt x="358" y="48"/>
+                  </a:cubicBezTo>
+                  <a:cubicBezTo>
+                    <a:pt x="331" y="74"/>
+                    <a:pt x="331" y="74"/>
+                    <a:pt x="331" y="74"/>
+                  </a:cubicBezTo>
+                  <a:cubicBezTo>
+                    <a:pt x="322" y="83"/>
+                    <a:pt x="307" y="83"/>
+                    <a:pt x="298" y="74"/>
+                  </a:cubicBezTo>
+                  <a:cubicBezTo>
+                    <a:pt x="285" y="61"/>
+                    <a:pt x="262" y="61"/>
+                    <a:pt x="249" y="74"/>
+                  </a:cubicBezTo>
+                  <a:cubicBezTo>
+                    <a:pt x="229" y="94"/>
+                    <a:pt x="229" y="94"/>
+                    <a:pt x="229" y="94"/>
+                  </a:cubicBezTo>
+                  <a:cubicBezTo>
+                    <a:pt x="203" y="94"/>
+                    <a:pt x="203" y="94"/>
+                    <a:pt x="203" y="94"/>
+                  </a:cubicBezTo>
+                  <a:cubicBezTo>
+                    <a:pt x="189" y="94"/>
+                    <a:pt x="175" y="88"/>
+                    <a:pt x="164" y="77"/>
+                  </a:cubicBezTo>
+                  <a:cubicBezTo>
+                    <a:pt x="135" y="48"/>
+                    <a:pt x="135" y="48"/>
+                    <a:pt x="135" y="48"/>
+                  </a:cubicBezTo>
+                  <a:cubicBezTo>
+                    <a:pt x="147" y="36"/>
+                    <a:pt x="147" y="36"/>
+                    <a:pt x="147" y="36"/>
+                  </a:cubicBezTo>
+                  <a:cubicBezTo>
+                    <a:pt x="148" y="35"/>
+                    <a:pt x="149" y="33"/>
+                    <a:pt x="149" y="32"/>
+                  </a:cubicBezTo>
+                  <a:cubicBezTo>
+                    <a:pt x="149" y="30"/>
+                    <a:pt x="148" y="29"/>
+                    <a:pt x="147" y="28"/>
+                  </a:cubicBezTo>
+                  <a:cubicBezTo>
+                    <a:pt x="121" y="2"/>
+                    <a:pt x="121" y="2"/>
+                    <a:pt x="121" y="2"/>
+                  </a:cubicBezTo>
+                  <a:cubicBezTo>
+                    <a:pt x="119" y="0"/>
+                    <a:pt x="115" y="0"/>
+                    <a:pt x="113" y="2"/>
+                  </a:cubicBezTo>
+                  <a:cubicBezTo>
+                    <a:pt x="2" y="113"/>
+                    <a:pt x="2" y="113"/>
+                    <a:pt x="2" y="113"/>
+                  </a:cubicBezTo>
+                  <a:cubicBezTo>
+                    <a:pt x="0" y="115"/>
+                    <a:pt x="0" y="119"/>
+                    <a:pt x="2" y="122"/>
+                  </a:cubicBezTo>
+                  <a:cubicBezTo>
+                    <a:pt x="27" y="147"/>
+                    <a:pt x="27" y="147"/>
+                    <a:pt x="27" y="147"/>
+                  </a:cubicBezTo>
+                  <a:cubicBezTo>
+                    <a:pt x="29" y="148"/>
+                    <a:pt x="30" y="149"/>
+                    <a:pt x="32" y="149"/>
+                  </a:cubicBezTo>
+                  <a:cubicBezTo>
+                    <a:pt x="33" y="149"/>
+                    <a:pt x="35" y="148"/>
+                    <a:pt x="36" y="147"/>
+                  </a:cubicBezTo>
+                  <a:cubicBezTo>
+                    <a:pt x="48" y="135"/>
+                    <a:pt x="48" y="135"/>
+                    <a:pt x="48" y="135"/>
+                  </a:cubicBezTo>
+                  <a:cubicBezTo>
+                    <a:pt x="122" y="209"/>
+                    <a:pt x="122" y="209"/>
+                    <a:pt x="122" y="209"/>
+                  </a:cubicBezTo>
+                  <a:cubicBezTo>
+                    <a:pt x="93" y="238"/>
+                    <a:pt x="93" y="238"/>
+                    <a:pt x="93" y="238"/>
+                  </a:cubicBezTo>
+                  <a:cubicBezTo>
+                    <a:pt x="88" y="243"/>
+                    <a:pt x="85" y="250"/>
+                    <a:pt x="85" y="257"/>
+                  </a:cubicBezTo>
+                  <a:cubicBezTo>
+                    <a:pt x="85" y="264"/>
+                    <a:pt x="88" y="270"/>
+                    <a:pt x="93" y="275"/>
+                  </a:cubicBezTo>
+                  <a:cubicBezTo>
+                    <a:pt x="98" y="281"/>
+                    <a:pt x="105" y="283"/>
+                    <a:pt x="112" y="283"/>
+                  </a:cubicBezTo>
+                  <a:cubicBezTo>
+                    <a:pt x="113" y="283"/>
+                    <a:pt x="114" y="283"/>
+                    <a:pt x="116" y="283"/>
+                  </a:cubicBezTo>
+                  <a:cubicBezTo>
+                    <a:pt x="115" y="284"/>
+                    <a:pt x="115" y="285"/>
+                    <a:pt x="115" y="287"/>
+                  </a:cubicBezTo>
+                  <a:cubicBezTo>
+                    <a:pt x="115" y="294"/>
+                    <a:pt x="118" y="300"/>
+                    <a:pt x="123" y="306"/>
+                  </a:cubicBezTo>
+                  <a:cubicBezTo>
+                    <a:pt x="128" y="311"/>
+                    <a:pt x="135" y="313"/>
+                    <a:pt x="142" y="313"/>
+                  </a:cubicBezTo>
+                  <a:cubicBezTo>
+                    <a:pt x="143" y="313"/>
+                    <a:pt x="145" y="313"/>
+                    <a:pt x="147" y="313"/>
+                  </a:cubicBezTo>
+                  <a:cubicBezTo>
+                    <a:pt x="146" y="314"/>
+                    <a:pt x="146" y="316"/>
+                    <a:pt x="146" y="318"/>
+                  </a:cubicBezTo>
+                  <a:cubicBezTo>
+                    <a:pt x="146" y="325"/>
+                    <a:pt x="149" y="331"/>
+                    <a:pt x="154" y="336"/>
+                  </a:cubicBezTo>
+                  <a:cubicBezTo>
+                    <a:pt x="159" y="341"/>
+                    <a:pt x="166" y="344"/>
+                    <a:pt x="173" y="344"/>
+                  </a:cubicBezTo>
+                  <a:cubicBezTo>
+                    <a:pt x="173" y="344"/>
+                    <a:pt x="174" y="344"/>
+                    <a:pt x="175" y="344"/>
+                  </a:cubicBezTo>
+                  <a:cubicBezTo>
+                    <a:pt x="175" y="345"/>
+                    <a:pt x="175" y="346"/>
+                    <a:pt x="175" y="346"/>
+                  </a:cubicBezTo>
+                  <a:cubicBezTo>
+                    <a:pt x="175" y="353"/>
+                    <a:pt x="178" y="360"/>
+                    <a:pt x="183" y="365"/>
+                  </a:cubicBezTo>
+                  <a:cubicBezTo>
+                    <a:pt x="188" y="370"/>
+                    <a:pt x="194" y="373"/>
+                    <a:pt x="201" y="373"/>
+                  </a:cubicBezTo>
+                  <a:cubicBezTo>
+                    <a:pt x="209" y="373"/>
+                    <a:pt x="215" y="370"/>
+                    <a:pt x="220" y="365"/>
+                  </a:cubicBezTo>
+                  <a:cubicBezTo>
+                    <a:pt x="250" y="336"/>
+                    <a:pt x="250" y="336"/>
+                    <a:pt x="250" y="336"/>
+                  </a:cubicBezTo>
+                  <a:cubicBezTo>
+                    <a:pt x="267" y="353"/>
+                    <a:pt x="267" y="353"/>
+                    <a:pt x="267" y="353"/>
+                  </a:cubicBezTo>
+                  <a:cubicBezTo>
+                    <a:pt x="272" y="358"/>
+                    <a:pt x="279" y="361"/>
+                    <a:pt x="286" y="361"/>
+                  </a:cubicBezTo>
+                  <a:cubicBezTo>
+                    <a:pt x="292" y="361"/>
+                    <a:pt x="299" y="358"/>
+                    <a:pt x="304" y="353"/>
+                  </a:cubicBezTo>
+                  <a:cubicBezTo>
+                    <a:pt x="310" y="347"/>
+                    <a:pt x="313" y="339"/>
+                    <a:pt x="312" y="331"/>
+                  </a:cubicBezTo>
+                  <a:cubicBezTo>
+                    <a:pt x="320" y="332"/>
+                    <a:pt x="328" y="330"/>
+                    <a:pt x="334" y="324"/>
+                  </a:cubicBezTo>
+                  <a:cubicBezTo>
+                    <a:pt x="339" y="319"/>
+                    <a:pt x="341" y="312"/>
+                    <a:pt x="341" y="305"/>
+                  </a:cubicBezTo>
+                  <a:cubicBezTo>
+                    <a:pt x="341" y="304"/>
+                    <a:pt x="341" y="303"/>
+                    <a:pt x="341" y="302"/>
+                  </a:cubicBezTo>
+                  <a:cubicBezTo>
+                    <a:pt x="349" y="303"/>
+                    <a:pt x="357" y="300"/>
+                    <a:pt x="363" y="295"/>
+                  </a:cubicBezTo>
+                  <a:cubicBezTo>
+                    <a:pt x="369" y="289"/>
+                    <a:pt x="371" y="281"/>
+                    <a:pt x="370" y="273"/>
+                  </a:cubicBezTo>
+                  <a:cubicBezTo>
+                    <a:pt x="378" y="274"/>
+                    <a:pt x="386" y="271"/>
+                    <a:pt x="392" y="265"/>
+                  </a:cubicBezTo>
+                  <a:cubicBezTo>
+                    <a:pt x="402" y="255"/>
+                    <a:pt x="402" y="238"/>
+                    <a:pt x="392" y="228"/>
+                  </a:cubicBezTo>
+                  <a:cubicBezTo>
+                    <a:pt x="373" y="209"/>
+                    <a:pt x="373" y="209"/>
+                    <a:pt x="373" y="209"/>
+                  </a:cubicBezTo>
+                  <a:cubicBezTo>
+                    <a:pt x="446" y="136"/>
+                    <a:pt x="446" y="136"/>
+                    <a:pt x="446" y="136"/>
+                  </a:cubicBezTo>
+                  <a:cubicBezTo>
+                    <a:pt x="457" y="147"/>
+                    <a:pt x="457" y="147"/>
+                    <a:pt x="457" y="147"/>
+                  </a:cubicBezTo>
+                  <a:cubicBezTo>
+                    <a:pt x="458" y="148"/>
+                    <a:pt x="460" y="149"/>
+                    <a:pt x="461" y="149"/>
+                  </a:cubicBezTo>
+                  <a:cubicBezTo>
+                    <a:pt x="463" y="149"/>
+                    <a:pt x="464" y="148"/>
+                    <a:pt x="466" y="147"/>
+                  </a:cubicBezTo>
+                  <a:cubicBezTo>
+                    <a:pt x="491" y="122"/>
+                    <a:pt x="491" y="122"/>
+                    <a:pt x="491" y="122"/>
+                  </a:cubicBezTo>
+                  <a:cubicBezTo>
+                    <a:pt x="493" y="119"/>
+                    <a:pt x="493" y="115"/>
+                    <a:pt x="491" y="113"/>
+                  </a:cubicBezTo>
+                  <a:close/>
+                  <a:moveTo>
+                    <a:pt x="32" y="134"/>
+                  </a:moveTo>
+                  <a:cubicBezTo>
+                    <a:pt x="15" y="117"/>
+                    <a:pt x="15" y="117"/>
+                    <a:pt x="15" y="117"/>
+                  </a:cubicBezTo>
+                  <a:cubicBezTo>
+                    <a:pt x="100" y="32"/>
+                    <a:pt x="100" y="32"/>
+                    <a:pt x="100" y="32"/>
+                  </a:cubicBezTo>
+                  <a:cubicBezTo>
+                    <a:pt x="108" y="41"/>
+                    <a:pt x="108" y="41"/>
+                    <a:pt x="108" y="41"/>
+                  </a:cubicBezTo>
+                  <a:cubicBezTo>
+                    <a:pt x="109" y="42"/>
+                    <a:pt x="111" y="42"/>
+                    <a:pt x="112" y="42"/>
+                  </a:cubicBezTo>
+                  <a:cubicBezTo>
+                    <a:pt x="114" y="42"/>
+                    <a:pt x="115" y="42"/>
+                    <a:pt x="116" y="41"/>
+                  </a:cubicBezTo>
+                  <a:cubicBezTo>
+                    <a:pt x="119" y="38"/>
+                    <a:pt x="119" y="35"/>
+                    <a:pt x="116" y="32"/>
+                  </a:cubicBezTo>
+                  <a:cubicBezTo>
+                    <a:pt x="108" y="24"/>
+                    <a:pt x="108" y="24"/>
+                    <a:pt x="108" y="24"/>
+                  </a:cubicBezTo>
+                  <a:cubicBezTo>
+                    <a:pt x="117" y="15"/>
+                    <a:pt x="117" y="15"/>
+                    <a:pt x="117" y="15"/>
+                  </a:cubicBezTo>
+                  <a:cubicBezTo>
+                    <a:pt x="134" y="32"/>
+                    <a:pt x="134" y="32"/>
+                    <a:pt x="134" y="32"/>
+                  </a:cubicBezTo>
+                  <a:cubicBezTo>
+                    <a:pt x="123" y="43"/>
+                    <a:pt x="123" y="43"/>
+                    <a:pt x="123" y="43"/>
+                  </a:cubicBezTo>
+                  <a:cubicBezTo>
+                    <a:pt x="123" y="43"/>
+                    <a:pt x="122" y="43"/>
+                    <a:pt x="122" y="44"/>
+                  </a:cubicBezTo>
+                  <a:cubicBezTo>
+                    <a:pt x="44" y="122"/>
+                    <a:pt x="44" y="122"/>
+                    <a:pt x="44" y="122"/>
+                  </a:cubicBezTo>
+                  <a:cubicBezTo>
+                    <a:pt x="43" y="122"/>
+                    <a:pt x="43" y="123"/>
+                    <a:pt x="43" y="123"/>
+                  </a:cubicBezTo>
+                  <a:lnTo>
+                    <a:pt x="32" y="134"/>
+                  </a:lnTo>
+                  <a:close/>
+                  <a:moveTo>
+                    <a:pt x="101" y="267"/>
+                  </a:moveTo>
+                  <a:cubicBezTo>
+                    <a:pt x="99" y="264"/>
+                    <a:pt x="97" y="261"/>
+                    <a:pt x="97" y="257"/>
+                  </a:cubicBezTo>
+                  <a:cubicBezTo>
+                    <a:pt x="97" y="253"/>
+                    <a:pt x="99" y="249"/>
+                    <a:pt x="101" y="246"/>
+                  </a:cubicBezTo>
+                  <a:cubicBezTo>
+                    <a:pt x="153" y="195"/>
+                    <a:pt x="153" y="195"/>
+                    <a:pt x="153" y="195"/>
+                  </a:cubicBezTo>
+                  <a:cubicBezTo>
+                    <a:pt x="156" y="192"/>
+                    <a:pt x="160" y="190"/>
+                    <a:pt x="163" y="190"/>
+                  </a:cubicBezTo>
+                  <a:cubicBezTo>
+                    <a:pt x="167" y="190"/>
+                    <a:pt x="171" y="192"/>
+                    <a:pt x="174" y="195"/>
+                  </a:cubicBezTo>
+                  <a:cubicBezTo>
+                    <a:pt x="179" y="200"/>
+                    <a:pt x="179" y="210"/>
+                    <a:pt x="174" y="215"/>
+                  </a:cubicBezTo>
+                  <a:cubicBezTo>
+                    <a:pt x="122" y="267"/>
+                    <a:pt x="122" y="267"/>
+                    <a:pt x="122" y="267"/>
+                  </a:cubicBezTo>
+                  <a:cubicBezTo>
+                    <a:pt x="116" y="273"/>
+                    <a:pt x="107" y="273"/>
+                    <a:pt x="101" y="267"/>
+                  </a:cubicBezTo>
+                  <a:close/>
+                  <a:moveTo>
+                    <a:pt x="132" y="297"/>
+                  </a:moveTo>
+                  <a:cubicBezTo>
+                    <a:pt x="129" y="294"/>
+                    <a:pt x="127" y="291"/>
+                    <a:pt x="127" y="287"/>
+                  </a:cubicBezTo>
+                  <a:cubicBezTo>
+                    <a:pt x="127" y="283"/>
+                    <a:pt x="129" y="279"/>
+                    <a:pt x="132" y="276"/>
+                  </a:cubicBezTo>
+                  <a:cubicBezTo>
+                    <a:pt x="183" y="225"/>
+                    <a:pt x="183" y="225"/>
+                    <a:pt x="183" y="225"/>
+                  </a:cubicBezTo>
+                  <a:cubicBezTo>
+                    <a:pt x="186" y="222"/>
+                    <a:pt x="190" y="221"/>
+                    <a:pt x="194" y="221"/>
+                  </a:cubicBezTo>
+                  <a:cubicBezTo>
+                    <a:pt x="197" y="221"/>
+                    <a:pt x="201" y="222"/>
+                    <a:pt x="204" y="225"/>
+                  </a:cubicBezTo>
+                  <a:cubicBezTo>
+                    <a:pt x="207" y="228"/>
+                    <a:pt x="208" y="231"/>
+                    <a:pt x="208" y="235"/>
+                  </a:cubicBezTo>
+                  <a:cubicBezTo>
+                    <a:pt x="208" y="239"/>
+                    <a:pt x="207" y="243"/>
+                    <a:pt x="204" y="245"/>
+                  </a:cubicBezTo>
+                  <a:cubicBezTo>
+                    <a:pt x="152" y="297"/>
+                    <a:pt x="152" y="297"/>
+                    <a:pt x="152" y="297"/>
+                  </a:cubicBezTo>
+                  <a:cubicBezTo>
+                    <a:pt x="147" y="303"/>
+                    <a:pt x="137" y="303"/>
+                    <a:pt x="132" y="297"/>
+                  </a:cubicBezTo>
+                  <a:close/>
+                  <a:moveTo>
+                    <a:pt x="162" y="328"/>
+                  </a:moveTo>
+                  <a:cubicBezTo>
+                    <a:pt x="160" y="325"/>
+                    <a:pt x="158" y="321"/>
+                    <a:pt x="158" y="318"/>
+                  </a:cubicBezTo>
+                  <a:cubicBezTo>
+                    <a:pt x="158" y="314"/>
+                    <a:pt x="160" y="310"/>
+                    <a:pt x="162" y="307"/>
+                  </a:cubicBezTo>
+                  <a:cubicBezTo>
+                    <a:pt x="214" y="256"/>
+                    <a:pt x="214" y="256"/>
+                    <a:pt x="214" y="256"/>
+                  </a:cubicBezTo>
+                  <a:cubicBezTo>
+                    <a:pt x="217" y="253"/>
+                    <a:pt x="221" y="251"/>
+                    <a:pt x="224" y="251"/>
+                  </a:cubicBezTo>
+                  <a:cubicBezTo>
+                    <a:pt x="228" y="251"/>
+                    <a:pt x="232" y="253"/>
+                    <a:pt x="235" y="256"/>
+                  </a:cubicBezTo>
+                  <a:cubicBezTo>
+                    <a:pt x="237" y="258"/>
+                    <a:pt x="239" y="262"/>
+                    <a:pt x="239" y="266"/>
+                  </a:cubicBezTo>
+                  <a:cubicBezTo>
+                    <a:pt x="239" y="269"/>
+                    <a:pt x="238" y="272"/>
+                    <a:pt x="237" y="274"/>
+                  </a:cubicBezTo>
+                  <a:cubicBezTo>
+                    <a:pt x="236" y="275"/>
+                    <a:pt x="235" y="275"/>
+                    <a:pt x="234" y="276"/>
+                  </a:cubicBezTo>
+                  <a:cubicBezTo>
+                    <a:pt x="183" y="328"/>
+                    <a:pt x="183" y="328"/>
+                    <a:pt x="183" y="328"/>
+                  </a:cubicBezTo>
+                  <a:cubicBezTo>
+                    <a:pt x="182" y="328"/>
+                    <a:pt x="181" y="329"/>
+                    <a:pt x="181" y="330"/>
+                  </a:cubicBezTo>
+                  <a:cubicBezTo>
+                    <a:pt x="175" y="333"/>
+                    <a:pt x="167" y="333"/>
+                    <a:pt x="162" y="328"/>
+                  </a:cubicBezTo>
+                  <a:close/>
+                  <a:moveTo>
+                    <a:pt x="212" y="357"/>
+                  </a:moveTo>
+                  <a:cubicBezTo>
+                    <a:pt x="206" y="362"/>
+                    <a:pt x="197" y="362"/>
+                    <a:pt x="191" y="357"/>
+                  </a:cubicBezTo>
+                  <a:cubicBezTo>
+                    <a:pt x="188" y="354"/>
+                    <a:pt x="187" y="350"/>
+                    <a:pt x="187" y="346"/>
+                  </a:cubicBezTo>
+                  <a:cubicBezTo>
+                    <a:pt x="187" y="343"/>
+                    <a:pt x="188" y="341"/>
+                    <a:pt x="189" y="338"/>
+                  </a:cubicBezTo>
+                  <a:cubicBezTo>
+                    <a:pt x="190" y="338"/>
+                    <a:pt x="191" y="337"/>
+                    <a:pt x="192" y="336"/>
+                  </a:cubicBezTo>
+                  <a:cubicBezTo>
+                    <a:pt x="243" y="285"/>
+                    <a:pt x="243" y="285"/>
+                    <a:pt x="243" y="285"/>
+                  </a:cubicBezTo>
+                  <a:cubicBezTo>
+                    <a:pt x="244" y="284"/>
+                    <a:pt x="245" y="283"/>
+                    <a:pt x="245" y="282"/>
+                  </a:cubicBezTo>
+                  <a:cubicBezTo>
+                    <a:pt x="248" y="281"/>
+                    <a:pt x="250" y="280"/>
+                    <a:pt x="253" y="280"/>
+                  </a:cubicBezTo>
+                  <a:cubicBezTo>
+                    <a:pt x="257" y="280"/>
+                    <a:pt x="261" y="282"/>
+                    <a:pt x="263" y="284"/>
+                  </a:cubicBezTo>
+                  <a:cubicBezTo>
+                    <a:pt x="269" y="290"/>
+                    <a:pt x="269" y="299"/>
+                    <a:pt x="263" y="305"/>
+                  </a:cubicBezTo>
+                  <a:lnTo>
+                    <a:pt x="212" y="357"/>
+                  </a:lnTo>
+                  <a:close/>
+                  <a:moveTo>
+                    <a:pt x="383" y="257"/>
+                  </a:moveTo>
+                  <a:cubicBezTo>
+                    <a:pt x="378" y="262"/>
+                    <a:pt x="368" y="262"/>
+                    <a:pt x="363" y="257"/>
+                  </a:cubicBezTo>
+                  <a:cubicBezTo>
+                    <a:pt x="352" y="246"/>
+                    <a:pt x="352" y="246"/>
+                    <a:pt x="352" y="246"/>
+                  </a:cubicBezTo>
+                  <a:cubicBezTo>
+                    <a:pt x="350" y="244"/>
+                    <a:pt x="346" y="244"/>
+                    <a:pt x="344" y="247"/>
+                  </a:cubicBezTo>
+                  <a:cubicBezTo>
+                    <a:pt x="343" y="248"/>
+                    <a:pt x="342" y="249"/>
+                    <a:pt x="342" y="251"/>
+                  </a:cubicBezTo>
+                  <a:cubicBezTo>
+                    <a:pt x="342" y="252"/>
+                    <a:pt x="343" y="254"/>
+                    <a:pt x="344" y="255"/>
+                  </a:cubicBezTo>
+                  <a:cubicBezTo>
+                    <a:pt x="354" y="265"/>
+                    <a:pt x="354" y="265"/>
+                    <a:pt x="354" y="265"/>
+                  </a:cubicBezTo>
+                  <a:cubicBezTo>
+                    <a:pt x="360" y="271"/>
+                    <a:pt x="360" y="280"/>
+                    <a:pt x="354" y="286"/>
+                  </a:cubicBezTo>
+                  <a:cubicBezTo>
+                    <a:pt x="349" y="292"/>
+                    <a:pt x="339" y="292"/>
+                    <a:pt x="334" y="286"/>
+                  </a:cubicBezTo>
+                  <a:cubicBezTo>
+                    <a:pt x="323" y="276"/>
+                    <a:pt x="323" y="276"/>
+                    <a:pt x="323" y="276"/>
+                  </a:cubicBezTo>
+                  <a:cubicBezTo>
+                    <a:pt x="321" y="273"/>
+                    <a:pt x="317" y="273"/>
+                    <a:pt x="315" y="276"/>
+                  </a:cubicBezTo>
+                  <a:cubicBezTo>
+                    <a:pt x="312" y="278"/>
+                    <a:pt x="312" y="282"/>
+                    <a:pt x="315" y="284"/>
+                  </a:cubicBezTo>
+                  <a:cubicBezTo>
+                    <a:pt x="325" y="295"/>
+                    <a:pt x="325" y="295"/>
+                    <a:pt x="325" y="295"/>
+                  </a:cubicBezTo>
+                  <a:cubicBezTo>
+                    <a:pt x="328" y="297"/>
+                    <a:pt x="329" y="301"/>
+                    <a:pt x="329" y="305"/>
+                  </a:cubicBezTo>
+                  <a:cubicBezTo>
+                    <a:pt x="329" y="309"/>
+                    <a:pt x="328" y="312"/>
+                    <a:pt x="325" y="315"/>
+                  </a:cubicBezTo>
+                  <a:cubicBezTo>
+                    <a:pt x="320" y="321"/>
+                    <a:pt x="311" y="321"/>
+                    <a:pt x="305" y="316"/>
+                  </a:cubicBezTo>
+                  <a:cubicBezTo>
+                    <a:pt x="305" y="315"/>
+                    <a:pt x="305" y="315"/>
+                    <a:pt x="305" y="315"/>
+                  </a:cubicBezTo>
+                  <a:cubicBezTo>
+                    <a:pt x="294" y="304"/>
+                    <a:pt x="294" y="304"/>
+                    <a:pt x="294" y="304"/>
+                  </a:cubicBezTo>
+                  <a:cubicBezTo>
+                    <a:pt x="291" y="302"/>
+                    <a:pt x="288" y="302"/>
+                    <a:pt x="285" y="304"/>
+                  </a:cubicBezTo>
+                  <a:cubicBezTo>
+                    <a:pt x="283" y="307"/>
+                    <a:pt x="283" y="310"/>
+                    <a:pt x="285" y="313"/>
+                  </a:cubicBezTo>
+                  <a:cubicBezTo>
+                    <a:pt x="296" y="323"/>
+                    <a:pt x="296" y="323"/>
+                    <a:pt x="296" y="323"/>
+                  </a:cubicBezTo>
+                  <a:cubicBezTo>
+                    <a:pt x="296" y="323"/>
+                    <a:pt x="296" y="324"/>
+                    <a:pt x="296" y="324"/>
+                  </a:cubicBezTo>
+                  <a:cubicBezTo>
+                    <a:pt x="302" y="329"/>
+                    <a:pt x="302" y="339"/>
+                    <a:pt x="296" y="344"/>
+                  </a:cubicBezTo>
+                  <a:cubicBezTo>
+                    <a:pt x="290" y="350"/>
+                    <a:pt x="281" y="350"/>
+                    <a:pt x="275" y="344"/>
+                  </a:cubicBezTo>
+                  <a:cubicBezTo>
+                    <a:pt x="258" y="327"/>
+                    <a:pt x="258" y="327"/>
+                    <a:pt x="258" y="327"/>
+                  </a:cubicBezTo>
+                  <a:cubicBezTo>
+                    <a:pt x="272" y="313"/>
+                    <a:pt x="272" y="313"/>
+                    <a:pt x="272" y="313"/>
+                  </a:cubicBezTo>
+                  <a:cubicBezTo>
+                    <a:pt x="282" y="303"/>
+                    <a:pt x="282" y="286"/>
+                    <a:pt x="272" y="276"/>
+                  </a:cubicBezTo>
+                  <a:cubicBezTo>
+                    <a:pt x="267" y="271"/>
+                    <a:pt x="260" y="268"/>
+                    <a:pt x="253" y="268"/>
+                  </a:cubicBezTo>
+                  <a:cubicBezTo>
+                    <a:pt x="252" y="268"/>
+                    <a:pt x="252" y="268"/>
+                    <a:pt x="251" y="268"/>
+                  </a:cubicBezTo>
+                  <a:cubicBezTo>
+                    <a:pt x="251" y="267"/>
+                    <a:pt x="251" y="267"/>
+                    <a:pt x="251" y="266"/>
+                  </a:cubicBezTo>
+                  <a:cubicBezTo>
+                    <a:pt x="251" y="259"/>
+                    <a:pt x="248" y="252"/>
+                    <a:pt x="243" y="247"/>
+                  </a:cubicBezTo>
+                  <a:cubicBezTo>
+                    <a:pt x="237" y="241"/>
+                    <a:pt x="228" y="238"/>
+                    <a:pt x="220" y="240"/>
+                  </a:cubicBezTo>
+                  <a:cubicBezTo>
+                    <a:pt x="220" y="238"/>
+                    <a:pt x="220" y="237"/>
+                    <a:pt x="220" y="235"/>
+                  </a:cubicBezTo>
+                  <a:cubicBezTo>
+                    <a:pt x="220" y="228"/>
+                    <a:pt x="217" y="221"/>
+                    <a:pt x="212" y="216"/>
+                  </a:cubicBezTo>
+                  <a:cubicBezTo>
+                    <a:pt x="206" y="210"/>
+                    <a:pt x="198" y="208"/>
+                    <a:pt x="190" y="209"/>
+                  </a:cubicBezTo>
+                  <a:cubicBezTo>
+                    <a:pt x="191" y="201"/>
+                    <a:pt x="188" y="192"/>
+                    <a:pt x="182" y="186"/>
+                  </a:cubicBezTo>
+                  <a:cubicBezTo>
+                    <a:pt x="172" y="176"/>
+                    <a:pt x="155" y="176"/>
+                    <a:pt x="145" y="186"/>
+                  </a:cubicBezTo>
+                  <a:cubicBezTo>
+                    <a:pt x="130" y="200"/>
+                    <a:pt x="130" y="200"/>
+                    <a:pt x="130" y="200"/>
+                  </a:cubicBezTo>
+                  <a:cubicBezTo>
+                    <a:pt x="56" y="127"/>
+                    <a:pt x="56" y="127"/>
+                    <a:pt x="56" y="127"/>
+                  </a:cubicBezTo>
+                  <a:cubicBezTo>
+                    <a:pt x="126" y="57"/>
+                    <a:pt x="126" y="57"/>
+                    <a:pt x="126" y="57"/>
+                  </a:cubicBezTo>
+                  <a:cubicBezTo>
+                    <a:pt x="156" y="86"/>
+                    <a:pt x="156" y="86"/>
+                    <a:pt x="156" y="86"/>
+                  </a:cubicBezTo>
+                  <a:cubicBezTo>
+                    <a:pt x="168" y="99"/>
+                    <a:pt x="185" y="106"/>
+                    <a:pt x="203" y="106"/>
+                  </a:cubicBezTo>
+                  <a:cubicBezTo>
+                    <a:pt x="217" y="106"/>
+                    <a:pt x="217" y="106"/>
+                    <a:pt x="217" y="106"/>
+                  </a:cubicBezTo>
+                  <a:cubicBezTo>
+                    <a:pt x="176" y="147"/>
+                    <a:pt x="176" y="147"/>
+                    <a:pt x="176" y="147"/>
+                  </a:cubicBezTo>
+                  <a:cubicBezTo>
+                    <a:pt x="174" y="150"/>
+                    <a:pt x="174" y="153"/>
+                    <a:pt x="176" y="156"/>
+                  </a:cubicBezTo>
+                  <a:cubicBezTo>
+                    <a:pt x="195" y="175"/>
+                    <a:pt x="225" y="175"/>
+                    <a:pt x="244" y="156"/>
+                  </a:cubicBezTo>
+                  <a:cubicBezTo>
+                    <a:pt x="274" y="126"/>
+                    <a:pt x="274" y="126"/>
+                    <a:pt x="274" y="126"/>
+                  </a:cubicBezTo>
+                  <a:cubicBezTo>
+                    <a:pt x="360" y="213"/>
+                    <a:pt x="360" y="213"/>
+                    <a:pt x="360" y="213"/>
+                  </a:cubicBezTo>
+                  <a:cubicBezTo>
+                    <a:pt x="360" y="213"/>
+                    <a:pt x="360" y="213"/>
+                    <a:pt x="360" y="213"/>
+                  </a:cubicBezTo>
+                  <a:cubicBezTo>
+                    <a:pt x="383" y="236"/>
+                    <a:pt x="383" y="236"/>
+                    <a:pt x="383" y="236"/>
+                  </a:cubicBezTo>
+                  <a:cubicBezTo>
+                    <a:pt x="389" y="242"/>
+                    <a:pt x="389" y="251"/>
+                    <a:pt x="383" y="257"/>
+                  </a:cubicBezTo>
+                  <a:close/>
+                  <a:moveTo>
+                    <a:pt x="365" y="200"/>
+                  </a:moveTo>
+                  <a:cubicBezTo>
+                    <a:pt x="278" y="114"/>
+                    <a:pt x="278" y="114"/>
+                    <a:pt x="278" y="114"/>
+                  </a:cubicBezTo>
+                  <a:cubicBezTo>
+                    <a:pt x="277" y="112"/>
+                    <a:pt x="275" y="112"/>
+                    <a:pt x="274" y="112"/>
+                  </a:cubicBezTo>
+                  <a:cubicBezTo>
+                    <a:pt x="272" y="112"/>
+                    <a:pt x="271" y="112"/>
+                    <a:pt x="269" y="114"/>
+                  </a:cubicBezTo>
+                  <a:cubicBezTo>
+                    <a:pt x="236" y="147"/>
+                    <a:pt x="236" y="147"/>
+                    <a:pt x="236" y="147"/>
+                  </a:cubicBezTo>
+                  <a:cubicBezTo>
+                    <a:pt x="223" y="160"/>
+                    <a:pt x="203" y="161"/>
+                    <a:pt x="189" y="151"/>
+                  </a:cubicBezTo>
+                  <a:cubicBezTo>
+                    <a:pt x="257" y="83"/>
+                    <a:pt x="257" y="83"/>
+                    <a:pt x="257" y="83"/>
+                  </a:cubicBezTo>
+                  <a:cubicBezTo>
+                    <a:pt x="262" y="79"/>
+                    <a:pt x="267" y="76"/>
+                    <a:pt x="274" y="76"/>
+                  </a:cubicBezTo>
+                  <a:cubicBezTo>
+                    <a:pt x="280" y="76"/>
+                    <a:pt x="286" y="79"/>
+                    <a:pt x="290" y="83"/>
+                  </a:cubicBezTo>
+                  <a:cubicBezTo>
+                    <a:pt x="303" y="96"/>
+                    <a:pt x="326" y="97"/>
+                    <a:pt x="339" y="83"/>
+                  </a:cubicBezTo>
+                  <a:cubicBezTo>
+                    <a:pt x="366" y="57"/>
+                    <a:pt x="366" y="57"/>
+                    <a:pt x="366" y="57"/>
+                  </a:cubicBezTo>
+                  <a:cubicBezTo>
+                    <a:pt x="437" y="128"/>
+                    <a:pt x="437" y="128"/>
+                    <a:pt x="437" y="128"/>
+                  </a:cubicBezTo>
+                  <a:lnTo>
+                    <a:pt x="365" y="200"/>
+                  </a:lnTo>
+                  <a:close/>
+                  <a:moveTo>
+                    <a:pt x="461" y="134"/>
+                  </a:moveTo>
+                  <a:cubicBezTo>
+                    <a:pt x="359" y="32"/>
+                    <a:pt x="359" y="32"/>
+                    <a:pt x="359" y="32"/>
+                  </a:cubicBezTo>
+                  <a:cubicBezTo>
+                    <a:pt x="376" y="15"/>
+                    <a:pt x="376" y="15"/>
+                    <a:pt x="376" y="15"/>
+                  </a:cubicBezTo>
+                  <a:cubicBezTo>
+                    <a:pt x="385" y="24"/>
+                    <a:pt x="385" y="24"/>
+                    <a:pt x="385" y="24"/>
+                  </a:cubicBezTo>
+                  <a:cubicBezTo>
+                    <a:pt x="377" y="32"/>
+                    <a:pt x="377" y="32"/>
+                    <a:pt x="377" y="32"/>
+                  </a:cubicBezTo>
+                  <a:cubicBezTo>
+                    <a:pt x="375" y="35"/>
+                    <a:pt x="375" y="38"/>
+                    <a:pt x="377" y="41"/>
+                  </a:cubicBezTo>
+                  <a:cubicBezTo>
+                    <a:pt x="378" y="42"/>
+                    <a:pt x="380" y="42"/>
+                    <a:pt x="381" y="42"/>
+                  </a:cubicBezTo>
+                  <a:cubicBezTo>
+                    <a:pt x="383" y="42"/>
+                    <a:pt x="384" y="42"/>
+                    <a:pt x="385" y="41"/>
+                  </a:cubicBezTo>
+                  <a:cubicBezTo>
+                    <a:pt x="394" y="33"/>
+                    <a:pt x="394" y="33"/>
+                    <a:pt x="394" y="33"/>
+                  </a:cubicBezTo>
+                  <a:cubicBezTo>
+                    <a:pt x="478" y="117"/>
+                    <a:pt x="478" y="117"/>
+                    <a:pt x="478" y="117"/>
+                  </a:cubicBezTo>
+                  <a:lnTo>
+                    <a:pt x="461" y="134"/>
+                  </a:lnTo>
+                  <a:close/>
+                </a:path>
+              </a:pathLst>
+            </a:custGeom>
+            <a:solidFill>
+              <a:srgbClr val="FFFFFF"/>
+            </a:solidFill>
+            <a:ln>
+              <a:noFill/>
+            </a:ln>
+            <a:extLst>
+              <a:ext uri="{91240B29-F687-4F45-9708-019B960494DF}">
+                <a14:hiddenLine xmlns:a14="http://schemas.microsoft.com/office/drawing/2010/main" w="9525">
+                  <a:solidFill>
+                    <a:srgbClr val="000000"/>
+                  </a:solidFill>
+                  <a:round/>
+                  <a:headEnd/>
+                  <a:tailEnd/>
+                </a14:hiddenLine>
+              </a:ext>
+            </a:extLst>
+          </p:spPr>
+          <p:txBody>
+            <a:bodyPr vert="horz" wrap="square" lIns="91440" tIns="45720" rIns="91440" bIns="45720" numCol="1" anchor="t" anchorCtr="0" compatLnSpc="1">
+              <a:prstTxWarp prst="textNoShape">
+                <a:avLst/>
+              </a:prstTxWarp>
+            </a:bodyPr>
+            <a:lstStyle/>
+            <a:p>
+              <a:endParaRPr lang="en-US"/>
+            </a:p>
+          </p:txBody>
+        </p:sp>
+      </p:grpSp>
+      <p:sp>
+        <p:nvSpPr>
+          <p:cNvPr id="9" name="TextBox 8">
+            <a:extLst>
+              <a:ext uri="{FF2B5EF4-FFF2-40B4-BE49-F238E27FC236}">
+                <a16:creationId xmlns:a16="http://schemas.microsoft.com/office/drawing/2014/main" id="{06AE4C00-6FA1-704E-AEFA-E686D7218FAE}"/>
+              </a:ext>
+            </a:extLst>
+          </p:cNvPr>
+          <p:cNvSpPr txBox="1"/>
+          <p:nvPr/>
+        </p:nvSpPr>
+        <p:spPr>
+          <a:xfrm>
+            <a:off x="1805231" y="1980059"/>
+            <a:ext cx="4058300" cy="340478"/>
+          </a:xfrm>
+          <a:prstGeom prst="rect">
+            <a:avLst/>
+          </a:prstGeom>
+          <a:noFill/>
+        </p:spPr>
+        <p:txBody>
+          <a:bodyPr wrap="square" rtlCol="0">
+            <a:spAutoFit/>
+          </a:bodyPr>
+          <a:lstStyle/>
+          <a:p>
+            <a:pPr marL="285750" indent="-285750">
+              <a:lnSpc>
+                <a:spcPct val="114000"/>
+              </a:lnSpc>
+              <a:buClr>
+                <a:srgbClr val="EC131B"/>
+              </a:buClr>
+              <a:buFont typeface="Arial" panose="020B0604020202020204" pitchFamily="34" charset="0"/>
+              <a:buChar char="•"/>
+            </a:pPr>
+            <a:r>
+              <a:rPr lang="en-US" sz="1500" dirty="0"/>
+              <a:t>480 unique clients</a:t>
+            </a:r>
+          </a:p>
+        </p:txBody>
+      </p:sp>
+      <p:sp>
+        <p:nvSpPr>
+          <p:cNvPr id="10" name="TextBox 9">
+            <a:extLst>
+              <a:ext uri="{FF2B5EF4-FFF2-40B4-BE49-F238E27FC236}">
+                <a16:creationId xmlns:a16="http://schemas.microsoft.com/office/drawing/2014/main" id="{50077A71-68B3-D543-A75D-CC85122B9677}"/>
+              </a:ext>
+            </a:extLst>
+          </p:cNvPr>
+          <p:cNvSpPr txBox="1"/>
+          <p:nvPr/>
+        </p:nvSpPr>
+        <p:spPr>
+          <a:xfrm>
+            <a:off x="1805231" y="1506390"/>
+            <a:ext cx="4058300" cy="361637"/>
+          </a:xfrm>
+          <a:prstGeom prst="rect">
+            <a:avLst/>
+          </a:prstGeom>
+          <a:noFill/>
+        </p:spPr>
+        <p:txBody>
+          <a:bodyPr wrap="square" rtlCol="0">
+            <a:spAutoFit/>
+          </a:bodyPr>
+          <a:lstStyle/>
+          <a:p>
+            <a:r>
+              <a:rPr lang="en-US" sz="1750" b="1" dirty="0">
+                <a:solidFill>
+                  <a:srgbClr val="EC131B"/>
+                </a:solidFill>
+                <a:latin typeface="Arial" panose="020B0706030804020204" pitchFamily="34" charset="0"/>
+              </a:rPr>
+              <a:t>Client Information</a:t>
+            </a:r>
+          </a:p>
+        </p:txBody>
+      </p:sp>
+      <p:sp>
+        <p:nvSpPr>
+          <p:cNvPr id="11" name="Rectangle 10">
+            <a:extLst>
+              <a:ext uri="{FF2B5EF4-FFF2-40B4-BE49-F238E27FC236}">
+                <a16:creationId xmlns:a16="http://schemas.microsoft.com/office/drawing/2014/main" id="{00A2028A-30B7-4249-8C1A-8F92748C81EE}"/>
+              </a:ext>
+            </a:extLst>
+          </p:cNvPr>
+          <p:cNvSpPr/>
+          <p:nvPr/>
+        </p:nvSpPr>
+        <p:spPr>
+          <a:xfrm>
+            <a:off x="537459" y="2849598"/>
+            <a:ext cx="5166540" cy="561340"/>
+          </a:xfrm>
+          <a:prstGeom prst="rect">
+            <a:avLst/>
+          </a:prstGeom>
+          <a:solidFill>
+            <a:srgbClr val="EC131B"/>
+          </a:solidFill>
+          <a:ln>
+            <a:solidFill>
+              <a:schemeClr val="accent1"/>
+            </a:solidFill>
+          </a:ln>
+        </p:spPr>
+        <p:style>
+          <a:lnRef idx="2">
+            <a:schemeClr val="accent1">
+              <a:shade val="50000"/>
+            </a:schemeClr>
+          </a:lnRef>
+          <a:fillRef idx="1">
+            <a:schemeClr val="accent1"/>
+          </a:fillRef>
+          <a:effectRef idx="0">
+            <a:schemeClr val="accent1"/>
+          </a:effectRef>
+          <a:fontRef idx="minor">
+            <a:schemeClr val="lt1"/>
+          </a:fontRef>
+        </p:style>
+        <p:txBody>
+          <a:bodyPr rtlCol="0" anchor="ctr"/>
+          <a:lstStyle/>
+          <a:p>
+            <a:pPr algn="ctr"/>
+            <a:r>
+              <a:rPr lang="en-US" sz="2000" b="1" dirty="0">
+                <a:solidFill>
+                  <a:schemeClr val="bg1"/>
+                </a:solidFill>
+                <a:ea typeface="Arial" panose="020B0706030804020204" pitchFamily="34" charset="0"/>
+                <a:cs typeface="Arial" panose="020B0706030804020204" pitchFamily="34" charset="0"/>
+              </a:rPr>
+              <a:t>Top 10 Clients by Balance</a:t>
+            </a:r>
+          </a:p>
+        </p:txBody>
+      </p:sp>
+      <p:sp>
+        <p:nvSpPr>
+          <p:cNvPr id="12" name="Rectangle 11">
+            <a:extLst>
+              <a:ext uri="{FF2B5EF4-FFF2-40B4-BE49-F238E27FC236}">
+                <a16:creationId xmlns:a16="http://schemas.microsoft.com/office/drawing/2014/main" id="{39D03373-CF54-0F48-ABE1-DE67337099A8}"/>
+              </a:ext>
+            </a:extLst>
+          </p:cNvPr>
+          <p:cNvSpPr/>
+          <p:nvPr/>
+        </p:nvSpPr>
+        <p:spPr>
+          <a:xfrm>
+            <a:off x="6277457" y="2849598"/>
+            <a:ext cx="5459480" cy="561340"/>
+          </a:xfrm>
+          <a:prstGeom prst="rect">
+            <a:avLst/>
+          </a:prstGeom>
+          <a:solidFill>
+            <a:srgbClr val="EC131B"/>
+          </a:solidFill>
+          <a:ln>
+            <a:noFill/>
+          </a:ln>
+        </p:spPr>
+        <p:style>
+          <a:lnRef idx="2">
+            <a:schemeClr val="accent1">
+              <a:shade val="50000"/>
+            </a:schemeClr>
+          </a:lnRef>
+          <a:fillRef idx="1">
+            <a:schemeClr val="accent1"/>
+          </a:fillRef>
+          <a:effectRef idx="0">
+            <a:schemeClr val="accent1"/>
+          </a:effectRef>
+          <a:fontRef idx="minor">
+            <a:schemeClr val="lt1"/>
+          </a:fontRef>
+        </p:style>
+        <p:txBody>
+          <a:bodyPr rtlCol="0" anchor="ctr"/>
+          <a:lstStyle/>
+          <a:p>
+            <a:pPr algn="ctr"/>
+            <a:r>
+              <a:rPr lang="en-US" sz="2000" b="1" dirty="0">
+                <a:solidFill>
+                  <a:schemeClr val="bg1"/>
+                </a:solidFill>
+                <a:ea typeface="Arial" panose="020B0706030804020204" pitchFamily="34" charset="0"/>
+                <a:cs typeface="Arial" panose="020B0706030804020204" pitchFamily="34" charset="0"/>
+              </a:rPr>
+              <a:t>Top 10 clients by Profit</a:t>
+            </a:r>
+          </a:p>
+        </p:txBody>
+      </p:sp>
+      <p:pic>
+        <p:nvPicPr>
+          <p:cNvPr id="2" name="Picture 1">
+            <a:extLst>
+              <a:ext uri="{FF2B5EF4-FFF2-40B4-BE49-F238E27FC236}">
+                <a16:creationId xmlns:a16="http://schemas.microsoft.com/office/drawing/2014/main" id="{F0EB8CBF-923A-F04D-8E0E-209E008CA007}"/>
+              </a:ext>
+            </a:extLst>
+          </p:cNvPr>
+          <p:cNvPicPr>
+            <a:picLocks noChangeAspect="1"/>
+          </p:cNvPicPr>
+          <p:nvPr/>
+        </p:nvPicPr>
+        <p:blipFill>
+          <a:blip r:embed="rId2"/>
+          <a:stretch>
+            <a:fillRect/>
+          </a:stretch>
+        </p:blipFill>
+        <p:spPr>
+          <a:xfrm>
+            <a:off x="7704989" y="3429000"/>
+            <a:ext cx="3188611" cy="3308184"/>
+          </a:xfrm>
+          <a:prstGeom prst="rect">
+            <a:avLst/>
+          </a:prstGeom>
+        </p:spPr>
+      </p:pic>
+      <p:pic>
+        <p:nvPicPr>
+          <p:cNvPr id="3" name="Picture 2">
+            <a:extLst>
+              <a:ext uri="{FF2B5EF4-FFF2-40B4-BE49-F238E27FC236}">
+                <a16:creationId xmlns:a16="http://schemas.microsoft.com/office/drawing/2014/main" id="{AFC5627A-3F1A-8D47-BE12-95411F0D0ECC}"/>
+              </a:ext>
+            </a:extLst>
+          </p:cNvPr>
+          <p:cNvPicPr>
+            <a:picLocks noChangeAspect="1"/>
+          </p:cNvPicPr>
+          <p:nvPr/>
+        </p:nvPicPr>
+        <p:blipFill>
+          <a:blip r:embed="rId3"/>
+          <a:stretch>
+            <a:fillRect/>
+          </a:stretch>
+        </p:blipFill>
+        <p:spPr>
+          <a:xfrm>
+            <a:off x="1575340" y="3410938"/>
+            <a:ext cx="3469972" cy="3310433"/>
+          </a:xfrm>
+          <a:prstGeom prst="rect">
+            <a:avLst/>
+          </a:prstGeom>
+        </p:spPr>
+      </p:pic>
     </p:spTree>
     <p:extLst>
       <p:ext uri="{BB962C8B-B14F-4D97-AF65-F5344CB8AC3E}">
@@ -3700,7 +5321,7 @@
                 </a:solidFill>
                 <a:latin typeface="+mn-lt"/>
               </a:rPr>
-              <a:t>Portfolio Analysis - Clients</a:t>
+              <a:t>Next Steps</a:t>
             </a:r>
           </a:p>
         </p:txBody>
@@ -3830,225 +5451,6 @@
               <a:rPr lang="en-US" smtClean="0"/>
               <a:pPr/>
               <a:t>11</a:t>
-            </a:fld>
-            <a:endParaRPr lang="en-US" dirty="0"/>
-          </a:p>
-        </p:txBody>
-      </p:sp>
-    </p:spTree>
-    <p:extLst>
-      <p:ext uri="{BB962C8B-B14F-4D97-AF65-F5344CB8AC3E}">
-        <p14:creationId xmlns:p14="http://schemas.microsoft.com/office/powerpoint/2010/main" val="3820612581"/>
-      </p:ext>
-    </p:extLst>
-  </p:cSld>
-  <p:clrMapOvr>
-    <a:masterClrMapping/>
-  </p:clrMapOvr>
-</p:sld>
-</file>
-
-<file path=ppt/slides/slide12.xml><?xml version="1.0" encoding="utf-8"?>
-<p:sld xmlns:a="http://schemas.openxmlformats.org/drawingml/2006/main" xmlns:r="http://schemas.openxmlformats.org/officeDocument/2006/relationships" xmlns:p="http://schemas.openxmlformats.org/presentationml/2006/main">
-  <p:cSld>
-    <p:spTree>
-      <p:nvGrpSpPr>
-        <p:cNvPr id="1" name=""/>
-        <p:cNvGrpSpPr/>
-        <p:nvPr/>
-      </p:nvGrpSpPr>
-      <p:grpSpPr>
-        <a:xfrm>
-          <a:off x="0" y="0"/>
-          <a:ext cx="0" cy="0"/>
-          <a:chOff x="0" y="0"/>
-          <a:chExt cx="0" cy="0"/>
-        </a:xfrm>
-      </p:grpSpPr>
-      <p:sp>
-        <p:nvSpPr>
-          <p:cNvPr id="4" name="Title 1">
-            <a:extLst>
-              <a:ext uri="{FF2B5EF4-FFF2-40B4-BE49-F238E27FC236}">
-                <a16:creationId xmlns:a16="http://schemas.microsoft.com/office/drawing/2014/main" id="{4655E59E-A2FC-3F49-93C5-5760A5E3A66A}"/>
-              </a:ext>
-            </a:extLst>
-          </p:cNvPr>
-          <p:cNvSpPr txBox="1">
-            <a:spLocks/>
-          </p:cNvSpPr>
-          <p:nvPr/>
-        </p:nvSpPr>
-        <p:spPr>
-          <a:xfrm>
-            <a:off x="537459" y="515462"/>
-            <a:ext cx="6248399" cy="600164"/>
-          </a:xfrm>
-          <a:prstGeom prst="rect">
-            <a:avLst/>
-          </a:prstGeom>
-        </p:spPr>
-        <p:txBody>
-          <a:bodyPr vert="horz" lIns="91440" tIns="45720" rIns="91440" bIns="45720" rtlCol="0" anchor="ctr">
-            <a:noAutofit/>
-          </a:bodyPr>
-          <a:lstStyle>
-            <a:lvl1pPr algn="l" defTabSz="914400" rtl="0" eaLnBrk="1" latinLnBrk="0" hangingPunct="1">
-              <a:lnSpc>
-                <a:spcPct val="90000"/>
-              </a:lnSpc>
-              <a:spcBef>
-                <a:spcPct val="0"/>
-              </a:spcBef>
-              <a:buNone/>
-              <a:defRPr sz="4400" kern="1200">
-                <a:solidFill>
-                  <a:schemeClr val="tx1"/>
-                </a:solidFill>
-                <a:latin typeface="+mj-lt"/>
-                <a:ea typeface="+mj-ea"/>
-                <a:cs typeface="+mj-cs"/>
-              </a:defRPr>
-            </a:lvl1pPr>
-          </a:lstStyle>
-          <a:p>
-            <a:r>
-              <a:rPr lang="en-US" sz="4000" b="1" dirty="0">
-                <a:solidFill>
-                  <a:srgbClr val="EC131B"/>
-                </a:solidFill>
-                <a:latin typeface="+mn-lt"/>
-              </a:rPr>
-              <a:t>Next Steps</a:t>
-            </a:r>
-          </a:p>
-        </p:txBody>
-      </p:sp>
-      <p:sp>
-        <p:nvSpPr>
-          <p:cNvPr id="7" name="Slide Number Placeholder 4">
-            <a:extLst>
-              <a:ext uri="{FF2B5EF4-FFF2-40B4-BE49-F238E27FC236}">
-                <a16:creationId xmlns:a16="http://schemas.microsoft.com/office/drawing/2014/main" id="{326C14E5-072C-A04E-8D35-AF1F96028057}"/>
-              </a:ext>
-            </a:extLst>
-          </p:cNvPr>
-          <p:cNvSpPr txBox="1">
-            <a:spLocks/>
-          </p:cNvSpPr>
-          <p:nvPr/>
-        </p:nvSpPr>
-        <p:spPr>
-          <a:xfrm>
-            <a:off x="11189654" y="6300297"/>
-            <a:ext cx="464888" cy="365125"/>
-          </a:xfrm>
-          <a:prstGeom prst="rect">
-            <a:avLst/>
-          </a:prstGeom>
-        </p:spPr>
-        <p:txBody>
-          <a:bodyPr/>
-          <a:lstStyle>
-            <a:defPPr>
-              <a:defRPr lang="en-US"/>
-            </a:defPPr>
-            <a:lvl1pPr marL="0" algn="l" defTabSz="914400" rtl="0" eaLnBrk="1" latinLnBrk="0" hangingPunct="1">
-              <a:defRPr sz="1800" kern="1200">
-                <a:solidFill>
-                  <a:schemeClr val="tx1"/>
-                </a:solidFill>
-                <a:latin typeface="+mn-lt"/>
-                <a:ea typeface="+mn-ea"/>
-                <a:cs typeface="+mn-cs"/>
-              </a:defRPr>
-            </a:lvl1pPr>
-            <a:lvl2pPr marL="457200" algn="l" defTabSz="914400" rtl="0" eaLnBrk="1" latinLnBrk="0" hangingPunct="1">
-              <a:defRPr sz="1800" kern="1200">
-                <a:solidFill>
-                  <a:schemeClr val="tx1"/>
-                </a:solidFill>
-                <a:latin typeface="+mn-lt"/>
-                <a:ea typeface="+mn-ea"/>
-                <a:cs typeface="+mn-cs"/>
-              </a:defRPr>
-            </a:lvl2pPr>
-            <a:lvl3pPr marL="914400" algn="l" defTabSz="914400" rtl="0" eaLnBrk="1" latinLnBrk="0" hangingPunct="1">
-              <a:defRPr sz="1800" kern="1200">
-                <a:solidFill>
-                  <a:schemeClr val="tx1"/>
-                </a:solidFill>
-                <a:latin typeface="+mn-lt"/>
-                <a:ea typeface="+mn-ea"/>
-                <a:cs typeface="+mn-cs"/>
-              </a:defRPr>
-            </a:lvl3pPr>
-            <a:lvl4pPr marL="1371600" algn="l" defTabSz="914400" rtl="0" eaLnBrk="1" latinLnBrk="0" hangingPunct="1">
-              <a:defRPr sz="1800" kern="1200">
-                <a:solidFill>
-                  <a:schemeClr val="tx1"/>
-                </a:solidFill>
-                <a:latin typeface="+mn-lt"/>
-                <a:ea typeface="+mn-ea"/>
-                <a:cs typeface="+mn-cs"/>
-              </a:defRPr>
-            </a:lvl4pPr>
-            <a:lvl5pPr marL="1828800" algn="l" defTabSz="914400" rtl="0" eaLnBrk="1" latinLnBrk="0" hangingPunct="1">
-              <a:defRPr sz="1800" kern="1200">
-                <a:solidFill>
-                  <a:schemeClr val="tx1"/>
-                </a:solidFill>
-                <a:latin typeface="+mn-lt"/>
-                <a:ea typeface="+mn-ea"/>
-                <a:cs typeface="+mn-cs"/>
-              </a:defRPr>
-            </a:lvl5pPr>
-            <a:lvl6pPr marL="2286000" algn="l" defTabSz="914400" rtl="0" eaLnBrk="1" latinLnBrk="0" hangingPunct="1">
-              <a:defRPr sz="1800" kern="1200">
-                <a:solidFill>
-                  <a:schemeClr val="tx1"/>
-                </a:solidFill>
-                <a:latin typeface="+mn-lt"/>
-                <a:ea typeface="+mn-ea"/>
-                <a:cs typeface="+mn-cs"/>
-              </a:defRPr>
-            </a:lvl6pPr>
-            <a:lvl7pPr marL="2743200" algn="l" defTabSz="914400" rtl="0" eaLnBrk="1" latinLnBrk="0" hangingPunct="1">
-              <a:defRPr sz="1800" kern="1200">
-                <a:solidFill>
-                  <a:schemeClr val="tx1"/>
-                </a:solidFill>
-                <a:latin typeface="+mn-lt"/>
-                <a:ea typeface="+mn-ea"/>
-                <a:cs typeface="+mn-cs"/>
-              </a:defRPr>
-            </a:lvl7pPr>
-            <a:lvl8pPr marL="3200400" algn="l" defTabSz="914400" rtl="0" eaLnBrk="1" latinLnBrk="0" hangingPunct="1">
-              <a:defRPr sz="1800" kern="1200">
-                <a:solidFill>
-                  <a:schemeClr val="tx1"/>
-                </a:solidFill>
-                <a:latin typeface="+mn-lt"/>
-                <a:ea typeface="+mn-ea"/>
-                <a:cs typeface="+mn-cs"/>
-              </a:defRPr>
-            </a:lvl8pPr>
-            <a:lvl9pPr marL="3657600" algn="l" defTabSz="914400" rtl="0" eaLnBrk="1" latinLnBrk="0" hangingPunct="1">
-              <a:defRPr sz="1800" kern="1200">
-                <a:solidFill>
-                  <a:schemeClr val="tx1"/>
-                </a:solidFill>
-                <a:latin typeface="+mn-lt"/>
-                <a:ea typeface="+mn-ea"/>
-                <a:cs typeface="+mn-cs"/>
-              </a:defRPr>
-            </a:lvl9pPr>
-          </a:lstStyle>
-          <a:p>
-            <a:fld id="{4E6DB2D9-BBD8-435B-B34A-9B8472CE273E}" type="slidenum">
-              <a:rPr lang="en-US" smtClean="0"/>
-              <a:pPr/>
-              <a:t>12</a:t>
             </a:fld>
             <a:endParaRPr lang="en-US" dirty="0"/>
           </a:p>
@@ -8612,8 +10014,8 @@
         </p:nvSpPr>
         <p:spPr>
           <a:xfrm>
-            <a:off x="6352800" y="-1"/>
-            <a:ext cx="5839200" cy="6857281"/>
+            <a:off x="6352800" y="-719"/>
+            <a:ext cx="5839200" cy="6858719"/>
           </a:xfrm>
           <a:prstGeom prst="rect">
             <a:avLst/>
@@ -10336,7 +11738,7 @@
             <a:r>
               <a:rPr lang="en-US" sz="2000" b="1" dirty="0">
                 <a:solidFill>
-                  <a:schemeClr val="tx1"/>
+                  <a:schemeClr val="bg1"/>
                 </a:solidFill>
                 <a:ea typeface="Arial" panose="020B0706030804020204" pitchFamily="34" charset="0"/>
                 <a:cs typeface="Arial" panose="020B0706030804020204" pitchFamily="34" charset="0"/>
@@ -10397,7 +11799,7 @@
             <a:r>
               <a:rPr lang="en-US" sz="2000" b="1" dirty="0">
                 <a:solidFill>
-                  <a:schemeClr val="tx1"/>
+                  <a:schemeClr val="bg1"/>
                 </a:solidFill>
                 <a:ea typeface="Arial" panose="020B0706030804020204" pitchFamily="34" charset="0"/>
                 <a:cs typeface="Arial" panose="020B0706030804020204" pitchFamily="34" charset="0"/>
@@ -12931,6 +14333,853 @@
           </a:p>
         </p:txBody>
       </p:sp>
+      <p:pic>
+        <p:nvPicPr>
+          <p:cNvPr id="2" name="Picture 1">
+            <a:extLst>
+              <a:ext uri="{FF2B5EF4-FFF2-40B4-BE49-F238E27FC236}">
+                <a16:creationId xmlns:a16="http://schemas.microsoft.com/office/drawing/2014/main" id="{2F429346-A94E-3146-8C75-5F357052F8D7}"/>
+              </a:ext>
+            </a:extLst>
+          </p:cNvPr>
+          <p:cNvPicPr>
+            <a:picLocks noChangeAspect="1"/>
+          </p:cNvPicPr>
+          <p:nvPr/>
+        </p:nvPicPr>
+        <p:blipFill>
+          <a:blip r:embed="rId2"/>
+          <a:stretch>
+            <a:fillRect/>
+          </a:stretch>
+        </p:blipFill>
+        <p:spPr>
+          <a:xfrm>
+            <a:off x="634564" y="1371599"/>
+            <a:ext cx="6098977" cy="2736937"/>
+          </a:xfrm>
+          <a:prstGeom prst="rect">
+            <a:avLst/>
+          </a:prstGeom>
+        </p:spPr>
+      </p:pic>
+      <p:sp>
+        <p:nvSpPr>
+          <p:cNvPr id="5" name="TextBox 4">
+            <a:extLst>
+              <a:ext uri="{FF2B5EF4-FFF2-40B4-BE49-F238E27FC236}">
+                <a16:creationId xmlns:a16="http://schemas.microsoft.com/office/drawing/2014/main" id="{DF147035-2963-5C49-BEAC-4FAD8E8F0256}"/>
+              </a:ext>
+            </a:extLst>
+          </p:cNvPr>
+          <p:cNvSpPr txBox="1"/>
+          <p:nvPr/>
+        </p:nvSpPr>
+        <p:spPr>
+          <a:xfrm>
+            <a:off x="8133700" y="1733236"/>
+            <a:ext cx="4058300" cy="340478"/>
+          </a:xfrm>
+          <a:prstGeom prst="rect">
+            <a:avLst/>
+          </a:prstGeom>
+          <a:noFill/>
+        </p:spPr>
+        <p:txBody>
+          <a:bodyPr wrap="square" rtlCol="0">
+            <a:spAutoFit/>
+          </a:bodyPr>
+          <a:lstStyle/>
+          <a:p>
+            <a:pPr marL="285750" indent="-285750">
+              <a:lnSpc>
+                <a:spcPct val="114000"/>
+              </a:lnSpc>
+              <a:buClr>
+                <a:srgbClr val="EC131B"/>
+              </a:buClr>
+              <a:buFont typeface="Arial" panose="020B0604020202020204" pitchFamily="34" charset="0"/>
+              <a:buChar char="•"/>
+            </a:pPr>
+            <a:r>
+              <a:rPr lang="en-US" sz="1500" dirty="0"/>
+              <a:t>Revolving term is the more profitable product</a:t>
+            </a:r>
+          </a:p>
+        </p:txBody>
+      </p:sp>
+      <p:grpSp>
+        <p:nvGrpSpPr>
+          <p:cNvPr id="6" name="Group 5">
+            <a:extLst>
+              <a:ext uri="{FF2B5EF4-FFF2-40B4-BE49-F238E27FC236}">
+                <a16:creationId xmlns:a16="http://schemas.microsoft.com/office/drawing/2014/main" id="{5098DBE8-AD3D-554C-B33E-2FC1BB806E41}"/>
+              </a:ext>
+            </a:extLst>
+          </p:cNvPr>
+          <p:cNvGrpSpPr>
+            <a:grpSpLocks noChangeAspect="1"/>
+          </p:cNvGrpSpPr>
+          <p:nvPr/>
+        </p:nvGrpSpPr>
+        <p:grpSpPr>
+          <a:xfrm>
+            <a:off x="7003716" y="1386263"/>
+            <a:ext cx="951848" cy="951848"/>
+            <a:chOff x="633600" y="1674000"/>
+            <a:chExt cx="951848" cy="951848"/>
+          </a:xfrm>
+        </p:grpSpPr>
+        <p:sp>
+          <p:nvSpPr>
+            <p:cNvPr id="8" name="Rectangle 7">
+              <a:extLst>
+                <a:ext uri="{FF2B5EF4-FFF2-40B4-BE49-F238E27FC236}">
+                  <a16:creationId xmlns:a16="http://schemas.microsoft.com/office/drawing/2014/main" id="{0A82F578-4275-FA4C-A07B-A470AFECB7B3}"/>
+                </a:ext>
+              </a:extLst>
+            </p:cNvPr>
+            <p:cNvSpPr>
+              <a:spLocks noChangeAspect="1"/>
+            </p:cNvSpPr>
+            <p:nvPr/>
+          </p:nvSpPr>
+          <p:spPr>
+            <a:xfrm>
+              <a:off x="633600" y="1674000"/>
+              <a:ext cx="951848" cy="951848"/>
+            </a:xfrm>
+            <a:prstGeom prst="rect">
+              <a:avLst/>
+            </a:prstGeom>
+            <a:solidFill>
+              <a:srgbClr val="EC131B"/>
+            </a:solidFill>
+            <a:ln>
+              <a:noFill/>
+            </a:ln>
+          </p:spPr>
+          <p:style>
+            <a:lnRef idx="2">
+              <a:schemeClr val="accent1">
+                <a:shade val="50000"/>
+              </a:schemeClr>
+            </a:lnRef>
+            <a:fillRef idx="1">
+              <a:schemeClr val="accent1"/>
+            </a:fillRef>
+            <a:effectRef idx="0">
+              <a:schemeClr val="accent1"/>
+            </a:effectRef>
+            <a:fontRef idx="minor">
+              <a:schemeClr val="lt1"/>
+            </a:fontRef>
+          </p:style>
+          <p:txBody>
+            <a:bodyPr rtlCol="0" anchor="ctr"/>
+            <a:lstStyle/>
+            <a:p>
+              <a:pPr algn="ctr"/>
+              <a:endParaRPr lang="en-US" dirty="0">
+                <a:highlight>
+                  <a:srgbClr val="EC131B"/>
+                </a:highlight>
+              </a:endParaRPr>
+            </a:p>
+          </p:txBody>
+        </p:sp>
+        <p:sp>
+          <p:nvSpPr>
+            <p:cNvPr id="9" name="Freeform 49">
+              <a:extLst>
+                <a:ext uri="{FF2B5EF4-FFF2-40B4-BE49-F238E27FC236}">
+                  <a16:creationId xmlns:a16="http://schemas.microsoft.com/office/drawing/2014/main" id="{7838FA37-F307-324B-B1B8-F7894E9B0E1E}"/>
+                </a:ext>
+              </a:extLst>
+            </p:cNvPr>
+            <p:cNvSpPr>
+              <a:spLocks noChangeAspect="1" noEditPoints="1"/>
+            </p:cNvSpPr>
+            <p:nvPr/>
+          </p:nvSpPr>
+          <p:spPr bwMode="auto">
+            <a:xfrm>
+              <a:off x="806054" y="1877298"/>
+              <a:ext cx="606941" cy="545252"/>
+            </a:xfrm>
+            <a:custGeom>
+              <a:avLst/>
+              <a:gdLst>
+                <a:gd name="T0" fmla="*/ 6 w 384"/>
+                <a:gd name="T1" fmla="*/ 0 h 345"/>
+                <a:gd name="T2" fmla="*/ 0 w 384"/>
+                <a:gd name="T3" fmla="*/ 288 h 345"/>
+                <a:gd name="T4" fmla="*/ 147 w 384"/>
+                <a:gd name="T5" fmla="*/ 294 h 345"/>
+                <a:gd name="T6" fmla="*/ 107 w 384"/>
+                <a:gd name="T7" fmla="*/ 333 h 345"/>
+                <a:gd name="T8" fmla="*/ 107 w 384"/>
+                <a:gd name="T9" fmla="*/ 345 h 345"/>
+                <a:gd name="T10" fmla="*/ 241 w 384"/>
+                <a:gd name="T11" fmla="*/ 345 h 345"/>
+                <a:gd name="T12" fmla="*/ 294 w 384"/>
+                <a:gd name="T13" fmla="*/ 339 h 345"/>
+                <a:gd name="T14" fmla="*/ 247 w 384"/>
+                <a:gd name="T15" fmla="*/ 333 h 345"/>
+                <a:gd name="T16" fmla="*/ 378 w 384"/>
+                <a:gd name="T17" fmla="*/ 294 h 345"/>
+                <a:gd name="T18" fmla="*/ 384 w 384"/>
+                <a:gd name="T19" fmla="*/ 6 h 345"/>
+                <a:gd name="T20" fmla="*/ 235 w 384"/>
+                <a:gd name="T21" fmla="*/ 333 h 345"/>
+                <a:gd name="T22" fmla="*/ 159 w 384"/>
+                <a:gd name="T23" fmla="*/ 294 h 345"/>
+                <a:gd name="T24" fmla="*/ 235 w 384"/>
+                <a:gd name="T25" fmla="*/ 333 h 345"/>
+                <a:gd name="T26" fmla="*/ 12 w 384"/>
+                <a:gd name="T27" fmla="*/ 282 h 345"/>
+                <a:gd name="T28" fmla="*/ 372 w 384"/>
+                <a:gd name="T29" fmla="*/ 12 h 345"/>
+                <a:gd name="T30" fmla="*/ 31 w 384"/>
+                <a:gd name="T31" fmla="*/ 239 h 345"/>
+                <a:gd name="T32" fmla="*/ 359 w 384"/>
+                <a:gd name="T33" fmla="*/ 233 h 345"/>
+                <a:gd name="T34" fmla="*/ 353 w 384"/>
+                <a:gd name="T35" fmla="*/ 25 h 345"/>
+                <a:gd name="T36" fmla="*/ 25 w 384"/>
+                <a:gd name="T37" fmla="*/ 31 h 345"/>
+                <a:gd name="T38" fmla="*/ 31 w 384"/>
+                <a:gd name="T39" fmla="*/ 239 h 345"/>
+                <a:gd name="T40" fmla="*/ 347 w 384"/>
+                <a:gd name="T41" fmla="*/ 36 h 345"/>
+                <a:gd name="T42" fmla="*/ 37 w 384"/>
+                <a:gd name="T43" fmla="*/ 227 h 345"/>
+                <a:gd name="T44" fmla="*/ 330 w 384"/>
+                <a:gd name="T45" fmla="*/ 61 h 345"/>
+                <a:gd name="T46" fmla="*/ 282 w 384"/>
+                <a:gd name="T47" fmla="*/ 71 h 345"/>
+                <a:gd name="T48" fmla="*/ 285 w 384"/>
+                <a:gd name="T49" fmla="*/ 82 h 345"/>
+                <a:gd name="T50" fmla="*/ 261 w 384"/>
+                <a:gd name="T51" fmla="*/ 140 h 345"/>
+                <a:gd name="T52" fmla="*/ 228 w 384"/>
+                <a:gd name="T53" fmla="*/ 108 h 345"/>
+                <a:gd name="T54" fmla="*/ 224 w 384"/>
+                <a:gd name="T55" fmla="*/ 110 h 345"/>
+                <a:gd name="T56" fmla="*/ 122 w 384"/>
+                <a:gd name="T57" fmla="*/ 134 h 345"/>
+                <a:gd name="T58" fmla="*/ 118 w 384"/>
+                <a:gd name="T59" fmla="*/ 132 h 345"/>
+                <a:gd name="T60" fmla="*/ 60 w 384"/>
+                <a:gd name="T61" fmla="*/ 189 h 345"/>
+                <a:gd name="T62" fmla="*/ 64 w 384"/>
+                <a:gd name="T63" fmla="*/ 199 h 345"/>
+                <a:gd name="T64" fmla="*/ 118 w 384"/>
+                <a:gd name="T65" fmla="*/ 146 h 345"/>
+                <a:gd name="T66" fmla="*/ 163 w 384"/>
+                <a:gd name="T67" fmla="*/ 189 h 345"/>
+                <a:gd name="T68" fmla="*/ 228 w 384"/>
+                <a:gd name="T69" fmla="*/ 122 h 345"/>
+                <a:gd name="T70" fmla="*/ 262 w 384"/>
+                <a:gd name="T71" fmla="*/ 155 h 345"/>
+                <a:gd name="T72" fmla="*/ 322 w 384"/>
+                <a:gd name="T73" fmla="*/ 82 h 345"/>
+                <a:gd name="T74" fmla="*/ 329 w 384"/>
+                <a:gd name="T75" fmla="*/ 113 h 345"/>
+                <a:gd name="T76" fmla="*/ 335 w 384"/>
+                <a:gd name="T77" fmla="*/ 107 h 345"/>
+                <a:gd name="T78" fmla="*/ 330 w 384"/>
+                <a:gd name="T79" fmla="*/ 61 h 345"/>
+              </a:gdLst>
+              <a:ahLst/>
+              <a:cxnLst>
+                <a:cxn ang="0">
+                  <a:pos x="T0" y="T1"/>
+                </a:cxn>
+                <a:cxn ang="0">
+                  <a:pos x="T2" y="T3"/>
+                </a:cxn>
+                <a:cxn ang="0">
+                  <a:pos x="T4" y="T5"/>
+                </a:cxn>
+                <a:cxn ang="0">
+                  <a:pos x="T6" y="T7"/>
+                </a:cxn>
+                <a:cxn ang="0">
+                  <a:pos x="T8" y="T9"/>
+                </a:cxn>
+                <a:cxn ang="0">
+                  <a:pos x="T10" y="T11"/>
+                </a:cxn>
+                <a:cxn ang="0">
+                  <a:pos x="T12" y="T13"/>
+                </a:cxn>
+                <a:cxn ang="0">
+                  <a:pos x="T14" y="T15"/>
+                </a:cxn>
+                <a:cxn ang="0">
+                  <a:pos x="T16" y="T17"/>
+                </a:cxn>
+                <a:cxn ang="0">
+                  <a:pos x="T18" y="T19"/>
+                </a:cxn>
+                <a:cxn ang="0">
+                  <a:pos x="T20" y="T21"/>
+                </a:cxn>
+                <a:cxn ang="0">
+                  <a:pos x="T22" y="T23"/>
+                </a:cxn>
+                <a:cxn ang="0">
+                  <a:pos x="T24" y="T25"/>
+                </a:cxn>
+                <a:cxn ang="0">
+                  <a:pos x="T26" y="T27"/>
+                </a:cxn>
+                <a:cxn ang="0">
+                  <a:pos x="T28" y="T29"/>
+                </a:cxn>
+                <a:cxn ang="0">
+                  <a:pos x="T30" y="T31"/>
+                </a:cxn>
+                <a:cxn ang="0">
+                  <a:pos x="T32" y="T33"/>
+                </a:cxn>
+                <a:cxn ang="0">
+                  <a:pos x="T34" y="T35"/>
+                </a:cxn>
+                <a:cxn ang="0">
+                  <a:pos x="T36" y="T37"/>
+                </a:cxn>
+                <a:cxn ang="0">
+                  <a:pos x="T38" y="T39"/>
+                </a:cxn>
+                <a:cxn ang="0">
+                  <a:pos x="T40" y="T41"/>
+                </a:cxn>
+                <a:cxn ang="0">
+                  <a:pos x="T42" y="T43"/>
+                </a:cxn>
+                <a:cxn ang="0">
+                  <a:pos x="T44" y="T45"/>
+                </a:cxn>
+                <a:cxn ang="0">
+                  <a:pos x="T46" y="T47"/>
+                </a:cxn>
+                <a:cxn ang="0">
+                  <a:pos x="T48" y="T49"/>
+                </a:cxn>
+                <a:cxn ang="0">
+                  <a:pos x="T50" y="T51"/>
+                </a:cxn>
+                <a:cxn ang="0">
+                  <a:pos x="T52" y="T53"/>
+                </a:cxn>
+                <a:cxn ang="0">
+                  <a:pos x="T54" y="T55"/>
+                </a:cxn>
+                <a:cxn ang="0">
+                  <a:pos x="T56" y="T57"/>
+                </a:cxn>
+                <a:cxn ang="0">
+                  <a:pos x="T58" y="T59"/>
+                </a:cxn>
+                <a:cxn ang="0">
+                  <a:pos x="T60" y="T61"/>
+                </a:cxn>
+                <a:cxn ang="0">
+                  <a:pos x="T62" y="T63"/>
+                </a:cxn>
+                <a:cxn ang="0">
+                  <a:pos x="T64" y="T65"/>
+                </a:cxn>
+                <a:cxn ang="0">
+                  <a:pos x="T66" y="T67"/>
+                </a:cxn>
+                <a:cxn ang="0">
+                  <a:pos x="T68" y="T69"/>
+                </a:cxn>
+                <a:cxn ang="0">
+                  <a:pos x="T70" y="T71"/>
+                </a:cxn>
+                <a:cxn ang="0">
+                  <a:pos x="T72" y="T73"/>
+                </a:cxn>
+                <a:cxn ang="0">
+                  <a:pos x="T74" y="T75"/>
+                </a:cxn>
+                <a:cxn ang="0">
+                  <a:pos x="T76" y="T77"/>
+                </a:cxn>
+                <a:cxn ang="0">
+                  <a:pos x="T78" y="T79"/>
+                </a:cxn>
+              </a:cxnLst>
+              <a:rect l="0" t="0" r="r" b="b"/>
+              <a:pathLst>
+                <a:path w="384" h="345">
+                  <a:moveTo>
+                    <a:pt x="378" y="0"/>
+                  </a:moveTo>
+                  <a:cubicBezTo>
+                    <a:pt x="6" y="0"/>
+                    <a:pt x="6" y="0"/>
+                    <a:pt x="6" y="0"/>
+                  </a:cubicBezTo>
+                  <a:cubicBezTo>
+                    <a:pt x="2" y="0"/>
+                    <a:pt x="0" y="3"/>
+                    <a:pt x="0" y="6"/>
+                  </a:cubicBezTo>
+                  <a:cubicBezTo>
+                    <a:pt x="0" y="288"/>
+                    <a:pt x="0" y="288"/>
+                    <a:pt x="0" y="288"/>
+                  </a:cubicBezTo>
+                  <a:cubicBezTo>
+                    <a:pt x="0" y="291"/>
+                    <a:pt x="2" y="294"/>
+                    <a:pt x="6" y="294"/>
+                  </a:cubicBezTo>
+                  <a:cubicBezTo>
+                    <a:pt x="147" y="294"/>
+                    <a:pt x="147" y="294"/>
+                    <a:pt x="147" y="294"/>
+                  </a:cubicBezTo>
+                  <a:cubicBezTo>
+                    <a:pt x="147" y="333"/>
+                    <a:pt x="147" y="333"/>
+                    <a:pt x="147" y="333"/>
+                  </a:cubicBezTo>
+                  <a:cubicBezTo>
+                    <a:pt x="107" y="333"/>
+                    <a:pt x="107" y="333"/>
+                    <a:pt x="107" y="333"/>
+                  </a:cubicBezTo>
+                  <a:cubicBezTo>
+                    <a:pt x="103" y="333"/>
+                    <a:pt x="101" y="336"/>
+                    <a:pt x="101" y="339"/>
+                  </a:cubicBezTo>
+                  <a:cubicBezTo>
+                    <a:pt x="101" y="342"/>
+                    <a:pt x="103" y="345"/>
+                    <a:pt x="107" y="345"/>
+                  </a:cubicBezTo>
+                  <a:cubicBezTo>
+                    <a:pt x="153" y="345"/>
+                    <a:pt x="153" y="345"/>
+                    <a:pt x="153" y="345"/>
+                  </a:cubicBezTo>
+                  <a:cubicBezTo>
+                    <a:pt x="241" y="345"/>
+                    <a:pt x="241" y="345"/>
+                    <a:pt x="241" y="345"/>
+                  </a:cubicBezTo>
+                  <a:cubicBezTo>
+                    <a:pt x="288" y="345"/>
+                    <a:pt x="288" y="345"/>
+                    <a:pt x="288" y="345"/>
+                  </a:cubicBezTo>
+                  <a:cubicBezTo>
+                    <a:pt x="291" y="345"/>
+                    <a:pt x="294" y="342"/>
+                    <a:pt x="294" y="339"/>
+                  </a:cubicBezTo>
+                  <a:cubicBezTo>
+                    <a:pt x="294" y="336"/>
+                    <a:pt x="291" y="333"/>
+                    <a:pt x="288" y="333"/>
+                  </a:cubicBezTo>
+                  <a:cubicBezTo>
+                    <a:pt x="247" y="333"/>
+                    <a:pt x="247" y="333"/>
+                    <a:pt x="247" y="333"/>
+                  </a:cubicBezTo>
+                  <a:cubicBezTo>
+                    <a:pt x="247" y="294"/>
+                    <a:pt x="247" y="294"/>
+                    <a:pt x="247" y="294"/>
+                  </a:cubicBezTo>
+                  <a:cubicBezTo>
+                    <a:pt x="378" y="294"/>
+                    <a:pt x="378" y="294"/>
+                    <a:pt x="378" y="294"/>
+                  </a:cubicBezTo>
+                  <a:cubicBezTo>
+                    <a:pt x="381" y="294"/>
+                    <a:pt x="384" y="291"/>
+                    <a:pt x="384" y="288"/>
+                  </a:cubicBezTo>
+                  <a:cubicBezTo>
+                    <a:pt x="384" y="6"/>
+                    <a:pt x="384" y="6"/>
+                    <a:pt x="384" y="6"/>
+                  </a:cubicBezTo>
+                  <a:cubicBezTo>
+                    <a:pt x="384" y="3"/>
+                    <a:pt x="381" y="0"/>
+                    <a:pt x="378" y="0"/>
+                  </a:cubicBezTo>
+                  <a:close/>
+                  <a:moveTo>
+                    <a:pt x="235" y="333"/>
+                  </a:moveTo>
+                  <a:cubicBezTo>
+                    <a:pt x="159" y="333"/>
+                    <a:pt x="159" y="333"/>
+                    <a:pt x="159" y="333"/>
+                  </a:cubicBezTo>
+                  <a:cubicBezTo>
+                    <a:pt x="159" y="294"/>
+                    <a:pt x="159" y="294"/>
+                    <a:pt x="159" y="294"/>
+                  </a:cubicBezTo>
+                  <a:cubicBezTo>
+                    <a:pt x="235" y="294"/>
+                    <a:pt x="235" y="294"/>
+                    <a:pt x="235" y="294"/>
+                  </a:cubicBezTo>
+                  <a:lnTo>
+                    <a:pt x="235" y="333"/>
+                  </a:lnTo>
+                  <a:close/>
+                  <a:moveTo>
+                    <a:pt x="372" y="282"/>
+                  </a:moveTo>
+                  <a:cubicBezTo>
+                    <a:pt x="12" y="282"/>
+                    <a:pt x="12" y="282"/>
+                    <a:pt x="12" y="282"/>
+                  </a:cubicBezTo>
+                  <a:cubicBezTo>
+                    <a:pt x="12" y="12"/>
+                    <a:pt x="12" y="12"/>
+                    <a:pt x="12" y="12"/>
+                  </a:cubicBezTo>
+                  <a:cubicBezTo>
+                    <a:pt x="372" y="12"/>
+                    <a:pt x="372" y="12"/>
+                    <a:pt x="372" y="12"/>
+                  </a:cubicBezTo>
+                  <a:lnTo>
+                    <a:pt x="372" y="282"/>
+                  </a:lnTo>
+                  <a:close/>
+                  <a:moveTo>
+                    <a:pt x="31" y="239"/>
+                  </a:moveTo>
+                  <a:cubicBezTo>
+                    <a:pt x="353" y="239"/>
+                    <a:pt x="353" y="239"/>
+                    <a:pt x="353" y="239"/>
+                  </a:cubicBezTo>
+                  <a:cubicBezTo>
+                    <a:pt x="356" y="239"/>
+                    <a:pt x="359" y="236"/>
+                    <a:pt x="359" y="233"/>
+                  </a:cubicBezTo>
+                  <a:cubicBezTo>
+                    <a:pt x="359" y="31"/>
+                    <a:pt x="359" y="31"/>
+                    <a:pt x="359" y="31"/>
+                  </a:cubicBezTo>
+                  <a:cubicBezTo>
+                    <a:pt x="359" y="27"/>
+                    <a:pt x="356" y="25"/>
+                    <a:pt x="353" y="25"/>
+                  </a:cubicBezTo>
+                  <a:cubicBezTo>
+                    <a:pt x="31" y="25"/>
+                    <a:pt x="31" y="25"/>
+                    <a:pt x="31" y="25"/>
+                  </a:cubicBezTo>
+                  <a:cubicBezTo>
+                    <a:pt x="28" y="25"/>
+                    <a:pt x="25" y="27"/>
+                    <a:pt x="25" y="31"/>
+                  </a:cubicBezTo>
+                  <a:cubicBezTo>
+                    <a:pt x="25" y="233"/>
+                    <a:pt x="25" y="233"/>
+                    <a:pt x="25" y="233"/>
+                  </a:cubicBezTo>
+                  <a:cubicBezTo>
+                    <a:pt x="25" y="236"/>
+                    <a:pt x="28" y="239"/>
+                    <a:pt x="31" y="239"/>
+                  </a:cubicBezTo>
+                  <a:close/>
+                  <a:moveTo>
+                    <a:pt x="37" y="36"/>
+                  </a:moveTo>
+                  <a:cubicBezTo>
+                    <a:pt x="347" y="36"/>
+                    <a:pt x="347" y="36"/>
+                    <a:pt x="347" y="36"/>
+                  </a:cubicBezTo>
+                  <a:cubicBezTo>
+                    <a:pt x="347" y="227"/>
+                    <a:pt x="347" y="227"/>
+                    <a:pt x="347" y="227"/>
+                  </a:cubicBezTo>
+                  <a:cubicBezTo>
+                    <a:pt x="37" y="227"/>
+                    <a:pt x="37" y="227"/>
+                    <a:pt x="37" y="227"/>
+                  </a:cubicBezTo>
+                  <a:lnTo>
+                    <a:pt x="37" y="36"/>
+                  </a:lnTo>
+                  <a:close/>
+                  <a:moveTo>
+                    <a:pt x="330" y="61"/>
+                  </a:moveTo>
+                  <a:cubicBezTo>
+                    <a:pt x="329" y="60"/>
+                    <a:pt x="327" y="59"/>
+                    <a:pt x="325" y="60"/>
+                  </a:cubicBezTo>
+                  <a:cubicBezTo>
+                    <a:pt x="282" y="71"/>
+                    <a:pt x="282" y="71"/>
+                    <a:pt x="282" y="71"/>
+                  </a:cubicBezTo>
+                  <a:cubicBezTo>
+                    <a:pt x="279" y="72"/>
+                    <a:pt x="277" y="75"/>
+                    <a:pt x="278" y="78"/>
+                  </a:cubicBezTo>
+                  <a:cubicBezTo>
+                    <a:pt x="279" y="81"/>
+                    <a:pt x="282" y="83"/>
+                    <a:pt x="285" y="82"/>
+                  </a:cubicBezTo>
+                  <a:cubicBezTo>
+                    <a:pt x="312" y="75"/>
+                    <a:pt x="312" y="75"/>
+                    <a:pt x="312" y="75"/>
+                  </a:cubicBezTo>
+                  <a:cubicBezTo>
+                    <a:pt x="261" y="140"/>
+                    <a:pt x="261" y="140"/>
+                    <a:pt x="261" y="140"/>
+                  </a:cubicBezTo>
+                  <a:cubicBezTo>
+                    <a:pt x="232" y="110"/>
+                    <a:pt x="232" y="110"/>
+                    <a:pt x="232" y="110"/>
+                  </a:cubicBezTo>
+                  <a:cubicBezTo>
+                    <a:pt x="231" y="109"/>
+                    <a:pt x="230" y="108"/>
+                    <a:pt x="228" y="108"/>
+                  </a:cubicBezTo>
+                  <a:cubicBezTo>
+                    <a:pt x="228" y="108"/>
+                    <a:pt x="228" y="108"/>
+                    <a:pt x="228" y="108"/>
+                  </a:cubicBezTo>
+                  <a:cubicBezTo>
+                    <a:pt x="227" y="108"/>
+                    <a:pt x="225" y="109"/>
+                    <a:pt x="224" y="110"/>
+                  </a:cubicBezTo>
+                  <a:cubicBezTo>
+                    <a:pt x="163" y="175"/>
+                    <a:pt x="163" y="175"/>
+                    <a:pt x="163" y="175"/>
+                  </a:cubicBezTo>
+                  <a:cubicBezTo>
+                    <a:pt x="122" y="134"/>
+                    <a:pt x="122" y="134"/>
+                    <a:pt x="122" y="134"/>
+                  </a:cubicBezTo>
+                  <a:cubicBezTo>
+                    <a:pt x="121" y="133"/>
+                    <a:pt x="120" y="132"/>
+                    <a:pt x="118" y="132"/>
+                  </a:cubicBezTo>
+                  <a:cubicBezTo>
+                    <a:pt x="118" y="132"/>
+                    <a:pt x="118" y="132"/>
+                    <a:pt x="118" y="132"/>
+                  </a:cubicBezTo>
+                  <a:cubicBezTo>
+                    <a:pt x="117" y="132"/>
+                    <a:pt x="115" y="133"/>
+                    <a:pt x="114" y="134"/>
+                  </a:cubicBezTo>
+                  <a:cubicBezTo>
+                    <a:pt x="60" y="189"/>
+                    <a:pt x="60" y="189"/>
+                    <a:pt x="60" y="189"/>
+                  </a:cubicBezTo>
+                  <a:cubicBezTo>
+                    <a:pt x="57" y="192"/>
+                    <a:pt x="57" y="195"/>
+                    <a:pt x="60" y="197"/>
+                  </a:cubicBezTo>
+                  <a:cubicBezTo>
+                    <a:pt x="61" y="199"/>
+                    <a:pt x="62" y="199"/>
+                    <a:pt x="64" y="199"/>
+                  </a:cubicBezTo>
+                  <a:cubicBezTo>
+                    <a:pt x="65" y="199"/>
+                    <a:pt x="67" y="199"/>
+                    <a:pt x="68" y="197"/>
+                  </a:cubicBezTo>
+                  <a:cubicBezTo>
+                    <a:pt x="118" y="146"/>
+                    <a:pt x="118" y="146"/>
+                    <a:pt x="118" y="146"/>
+                  </a:cubicBezTo>
+                  <a:cubicBezTo>
+                    <a:pt x="159" y="187"/>
+                    <a:pt x="159" y="187"/>
+                    <a:pt x="159" y="187"/>
+                  </a:cubicBezTo>
+                  <a:cubicBezTo>
+                    <a:pt x="160" y="188"/>
+                    <a:pt x="162" y="189"/>
+                    <a:pt x="163" y="189"/>
+                  </a:cubicBezTo>
+                  <a:cubicBezTo>
+                    <a:pt x="165" y="189"/>
+                    <a:pt x="167" y="188"/>
+                    <a:pt x="168" y="187"/>
+                  </a:cubicBezTo>
+                  <a:cubicBezTo>
+                    <a:pt x="228" y="122"/>
+                    <a:pt x="228" y="122"/>
+                    <a:pt x="228" y="122"/>
+                  </a:cubicBezTo>
+                  <a:cubicBezTo>
+                    <a:pt x="258" y="153"/>
+                    <a:pt x="258" y="153"/>
+                    <a:pt x="258" y="153"/>
+                  </a:cubicBezTo>
+                  <a:cubicBezTo>
+                    <a:pt x="259" y="154"/>
+                    <a:pt x="260" y="155"/>
+                    <a:pt x="262" y="155"/>
+                  </a:cubicBezTo>
+                  <a:cubicBezTo>
+                    <a:pt x="264" y="155"/>
+                    <a:pt x="265" y="154"/>
+                    <a:pt x="266" y="153"/>
+                  </a:cubicBezTo>
+                  <a:cubicBezTo>
+                    <a:pt x="322" y="82"/>
+                    <a:pt x="322" y="82"/>
+                    <a:pt x="322" y="82"/>
+                  </a:cubicBezTo>
+                  <a:cubicBezTo>
+                    <a:pt x="324" y="108"/>
+                    <a:pt x="324" y="108"/>
+                    <a:pt x="324" y="108"/>
+                  </a:cubicBezTo>
+                  <a:cubicBezTo>
+                    <a:pt x="324" y="111"/>
+                    <a:pt x="326" y="113"/>
+                    <a:pt x="329" y="113"/>
+                  </a:cubicBezTo>
+                  <a:cubicBezTo>
+                    <a:pt x="329" y="113"/>
+                    <a:pt x="330" y="113"/>
+                    <a:pt x="330" y="113"/>
+                  </a:cubicBezTo>
+                  <a:cubicBezTo>
+                    <a:pt x="333" y="113"/>
+                    <a:pt x="335" y="110"/>
+                    <a:pt x="335" y="107"/>
+                  </a:cubicBezTo>
+                  <a:cubicBezTo>
+                    <a:pt x="332" y="65"/>
+                    <a:pt x="332" y="65"/>
+                    <a:pt x="332" y="65"/>
+                  </a:cubicBezTo>
+                  <a:cubicBezTo>
+                    <a:pt x="332" y="63"/>
+                    <a:pt x="331" y="62"/>
+                    <a:pt x="330" y="61"/>
+                  </a:cubicBezTo>
+                  <a:close/>
+                </a:path>
+              </a:pathLst>
+            </a:custGeom>
+            <a:solidFill>
+              <a:srgbClr val="FFFFFF"/>
+            </a:solidFill>
+            <a:ln>
+              <a:noFill/>
+            </a:ln>
+            <a:extLst>
+              <a:ext uri="{91240B29-F687-4F45-9708-019B960494DF}">
+                <a14:hiddenLine xmlns:a14="http://schemas.microsoft.com/office/drawing/2010/main" w="9525">
+                  <a:solidFill>
+                    <a:srgbClr val="000000"/>
+                  </a:solidFill>
+                  <a:round/>
+                  <a:headEnd/>
+                  <a:tailEnd/>
+                </a14:hiddenLine>
+              </a:ext>
+            </a:extLst>
+          </p:spPr>
+          <p:txBody>
+            <a:bodyPr vert="horz" wrap="square" lIns="91440" tIns="45720" rIns="91440" bIns="45720" numCol="1" anchor="t" anchorCtr="0" compatLnSpc="1">
+              <a:prstTxWarp prst="textNoShape">
+                <a:avLst/>
+              </a:prstTxWarp>
+            </a:bodyPr>
+            <a:lstStyle/>
+            <a:p>
+              <a:endParaRPr lang="en-US"/>
+            </a:p>
+          </p:txBody>
+        </p:sp>
+      </p:grpSp>
+      <p:sp>
+        <p:nvSpPr>
+          <p:cNvPr id="10" name="TextBox 9">
+            <a:extLst>
+              <a:ext uri="{FF2B5EF4-FFF2-40B4-BE49-F238E27FC236}">
+                <a16:creationId xmlns:a16="http://schemas.microsoft.com/office/drawing/2014/main" id="{3FB1E209-76D9-4649-B5B7-05225DD76132}"/>
+              </a:ext>
+            </a:extLst>
+          </p:cNvPr>
+          <p:cNvSpPr txBox="1"/>
+          <p:nvPr/>
+        </p:nvSpPr>
+        <p:spPr>
+          <a:xfrm>
+            <a:off x="8133700" y="1371599"/>
+            <a:ext cx="4058300" cy="361637"/>
+          </a:xfrm>
+          <a:prstGeom prst="rect">
+            <a:avLst/>
+          </a:prstGeom>
+          <a:noFill/>
+        </p:spPr>
+        <p:txBody>
+          <a:bodyPr wrap="square" rtlCol="0">
+            <a:spAutoFit/>
+          </a:bodyPr>
+          <a:lstStyle/>
+          <a:p>
+            <a:r>
+              <a:rPr lang="en-US" sz="1750" b="1" dirty="0">
+                <a:solidFill>
+                  <a:srgbClr val="EC131B"/>
+                </a:solidFill>
+                <a:latin typeface="Arial" panose="020B0706030804020204" pitchFamily="34" charset="0"/>
+              </a:rPr>
+              <a:t>Insights</a:t>
+            </a:r>
+          </a:p>
+        </p:txBody>
+      </p:sp>
     </p:spTree>
     <p:extLst>
       <p:ext uri="{BB962C8B-B14F-4D97-AF65-F5344CB8AC3E}">
@@ -13147,6 +15396,869 @@
               <a:t>9</a:t>
             </a:fld>
             <a:endParaRPr lang="en-US" dirty="0"/>
+          </a:p>
+        </p:txBody>
+      </p:sp>
+      <p:pic>
+        <p:nvPicPr>
+          <p:cNvPr id="2" name="Picture 1">
+            <a:extLst>
+              <a:ext uri="{FF2B5EF4-FFF2-40B4-BE49-F238E27FC236}">
+                <a16:creationId xmlns:a16="http://schemas.microsoft.com/office/drawing/2014/main" id="{233BD019-1A01-BB43-AC7E-C41CF16439E4}"/>
+              </a:ext>
+            </a:extLst>
+          </p:cNvPr>
+          <p:cNvPicPr>
+            <a:picLocks noChangeAspect="1"/>
+          </p:cNvPicPr>
+          <p:nvPr/>
+        </p:nvPicPr>
+        <p:blipFill>
+          <a:blip r:embed="rId2"/>
+          <a:stretch>
+            <a:fillRect/>
+          </a:stretch>
+        </p:blipFill>
+        <p:spPr>
+          <a:xfrm>
+            <a:off x="419770" y="1371599"/>
+            <a:ext cx="6756400" cy="3251200"/>
+          </a:xfrm>
+          <a:prstGeom prst="rect">
+            <a:avLst/>
+          </a:prstGeom>
+        </p:spPr>
+      </p:pic>
+      <p:sp>
+        <p:nvSpPr>
+          <p:cNvPr id="5" name="TextBox 4">
+            <a:extLst>
+              <a:ext uri="{FF2B5EF4-FFF2-40B4-BE49-F238E27FC236}">
+                <a16:creationId xmlns:a16="http://schemas.microsoft.com/office/drawing/2014/main" id="{007F3745-DB33-DE4F-9437-A44DA4975B3B}"/>
+              </a:ext>
+            </a:extLst>
+          </p:cNvPr>
+          <p:cNvSpPr txBox="1"/>
+          <p:nvPr/>
+        </p:nvSpPr>
+        <p:spPr>
+          <a:xfrm>
+            <a:off x="8444079" y="1765829"/>
+            <a:ext cx="3747921" cy="866776"/>
+          </a:xfrm>
+          <a:prstGeom prst="rect">
+            <a:avLst/>
+          </a:prstGeom>
+          <a:noFill/>
+        </p:spPr>
+        <p:txBody>
+          <a:bodyPr wrap="square" rtlCol="0">
+            <a:spAutoFit/>
+          </a:bodyPr>
+          <a:lstStyle/>
+          <a:p>
+            <a:pPr marL="285750" indent="-285750">
+              <a:lnSpc>
+                <a:spcPct val="114000"/>
+              </a:lnSpc>
+              <a:buClr>
+                <a:srgbClr val="EC131B"/>
+              </a:buClr>
+              <a:buFont typeface="Arial" panose="020B0604020202020204" pitchFamily="34" charset="0"/>
+              <a:buChar char="•"/>
+            </a:pPr>
+            <a:r>
+              <a:rPr lang="en-US" sz="1500" dirty="0"/>
+              <a:t>Manufacturing is the most profitable sector</a:t>
+            </a:r>
+          </a:p>
+          <a:p>
+            <a:pPr marL="285750" indent="-285750">
+              <a:lnSpc>
+                <a:spcPct val="114000"/>
+              </a:lnSpc>
+              <a:buClr>
+                <a:srgbClr val="EC131B"/>
+              </a:buClr>
+              <a:buFont typeface="Arial" panose="020B0604020202020204" pitchFamily="34" charset="0"/>
+              <a:buChar char="•"/>
+            </a:pPr>
+            <a:r>
+              <a:rPr lang="en-US" sz="1500" dirty="0"/>
+              <a:t>Retail is the least profitable sector</a:t>
+            </a:r>
+          </a:p>
+        </p:txBody>
+      </p:sp>
+      <p:grpSp>
+        <p:nvGrpSpPr>
+          <p:cNvPr id="6" name="Group 5">
+            <a:extLst>
+              <a:ext uri="{FF2B5EF4-FFF2-40B4-BE49-F238E27FC236}">
+                <a16:creationId xmlns:a16="http://schemas.microsoft.com/office/drawing/2014/main" id="{E8C2CAB2-BB88-FE43-AB14-E1641DB49623}"/>
+              </a:ext>
+            </a:extLst>
+          </p:cNvPr>
+          <p:cNvGrpSpPr>
+            <a:grpSpLocks noChangeAspect="1"/>
+          </p:cNvGrpSpPr>
+          <p:nvPr/>
+        </p:nvGrpSpPr>
+        <p:grpSpPr>
+          <a:xfrm>
+            <a:off x="7492231" y="1371599"/>
+            <a:ext cx="951848" cy="951848"/>
+            <a:chOff x="633600" y="1674000"/>
+            <a:chExt cx="951848" cy="951848"/>
+          </a:xfrm>
+        </p:grpSpPr>
+        <p:sp>
+          <p:nvSpPr>
+            <p:cNvPr id="8" name="Rectangle 7">
+              <a:extLst>
+                <a:ext uri="{FF2B5EF4-FFF2-40B4-BE49-F238E27FC236}">
+                  <a16:creationId xmlns:a16="http://schemas.microsoft.com/office/drawing/2014/main" id="{0FAF3012-C8F2-A547-93C1-0D1EC5C336E7}"/>
+                </a:ext>
+              </a:extLst>
+            </p:cNvPr>
+            <p:cNvSpPr>
+              <a:spLocks noChangeAspect="1"/>
+            </p:cNvSpPr>
+            <p:nvPr/>
+          </p:nvSpPr>
+          <p:spPr>
+            <a:xfrm>
+              <a:off x="633600" y="1674000"/>
+              <a:ext cx="951848" cy="951848"/>
+            </a:xfrm>
+            <a:prstGeom prst="rect">
+              <a:avLst/>
+            </a:prstGeom>
+            <a:solidFill>
+              <a:srgbClr val="EC131B"/>
+            </a:solidFill>
+            <a:ln>
+              <a:noFill/>
+            </a:ln>
+          </p:spPr>
+          <p:style>
+            <a:lnRef idx="2">
+              <a:schemeClr val="accent1">
+                <a:shade val="50000"/>
+              </a:schemeClr>
+            </a:lnRef>
+            <a:fillRef idx="1">
+              <a:schemeClr val="accent1"/>
+            </a:fillRef>
+            <a:effectRef idx="0">
+              <a:schemeClr val="accent1"/>
+            </a:effectRef>
+            <a:fontRef idx="minor">
+              <a:schemeClr val="lt1"/>
+            </a:fontRef>
+          </p:style>
+          <p:txBody>
+            <a:bodyPr rtlCol="0" anchor="ctr"/>
+            <a:lstStyle/>
+            <a:p>
+              <a:pPr algn="ctr"/>
+              <a:endParaRPr lang="en-US" dirty="0">
+                <a:highlight>
+                  <a:srgbClr val="EC131B"/>
+                </a:highlight>
+              </a:endParaRPr>
+            </a:p>
+          </p:txBody>
+        </p:sp>
+        <p:sp>
+          <p:nvSpPr>
+            <p:cNvPr id="9" name="Freeform 49">
+              <a:extLst>
+                <a:ext uri="{FF2B5EF4-FFF2-40B4-BE49-F238E27FC236}">
+                  <a16:creationId xmlns:a16="http://schemas.microsoft.com/office/drawing/2014/main" id="{9740DE96-A42B-7F4E-84B3-054FC14215EA}"/>
+                </a:ext>
+              </a:extLst>
+            </p:cNvPr>
+            <p:cNvSpPr>
+              <a:spLocks noChangeAspect="1" noEditPoints="1"/>
+            </p:cNvSpPr>
+            <p:nvPr/>
+          </p:nvSpPr>
+          <p:spPr bwMode="auto">
+            <a:xfrm>
+              <a:off x="806054" y="1877298"/>
+              <a:ext cx="606941" cy="545252"/>
+            </a:xfrm>
+            <a:custGeom>
+              <a:avLst/>
+              <a:gdLst>
+                <a:gd name="T0" fmla="*/ 6 w 384"/>
+                <a:gd name="T1" fmla="*/ 0 h 345"/>
+                <a:gd name="T2" fmla="*/ 0 w 384"/>
+                <a:gd name="T3" fmla="*/ 288 h 345"/>
+                <a:gd name="T4" fmla="*/ 147 w 384"/>
+                <a:gd name="T5" fmla="*/ 294 h 345"/>
+                <a:gd name="T6" fmla="*/ 107 w 384"/>
+                <a:gd name="T7" fmla="*/ 333 h 345"/>
+                <a:gd name="T8" fmla="*/ 107 w 384"/>
+                <a:gd name="T9" fmla="*/ 345 h 345"/>
+                <a:gd name="T10" fmla="*/ 241 w 384"/>
+                <a:gd name="T11" fmla="*/ 345 h 345"/>
+                <a:gd name="T12" fmla="*/ 294 w 384"/>
+                <a:gd name="T13" fmla="*/ 339 h 345"/>
+                <a:gd name="T14" fmla="*/ 247 w 384"/>
+                <a:gd name="T15" fmla="*/ 333 h 345"/>
+                <a:gd name="T16" fmla="*/ 378 w 384"/>
+                <a:gd name="T17" fmla="*/ 294 h 345"/>
+                <a:gd name="T18" fmla="*/ 384 w 384"/>
+                <a:gd name="T19" fmla="*/ 6 h 345"/>
+                <a:gd name="T20" fmla="*/ 235 w 384"/>
+                <a:gd name="T21" fmla="*/ 333 h 345"/>
+                <a:gd name="T22" fmla="*/ 159 w 384"/>
+                <a:gd name="T23" fmla="*/ 294 h 345"/>
+                <a:gd name="T24" fmla="*/ 235 w 384"/>
+                <a:gd name="T25" fmla="*/ 333 h 345"/>
+                <a:gd name="T26" fmla="*/ 12 w 384"/>
+                <a:gd name="T27" fmla="*/ 282 h 345"/>
+                <a:gd name="T28" fmla="*/ 372 w 384"/>
+                <a:gd name="T29" fmla="*/ 12 h 345"/>
+                <a:gd name="T30" fmla="*/ 31 w 384"/>
+                <a:gd name="T31" fmla="*/ 239 h 345"/>
+                <a:gd name="T32" fmla="*/ 359 w 384"/>
+                <a:gd name="T33" fmla="*/ 233 h 345"/>
+                <a:gd name="T34" fmla="*/ 353 w 384"/>
+                <a:gd name="T35" fmla="*/ 25 h 345"/>
+                <a:gd name="T36" fmla="*/ 25 w 384"/>
+                <a:gd name="T37" fmla="*/ 31 h 345"/>
+                <a:gd name="T38" fmla="*/ 31 w 384"/>
+                <a:gd name="T39" fmla="*/ 239 h 345"/>
+                <a:gd name="T40" fmla="*/ 347 w 384"/>
+                <a:gd name="T41" fmla="*/ 36 h 345"/>
+                <a:gd name="T42" fmla="*/ 37 w 384"/>
+                <a:gd name="T43" fmla="*/ 227 h 345"/>
+                <a:gd name="T44" fmla="*/ 330 w 384"/>
+                <a:gd name="T45" fmla="*/ 61 h 345"/>
+                <a:gd name="T46" fmla="*/ 282 w 384"/>
+                <a:gd name="T47" fmla="*/ 71 h 345"/>
+                <a:gd name="T48" fmla="*/ 285 w 384"/>
+                <a:gd name="T49" fmla="*/ 82 h 345"/>
+                <a:gd name="T50" fmla="*/ 261 w 384"/>
+                <a:gd name="T51" fmla="*/ 140 h 345"/>
+                <a:gd name="T52" fmla="*/ 228 w 384"/>
+                <a:gd name="T53" fmla="*/ 108 h 345"/>
+                <a:gd name="T54" fmla="*/ 224 w 384"/>
+                <a:gd name="T55" fmla="*/ 110 h 345"/>
+                <a:gd name="T56" fmla="*/ 122 w 384"/>
+                <a:gd name="T57" fmla="*/ 134 h 345"/>
+                <a:gd name="T58" fmla="*/ 118 w 384"/>
+                <a:gd name="T59" fmla="*/ 132 h 345"/>
+                <a:gd name="T60" fmla="*/ 60 w 384"/>
+                <a:gd name="T61" fmla="*/ 189 h 345"/>
+                <a:gd name="T62" fmla="*/ 64 w 384"/>
+                <a:gd name="T63" fmla="*/ 199 h 345"/>
+                <a:gd name="T64" fmla="*/ 118 w 384"/>
+                <a:gd name="T65" fmla="*/ 146 h 345"/>
+                <a:gd name="T66" fmla="*/ 163 w 384"/>
+                <a:gd name="T67" fmla="*/ 189 h 345"/>
+                <a:gd name="T68" fmla="*/ 228 w 384"/>
+                <a:gd name="T69" fmla="*/ 122 h 345"/>
+                <a:gd name="T70" fmla="*/ 262 w 384"/>
+                <a:gd name="T71" fmla="*/ 155 h 345"/>
+                <a:gd name="T72" fmla="*/ 322 w 384"/>
+                <a:gd name="T73" fmla="*/ 82 h 345"/>
+                <a:gd name="T74" fmla="*/ 329 w 384"/>
+                <a:gd name="T75" fmla="*/ 113 h 345"/>
+                <a:gd name="T76" fmla="*/ 335 w 384"/>
+                <a:gd name="T77" fmla="*/ 107 h 345"/>
+                <a:gd name="T78" fmla="*/ 330 w 384"/>
+                <a:gd name="T79" fmla="*/ 61 h 345"/>
+              </a:gdLst>
+              <a:ahLst/>
+              <a:cxnLst>
+                <a:cxn ang="0">
+                  <a:pos x="T0" y="T1"/>
+                </a:cxn>
+                <a:cxn ang="0">
+                  <a:pos x="T2" y="T3"/>
+                </a:cxn>
+                <a:cxn ang="0">
+                  <a:pos x="T4" y="T5"/>
+                </a:cxn>
+                <a:cxn ang="0">
+                  <a:pos x="T6" y="T7"/>
+                </a:cxn>
+                <a:cxn ang="0">
+                  <a:pos x="T8" y="T9"/>
+                </a:cxn>
+                <a:cxn ang="0">
+                  <a:pos x="T10" y="T11"/>
+                </a:cxn>
+                <a:cxn ang="0">
+                  <a:pos x="T12" y="T13"/>
+                </a:cxn>
+                <a:cxn ang="0">
+                  <a:pos x="T14" y="T15"/>
+                </a:cxn>
+                <a:cxn ang="0">
+                  <a:pos x="T16" y="T17"/>
+                </a:cxn>
+                <a:cxn ang="0">
+                  <a:pos x="T18" y="T19"/>
+                </a:cxn>
+                <a:cxn ang="0">
+                  <a:pos x="T20" y="T21"/>
+                </a:cxn>
+                <a:cxn ang="0">
+                  <a:pos x="T22" y="T23"/>
+                </a:cxn>
+                <a:cxn ang="0">
+                  <a:pos x="T24" y="T25"/>
+                </a:cxn>
+                <a:cxn ang="0">
+                  <a:pos x="T26" y="T27"/>
+                </a:cxn>
+                <a:cxn ang="0">
+                  <a:pos x="T28" y="T29"/>
+                </a:cxn>
+                <a:cxn ang="0">
+                  <a:pos x="T30" y="T31"/>
+                </a:cxn>
+                <a:cxn ang="0">
+                  <a:pos x="T32" y="T33"/>
+                </a:cxn>
+                <a:cxn ang="0">
+                  <a:pos x="T34" y="T35"/>
+                </a:cxn>
+                <a:cxn ang="0">
+                  <a:pos x="T36" y="T37"/>
+                </a:cxn>
+                <a:cxn ang="0">
+                  <a:pos x="T38" y="T39"/>
+                </a:cxn>
+                <a:cxn ang="0">
+                  <a:pos x="T40" y="T41"/>
+                </a:cxn>
+                <a:cxn ang="0">
+                  <a:pos x="T42" y="T43"/>
+                </a:cxn>
+                <a:cxn ang="0">
+                  <a:pos x="T44" y="T45"/>
+                </a:cxn>
+                <a:cxn ang="0">
+                  <a:pos x="T46" y="T47"/>
+                </a:cxn>
+                <a:cxn ang="0">
+                  <a:pos x="T48" y="T49"/>
+                </a:cxn>
+                <a:cxn ang="0">
+                  <a:pos x="T50" y="T51"/>
+                </a:cxn>
+                <a:cxn ang="0">
+                  <a:pos x="T52" y="T53"/>
+                </a:cxn>
+                <a:cxn ang="0">
+                  <a:pos x="T54" y="T55"/>
+                </a:cxn>
+                <a:cxn ang="0">
+                  <a:pos x="T56" y="T57"/>
+                </a:cxn>
+                <a:cxn ang="0">
+                  <a:pos x="T58" y="T59"/>
+                </a:cxn>
+                <a:cxn ang="0">
+                  <a:pos x="T60" y="T61"/>
+                </a:cxn>
+                <a:cxn ang="0">
+                  <a:pos x="T62" y="T63"/>
+                </a:cxn>
+                <a:cxn ang="0">
+                  <a:pos x="T64" y="T65"/>
+                </a:cxn>
+                <a:cxn ang="0">
+                  <a:pos x="T66" y="T67"/>
+                </a:cxn>
+                <a:cxn ang="0">
+                  <a:pos x="T68" y="T69"/>
+                </a:cxn>
+                <a:cxn ang="0">
+                  <a:pos x="T70" y="T71"/>
+                </a:cxn>
+                <a:cxn ang="0">
+                  <a:pos x="T72" y="T73"/>
+                </a:cxn>
+                <a:cxn ang="0">
+                  <a:pos x="T74" y="T75"/>
+                </a:cxn>
+                <a:cxn ang="0">
+                  <a:pos x="T76" y="T77"/>
+                </a:cxn>
+                <a:cxn ang="0">
+                  <a:pos x="T78" y="T79"/>
+                </a:cxn>
+              </a:cxnLst>
+              <a:rect l="0" t="0" r="r" b="b"/>
+              <a:pathLst>
+                <a:path w="384" h="345">
+                  <a:moveTo>
+                    <a:pt x="378" y="0"/>
+                  </a:moveTo>
+                  <a:cubicBezTo>
+                    <a:pt x="6" y="0"/>
+                    <a:pt x="6" y="0"/>
+                    <a:pt x="6" y="0"/>
+                  </a:cubicBezTo>
+                  <a:cubicBezTo>
+                    <a:pt x="2" y="0"/>
+                    <a:pt x="0" y="3"/>
+                    <a:pt x="0" y="6"/>
+                  </a:cubicBezTo>
+                  <a:cubicBezTo>
+                    <a:pt x="0" y="288"/>
+                    <a:pt x="0" y="288"/>
+                    <a:pt x="0" y="288"/>
+                  </a:cubicBezTo>
+                  <a:cubicBezTo>
+                    <a:pt x="0" y="291"/>
+                    <a:pt x="2" y="294"/>
+                    <a:pt x="6" y="294"/>
+                  </a:cubicBezTo>
+                  <a:cubicBezTo>
+                    <a:pt x="147" y="294"/>
+                    <a:pt x="147" y="294"/>
+                    <a:pt x="147" y="294"/>
+                  </a:cubicBezTo>
+                  <a:cubicBezTo>
+                    <a:pt x="147" y="333"/>
+                    <a:pt x="147" y="333"/>
+                    <a:pt x="147" y="333"/>
+                  </a:cubicBezTo>
+                  <a:cubicBezTo>
+                    <a:pt x="107" y="333"/>
+                    <a:pt x="107" y="333"/>
+                    <a:pt x="107" y="333"/>
+                  </a:cubicBezTo>
+                  <a:cubicBezTo>
+                    <a:pt x="103" y="333"/>
+                    <a:pt x="101" y="336"/>
+                    <a:pt x="101" y="339"/>
+                  </a:cubicBezTo>
+                  <a:cubicBezTo>
+                    <a:pt x="101" y="342"/>
+                    <a:pt x="103" y="345"/>
+                    <a:pt x="107" y="345"/>
+                  </a:cubicBezTo>
+                  <a:cubicBezTo>
+                    <a:pt x="153" y="345"/>
+                    <a:pt x="153" y="345"/>
+                    <a:pt x="153" y="345"/>
+                  </a:cubicBezTo>
+                  <a:cubicBezTo>
+                    <a:pt x="241" y="345"/>
+                    <a:pt x="241" y="345"/>
+                    <a:pt x="241" y="345"/>
+                  </a:cubicBezTo>
+                  <a:cubicBezTo>
+                    <a:pt x="288" y="345"/>
+                    <a:pt x="288" y="345"/>
+                    <a:pt x="288" y="345"/>
+                  </a:cubicBezTo>
+                  <a:cubicBezTo>
+                    <a:pt x="291" y="345"/>
+                    <a:pt x="294" y="342"/>
+                    <a:pt x="294" y="339"/>
+                  </a:cubicBezTo>
+                  <a:cubicBezTo>
+                    <a:pt x="294" y="336"/>
+                    <a:pt x="291" y="333"/>
+                    <a:pt x="288" y="333"/>
+                  </a:cubicBezTo>
+                  <a:cubicBezTo>
+                    <a:pt x="247" y="333"/>
+                    <a:pt x="247" y="333"/>
+                    <a:pt x="247" y="333"/>
+                  </a:cubicBezTo>
+                  <a:cubicBezTo>
+                    <a:pt x="247" y="294"/>
+                    <a:pt x="247" y="294"/>
+                    <a:pt x="247" y="294"/>
+                  </a:cubicBezTo>
+                  <a:cubicBezTo>
+                    <a:pt x="378" y="294"/>
+                    <a:pt x="378" y="294"/>
+                    <a:pt x="378" y="294"/>
+                  </a:cubicBezTo>
+                  <a:cubicBezTo>
+                    <a:pt x="381" y="294"/>
+                    <a:pt x="384" y="291"/>
+                    <a:pt x="384" y="288"/>
+                  </a:cubicBezTo>
+                  <a:cubicBezTo>
+                    <a:pt x="384" y="6"/>
+                    <a:pt x="384" y="6"/>
+                    <a:pt x="384" y="6"/>
+                  </a:cubicBezTo>
+                  <a:cubicBezTo>
+                    <a:pt x="384" y="3"/>
+                    <a:pt x="381" y="0"/>
+                    <a:pt x="378" y="0"/>
+                  </a:cubicBezTo>
+                  <a:close/>
+                  <a:moveTo>
+                    <a:pt x="235" y="333"/>
+                  </a:moveTo>
+                  <a:cubicBezTo>
+                    <a:pt x="159" y="333"/>
+                    <a:pt x="159" y="333"/>
+                    <a:pt x="159" y="333"/>
+                  </a:cubicBezTo>
+                  <a:cubicBezTo>
+                    <a:pt x="159" y="294"/>
+                    <a:pt x="159" y="294"/>
+                    <a:pt x="159" y="294"/>
+                  </a:cubicBezTo>
+                  <a:cubicBezTo>
+                    <a:pt x="235" y="294"/>
+                    <a:pt x="235" y="294"/>
+                    <a:pt x="235" y="294"/>
+                  </a:cubicBezTo>
+                  <a:lnTo>
+                    <a:pt x="235" y="333"/>
+                  </a:lnTo>
+                  <a:close/>
+                  <a:moveTo>
+                    <a:pt x="372" y="282"/>
+                  </a:moveTo>
+                  <a:cubicBezTo>
+                    <a:pt x="12" y="282"/>
+                    <a:pt x="12" y="282"/>
+                    <a:pt x="12" y="282"/>
+                  </a:cubicBezTo>
+                  <a:cubicBezTo>
+                    <a:pt x="12" y="12"/>
+                    <a:pt x="12" y="12"/>
+                    <a:pt x="12" y="12"/>
+                  </a:cubicBezTo>
+                  <a:cubicBezTo>
+                    <a:pt x="372" y="12"/>
+                    <a:pt x="372" y="12"/>
+                    <a:pt x="372" y="12"/>
+                  </a:cubicBezTo>
+                  <a:lnTo>
+                    <a:pt x="372" y="282"/>
+                  </a:lnTo>
+                  <a:close/>
+                  <a:moveTo>
+                    <a:pt x="31" y="239"/>
+                  </a:moveTo>
+                  <a:cubicBezTo>
+                    <a:pt x="353" y="239"/>
+                    <a:pt x="353" y="239"/>
+                    <a:pt x="353" y="239"/>
+                  </a:cubicBezTo>
+                  <a:cubicBezTo>
+                    <a:pt x="356" y="239"/>
+                    <a:pt x="359" y="236"/>
+                    <a:pt x="359" y="233"/>
+                  </a:cubicBezTo>
+                  <a:cubicBezTo>
+                    <a:pt x="359" y="31"/>
+                    <a:pt x="359" y="31"/>
+                    <a:pt x="359" y="31"/>
+                  </a:cubicBezTo>
+                  <a:cubicBezTo>
+                    <a:pt x="359" y="27"/>
+                    <a:pt x="356" y="25"/>
+                    <a:pt x="353" y="25"/>
+                  </a:cubicBezTo>
+                  <a:cubicBezTo>
+                    <a:pt x="31" y="25"/>
+                    <a:pt x="31" y="25"/>
+                    <a:pt x="31" y="25"/>
+                  </a:cubicBezTo>
+                  <a:cubicBezTo>
+                    <a:pt x="28" y="25"/>
+                    <a:pt x="25" y="27"/>
+                    <a:pt x="25" y="31"/>
+                  </a:cubicBezTo>
+                  <a:cubicBezTo>
+                    <a:pt x="25" y="233"/>
+                    <a:pt x="25" y="233"/>
+                    <a:pt x="25" y="233"/>
+                  </a:cubicBezTo>
+                  <a:cubicBezTo>
+                    <a:pt x="25" y="236"/>
+                    <a:pt x="28" y="239"/>
+                    <a:pt x="31" y="239"/>
+                  </a:cubicBezTo>
+                  <a:close/>
+                  <a:moveTo>
+                    <a:pt x="37" y="36"/>
+                  </a:moveTo>
+                  <a:cubicBezTo>
+                    <a:pt x="347" y="36"/>
+                    <a:pt x="347" y="36"/>
+                    <a:pt x="347" y="36"/>
+                  </a:cubicBezTo>
+                  <a:cubicBezTo>
+                    <a:pt x="347" y="227"/>
+                    <a:pt x="347" y="227"/>
+                    <a:pt x="347" y="227"/>
+                  </a:cubicBezTo>
+                  <a:cubicBezTo>
+                    <a:pt x="37" y="227"/>
+                    <a:pt x="37" y="227"/>
+                    <a:pt x="37" y="227"/>
+                  </a:cubicBezTo>
+                  <a:lnTo>
+                    <a:pt x="37" y="36"/>
+                  </a:lnTo>
+                  <a:close/>
+                  <a:moveTo>
+                    <a:pt x="330" y="61"/>
+                  </a:moveTo>
+                  <a:cubicBezTo>
+                    <a:pt x="329" y="60"/>
+                    <a:pt x="327" y="59"/>
+                    <a:pt x="325" y="60"/>
+                  </a:cubicBezTo>
+                  <a:cubicBezTo>
+                    <a:pt x="282" y="71"/>
+                    <a:pt x="282" y="71"/>
+                    <a:pt x="282" y="71"/>
+                  </a:cubicBezTo>
+                  <a:cubicBezTo>
+                    <a:pt x="279" y="72"/>
+                    <a:pt x="277" y="75"/>
+                    <a:pt x="278" y="78"/>
+                  </a:cubicBezTo>
+                  <a:cubicBezTo>
+                    <a:pt x="279" y="81"/>
+                    <a:pt x="282" y="83"/>
+                    <a:pt x="285" y="82"/>
+                  </a:cubicBezTo>
+                  <a:cubicBezTo>
+                    <a:pt x="312" y="75"/>
+                    <a:pt x="312" y="75"/>
+                    <a:pt x="312" y="75"/>
+                  </a:cubicBezTo>
+                  <a:cubicBezTo>
+                    <a:pt x="261" y="140"/>
+                    <a:pt x="261" y="140"/>
+                    <a:pt x="261" y="140"/>
+                  </a:cubicBezTo>
+                  <a:cubicBezTo>
+                    <a:pt x="232" y="110"/>
+                    <a:pt x="232" y="110"/>
+                    <a:pt x="232" y="110"/>
+                  </a:cubicBezTo>
+                  <a:cubicBezTo>
+                    <a:pt x="231" y="109"/>
+                    <a:pt x="230" y="108"/>
+                    <a:pt x="228" y="108"/>
+                  </a:cubicBezTo>
+                  <a:cubicBezTo>
+                    <a:pt x="228" y="108"/>
+                    <a:pt x="228" y="108"/>
+                    <a:pt x="228" y="108"/>
+                  </a:cubicBezTo>
+                  <a:cubicBezTo>
+                    <a:pt x="227" y="108"/>
+                    <a:pt x="225" y="109"/>
+                    <a:pt x="224" y="110"/>
+                  </a:cubicBezTo>
+                  <a:cubicBezTo>
+                    <a:pt x="163" y="175"/>
+                    <a:pt x="163" y="175"/>
+                    <a:pt x="163" y="175"/>
+                  </a:cubicBezTo>
+                  <a:cubicBezTo>
+                    <a:pt x="122" y="134"/>
+                    <a:pt x="122" y="134"/>
+                    <a:pt x="122" y="134"/>
+                  </a:cubicBezTo>
+                  <a:cubicBezTo>
+                    <a:pt x="121" y="133"/>
+                    <a:pt x="120" y="132"/>
+                    <a:pt x="118" y="132"/>
+                  </a:cubicBezTo>
+                  <a:cubicBezTo>
+                    <a:pt x="118" y="132"/>
+                    <a:pt x="118" y="132"/>
+                    <a:pt x="118" y="132"/>
+                  </a:cubicBezTo>
+                  <a:cubicBezTo>
+                    <a:pt x="117" y="132"/>
+                    <a:pt x="115" y="133"/>
+                    <a:pt x="114" y="134"/>
+                  </a:cubicBezTo>
+                  <a:cubicBezTo>
+                    <a:pt x="60" y="189"/>
+                    <a:pt x="60" y="189"/>
+                    <a:pt x="60" y="189"/>
+                  </a:cubicBezTo>
+                  <a:cubicBezTo>
+                    <a:pt x="57" y="192"/>
+                    <a:pt x="57" y="195"/>
+                    <a:pt x="60" y="197"/>
+                  </a:cubicBezTo>
+                  <a:cubicBezTo>
+                    <a:pt x="61" y="199"/>
+                    <a:pt x="62" y="199"/>
+                    <a:pt x="64" y="199"/>
+                  </a:cubicBezTo>
+                  <a:cubicBezTo>
+                    <a:pt x="65" y="199"/>
+                    <a:pt x="67" y="199"/>
+                    <a:pt x="68" y="197"/>
+                  </a:cubicBezTo>
+                  <a:cubicBezTo>
+                    <a:pt x="118" y="146"/>
+                    <a:pt x="118" y="146"/>
+                    <a:pt x="118" y="146"/>
+                  </a:cubicBezTo>
+                  <a:cubicBezTo>
+                    <a:pt x="159" y="187"/>
+                    <a:pt x="159" y="187"/>
+                    <a:pt x="159" y="187"/>
+                  </a:cubicBezTo>
+                  <a:cubicBezTo>
+                    <a:pt x="160" y="188"/>
+                    <a:pt x="162" y="189"/>
+                    <a:pt x="163" y="189"/>
+                  </a:cubicBezTo>
+                  <a:cubicBezTo>
+                    <a:pt x="165" y="189"/>
+                    <a:pt x="167" y="188"/>
+                    <a:pt x="168" y="187"/>
+                  </a:cubicBezTo>
+                  <a:cubicBezTo>
+                    <a:pt x="228" y="122"/>
+                    <a:pt x="228" y="122"/>
+                    <a:pt x="228" y="122"/>
+                  </a:cubicBezTo>
+                  <a:cubicBezTo>
+                    <a:pt x="258" y="153"/>
+                    <a:pt x="258" y="153"/>
+                    <a:pt x="258" y="153"/>
+                  </a:cubicBezTo>
+                  <a:cubicBezTo>
+                    <a:pt x="259" y="154"/>
+                    <a:pt x="260" y="155"/>
+                    <a:pt x="262" y="155"/>
+                  </a:cubicBezTo>
+                  <a:cubicBezTo>
+                    <a:pt x="264" y="155"/>
+                    <a:pt x="265" y="154"/>
+                    <a:pt x="266" y="153"/>
+                  </a:cubicBezTo>
+                  <a:cubicBezTo>
+                    <a:pt x="322" y="82"/>
+                    <a:pt x="322" y="82"/>
+                    <a:pt x="322" y="82"/>
+                  </a:cubicBezTo>
+                  <a:cubicBezTo>
+                    <a:pt x="324" y="108"/>
+                    <a:pt x="324" y="108"/>
+                    <a:pt x="324" y="108"/>
+                  </a:cubicBezTo>
+                  <a:cubicBezTo>
+                    <a:pt x="324" y="111"/>
+                    <a:pt x="326" y="113"/>
+                    <a:pt x="329" y="113"/>
+                  </a:cubicBezTo>
+                  <a:cubicBezTo>
+                    <a:pt x="329" y="113"/>
+                    <a:pt x="330" y="113"/>
+                    <a:pt x="330" y="113"/>
+                  </a:cubicBezTo>
+                  <a:cubicBezTo>
+                    <a:pt x="333" y="113"/>
+                    <a:pt x="335" y="110"/>
+                    <a:pt x="335" y="107"/>
+                  </a:cubicBezTo>
+                  <a:cubicBezTo>
+                    <a:pt x="332" y="65"/>
+                    <a:pt x="332" y="65"/>
+                    <a:pt x="332" y="65"/>
+                  </a:cubicBezTo>
+                  <a:cubicBezTo>
+                    <a:pt x="332" y="63"/>
+                    <a:pt x="331" y="62"/>
+                    <a:pt x="330" y="61"/>
+                  </a:cubicBezTo>
+                  <a:close/>
+                </a:path>
+              </a:pathLst>
+            </a:custGeom>
+            <a:solidFill>
+              <a:srgbClr val="FFFFFF"/>
+            </a:solidFill>
+            <a:ln>
+              <a:noFill/>
+            </a:ln>
+            <a:extLst>
+              <a:ext uri="{91240B29-F687-4F45-9708-019B960494DF}">
+                <a14:hiddenLine xmlns:a14="http://schemas.microsoft.com/office/drawing/2010/main" w="9525">
+                  <a:solidFill>
+                    <a:srgbClr val="000000"/>
+                  </a:solidFill>
+                  <a:round/>
+                  <a:headEnd/>
+                  <a:tailEnd/>
+                </a14:hiddenLine>
+              </a:ext>
+            </a:extLst>
+          </p:spPr>
+          <p:txBody>
+            <a:bodyPr vert="horz" wrap="square" lIns="91440" tIns="45720" rIns="91440" bIns="45720" numCol="1" anchor="t" anchorCtr="0" compatLnSpc="1">
+              <a:prstTxWarp prst="textNoShape">
+                <a:avLst/>
+              </a:prstTxWarp>
+            </a:bodyPr>
+            <a:lstStyle/>
+            <a:p>
+              <a:endParaRPr lang="en-US"/>
+            </a:p>
+          </p:txBody>
+        </p:sp>
+      </p:grpSp>
+      <p:sp>
+        <p:nvSpPr>
+          <p:cNvPr id="10" name="TextBox 9">
+            <a:extLst>
+              <a:ext uri="{FF2B5EF4-FFF2-40B4-BE49-F238E27FC236}">
+                <a16:creationId xmlns:a16="http://schemas.microsoft.com/office/drawing/2014/main" id="{EB95DE9F-2D7E-E84D-9EDE-A75085ACDB86}"/>
+              </a:ext>
+            </a:extLst>
+          </p:cNvPr>
+          <p:cNvSpPr txBox="1"/>
+          <p:nvPr/>
+        </p:nvSpPr>
+        <p:spPr>
+          <a:xfrm>
+            <a:off x="8569584" y="1371599"/>
+            <a:ext cx="4058300" cy="361637"/>
+          </a:xfrm>
+          <a:prstGeom prst="rect">
+            <a:avLst/>
+          </a:prstGeom>
+          <a:noFill/>
+        </p:spPr>
+        <p:txBody>
+          <a:bodyPr wrap="square" rtlCol="0">
+            <a:spAutoFit/>
+          </a:bodyPr>
+          <a:lstStyle/>
+          <a:p>
+            <a:r>
+              <a:rPr lang="en-US" sz="1750" b="1" dirty="0">
+                <a:solidFill>
+                  <a:srgbClr val="EC131B"/>
+                </a:solidFill>
+                <a:latin typeface="Arial" panose="020B0706030804020204" pitchFamily="34" charset="0"/>
+              </a:rPr>
+              <a:t>Insights</a:t>
+            </a:r>
           </a:p>
         </p:txBody>
       </p:sp>

--- a/Scotiabank/Scotiabank_analysis.pptx
+++ b/Scotiabank/Scotiabank_analysis.pptx
@@ -269,7 +269,7 @@
           <a:p>
             <a:fld id="{D70CEF56-FFBC-B147-860C-8B246DC6B497}" type="datetimeFigureOut">
               <a:rPr lang="en-US" smtClean="0"/>
-              <a:t>11/16/21</a:t>
+              <a:t>11/17/21</a:t>
             </a:fld>
             <a:endParaRPr lang="en-US"/>
           </a:p>
@@ -467,7 +467,7 @@
           <a:p>
             <a:fld id="{D70CEF56-FFBC-B147-860C-8B246DC6B497}" type="datetimeFigureOut">
               <a:rPr lang="en-US" smtClean="0"/>
-              <a:t>11/16/21</a:t>
+              <a:t>11/17/21</a:t>
             </a:fld>
             <a:endParaRPr lang="en-US"/>
           </a:p>
@@ -675,7 +675,7 @@
           <a:p>
             <a:fld id="{D70CEF56-FFBC-B147-860C-8B246DC6B497}" type="datetimeFigureOut">
               <a:rPr lang="en-US" smtClean="0"/>
-              <a:t>11/16/21</a:t>
+              <a:t>11/17/21</a:t>
             </a:fld>
             <a:endParaRPr lang="en-US"/>
           </a:p>
@@ -873,7 +873,7 @@
           <a:p>
             <a:fld id="{D70CEF56-FFBC-B147-860C-8B246DC6B497}" type="datetimeFigureOut">
               <a:rPr lang="en-US" smtClean="0"/>
-              <a:t>11/16/21</a:t>
+              <a:t>11/17/21</a:t>
             </a:fld>
             <a:endParaRPr lang="en-US"/>
           </a:p>
@@ -1148,7 +1148,7 @@
           <a:p>
             <a:fld id="{D70CEF56-FFBC-B147-860C-8B246DC6B497}" type="datetimeFigureOut">
               <a:rPr lang="en-US" smtClean="0"/>
-              <a:t>11/16/21</a:t>
+              <a:t>11/17/21</a:t>
             </a:fld>
             <a:endParaRPr lang="en-US"/>
           </a:p>
@@ -1413,7 +1413,7 @@
           <a:p>
             <a:fld id="{D70CEF56-FFBC-B147-860C-8B246DC6B497}" type="datetimeFigureOut">
               <a:rPr lang="en-US" smtClean="0"/>
-              <a:t>11/16/21</a:t>
+              <a:t>11/17/21</a:t>
             </a:fld>
             <a:endParaRPr lang="en-US"/>
           </a:p>
@@ -1825,7 +1825,7 @@
           <a:p>
             <a:fld id="{D70CEF56-FFBC-B147-860C-8B246DC6B497}" type="datetimeFigureOut">
               <a:rPr lang="en-US" smtClean="0"/>
-              <a:t>11/16/21</a:t>
+              <a:t>11/17/21</a:t>
             </a:fld>
             <a:endParaRPr lang="en-US"/>
           </a:p>
@@ -1966,7 +1966,7 @@
           <a:p>
             <a:fld id="{D70CEF56-FFBC-B147-860C-8B246DC6B497}" type="datetimeFigureOut">
               <a:rPr lang="en-US" smtClean="0"/>
-              <a:t>11/16/21</a:t>
+              <a:t>11/17/21</a:t>
             </a:fld>
             <a:endParaRPr lang="en-US"/>
           </a:p>
@@ -2079,7 +2079,7 @@
           <a:p>
             <a:fld id="{D70CEF56-FFBC-B147-860C-8B246DC6B497}" type="datetimeFigureOut">
               <a:rPr lang="en-US" smtClean="0"/>
-              <a:t>11/16/21</a:t>
+              <a:t>11/17/21</a:t>
             </a:fld>
             <a:endParaRPr lang="en-US"/>
           </a:p>
@@ -2390,7 +2390,7 @@
           <a:p>
             <a:fld id="{D70CEF56-FFBC-B147-860C-8B246DC6B497}" type="datetimeFigureOut">
               <a:rPr lang="en-US" smtClean="0"/>
-              <a:t>11/16/21</a:t>
+              <a:t>11/17/21</a:t>
             </a:fld>
             <a:endParaRPr lang="en-US"/>
           </a:p>
@@ -2678,7 +2678,7 @@
           <a:p>
             <a:fld id="{D70CEF56-FFBC-B147-860C-8B246DC6B497}" type="datetimeFigureOut">
               <a:rPr lang="en-US" smtClean="0"/>
-              <a:t>11/16/21</a:t>
+              <a:t>11/17/21</a:t>
             </a:fld>
             <a:endParaRPr lang="en-US"/>
           </a:p>
@@ -2919,7 +2919,7 @@
           <a:p>
             <a:fld id="{D70CEF56-FFBC-B147-860C-8B246DC6B497}" type="datetimeFigureOut">
               <a:rPr lang="en-US" smtClean="0"/>
-              <a:t>11/16/21</a:t>
+              <a:t>11/17/21</a:t>
             </a:fld>
             <a:endParaRPr lang="en-US"/>
           </a:p>
